--- a/ppt - báo cáo đồ án tốt nghiệp.pptx
+++ b/ppt - báo cáo đồ án tốt nghiệp.pptx
@@ -5,7 +5,7 @@
     <p:sldMasterId id="2147483648" r:id="rId1"/>
   </p:sldMasterIdLst>
   <p:notesMasterIdLst>
-    <p:notesMasterId r:id="rId21"/>
+    <p:notesMasterId r:id="rId22"/>
   </p:notesMasterIdLst>
   <p:sldIdLst>
     <p:sldId id="256" r:id="rId2"/>
@@ -16,45 +16,46 @@
     <p:sldId id="261" r:id="rId7"/>
     <p:sldId id="263" r:id="rId8"/>
     <p:sldId id="262" r:id="rId9"/>
-    <p:sldId id="282" r:id="rId10"/>
-    <p:sldId id="283" r:id="rId11"/>
-    <p:sldId id="265" r:id="rId12"/>
-    <p:sldId id="284" r:id="rId13"/>
-    <p:sldId id="285" r:id="rId14"/>
-    <p:sldId id="287" r:id="rId15"/>
-    <p:sldId id="288" r:id="rId16"/>
-    <p:sldId id="289" r:id="rId17"/>
-    <p:sldId id="281" r:id="rId18"/>
-    <p:sldId id="264" r:id="rId19"/>
-    <p:sldId id="278" r:id="rId20"/>
+    <p:sldId id="290" r:id="rId10"/>
+    <p:sldId id="291" r:id="rId11"/>
+    <p:sldId id="283" r:id="rId12"/>
+    <p:sldId id="265" r:id="rId13"/>
+    <p:sldId id="284" r:id="rId14"/>
+    <p:sldId id="285" r:id="rId15"/>
+    <p:sldId id="287" r:id="rId16"/>
+    <p:sldId id="288" r:id="rId17"/>
+    <p:sldId id="289" r:id="rId18"/>
+    <p:sldId id="281" r:id="rId19"/>
+    <p:sldId id="264" r:id="rId20"/>
+    <p:sldId id="278" r:id="rId21"/>
   </p:sldIdLst>
   <p:sldSz cx="18288000" cy="10287000"/>
   <p:notesSz cx="6858000" cy="9144000"/>
   <p:embeddedFontLst>
     <p:embeddedFont>
       <p:font typeface="Calibri" panose="020F0502020204030204" pitchFamily="34" charset="0"/>
-      <p:regular r:id="rId22"/>
-      <p:bold r:id="rId23"/>
-      <p:italic r:id="rId24"/>
-      <p:boldItalic r:id="rId25"/>
+      <p:regular r:id="rId23"/>
+      <p:bold r:id="rId24"/>
+      <p:italic r:id="rId25"/>
+      <p:boldItalic r:id="rId26"/>
     </p:embeddedFont>
     <p:embeddedFont>
       <p:font typeface="Fira Sans Bold" panose="020B0604020202020204" charset="0"/>
-      <p:regular r:id="rId26"/>
+      <p:regular r:id="rId27"/>
     </p:embeddedFont>
     <p:embeddedFont>
       <p:font typeface="Fira Sans Light" panose="020B0403050000020004" pitchFamily="34" charset="0"/>
-      <p:regular r:id="rId27"/>
-      <p:italic r:id="rId28"/>
+      <p:regular r:id="rId28"/>
+      <p:italic r:id="rId29"/>
     </p:embeddedFont>
     <p:embeddedFont>
       <p:font typeface="Fira Sans Medium" panose="020B0603050000020004" pitchFamily="34" charset="0"/>
-      <p:regular r:id="rId29"/>
-      <p:italic r:id="rId30"/>
+      <p:regular r:id="rId30"/>
+      <p:italic r:id="rId31"/>
     </p:embeddedFont>
     <p:embeddedFont>
       <p:font typeface="Fira Sans Medium Bold" panose="020B0604020202020204" charset="0"/>
-      <p:regular r:id="rId31"/>
+      <p:regular r:id="rId32"/>
     </p:embeddedFont>
   </p:embeddedFontLst>
   <p:defaultTextStyle>
@@ -753,7 +754,7 @@
           <a:p>
             <a:fld id="{F5150C7E-BB03-4C07-A585-7F10D09D7497}" type="slidenum">
               <a:rPr lang="en-US" smtClean="0"/>
-              <a:t>17</a:t>
+              <a:t>18</a:t>
             </a:fld>
             <a:endParaRPr lang="en-US"/>
           </a:p>
@@ -4268,6 +4269,2896 @@
           <a:chExt cx="0" cy="0"/>
         </a:xfrm>
       </p:grpSpPr>
+      <p:sp>
+        <p:nvSpPr>
+          <p:cNvPr id="15" name="TextBox 15"/>
+          <p:cNvSpPr txBox="1"/>
+          <p:nvPr/>
+        </p:nvSpPr>
+        <p:spPr>
+          <a:xfrm>
+            <a:off x="0" y="259259"/>
+            <a:ext cx="18288000" cy="769441"/>
+          </a:xfrm>
+          <a:prstGeom prst="rect">
+            <a:avLst/>
+          </a:prstGeom>
+        </p:spPr>
+        <p:txBody>
+          <a:bodyPr wrap="square" lIns="0" tIns="0" rIns="0" bIns="0" rtlCol="0" anchor="t">
+            <a:spAutoFit/>
+          </a:bodyPr>
+          <a:lstStyle/>
+          <a:p>
+            <a:pPr marL="0" lvl="0" indent="0" algn="ctr">
+              <a:spcBef>
+                <a:spcPct val="0"/>
+              </a:spcBef>
+            </a:pPr>
+            <a:r>
+              <a:rPr lang="en-US" sz="5000" dirty="0">
+                <a:solidFill>
+                  <a:srgbClr val="1836B2"/>
+                </a:solidFill>
+                <a:latin typeface="Fira Sans Medium Bold"/>
+              </a:rPr>
+              <a:t>MÔ HÌNH CHỨC NĂNG TỔNG QUÁT PHẦN MỀM MÁY TÍNH</a:t>
+            </a:r>
+          </a:p>
+        </p:txBody>
+      </p:sp>
+      <p:sp>
+        <p:nvSpPr>
+          <p:cNvPr id="6" name="TextBox 9">
+            <a:extLst>
+              <a:ext uri="{FF2B5EF4-FFF2-40B4-BE49-F238E27FC236}">
+                <a16:creationId xmlns:a16="http://schemas.microsoft.com/office/drawing/2014/main" id="{6BC35371-F90E-4952-8BED-8AC59965787E}"/>
+              </a:ext>
+            </a:extLst>
+          </p:cNvPr>
+          <p:cNvSpPr txBox="1"/>
+          <p:nvPr/>
+        </p:nvSpPr>
+        <p:spPr>
+          <a:xfrm>
+            <a:off x="1143030" y="1418354"/>
+            <a:ext cx="6705570" cy="7834452"/>
+          </a:xfrm>
+          <a:prstGeom prst="rect">
+            <a:avLst/>
+          </a:prstGeom>
+        </p:spPr>
+        <p:txBody>
+          <a:bodyPr wrap="square" lIns="0" tIns="0" rIns="0" bIns="0" rtlCol="0" anchor="t">
+            <a:spAutoFit/>
+          </a:bodyPr>
+          <a:lstStyle/>
+          <a:p>
+            <a:pPr marL="514350" indent="-514350">
+              <a:lnSpc>
+                <a:spcPts val="3360"/>
+              </a:lnSpc>
+              <a:buFont typeface="Fira Sans Light" panose="020B0403050000020004" pitchFamily="34" charset="0"/>
+              <a:buChar char="―"/>
+            </a:pPr>
+            <a:r>
+              <a:rPr lang="en-US" sz="2800" b="1" dirty="0" err="1">
+                <a:solidFill>
+                  <a:srgbClr val="000000"/>
+                </a:solidFill>
+                <a:latin typeface="Fira Sans Light" panose="020B0403050000020004" pitchFamily="34" charset="0"/>
+              </a:rPr>
+              <a:t>Quản</a:t>
+            </a:r>
+            <a:r>
+              <a:rPr lang="en-US" sz="2800" b="1" dirty="0">
+                <a:solidFill>
+                  <a:srgbClr val="000000"/>
+                </a:solidFill>
+                <a:latin typeface="Fira Sans Light" panose="020B0403050000020004" pitchFamily="34" charset="0"/>
+              </a:rPr>
+              <a:t> </a:t>
+            </a:r>
+            <a:r>
+              <a:rPr lang="en-US" sz="2800" b="1" dirty="0" err="1">
+                <a:solidFill>
+                  <a:srgbClr val="000000"/>
+                </a:solidFill>
+                <a:latin typeface="Fira Sans Light" panose="020B0403050000020004" pitchFamily="34" charset="0"/>
+              </a:rPr>
+              <a:t>lý</a:t>
+            </a:r>
+            <a:r>
+              <a:rPr lang="en-US" sz="2800" b="1" dirty="0">
+                <a:solidFill>
+                  <a:srgbClr val="000000"/>
+                </a:solidFill>
+                <a:latin typeface="Fira Sans Light" panose="020B0403050000020004" pitchFamily="34" charset="0"/>
+              </a:rPr>
+              <a:t> </a:t>
+            </a:r>
+            <a:r>
+              <a:rPr lang="en-US" sz="2800" b="1" dirty="0" err="1">
+                <a:solidFill>
+                  <a:srgbClr val="000000"/>
+                </a:solidFill>
+                <a:latin typeface="Fira Sans Light" panose="020B0403050000020004" pitchFamily="34" charset="0"/>
+              </a:rPr>
+              <a:t>loại</a:t>
+            </a:r>
+            <a:r>
+              <a:rPr lang="en-US" sz="2800" b="1" dirty="0">
+                <a:solidFill>
+                  <a:srgbClr val="000000"/>
+                </a:solidFill>
+                <a:latin typeface="Fira Sans Light" panose="020B0403050000020004" pitchFamily="34" charset="0"/>
+              </a:rPr>
+              <a:t> </a:t>
+            </a:r>
+            <a:r>
+              <a:rPr lang="en-US" sz="2800" b="1" dirty="0" err="1">
+                <a:solidFill>
+                  <a:srgbClr val="000000"/>
+                </a:solidFill>
+                <a:latin typeface="Fira Sans Light" panose="020B0403050000020004" pitchFamily="34" charset="0"/>
+              </a:rPr>
+              <a:t>món</a:t>
+            </a:r>
+            <a:r>
+              <a:rPr lang="en-US" sz="2800" b="1" dirty="0">
+                <a:solidFill>
+                  <a:srgbClr val="000000"/>
+                </a:solidFill>
+                <a:latin typeface="Fira Sans Light" panose="020B0403050000020004" pitchFamily="34" charset="0"/>
+              </a:rPr>
+              <a:t> </a:t>
+            </a:r>
+            <a:r>
+              <a:rPr lang="en-US" sz="2800" b="1" dirty="0" err="1">
+                <a:solidFill>
+                  <a:srgbClr val="000000"/>
+                </a:solidFill>
+                <a:latin typeface="Fira Sans Light" panose="020B0403050000020004" pitchFamily="34" charset="0"/>
+              </a:rPr>
+              <a:t>ăn</a:t>
+            </a:r>
+            <a:endParaRPr lang="en-US" sz="2800" b="1" dirty="0">
+              <a:solidFill>
+                <a:srgbClr val="000000"/>
+              </a:solidFill>
+              <a:latin typeface="Fira Sans Light" panose="020B0403050000020004" pitchFamily="34" charset="0"/>
+            </a:endParaRPr>
+          </a:p>
+          <a:p>
+            <a:pPr marL="1035050" indent="-457200">
+              <a:lnSpc>
+                <a:spcPts val="3360"/>
+              </a:lnSpc>
+              <a:buFont typeface="Fira Sans Light" panose="020B0403050000020004" pitchFamily="34" charset="0"/>
+              <a:buChar char="+"/>
+            </a:pPr>
+            <a:r>
+              <a:rPr lang="en-US" sz="2800" dirty="0" err="1">
+                <a:solidFill>
+                  <a:srgbClr val="000000"/>
+                </a:solidFill>
+                <a:latin typeface="Fira Sans Light" panose="020B0403050000020004" pitchFamily="34" charset="0"/>
+              </a:rPr>
+              <a:t>Thêm</a:t>
+            </a:r>
+            <a:r>
+              <a:rPr lang="en-US" sz="2800" dirty="0">
+                <a:solidFill>
+                  <a:srgbClr val="000000"/>
+                </a:solidFill>
+                <a:latin typeface="Fira Sans Light" panose="020B0403050000020004" pitchFamily="34" charset="0"/>
+              </a:rPr>
+              <a:t> </a:t>
+            </a:r>
+            <a:r>
+              <a:rPr lang="en-US" sz="2800" dirty="0" err="1">
+                <a:solidFill>
+                  <a:srgbClr val="000000"/>
+                </a:solidFill>
+                <a:latin typeface="Fira Sans Light" panose="020B0403050000020004" pitchFamily="34" charset="0"/>
+              </a:rPr>
+              <a:t>loại</a:t>
+            </a:r>
+            <a:r>
+              <a:rPr lang="en-US" sz="2800" dirty="0">
+                <a:solidFill>
+                  <a:srgbClr val="000000"/>
+                </a:solidFill>
+                <a:latin typeface="Fira Sans Light" panose="020B0403050000020004" pitchFamily="34" charset="0"/>
+              </a:rPr>
+              <a:t> </a:t>
+            </a:r>
+            <a:r>
+              <a:rPr lang="en-US" sz="2800" dirty="0" err="1">
+                <a:solidFill>
+                  <a:srgbClr val="000000"/>
+                </a:solidFill>
+                <a:latin typeface="Fira Sans Light" panose="020B0403050000020004" pitchFamily="34" charset="0"/>
+              </a:rPr>
+              <a:t>món</a:t>
+            </a:r>
+            <a:r>
+              <a:rPr lang="en-US" sz="2800" dirty="0">
+                <a:solidFill>
+                  <a:srgbClr val="000000"/>
+                </a:solidFill>
+                <a:latin typeface="Fira Sans Light" panose="020B0403050000020004" pitchFamily="34" charset="0"/>
+              </a:rPr>
+              <a:t> </a:t>
+            </a:r>
+            <a:r>
+              <a:rPr lang="en-US" sz="2800" dirty="0" err="1">
+                <a:solidFill>
+                  <a:srgbClr val="000000"/>
+                </a:solidFill>
+                <a:latin typeface="Fira Sans Light" panose="020B0403050000020004" pitchFamily="34" charset="0"/>
+              </a:rPr>
+              <a:t>ăn</a:t>
+            </a:r>
+            <a:endParaRPr lang="en-US" sz="2800" dirty="0">
+              <a:solidFill>
+                <a:srgbClr val="000000"/>
+              </a:solidFill>
+              <a:latin typeface="Fira Sans Light" panose="020B0403050000020004" pitchFamily="34" charset="0"/>
+            </a:endParaRPr>
+          </a:p>
+          <a:p>
+            <a:pPr marL="1035050" indent="-457200">
+              <a:lnSpc>
+                <a:spcPts val="3360"/>
+              </a:lnSpc>
+              <a:buFont typeface="Fira Sans Light" panose="020B0403050000020004" pitchFamily="34" charset="0"/>
+              <a:buChar char="+"/>
+            </a:pPr>
+            <a:r>
+              <a:rPr lang="en-US" sz="2800" dirty="0" err="1">
+                <a:solidFill>
+                  <a:srgbClr val="000000"/>
+                </a:solidFill>
+                <a:latin typeface="Fira Sans Light" panose="020B0403050000020004" pitchFamily="34" charset="0"/>
+              </a:rPr>
+              <a:t>Cập</a:t>
+            </a:r>
+            <a:r>
+              <a:rPr lang="en-US" sz="2800" dirty="0">
+                <a:solidFill>
+                  <a:srgbClr val="000000"/>
+                </a:solidFill>
+                <a:latin typeface="Fira Sans Light" panose="020B0403050000020004" pitchFamily="34" charset="0"/>
+              </a:rPr>
+              <a:t> </a:t>
+            </a:r>
+            <a:r>
+              <a:rPr lang="en-US" sz="2800" dirty="0" err="1">
+                <a:solidFill>
+                  <a:srgbClr val="000000"/>
+                </a:solidFill>
+                <a:latin typeface="Fira Sans Light" panose="020B0403050000020004" pitchFamily="34" charset="0"/>
+              </a:rPr>
+              <a:t>nhật</a:t>
+            </a:r>
+            <a:r>
+              <a:rPr lang="en-US" sz="2800" dirty="0">
+                <a:solidFill>
+                  <a:srgbClr val="000000"/>
+                </a:solidFill>
+                <a:latin typeface="Fira Sans Light" panose="020B0403050000020004" pitchFamily="34" charset="0"/>
+              </a:rPr>
+              <a:t> </a:t>
+            </a:r>
+            <a:r>
+              <a:rPr lang="en-US" sz="2800" dirty="0" err="1">
+                <a:solidFill>
+                  <a:srgbClr val="000000"/>
+                </a:solidFill>
+                <a:latin typeface="Fira Sans Light" panose="020B0403050000020004" pitchFamily="34" charset="0"/>
+              </a:rPr>
+              <a:t>thông</a:t>
+            </a:r>
+            <a:r>
+              <a:rPr lang="en-US" sz="2800" dirty="0">
+                <a:solidFill>
+                  <a:srgbClr val="000000"/>
+                </a:solidFill>
+                <a:latin typeface="Fira Sans Light" panose="020B0403050000020004" pitchFamily="34" charset="0"/>
+              </a:rPr>
+              <a:t> tin </a:t>
+            </a:r>
+            <a:r>
+              <a:rPr lang="en-US" sz="2800" dirty="0" err="1">
+                <a:solidFill>
+                  <a:srgbClr val="000000"/>
+                </a:solidFill>
+                <a:latin typeface="Fira Sans Light" panose="020B0403050000020004" pitchFamily="34" charset="0"/>
+              </a:rPr>
+              <a:t>loại</a:t>
+            </a:r>
+            <a:r>
+              <a:rPr lang="en-US" sz="2800" dirty="0">
+                <a:solidFill>
+                  <a:srgbClr val="000000"/>
+                </a:solidFill>
+                <a:latin typeface="Fira Sans Light" panose="020B0403050000020004" pitchFamily="34" charset="0"/>
+              </a:rPr>
+              <a:t> </a:t>
+            </a:r>
+            <a:r>
+              <a:rPr lang="en-US" sz="2800" dirty="0" err="1">
+                <a:solidFill>
+                  <a:srgbClr val="000000"/>
+                </a:solidFill>
+                <a:latin typeface="Fira Sans Light" panose="020B0403050000020004" pitchFamily="34" charset="0"/>
+              </a:rPr>
+              <a:t>món</a:t>
+            </a:r>
+            <a:r>
+              <a:rPr lang="en-US" sz="2800" dirty="0">
+                <a:solidFill>
+                  <a:srgbClr val="000000"/>
+                </a:solidFill>
+                <a:latin typeface="Fira Sans Light" panose="020B0403050000020004" pitchFamily="34" charset="0"/>
+              </a:rPr>
+              <a:t> </a:t>
+            </a:r>
+            <a:r>
+              <a:rPr lang="en-US" sz="2800" dirty="0" err="1">
+                <a:solidFill>
+                  <a:srgbClr val="000000"/>
+                </a:solidFill>
+                <a:latin typeface="Fira Sans Light" panose="020B0403050000020004" pitchFamily="34" charset="0"/>
+              </a:rPr>
+              <a:t>ăn</a:t>
+            </a:r>
+            <a:endParaRPr lang="en-US" sz="2800" dirty="0">
+              <a:solidFill>
+                <a:srgbClr val="000000"/>
+              </a:solidFill>
+              <a:latin typeface="Fira Sans Light" panose="020B0403050000020004" pitchFamily="34" charset="0"/>
+            </a:endParaRPr>
+          </a:p>
+          <a:p>
+            <a:pPr marL="1035050" indent="-457200">
+              <a:lnSpc>
+                <a:spcPts val="3360"/>
+              </a:lnSpc>
+              <a:buFont typeface="Fira Sans Light" panose="020B0403050000020004" pitchFamily="34" charset="0"/>
+              <a:buChar char="+"/>
+            </a:pPr>
+            <a:r>
+              <a:rPr lang="en-US" sz="2800" dirty="0" err="1">
+                <a:solidFill>
+                  <a:srgbClr val="000000"/>
+                </a:solidFill>
+                <a:latin typeface="Fira Sans Light" panose="020B0403050000020004" pitchFamily="34" charset="0"/>
+              </a:rPr>
+              <a:t>Xóa</a:t>
+            </a:r>
+            <a:r>
+              <a:rPr lang="en-US" sz="2800" dirty="0">
+                <a:solidFill>
+                  <a:srgbClr val="000000"/>
+                </a:solidFill>
+                <a:latin typeface="Fira Sans Light" panose="020B0403050000020004" pitchFamily="34" charset="0"/>
+              </a:rPr>
+              <a:t> </a:t>
+            </a:r>
+            <a:r>
+              <a:rPr lang="en-US" sz="2800" dirty="0" err="1">
+                <a:solidFill>
+                  <a:srgbClr val="000000"/>
+                </a:solidFill>
+                <a:latin typeface="Fira Sans Light" panose="020B0403050000020004" pitchFamily="34" charset="0"/>
+              </a:rPr>
+              <a:t>loại</a:t>
+            </a:r>
+            <a:r>
+              <a:rPr lang="en-US" sz="2800" dirty="0">
+                <a:solidFill>
+                  <a:srgbClr val="000000"/>
+                </a:solidFill>
+                <a:latin typeface="Fira Sans Light" panose="020B0403050000020004" pitchFamily="34" charset="0"/>
+              </a:rPr>
+              <a:t> </a:t>
+            </a:r>
+            <a:r>
+              <a:rPr lang="en-US" sz="2800" dirty="0" err="1">
+                <a:solidFill>
+                  <a:srgbClr val="000000"/>
+                </a:solidFill>
+                <a:latin typeface="Fira Sans Light" panose="020B0403050000020004" pitchFamily="34" charset="0"/>
+              </a:rPr>
+              <a:t>món</a:t>
+            </a:r>
+            <a:r>
+              <a:rPr lang="en-US" sz="2800" dirty="0">
+                <a:solidFill>
+                  <a:srgbClr val="000000"/>
+                </a:solidFill>
+                <a:latin typeface="Fira Sans Light" panose="020B0403050000020004" pitchFamily="34" charset="0"/>
+              </a:rPr>
+              <a:t> </a:t>
+            </a:r>
+            <a:r>
+              <a:rPr lang="en-US" sz="2800" dirty="0" err="1">
+                <a:solidFill>
+                  <a:srgbClr val="000000"/>
+                </a:solidFill>
+                <a:latin typeface="Fira Sans Light" panose="020B0403050000020004" pitchFamily="34" charset="0"/>
+              </a:rPr>
+              <a:t>ăn</a:t>
+            </a:r>
+            <a:endParaRPr lang="en-US" sz="2800" dirty="0">
+              <a:solidFill>
+                <a:srgbClr val="000000"/>
+              </a:solidFill>
+              <a:latin typeface="Fira Sans Light" panose="020B0403050000020004" pitchFamily="34" charset="0"/>
+            </a:endParaRPr>
+          </a:p>
+          <a:p>
+            <a:pPr marL="514350" indent="-514350">
+              <a:lnSpc>
+                <a:spcPts val="3360"/>
+              </a:lnSpc>
+              <a:buFont typeface="Fira Sans Light" panose="020B0403050000020004" pitchFamily="34" charset="0"/>
+              <a:buChar char="―"/>
+            </a:pPr>
+            <a:r>
+              <a:rPr lang="en-US" sz="2800" b="1" dirty="0" err="1">
+                <a:solidFill>
+                  <a:srgbClr val="000000"/>
+                </a:solidFill>
+                <a:latin typeface="Fira Sans Light" panose="020B0403050000020004" pitchFamily="34" charset="0"/>
+              </a:rPr>
+              <a:t>Quản</a:t>
+            </a:r>
+            <a:r>
+              <a:rPr lang="en-US" sz="2800" b="1" dirty="0">
+                <a:solidFill>
+                  <a:srgbClr val="000000"/>
+                </a:solidFill>
+                <a:latin typeface="Fira Sans Light" panose="020B0403050000020004" pitchFamily="34" charset="0"/>
+              </a:rPr>
+              <a:t> </a:t>
+            </a:r>
+            <a:r>
+              <a:rPr lang="en-US" sz="2800" b="1" dirty="0" err="1">
+                <a:solidFill>
+                  <a:srgbClr val="000000"/>
+                </a:solidFill>
+                <a:latin typeface="Fira Sans Light" panose="020B0403050000020004" pitchFamily="34" charset="0"/>
+              </a:rPr>
+              <a:t>lý</a:t>
+            </a:r>
+            <a:r>
+              <a:rPr lang="en-US" sz="2800" b="1" dirty="0">
+                <a:solidFill>
+                  <a:srgbClr val="000000"/>
+                </a:solidFill>
+                <a:latin typeface="Fira Sans Light" panose="020B0403050000020004" pitchFamily="34" charset="0"/>
+              </a:rPr>
+              <a:t> </a:t>
+            </a:r>
+            <a:r>
+              <a:rPr lang="en-US" sz="2800" b="1" dirty="0" err="1">
+                <a:solidFill>
+                  <a:srgbClr val="000000"/>
+                </a:solidFill>
+                <a:latin typeface="Fira Sans Light" panose="020B0403050000020004" pitchFamily="34" charset="0"/>
+              </a:rPr>
+              <a:t>món</a:t>
+            </a:r>
+            <a:r>
+              <a:rPr lang="en-US" sz="2800" b="1" dirty="0">
+                <a:solidFill>
+                  <a:srgbClr val="000000"/>
+                </a:solidFill>
+                <a:latin typeface="Fira Sans Light" panose="020B0403050000020004" pitchFamily="34" charset="0"/>
+              </a:rPr>
+              <a:t> </a:t>
+            </a:r>
+            <a:r>
+              <a:rPr lang="en-US" sz="2800" b="1" dirty="0" err="1">
+                <a:solidFill>
+                  <a:srgbClr val="000000"/>
+                </a:solidFill>
+                <a:latin typeface="Fira Sans Light" panose="020B0403050000020004" pitchFamily="34" charset="0"/>
+              </a:rPr>
+              <a:t>ăn</a:t>
+            </a:r>
+            <a:endParaRPr lang="en-US" sz="2800" b="1" dirty="0">
+              <a:solidFill>
+                <a:srgbClr val="000000"/>
+              </a:solidFill>
+              <a:latin typeface="Fira Sans Light" panose="020B0403050000020004" pitchFamily="34" charset="0"/>
+            </a:endParaRPr>
+          </a:p>
+          <a:p>
+            <a:pPr marL="1031875" indent="-457200">
+              <a:lnSpc>
+                <a:spcPts val="3360"/>
+              </a:lnSpc>
+              <a:buFont typeface="Fira Sans Light" panose="020B0403050000020004" pitchFamily="34" charset="0"/>
+              <a:buChar char="+"/>
+            </a:pPr>
+            <a:r>
+              <a:rPr lang="en-US" sz="2800" dirty="0" err="1">
+                <a:solidFill>
+                  <a:srgbClr val="000000"/>
+                </a:solidFill>
+                <a:latin typeface="Fira Sans Light" panose="020B0403050000020004" pitchFamily="34" charset="0"/>
+              </a:rPr>
+              <a:t>Thêm</a:t>
+            </a:r>
+            <a:r>
+              <a:rPr lang="en-US" sz="2800" dirty="0">
+                <a:solidFill>
+                  <a:srgbClr val="000000"/>
+                </a:solidFill>
+                <a:latin typeface="Fira Sans Light" panose="020B0403050000020004" pitchFamily="34" charset="0"/>
+              </a:rPr>
+              <a:t> </a:t>
+            </a:r>
+            <a:r>
+              <a:rPr lang="en-US" sz="2800" dirty="0" err="1">
+                <a:solidFill>
+                  <a:srgbClr val="000000"/>
+                </a:solidFill>
+                <a:latin typeface="Fira Sans Light" panose="020B0403050000020004" pitchFamily="34" charset="0"/>
+              </a:rPr>
+              <a:t>món</a:t>
+            </a:r>
+            <a:r>
+              <a:rPr lang="en-US" sz="2800" dirty="0">
+                <a:solidFill>
+                  <a:srgbClr val="000000"/>
+                </a:solidFill>
+                <a:latin typeface="Fira Sans Light" panose="020B0403050000020004" pitchFamily="34" charset="0"/>
+              </a:rPr>
+              <a:t> </a:t>
+            </a:r>
+            <a:r>
+              <a:rPr lang="en-US" sz="2800" dirty="0" err="1">
+                <a:solidFill>
+                  <a:srgbClr val="000000"/>
+                </a:solidFill>
+                <a:latin typeface="Fira Sans Light" panose="020B0403050000020004" pitchFamily="34" charset="0"/>
+              </a:rPr>
+              <a:t>ăn</a:t>
+            </a:r>
+            <a:endParaRPr lang="en-US" sz="2800" dirty="0">
+              <a:solidFill>
+                <a:srgbClr val="000000"/>
+              </a:solidFill>
+              <a:latin typeface="Fira Sans Light" panose="020B0403050000020004" pitchFamily="34" charset="0"/>
+            </a:endParaRPr>
+          </a:p>
+          <a:p>
+            <a:pPr marL="1031875" indent="-457200">
+              <a:lnSpc>
+                <a:spcPts val="3360"/>
+              </a:lnSpc>
+              <a:buFont typeface="Fira Sans Light" panose="020B0403050000020004" pitchFamily="34" charset="0"/>
+              <a:buChar char="+"/>
+            </a:pPr>
+            <a:r>
+              <a:rPr lang="en-US" sz="2800" dirty="0" err="1">
+                <a:solidFill>
+                  <a:srgbClr val="000000"/>
+                </a:solidFill>
+                <a:latin typeface="Fira Sans Light" panose="020B0403050000020004" pitchFamily="34" charset="0"/>
+              </a:rPr>
+              <a:t>Cập</a:t>
+            </a:r>
+            <a:r>
+              <a:rPr lang="en-US" sz="2800" dirty="0">
+                <a:solidFill>
+                  <a:srgbClr val="000000"/>
+                </a:solidFill>
+                <a:latin typeface="Fira Sans Light" panose="020B0403050000020004" pitchFamily="34" charset="0"/>
+              </a:rPr>
+              <a:t> </a:t>
+            </a:r>
+            <a:r>
+              <a:rPr lang="en-US" sz="2800" dirty="0" err="1">
+                <a:solidFill>
+                  <a:srgbClr val="000000"/>
+                </a:solidFill>
+                <a:latin typeface="Fira Sans Light" panose="020B0403050000020004" pitchFamily="34" charset="0"/>
+              </a:rPr>
+              <a:t>nhật</a:t>
+            </a:r>
+            <a:r>
+              <a:rPr lang="en-US" sz="2800" dirty="0">
+                <a:solidFill>
+                  <a:srgbClr val="000000"/>
+                </a:solidFill>
+                <a:latin typeface="Fira Sans Light" panose="020B0403050000020004" pitchFamily="34" charset="0"/>
+              </a:rPr>
+              <a:t> </a:t>
+            </a:r>
+            <a:r>
+              <a:rPr lang="en-US" sz="2800" dirty="0" err="1">
+                <a:solidFill>
+                  <a:srgbClr val="000000"/>
+                </a:solidFill>
+                <a:latin typeface="Fira Sans Light" panose="020B0403050000020004" pitchFamily="34" charset="0"/>
+              </a:rPr>
+              <a:t>thông</a:t>
+            </a:r>
+            <a:r>
+              <a:rPr lang="en-US" sz="2800" dirty="0">
+                <a:solidFill>
+                  <a:srgbClr val="000000"/>
+                </a:solidFill>
+                <a:latin typeface="Fira Sans Light" panose="020B0403050000020004" pitchFamily="34" charset="0"/>
+              </a:rPr>
+              <a:t> tin </a:t>
+            </a:r>
+            <a:r>
+              <a:rPr lang="en-US" sz="2800" dirty="0" err="1">
+                <a:solidFill>
+                  <a:srgbClr val="000000"/>
+                </a:solidFill>
+                <a:latin typeface="Fira Sans Light" panose="020B0403050000020004" pitchFamily="34" charset="0"/>
+              </a:rPr>
+              <a:t>món</a:t>
+            </a:r>
+            <a:r>
+              <a:rPr lang="en-US" sz="2800" dirty="0">
+                <a:solidFill>
+                  <a:srgbClr val="000000"/>
+                </a:solidFill>
+                <a:latin typeface="Fira Sans Light" panose="020B0403050000020004" pitchFamily="34" charset="0"/>
+              </a:rPr>
+              <a:t> </a:t>
+            </a:r>
+            <a:r>
+              <a:rPr lang="en-US" sz="2800" dirty="0" err="1">
+                <a:solidFill>
+                  <a:srgbClr val="000000"/>
+                </a:solidFill>
+                <a:latin typeface="Fira Sans Light" panose="020B0403050000020004" pitchFamily="34" charset="0"/>
+              </a:rPr>
+              <a:t>ăn</a:t>
+            </a:r>
+            <a:endParaRPr lang="en-US" sz="2800" dirty="0">
+              <a:solidFill>
+                <a:srgbClr val="000000"/>
+              </a:solidFill>
+              <a:latin typeface="Fira Sans Light" panose="020B0403050000020004" pitchFamily="34" charset="0"/>
+            </a:endParaRPr>
+          </a:p>
+          <a:p>
+            <a:pPr marL="1031875" indent="-457200">
+              <a:lnSpc>
+                <a:spcPts val="3360"/>
+              </a:lnSpc>
+              <a:buFont typeface="Fira Sans Light" panose="020B0403050000020004" pitchFamily="34" charset="0"/>
+              <a:buChar char="+"/>
+            </a:pPr>
+            <a:r>
+              <a:rPr lang="en-US" sz="2800" dirty="0" err="1">
+                <a:solidFill>
+                  <a:srgbClr val="000000"/>
+                </a:solidFill>
+                <a:latin typeface="Fira Sans Light" panose="020B0403050000020004" pitchFamily="34" charset="0"/>
+              </a:rPr>
+              <a:t>Xóa</a:t>
+            </a:r>
+            <a:r>
+              <a:rPr lang="en-US" sz="2800" dirty="0">
+                <a:solidFill>
+                  <a:srgbClr val="000000"/>
+                </a:solidFill>
+                <a:latin typeface="Fira Sans Light" panose="020B0403050000020004" pitchFamily="34" charset="0"/>
+              </a:rPr>
+              <a:t> </a:t>
+            </a:r>
+            <a:r>
+              <a:rPr lang="en-US" sz="2800" dirty="0" err="1">
+                <a:solidFill>
+                  <a:srgbClr val="000000"/>
+                </a:solidFill>
+                <a:latin typeface="Fira Sans Light" panose="020B0403050000020004" pitchFamily="34" charset="0"/>
+              </a:rPr>
+              <a:t>món</a:t>
+            </a:r>
+            <a:r>
+              <a:rPr lang="en-US" sz="2800" dirty="0">
+                <a:solidFill>
+                  <a:srgbClr val="000000"/>
+                </a:solidFill>
+                <a:latin typeface="Fira Sans Light" panose="020B0403050000020004" pitchFamily="34" charset="0"/>
+              </a:rPr>
+              <a:t> </a:t>
+            </a:r>
+            <a:r>
+              <a:rPr lang="en-US" sz="2800" dirty="0" err="1">
+                <a:solidFill>
+                  <a:srgbClr val="000000"/>
+                </a:solidFill>
+                <a:latin typeface="Fira Sans Light" panose="020B0403050000020004" pitchFamily="34" charset="0"/>
+              </a:rPr>
+              <a:t>ăn</a:t>
+            </a:r>
+            <a:endParaRPr lang="en-US" sz="2800" dirty="0">
+              <a:solidFill>
+                <a:srgbClr val="000000"/>
+              </a:solidFill>
+              <a:latin typeface="Fira Sans Light" panose="020B0403050000020004" pitchFamily="34" charset="0"/>
+            </a:endParaRPr>
+          </a:p>
+          <a:p>
+            <a:pPr marL="514350" indent="-514350">
+              <a:lnSpc>
+                <a:spcPts val="3360"/>
+              </a:lnSpc>
+              <a:buFont typeface="Fira Sans Light" panose="020B0403050000020004" pitchFamily="34" charset="0"/>
+              <a:buChar char="―"/>
+            </a:pPr>
+            <a:r>
+              <a:rPr lang="en-US" sz="2800" b="1" dirty="0" err="1">
+                <a:solidFill>
+                  <a:srgbClr val="000000"/>
+                </a:solidFill>
+                <a:latin typeface="Fira Sans Light" panose="020B0403050000020004" pitchFamily="34" charset="0"/>
+              </a:rPr>
+              <a:t>Quản</a:t>
+            </a:r>
+            <a:r>
+              <a:rPr lang="en-US" sz="2800" b="1" dirty="0">
+                <a:solidFill>
+                  <a:srgbClr val="000000"/>
+                </a:solidFill>
+                <a:latin typeface="Fira Sans Light" panose="020B0403050000020004" pitchFamily="34" charset="0"/>
+              </a:rPr>
+              <a:t> </a:t>
+            </a:r>
+            <a:r>
+              <a:rPr lang="en-US" sz="2800" b="1" dirty="0" err="1">
+                <a:solidFill>
+                  <a:srgbClr val="000000"/>
+                </a:solidFill>
+                <a:latin typeface="Fira Sans Light" panose="020B0403050000020004" pitchFamily="34" charset="0"/>
+              </a:rPr>
+              <a:t>lý</a:t>
+            </a:r>
+            <a:r>
+              <a:rPr lang="en-US" sz="2800" b="1" dirty="0">
+                <a:solidFill>
+                  <a:srgbClr val="000000"/>
+                </a:solidFill>
+                <a:latin typeface="Fira Sans Light" panose="020B0403050000020004" pitchFamily="34" charset="0"/>
+              </a:rPr>
+              <a:t> </a:t>
+            </a:r>
+            <a:r>
+              <a:rPr lang="en-US" sz="2800" b="1" dirty="0" err="1">
+                <a:solidFill>
+                  <a:srgbClr val="000000"/>
+                </a:solidFill>
+                <a:latin typeface="Fira Sans Light" panose="020B0403050000020004" pitchFamily="34" charset="0"/>
+              </a:rPr>
+              <a:t>nguyên</a:t>
+            </a:r>
+            <a:r>
+              <a:rPr lang="en-US" sz="2800" b="1" dirty="0">
+                <a:solidFill>
+                  <a:srgbClr val="000000"/>
+                </a:solidFill>
+                <a:latin typeface="Fira Sans Light" panose="020B0403050000020004" pitchFamily="34" charset="0"/>
+              </a:rPr>
+              <a:t> </a:t>
+            </a:r>
+            <a:r>
+              <a:rPr lang="en-US" sz="2800" b="1" dirty="0" err="1">
+                <a:solidFill>
+                  <a:srgbClr val="000000"/>
+                </a:solidFill>
+                <a:latin typeface="Fira Sans Light" panose="020B0403050000020004" pitchFamily="34" charset="0"/>
+              </a:rPr>
+              <a:t>liệu</a:t>
+            </a:r>
+            <a:endParaRPr lang="en-US" sz="2800" b="1" dirty="0">
+              <a:solidFill>
+                <a:srgbClr val="000000"/>
+              </a:solidFill>
+              <a:latin typeface="Fira Sans Light" panose="020B0403050000020004" pitchFamily="34" charset="0"/>
+            </a:endParaRPr>
+          </a:p>
+          <a:p>
+            <a:pPr marL="1031875" indent="-457200">
+              <a:lnSpc>
+                <a:spcPts val="3360"/>
+              </a:lnSpc>
+              <a:buFont typeface="Fira Sans Light" panose="020B0403050000020004" pitchFamily="34" charset="0"/>
+              <a:buChar char="+"/>
+            </a:pPr>
+            <a:r>
+              <a:rPr lang="en-US" sz="2800" dirty="0" err="1">
+                <a:solidFill>
+                  <a:srgbClr val="000000"/>
+                </a:solidFill>
+                <a:latin typeface="Fira Sans Light" panose="020B0403050000020004" pitchFamily="34" charset="0"/>
+              </a:rPr>
+              <a:t>Thêm</a:t>
+            </a:r>
+            <a:r>
+              <a:rPr lang="en-US" sz="2800" dirty="0">
+                <a:solidFill>
+                  <a:srgbClr val="000000"/>
+                </a:solidFill>
+                <a:latin typeface="Fira Sans Light" panose="020B0403050000020004" pitchFamily="34" charset="0"/>
+              </a:rPr>
+              <a:t> </a:t>
+            </a:r>
+            <a:r>
+              <a:rPr lang="en-US" sz="2800" dirty="0" err="1">
+                <a:solidFill>
+                  <a:srgbClr val="000000"/>
+                </a:solidFill>
+                <a:latin typeface="Fira Sans Light" panose="020B0403050000020004" pitchFamily="34" charset="0"/>
+              </a:rPr>
+              <a:t>nguyên</a:t>
+            </a:r>
+            <a:r>
+              <a:rPr lang="en-US" sz="2800" dirty="0">
+                <a:solidFill>
+                  <a:srgbClr val="000000"/>
+                </a:solidFill>
+                <a:latin typeface="Fira Sans Light" panose="020B0403050000020004" pitchFamily="34" charset="0"/>
+              </a:rPr>
+              <a:t> </a:t>
+            </a:r>
+            <a:r>
+              <a:rPr lang="en-US" sz="2800" dirty="0" err="1">
+                <a:solidFill>
+                  <a:srgbClr val="000000"/>
+                </a:solidFill>
+                <a:latin typeface="Fira Sans Light" panose="020B0403050000020004" pitchFamily="34" charset="0"/>
+              </a:rPr>
+              <a:t>liệu</a:t>
+            </a:r>
+            <a:endParaRPr lang="en-US" sz="2800" dirty="0">
+              <a:solidFill>
+                <a:srgbClr val="000000"/>
+              </a:solidFill>
+              <a:latin typeface="Fira Sans Light" panose="020B0403050000020004" pitchFamily="34" charset="0"/>
+            </a:endParaRPr>
+          </a:p>
+          <a:p>
+            <a:pPr marL="1031875" indent="-457200">
+              <a:lnSpc>
+                <a:spcPts val="3360"/>
+              </a:lnSpc>
+              <a:buFont typeface="Fira Sans Light" panose="020B0403050000020004" pitchFamily="34" charset="0"/>
+              <a:buChar char="+"/>
+            </a:pPr>
+            <a:r>
+              <a:rPr lang="en-US" sz="2800" dirty="0" err="1">
+                <a:solidFill>
+                  <a:srgbClr val="000000"/>
+                </a:solidFill>
+                <a:latin typeface="Fira Sans Light" panose="020B0403050000020004" pitchFamily="34" charset="0"/>
+              </a:rPr>
+              <a:t>Cập</a:t>
+            </a:r>
+            <a:r>
+              <a:rPr lang="en-US" sz="2800" dirty="0">
+                <a:solidFill>
+                  <a:srgbClr val="000000"/>
+                </a:solidFill>
+                <a:latin typeface="Fira Sans Light" panose="020B0403050000020004" pitchFamily="34" charset="0"/>
+              </a:rPr>
+              <a:t> </a:t>
+            </a:r>
+            <a:r>
+              <a:rPr lang="en-US" sz="2800" dirty="0" err="1">
+                <a:solidFill>
+                  <a:srgbClr val="000000"/>
+                </a:solidFill>
+                <a:latin typeface="Fira Sans Light" panose="020B0403050000020004" pitchFamily="34" charset="0"/>
+              </a:rPr>
+              <a:t>nhật</a:t>
+            </a:r>
+            <a:r>
+              <a:rPr lang="en-US" sz="2800" dirty="0">
+                <a:solidFill>
+                  <a:srgbClr val="000000"/>
+                </a:solidFill>
+                <a:latin typeface="Fira Sans Light" panose="020B0403050000020004" pitchFamily="34" charset="0"/>
+              </a:rPr>
+              <a:t> </a:t>
+            </a:r>
+            <a:r>
+              <a:rPr lang="en-US" sz="2800" dirty="0" err="1">
+                <a:solidFill>
+                  <a:srgbClr val="000000"/>
+                </a:solidFill>
+                <a:latin typeface="Fira Sans Light" panose="020B0403050000020004" pitchFamily="34" charset="0"/>
+              </a:rPr>
+              <a:t>thông</a:t>
+            </a:r>
+            <a:r>
+              <a:rPr lang="en-US" sz="2800" dirty="0">
+                <a:solidFill>
+                  <a:srgbClr val="000000"/>
+                </a:solidFill>
+                <a:latin typeface="Fira Sans Light" panose="020B0403050000020004" pitchFamily="34" charset="0"/>
+              </a:rPr>
+              <a:t> tin </a:t>
+            </a:r>
+            <a:r>
+              <a:rPr lang="en-US" sz="2800" dirty="0" err="1">
+                <a:solidFill>
+                  <a:srgbClr val="000000"/>
+                </a:solidFill>
+                <a:latin typeface="Fira Sans Light" panose="020B0403050000020004" pitchFamily="34" charset="0"/>
+              </a:rPr>
+              <a:t>nguyên</a:t>
+            </a:r>
+            <a:r>
+              <a:rPr lang="en-US" sz="2800" dirty="0">
+                <a:solidFill>
+                  <a:srgbClr val="000000"/>
+                </a:solidFill>
+                <a:latin typeface="Fira Sans Light" panose="020B0403050000020004" pitchFamily="34" charset="0"/>
+              </a:rPr>
+              <a:t> </a:t>
+            </a:r>
+            <a:r>
+              <a:rPr lang="en-US" sz="2800" dirty="0" err="1">
+                <a:solidFill>
+                  <a:srgbClr val="000000"/>
+                </a:solidFill>
+                <a:latin typeface="Fira Sans Light" panose="020B0403050000020004" pitchFamily="34" charset="0"/>
+              </a:rPr>
+              <a:t>liệu</a:t>
+            </a:r>
+            <a:endParaRPr lang="en-US" sz="2800" dirty="0">
+              <a:solidFill>
+                <a:srgbClr val="000000"/>
+              </a:solidFill>
+              <a:latin typeface="Fira Sans Light" panose="020B0403050000020004" pitchFamily="34" charset="0"/>
+            </a:endParaRPr>
+          </a:p>
+          <a:p>
+            <a:pPr marL="1031875" indent="-457200">
+              <a:lnSpc>
+                <a:spcPts val="3360"/>
+              </a:lnSpc>
+              <a:buFont typeface="Fira Sans Light" panose="020B0403050000020004" pitchFamily="34" charset="0"/>
+              <a:buChar char="+"/>
+            </a:pPr>
+            <a:r>
+              <a:rPr lang="en-US" sz="2800" dirty="0" err="1">
+                <a:solidFill>
+                  <a:srgbClr val="000000"/>
+                </a:solidFill>
+                <a:latin typeface="Fira Sans Light" panose="020B0403050000020004" pitchFamily="34" charset="0"/>
+              </a:rPr>
+              <a:t>Xóa</a:t>
+            </a:r>
+            <a:r>
+              <a:rPr lang="en-US" sz="2800" dirty="0">
+                <a:solidFill>
+                  <a:srgbClr val="000000"/>
+                </a:solidFill>
+                <a:latin typeface="Fira Sans Light" panose="020B0403050000020004" pitchFamily="34" charset="0"/>
+              </a:rPr>
+              <a:t> </a:t>
+            </a:r>
+            <a:r>
+              <a:rPr lang="en-US" sz="2800" dirty="0" err="1">
+                <a:solidFill>
+                  <a:srgbClr val="000000"/>
+                </a:solidFill>
+                <a:latin typeface="Fira Sans Light" panose="020B0403050000020004" pitchFamily="34" charset="0"/>
+              </a:rPr>
+              <a:t>nguyên</a:t>
+            </a:r>
+            <a:r>
+              <a:rPr lang="en-US" sz="2800" dirty="0">
+                <a:solidFill>
+                  <a:srgbClr val="000000"/>
+                </a:solidFill>
+                <a:latin typeface="Fira Sans Light" panose="020B0403050000020004" pitchFamily="34" charset="0"/>
+              </a:rPr>
+              <a:t> </a:t>
+            </a:r>
+            <a:r>
+              <a:rPr lang="en-US" sz="2800" dirty="0" err="1">
+                <a:solidFill>
+                  <a:srgbClr val="000000"/>
+                </a:solidFill>
+                <a:latin typeface="Fira Sans Light" panose="020B0403050000020004" pitchFamily="34" charset="0"/>
+              </a:rPr>
+              <a:t>liệu</a:t>
+            </a:r>
+            <a:endParaRPr lang="en-US" sz="2800" dirty="0">
+              <a:solidFill>
+                <a:srgbClr val="000000"/>
+              </a:solidFill>
+              <a:latin typeface="Fira Sans Light" panose="020B0403050000020004" pitchFamily="34" charset="0"/>
+            </a:endParaRPr>
+          </a:p>
+          <a:p>
+            <a:pPr marL="514350" indent="-514350">
+              <a:lnSpc>
+                <a:spcPts val="3360"/>
+              </a:lnSpc>
+              <a:buFont typeface="Fira Sans Light" panose="020B0403050000020004" pitchFamily="34" charset="0"/>
+              <a:buChar char="―"/>
+            </a:pPr>
+            <a:r>
+              <a:rPr lang="en-US" sz="2800" b="1" dirty="0" err="1">
+                <a:solidFill>
+                  <a:srgbClr val="000000"/>
+                </a:solidFill>
+                <a:latin typeface="Fira Sans Light" panose="020B0403050000020004" pitchFamily="34" charset="0"/>
+              </a:rPr>
+              <a:t>Quản</a:t>
+            </a:r>
+            <a:r>
+              <a:rPr lang="en-US" sz="2800" b="1" dirty="0">
+                <a:solidFill>
+                  <a:srgbClr val="000000"/>
+                </a:solidFill>
+                <a:latin typeface="Fira Sans Light" panose="020B0403050000020004" pitchFamily="34" charset="0"/>
+              </a:rPr>
+              <a:t> </a:t>
+            </a:r>
+            <a:r>
+              <a:rPr lang="en-US" sz="2800" b="1" dirty="0" err="1">
+                <a:solidFill>
+                  <a:srgbClr val="000000"/>
+                </a:solidFill>
+                <a:latin typeface="Fira Sans Light" panose="020B0403050000020004" pitchFamily="34" charset="0"/>
+              </a:rPr>
+              <a:t>lý</a:t>
+            </a:r>
+            <a:r>
+              <a:rPr lang="en-US" sz="2800" b="1" dirty="0">
+                <a:solidFill>
+                  <a:srgbClr val="000000"/>
+                </a:solidFill>
+                <a:latin typeface="Fira Sans Light" panose="020B0403050000020004" pitchFamily="34" charset="0"/>
+              </a:rPr>
+              <a:t> </a:t>
+            </a:r>
+            <a:r>
+              <a:rPr lang="en-US" sz="2800" b="1" dirty="0" err="1">
+                <a:solidFill>
+                  <a:srgbClr val="000000"/>
+                </a:solidFill>
+                <a:latin typeface="Fira Sans Light" panose="020B0403050000020004" pitchFamily="34" charset="0"/>
+              </a:rPr>
+              <a:t>thay</a:t>
+            </a:r>
+            <a:r>
+              <a:rPr lang="en-US" sz="2800" b="1" dirty="0">
+                <a:solidFill>
+                  <a:srgbClr val="000000"/>
+                </a:solidFill>
+                <a:latin typeface="Fira Sans Light" panose="020B0403050000020004" pitchFamily="34" charset="0"/>
+              </a:rPr>
+              <a:t> </a:t>
+            </a:r>
+            <a:r>
+              <a:rPr lang="en-US" sz="2800" b="1" dirty="0" err="1">
+                <a:solidFill>
+                  <a:srgbClr val="000000"/>
+                </a:solidFill>
+                <a:latin typeface="Fira Sans Light" panose="020B0403050000020004" pitchFamily="34" charset="0"/>
+              </a:rPr>
+              <a:t>đổi</a:t>
+            </a:r>
+            <a:r>
+              <a:rPr lang="en-US" sz="2800" b="1" dirty="0">
+                <a:solidFill>
+                  <a:srgbClr val="000000"/>
+                </a:solidFill>
+                <a:latin typeface="Fira Sans Light" panose="020B0403050000020004" pitchFamily="34" charset="0"/>
+              </a:rPr>
+              <a:t> </a:t>
+            </a:r>
+            <a:r>
+              <a:rPr lang="en-US" sz="2800" b="1" dirty="0" err="1">
+                <a:solidFill>
+                  <a:srgbClr val="000000"/>
+                </a:solidFill>
+                <a:latin typeface="Fira Sans Light" panose="020B0403050000020004" pitchFamily="34" charset="0"/>
+              </a:rPr>
+              <a:t>giá</a:t>
+            </a:r>
+            <a:r>
+              <a:rPr lang="en-US" sz="2800" b="1" dirty="0">
+                <a:solidFill>
+                  <a:srgbClr val="000000"/>
+                </a:solidFill>
+                <a:latin typeface="Fira Sans Light" panose="020B0403050000020004" pitchFamily="34" charset="0"/>
+              </a:rPr>
+              <a:t> </a:t>
+            </a:r>
+            <a:r>
+              <a:rPr lang="en-US" sz="2800" b="1" dirty="0" err="1">
+                <a:solidFill>
+                  <a:srgbClr val="000000"/>
+                </a:solidFill>
+                <a:latin typeface="Fira Sans Light" panose="020B0403050000020004" pitchFamily="34" charset="0"/>
+              </a:rPr>
+              <a:t>món</a:t>
+            </a:r>
+            <a:endParaRPr lang="en-US" sz="2800" b="1" dirty="0">
+              <a:solidFill>
+                <a:srgbClr val="000000"/>
+              </a:solidFill>
+              <a:latin typeface="Fira Sans Light" panose="020B0403050000020004" pitchFamily="34" charset="0"/>
+            </a:endParaRPr>
+          </a:p>
+          <a:p>
+            <a:pPr marL="1031875" indent="-457200">
+              <a:lnSpc>
+                <a:spcPts val="3360"/>
+              </a:lnSpc>
+              <a:buFont typeface="Fira Sans Light" panose="020B0403050000020004" pitchFamily="34" charset="0"/>
+              <a:buChar char="+"/>
+            </a:pPr>
+            <a:r>
+              <a:rPr lang="en-US" sz="2800" dirty="0" err="1">
+                <a:solidFill>
+                  <a:srgbClr val="000000"/>
+                </a:solidFill>
+                <a:latin typeface="Fira Sans Light" panose="020B0403050000020004" pitchFamily="34" charset="0"/>
+              </a:rPr>
+              <a:t>Thêm</a:t>
+            </a:r>
+            <a:r>
+              <a:rPr lang="en-US" sz="2800" dirty="0">
+                <a:solidFill>
+                  <a:srgbClr val="000000"/>
+                </a:solidFill>
+                <a:latin typeface="Fira Sans Light" panose="020B0403050000020004" pitchFamily="34" charset="0"/>
+              </a:rPr>
+              <a:t> </a:t>
+            </a:r>
+            <a:r>
+              <a:rPr lang="en-US" sz="2800" dirty="0" err="1">
+                <a:solidFill>
+                  <a:srgbClr val="000000"/>
+                </a:solidFill>
+                <a:latin typeface="Fira Sans Light" panose="020B0403050000020004" pitchFamily="34" charset="0"/>
+              </a:rPr>
+              <a:t>giá</a:t>
+            </a:r>
+            <a:r>
+              <a:rPr lang="en-US" sz="2800" dirty="0">
+                <a:solidFill>
+                  <a:srgbClr val="000000"/>
+                </a:solidFill>
+                <a:latin typeface="Fira Sans Light" panose="020B0403050000020004" pitchFamily="34" charset="0"/>
+              </a:rPr>
+              <a:t> </a:t>
+            </a:r>
+            <a:r>
+              <a:rPr lang="en-US" sz="2800" dirty="0" err="1">
+                <a:solidFill>
+                  <a:srgbClr val="000000"/>
+                </a:solidFill>
+                <a:latin typeface="Fira Sans Light" panose="020B0403050000020004" pitchFamily="34" charset="0"/>
+              </a:rPr>
+              <a:t>mới</a:t>
+            </a:r>
+            <a:r>
+              <a:rPr lang="en-US" sz="2800" dirty="0">
+                <a:solidFill>
+                  <a:srgbClr val="000000"/>
+                </a:solidFill>
+                <a:latin typeface="Fira Sans Light" panose="020B0403050000020004" pitchFamily="34" charset="0"/>
+              </a:rPr>
+              <a:t> </a:t>
+            </a:r>
+            <a:r>
+              <a:rPr lang="en-US" sz="2800" dirty="0" err="1">
+                <a:solidFill>
+                  <a:srgbClr val="000000"/>
+                </a:solidFill>
+                <a:latin typeface="Fira Sans Light" panose="020B0403050000020004" pitchFamily="34" charset="0"/>
+              </a:rPr>
+              <a:t>cho</a:t>
+            </a:r>
+            <a:r>
+              <a:rPr lang="en-US" sz="2800" dirty="0">
+                <a:solidFill>
+                  <a:srgbClr val="000000"/>
+                </a:solidFill>
+                <a:latin typeface="Fira Sans Light" panose="020B0403050000020004" pitchFamily="34" charset="0"/>
+              </a:rPr>
+              <a:t> </a:t>
+            </a:r>
+            <a:r>
+              <a:rPr lang="en-US" sz="2800" dirty="0" err="1">
+                <a:solidFill>
+                  <a:srgbClr val="000000"/>
+                </a:solidFill>
+                <a:latin typeface="Fira Sans Light" panose="020B0403050000020004" pitchFamily="34" charset="0"/>
+              </a:rPr>
+              <a:t>món</a:t>
+            </a:r>
+            <a:r>
+              <a:rPr lang="en-US" sz="2800" dirty="0">
+                <a:solidFill>
+                  <a:srgbClr val="000000"/>
+                </a:solidFill>
+                <a:latin typeface="Fira Sans Light" panose="020B0403050000020004" pitchFamily="34" charset="0"/>
+              </a:rPr>
+              <a:t> </a:t>
+            </a:r>
+            <a:r>
+              <a:rPr lang="en-US" sz="2800" dirty="0" err="1">
+                <a:solidFill>
+                  <a:srgbClr val="000000"/>
+                </a:solidFill>
+                <a:latin typeface="Fira Sans Light" panose="020B0403050000020004" pitchFamily="34" charset="0"/>
+              </a:rPr>
+              <a:t>ăn</a:t>
+            </a:r>
+            <a:endParaRPr lang="en-US" sz="2800" dirty="0">
+              <a:solidFill>
+                <a:srgbClr val="000000"/>
+              </a:solidFill>
+              <a:latin typeface="Fira Sans Light" panose="020B0403050000020004" pitchFamily="34" charset="0"/>
+            </a:endParaRPr>
+          </a:p>
+          <a:p>
+            <a:pPr marL="1031875" indent="-457200">
+              <a:lnSpc>
+                <a:spcPts val="3360"/>
+              </a:lnSpc>
+              <a:buFont typeface="Fira Sans Light" panose="020B0403050000020004" pitchFamily="34" charset="0"/>
+              <a:buChar char="+"/>
+            </a:pPr>
+            <a:r>
+              <a:rPr lang="en-US" sz="2800" dirty="0" err="1">
+                <a:solidFill>
+                  <a:srgbClr val="000000"/>
+                </a:solidFill>
+                <a:latin typeface="Fira Sans Light" panose="020B0403050000020004" pitchFamily="34" charset="0"/>
+              </a:rPr>
+              <a:t>Xóa</a:t>
+            </a:r>
+            <a:r>
+              <a:rPr lang="en-US" sz="2800" dirty="0">
+                <a:solidFill>
+                  <a:srgbClr val="000000"/>
+                </a:solidFill>
+                <a:latin typeface="Fira Sans Light" panose="020B0403050000020004" pitchFamily="34" charset="0"/>
+              </a:rPr>
+              <a:t> </a:t>
+            </a:r>
+            <a:r>
+              <a:rPr lang="en-US" sz="2800" dirty="0" err="1">
+                <a:solidFill>
+                  <a:srgbClr val="000000"/>
+                </a:solidFill>
+                <a:latin typeface="Fira Sans Light" panose="020B0403050000020004" pitchFamily="34" charset="0"/>
+              </a:rPr>
+              <a:t>giá</a:t>
+            </a:r>
+            <a:r>
+              <a:rPr lang="en-US" sz="2800" dirty="0">
+                <a:solidFill>
+                  <a:srgbClr val="000000"/>
+                </a:solidFill>
+                <a:latin typeface="Fira Sans Light" panose="020B0403050000020004" pitchFamily="34" charset="0"/>
+              </a:rPr>
+              <a:t> </a:t>
+            </a:r>
+            <a:r>
+              <a:rPr lang="en-US" sz="2800" dirty="0" err="1">
+                <a:solidFill>
+                  <a:srgbClr val="000000"/>
+                </a:solidFill>
+                <a:latin typeface="Fira Sans Light" panose="020B0403050000020004" pitchFamily="34" charset="0"/>
+              </a:rPr>
+              <a:t>món</a:t>
+            </a:r>
+            <a:r>
+              <a:rPr lang="en-US" sz="2800" dirty="0">
+                <a:solidFill>
+                  <a:srgbClr val="000000"/>
+                </a:solidFill>
+                <a:latin typeface="Fira Sans Light" panose="020B0403050000020004" pitchFamily="34" charset="0"/>
+              </a:rPr>
+              <a:t> </a:t>
+            </a:r>
+            <a:r>
+              <a:rPr lang="en-US" sz="2800" dirty="0" err="1">
+                <a:solidFill>
+                  <a:srgbClr val="000000"/>
+                </a:solidFill>
+                <a:latin typeface="Fira Sans Light" panose="020B0403050000020004" pitchFamily="34" charset="0"/>
+              </a:rPr>
+              <a:t>ăn</a:t>
+            </a:r>
+            <a:endParaRPr lang="en-US" sz="2800" dirty="0">
+              <a:solidFill>
+                <a:srgbClr val="000000"/>
+              </a:solidFill>
+              <a:latin typeface="Fira Sans Light" panose="020B0403050000020004" pitchFamily="34" charset="0"/>
+            </a:endParaRPr>
+          </a:p>
+          <a:p>
+            <a:pPr marL="514350" indent="-514350">
+              <a:lnSpc>
+                <a:spcPts val="3360"/>
+              </a:lnSpc>
+              <a:buFont typeface="Fira Sans Light" panose="020B0403050000020004" pitchFamily="34" charset="0"/>
+              <a:buChar char="―"/>
+            </a:pPr>
+            <a:r>
+              <a:rPr lang="en-US" sz="2800" b="1" dirty="0" err="1">
+                <a:solidFill>
+                  <a:srgbClr val="000000"/>
+                </a:solidFill>
+                <a:latin typeface="Fira Sans Light" panose="020B0403050000020004" pitchFamily="34" charset="0"/>
+              </a:rPr>
+              <a:t>Quản</a:t>
+            </a:r>
+            <a:r>
+              <a:rPr lang="en-US" sz="2800" b="1" dirty="0">
+                <a:solidFill>
+                  <a:srgbClr val="000000"/>
+                </a:solidFill>
+                <a:latin typeface="Fira Sans Light" panose="020B0403050000020004" pitchFamily="34" charset="0"/>
+              </a:rPr>
+              <a:t> </a:t>
+            </a:r>
+            <a:r>
+              <a:rPr lang="en-US" sz="2800" b="1" dirty="0" err="1">
+                <a:solidFill>
+                  <a:srgbClr val="000000"/>
+                </a:solidFill>
+                <a:latin typeface="Fira Sans Light" panose="020B0403050000020004" pitchFamily="34" charset="0"/>
+              </a:rPr>
+              <a:t>lý</a:t>
+            </a:r>
+            <a:r>
+              <a:rPr lang="en-US" sz="2800" b="1" dirty="0">
+                <a:solidFill>
+                  <a:srgbClr val="000000"/>
+                </a:solidFill>
+                <a:latin typeface="Fira Sans Light" panose="020B0403050000020004" pitchFamily="34" charset="0"/>
+              </a:rPr>
+              <a:t> </a:t>
+            </a:r>
+            <a:r>
+              <a:rPr lang="en-US" sz="2800" b="1" dirty="0" err="1">
+                <a:solidFill>
+                  <a:srgbClr val="000000"/>
+                </a:solidFill>
+                <a:latin typeface="Fira Sans Light" panose="020B0403050000020004" pitchFamily="34" charset="0"/>
+              </a:rPr>
+              <a:t>công</a:t>
+            </a:r>
+            <a:r>
+              <a:rPr lang="en-US" sz="2800" b="1" dirty="0">
+                <a:solidFill>
+                  <a:srgbClr val="000000"/>
+                </a:solidFill>
+                <a:latin typeface="Fira Sans Light" panose="020B0403050000020004" pitchFamily="34" charset="0"/>
+              </a:rPr>
+              <a:t> </a:t>
+            </a:r>
+            <a:r>
+              <a:rPr lang="en-US" sz="2800" b="1" dirty="0" err="1">
+                <a:solidFill>
+                  <a:srgbClr val="000000"/>
+                </a:solidFill>
+                <a:latin typeface="Fira Sans Light" panose="020B0403050000020004" pitchFamily="34" charset="0"/>
+              </a:rPr>
+              <a:t>thức</a:t>
+            </a:r>
+            <a:r>
+              <a:rPr lang="en-US" sz="2800" b="1" dirty="0">
+                <a:solidFill>
+                  <a:srgbClr val="000000"/>
+                </a:solidFill>
+                <a:latin typeface="Fira Sans Light" panose="020B0403050000020004" pitchFamily="34" charset="0"/>
+              </a:rPr>
+              <a:t> </a:t>
+            </a:r>
+            <a:r>
+              <a:rPr lang="en-US" sz="2800" b="1" dirty="0" err="1">
+                <a:solidFill>
+                  <a:srgbClr val="000000"/>
+                </a:solidFill>
+                <a:latin typeface="Fira Sans Light" panose="020B0403050000020004" pitchFamily="34" charset="0"/>
+              </a:rPr>
+              <a:t>món</a:t>
+            </a:r>
+            <a:r>
+              <a:rPr lang="en-US" sz="2800" b="1" dirty="0">
+                <a:solidFill>
+                  <a:srgbClr val="000000"/>
+                </a:solidFill>
+                <a:latin typeface="Fira Sans Light" panose="020B0403050000020004" pitchFamily="34" charset="0"/>
+              </a:rPr>
+              <a:t> </a:t>
+            </a:r>
+            <a:r>
+              <a:rPr lang="en-US" sz="2800" b="1" dirty="0" err="1">
+                <a:solidFill>
+                  <a:srgbClr val="000000"/>
+                </a:solidFill>
+                <a:latin typeface="Fira Sans Light" panose="020B0403050000020004" pitchFamily="34" charset="0"/>
+              </a:rPr>
+              <a:t>ăn</a:t>
+            </a:r>
+            <a:endParaRPr lang="en-US" sz="2800" b="1" dirty="0">
+              <a:solidFill>
+                <a:srgbClr val="000000"/>
+              </a:solidFill>
+              <a:latin typeface="Fira Sans Light" panose="020B0403050000020004" pitchFamily="34" charset="0"/>
+            </a:endParaRPr>
+          </a:p>
+          <a:p>
+            <a:pPr marL="1031875" indent="-457200">
+              <a:lnSpc>
+                <a:spcPts val="3360"/>
+              </a:lnSpc>
+              <a:buFont typeface="Fira Sans Light" panose="020B0403050000020004" pitchFamily="34" charset="0"/>
+              <a:buChar char="+"/>
+            </a:pPr>
+            <a:r>
+              <a:rPr lang="en-US" sz="2800" dirty="0" err="1">
+                <a:solidFill>
+                  <a:srgbClr val="000000"/>
+                </a:solidFill>
+                <a:latin typeface="Fira Sans Light" panose="020B0403050000020004" pitchFamily="34" charset="0"/>
+              </a:rPr>
+              <a:t>Thêm</a:t>
+            </a:r>
+            <a:r>
+              <a:rPr lang="en-US" sz="2800" dirty="0">
+                <a:solidFill>
+                  <a:srgbClr val="000000"/>
+                </a:solidFill>
+                <a:latin typeface="Fira Sans Light" panose="020B0403050000020004" pitchFamily="34" charset="0"/>
+              </a:rPr>
+              <a:t> chi </a:t>
+            </a:r>
+            <a:r>
+              <a:rPr lang="en-US" sz="2800" dirty="0" err="1">
+                <a:solidFill>
+                  <a:srgbClr val="000000"/>
+                </a:solidFill>
+                <a:latin typeface="Fira Sans Light" panose="020B0403050000020004" pitchFamily="34" charset="0"/>
+              </a:rPr>
+              <a:t>tiết</a:t>
+            </a:r>
+            <a:r>
+              <a:rPr lang="en-US" sz="2800" dirty="0">
+                <a:solidFill>
+                  <a:srgbClr val="000000"/>
+                </a:solidFill>
+                <a:latin typeface="Fira Sans Light" panose="020B0403050000020004" pitchFamily="34" charset="0"/>
+              </a:rPr>
+              <a:t> </a:t>
+            </a:r>
+            <a:r>
+              <a:rPr lang="en-US" sz="2800" dirty="0" err="1">
+                <a:solidFill>
+                  <a:srgbClr val="000000"/>
+                </a:solidFill>
+                <a:latin typeface="Fira Sans Light" panose="020B0403050000020004" pitchFamily="34" charset="0"/>
+              </a:rPr>
+              <a:t>món</a:t>
+            </a:r>
+            <a:r>
+              <a:rPr lang="en-US" sz="2800" dirty="0">
+                <a:solidFill>
+                  <a:srgbClr val="000000"/>
+                </a:solidFill>
+                <a:latin typeface="Fira Sans Light" panose="020B0403050000020004" pitchFamily="34" charset="0"/>
+              </a:rPr>
+              <a:t> </a:t>
+            </a:r>
+            <a:r>
+              <a:rPr lang="en-US" sz="2800" dirty="0" err="1">
+                <a:solidFill>
+                  <a:srgbClr val="000000"/>
+                </a:solidFill>
+                <a:latin typeface="Fira Sans Light" panose="020B0403050000020004" pitchFamily="34" charset="0"/>
+              </a:rPr>
+              <a:t>ăn</a:t>
+            </a:r>
+            <a:endParaRPr lang="en-US" sz="2800" dirty="0">
+              <a:solidFill>
+                <a:srgbClr val="000000"/>
+              </a:solidFill>
+              <a:latin typeface="Fira Sans Light" panose="020B0403050000020004" pitchFamily="34" charset="0"/>
+            </a:endParaRPr>
+          </a:p>
+          <a:p>
+            <a:pPr marL="1031875" indent="-457200">
+              <a:lnSpc>
+                <a:spcPts val="3360"/>
+              </a:lnSpc>
+              <a:buFont typeface="Fira Sans Light" panose="020B0403050000020004" pitchFamily="34" charset="0"/>
+              <a:buChar char="+"/>
+            </a:pPr>
+            <a:r>
+              <a:rPr lang="en-US" sz="2800" dirty="0" err="1">
+                <a:solidFill>
+                  <a:srgbClr val="000000"/>
+                </a:solidFill>
+                <a:latin typeface="Fira Sans Light" panose="020B0403050000020004" pitchFamily="34" charset="0"/>
+              </a:rPr>
+              <a:t>Xóa</a:t>
+            </a:r>
+            <a:r>
+              <a:rPr lang="en-US" sz="2800" dirty="0">
+                <a:solidFill>
+                  <a:srgbClr val="000000"/>
+                </a:solidFill>
+                <a:latin typeface="Fira Sans Light" panose="020B0403050000020004" pitchFamily="34" charset="0"/>
+              </a:rPr>
+              <a:t> chi </a:t>
+            </a:r>
+            <a:r>
+              <a:rPr lang="en-US" sz="2800" dirty="0" err="1">
+                <a:solidFill>
+                  <a:srgbClr val="000000"/>
+                </a:solidFill>
+                <a:latin typeface="Fira Sans Light" panose="020B0403050000020004" pitchFamily="34" charset="0"/>
+              </a:rPr>
+              <a:t>tiết</a:t>
+            </a:r>
+            <a:r>
+              <a:rPr lang="en-US" sz="2800" dirty="0">
+                <a:solidFill>
+                  <a:srgbClr val="000000"/>
+                </a:solidFill>
+                <a:latin typeface="Fira Sans Light" panose="020B0403050000020004" pitchFamily="34" charset="0"/>
+              </a:rPr>
+              <a:t> </a:t>
+            </a:r>
+            <a:r>
+              <a:rPr lang="en-US" sz="2800" dirty="0" err="1">
+                <a:solidFill>
+                  <a:srgbClr val="000000"/>
+                </a:solidFill>
+                <a:latin typeface="Fira Sans Light" panose="020B0403050000020004" pitchFamily="34" charset="0"/>
+              </a:rPr>
+              <a:t>món</a:t>
+            </a:r>
+            <a:r>
+              <a:rPr lang="en-US" sz="2800" dirty="0">
+                <a:solidFill>
+                  <a:srgbClr val="000000"/>
+                </a:solidFill>
+                <a:latin typeface="Fira Sans Light" panose="020B0403050000020004" pitchFamily="34" charset="0"/>
+              </a:rPr>
+              <a:t> </a:t>
+            </a:r>
+            <a:r>
+              <a:rPr lang="en-US" sz="2800" dirty="0" err="1">
+                <a:solidFill>
+                  <a:srgbClr val="000000"/>
+                </a:solidFill>
+                <a:latin typeface="Fira Sans Light" panose="020B0403050000020004" pitchFamily="34" charset="0"/>
+              </a:rPr>
+              <a:t>ăn</a:t>
+            </a:r>
+            <a:endParaRPr lang="en-US" sz="2800" dirty="0">
+              <a:solidFill>
+                <a:srgbClr val="000000"/>
+              </a:solidFill>
+              <a:latin typeface="Fira Sans Light" panose="020B0403050000020004" pitchFamily="34" charset="0"/>
+            </a:endParaRPr>
+          </a:p>
+        </p:txBody>
+      </p:sp>
+      <p:sp>
+        <p:nvSpPr>
+          <p:cNvPr id="7" name="TextBox 9">
+            <a:extLst>
+              <a:ext uri="{FF2B5EF4-FFF2-40B4-BE49-F238E27FC236}">
+                <a16:creationId xmlns:a16="http://schemas.microsoft.com/office/drawing/2014/main" id="{B89758D8-A152-4AB9-B871-DEF2AE3CD58E}"/>
+              </a:ext>
+            </a:extLst>
+          </p:cNvPr>
+          <p:cNvSpPr txBox="1"/>
+          <p:nvPr/>
+        </p:nvSpPr>
+        <p:spPr>
+          <a:xfrm>
+            <a:off x="9829798" y="1423848"/>
+            <a:ext cx="8001002" cy="6526402"/>
+          </a:xfrm>
+          <a:prstGeom prst="rect">
+            <a:avLst/>
+          </a:prstGeom>
+        </p:spPr>
+        <p:txBody>
+          <a:bodyPr wrap="square" lIns="0" tIns="0" rIns="0" bIns="0" rtlCol="0" anchor="t">
+            <a:spAutoFit/>
+          </a:bodyPr>
+          <a:lstStyle/>
+          <a:p>
+            <a:pPr marL="514350" indent="-514350">
+              <a:lnSpc>
+                <a:spcPts val="3360"/>
+              </a:lnSpc>
+              <a:buFont typeface="Fira Sans Light" panose="020B0403050000020004" pitchFamily="34" charset="0"/>
+              <a:buChar char="―"/>
+            </a:pPr>
+            <a:r>
+              <a:rPr lang="en-US" sz="2800" b="1" dirty="0" err="1">
+                <a:solidFill>
+                  <a:srgbClr val="000000"/>
+                </a:solidFill>
+                <a:latin typeface="Fira Sans Light" panose="020B0403050000020004" pitchFamily="34" charset="0"/>
+              </a:rPr>
+              <a:t>Quản</a:t>
+            </a:r>
+            <a:r>
+              <a:rPr lang="en-US" sz="2800" b="1" dirty="0">
+                <a:solidFill>
+                  <a:srgbClr val="000000"/>
+                </a:solidFill>
+                <a:latin typeface="Fira Sans Light" panose="020B0403050000020004" pitchFamily="34" charset="0"/>
+              </a:rPr>
+              <a:t> </a:t>
+            </a:r>
+            <a:r>
+              <a:rPr lang="en-US" sz="2800" b="1" dirty="0" err="1">
+                <a:solidFill>
+                  <a:srgbClr val="000000"/>
+                </a:solidFill>
+                <a:latin typeface="Fira Sans Light" panose="020B0403050000020004" pitchFamily="34" charset="0"/>
+              </a:rPr>
+              <a:t>lý</a:t>
+            </a:r>
+            <a:r>
+              <a:rPr lang="en-US" sz="2800" b="1" dirty="0">
+                <a:solidFill>
+                  <a:srgbClr val="000000"/>
+                </a:solidFill>
+                <a:latin typeface="Fira Sans Light" panose="020B0403050000020004" pitchFamily="34" charset="0"/>
+              </a:rPr>
+              <a:t> </a:t>
+            </a:r>
+            <a:r>
+              <a:rPr lang="en-US" sz="2800" b="1" dirty="0" err="1">
+                <a:solidFill>
+                  <a:srgbClr val="000000"/>
+                </a:solidFill>
+                <a:latin typeface="Fira Sans Light" panose="020B0403050000020004" pitchFamily="34" charset="0"/>
+              </a:rPr>
+              <a:t>thực</a:t>
+            </a:r>
+            <a:r>
+              <a:rPr lang="en-US" sz="2800" b="1" dirty="0">
+                <a:solidFill>
+                  <a:srgbClr val="000000"/>
+                </a:solidFill>
+                <a:latin typeface="Fira Sans Light" panose="020B0403050000020004" pitchFamily="34" charset="0"/>
+              </a:rPr>
+              <a:t> </a:t>
+            </a:r>
+            <a:r>
+              <a:rPr lang="en-US" sz="2800" b="1" dirty="0" err="1">
+                <a:solidFill>
+                  <a:srgbClr val="000000"/>
+                </a:solidFill>
+                <a:latin typeface="Fira Sans Light" panose="020B0403050000020004" pitchFamily="34" charset="0"/>
+              </a:rPr>
+              <a:t>đơn</a:t>
+            </a:r>
+            <a:endParaRPr lang="en-US" sz="2800" b="1" dirty="0">
+              <a:solidFill>
+                <a:srgbClr val="000000"/>
+              </a:solidFill>
+              <a:latin typeface="Fira Sans Light" panose="020B0403050000020004" pitchFamily="34" charset="0"/>
+            </a:endParaRPr>
+          </a:p>
+          <a:p>
+            <a:pPr marL="1031875" indent="-457200">
+              <a:lnSpc>
+                <a:spcPts val="3360"/>
+              </a:lnSpc>
+              <a:buFont typeface="Fira Sans Light" panose="020B0403050000020004" pitchFamily="34" charset="0"/>
+              <a:buChar char="+"/>
+            </a:pPr>
+            <a:r>
+              <a:rPr lang="en-US" sz="2800" dirty="0" err="1">
+                <a:solidFill>
+                  <a:srgbClr val="000000"/>
+                </a:solidFill>
+                <a:latin typeface="Fira Sans Light" panose="020B0403050000020004" pitchFamily="34" charset="0"/>
+              </a:rPr>
+              <a:t>Thêm</a:t>
+            </a:r>
+            <a:r>
+              <a:rPr lang="en-US" sz="2800" dirty="0">
+                <a:solidFill>
+                  <a:srgbClr val="000000"/>
+                </a:solidFill>
+                <a:latin typeface="Fira Sans Light" panose="020B0403050000020004" pitchFamily="34" charset="0"/>
+              </a:rPr>
+              <a:t> </a:t>
+            </a:r>
+            <a:r>
+              <a:rPr lang="en-US" sz="2800" dirty="0" err="1">
+                <a:solidFill>
+                  <a:srgbClr val="000000"/>
+                </a:solidFill>
+                <a:latin typeface="Fira Sans Light" panose="020B0403050000020004" pitchFamily="34" charset="0"/>
+              </a:rPr>
+              <a:t>thực</a:t>
+            </a:r>
+            <a:r>
+              <a:rPr lang="en-US" sz="2800" dirty="0">
+                <a:solidFill>
+                  <a:srgbClr val="000000"/>
+                </a:solidFill>
+                <a:latin typeface="Fira Sans Light" panose="020B0403050000020004" pitchFamily="34" charset="0"/>
+              </a:rPr>
+              <a:t> </a:t>
+            </a:r>
+            <a:r>
+              <a:rPr lang="en-US" sz="2800" dirty="0" err="1">
+                <a:solidFill>
+                  <a:srgbClr val="000000"/>
+                </a:solidFill>
+                <a:latin typeface="Fira Sans Light" panose="020B0403050000020004" pitchFamily="34" charset="0"/>
+              </a:rPr>
+              <a:t>đơn</a:t>
+            </a:r>
+            <a:endParaRPr lang="en-US" sz="2800" dirty="0">
+              <a:solidFill>
+                <a:srgbClr val="000000"/>
+              </a:solidFill>
+              <a:latin typeface="Fira Sans Light" panose="020B0403050000020004" pitchFamily="34" charset="0"/>
+            </a:endParaRPr>
+          </a:p>
+          <a:p>
+            <a:pPr marL="1031875" indent="-457200">
+              <a:lnSpc>
+                <a:spcPts val="3360"/>
+              </a:lnSpc>
+              <a:buFont typeface="Fira Sans Light" panose="020B0403050000020004" pitchFamily="34" charset="0"/>
+              <a:buChar char="+"/>
+            </a:pPr>
+            <a:r>
+              <a:rPr lang="en-US" sz="2800" dirty="0" err="1">
+                <a:solidFill>
+                  <a:srgbClr val="000000"/>
+                </a:solidFill>
+                <a:latin typeface="Fira Sans Light" panose="020B0403050000020004" pitchFamily="34" charset="0"/>
+              </a:rPr>
+              <a:t>Xóa</a:t>
+            </a:r>
+            <a:r>
+              <a:rPr lang="en-US" sz="2800" dirty="0">
+                <a:solidFill>
+                  <a:srgbClr val="000000"/>
+                </a:solidFill>
+                <a:latin typeface="Fira Sans Light" panose="020B0403050000020004" pitchFamily="34" charset="0"/>
+              </a:rPr>
+              <a:t> </a:t>
+            </a:r>
+            <a:r>
+              <a:rPr lang="en-US" sz="2800" dirty="0" err="1">
+                <a:solidFill>
+                  <a:srgbClr val="000000"/>
+                </a:solidFill>
+                <a:latin typeface="Fira Sans Light" panose="020B0403050000020004" pitchFamily="34" charset="0"/>
+              </a:rPr>
+              <a:t>thực</a:t>
+            </a:r>
+            <a:r>
+              <a:rPr lang="en-US" sz="2800" dirty="0">
+                <a:solidFill>
+                  <a:srgbClr val="000000"/>
+                </a:solidFill>
+                <a:latin typeface="Fira Sans Light" panose="020B0403050000020004" pitchFamily="34" charset="0"/>
+              </a:rPr>
+              <a:t> </a:t>
+            </a:r>
+            <a:r>
+              <a:rPr lang="en-US" sz="2800" dirty="0" err="1">
+                <a:solidFill>
+                  <a:srgbClr val="000000"/>
+                </a:solidFill>
+                <a:latin typeface="Fira Sans Light" panose="020B0403050000020004" pitchFamily="34" charset="0"/>
+              </a:rPr>
+              <a:t>đơn</a:t>
+            </a:r>
+            <a:endParaRPr lang="en-US" sz="2800" dirty="0">
+              <a:solidFill>
+                <a:srgbClr val="000000"/>
+              </a:solidFill>
+              <a:latin typeface="Fira Sans Light" panose="020B0403050000020004" pitchFamily="34" charset="0"/>
+            </a:endParaRPr>
+          </a:p>
+          <a:p>
+            <a:pPr marL="1031875" indent="-457200">
+              <a:lnSpc>
+                <a:spcPts val="3360"/>
+              </a:lnSpc>
+              <a:buFont typeface="Fira Sans Light" panose="020B0403050000020004" pitchFamily="34" charset="0"/>
+              <a:buChar char="+"/>
+            </a:pPr>
+            <a:r>
+              <a:rPr lang="en-US" sz="2800" dirty="0" err="1">
+                <a:solidFill>
+                  <a:srgbClr val="000000"/>
+                </a:solidFill>
+                <a:latin typeface="Fira Sans Light" panose="020B0403050000020004" pitchFamily="34" charset="0"/>
+              </a:rPr>
+              <a:t>Thêm</a:t>
+            </a:r>
+            <a:r>
+              <a:rPr lang="en-US" sz="2800" dirty="0">
+                <a:solidFill>
+                  <a:srgbClr val="000000"/>
+                </a:solidFill>
+                <a:latin typeface="Fira Sans Light" panose="020B0403050000020004" pitchFamily="34" charset="0"/>
+              </a:rPr>
+              <a:t> chi </a:t>
+            </a:r>
+            <a:r>
+              <a:rPr lang="en-US" sz="2800" dirty="0" err="1">
+                <a:solidFill>
+                  <a:srgbClr val="000000"/>
+                </a:solidFill>
+                <a:latin typeface="Fira Sans Light" panose="020B0403050000020004" pitchFamily="34" charset="0"/>
+              </a:rPr>
+              <a:t>tiết</a:t>
+            </a:r>
+            <a:r>
+              <a:rPr lang="en-US" sz="2800" dirty="0">
+                <a:solidFill>
+                  <a:srgbClr val="000000"/>
+                </a:solidFill>
+                <a:latin typeface="Fira Sans Light" panose="020B0403050000020004" pitchFamily="34" charset="0"/>
+              </a:rPr>
+              <a:t> </a:t>
+            </a:r>
+            <a:r>
+              <a:rPr lang="en-US" sz="2800" dirty="0" err="1">
+                <a:solidFill>
+                  <a:srgbClr val="000000"/>
+                </a:solidFill>
+                <a:latin typeface="Fira Sans Light" panose="020B0403050000020004" pitchFamily="34" charset="0"/>
+              </a:rPr>
+              <a:t>thực</a:t>
+            </a:r>
+            <a:r>
+              <a:rPr lang="en-US" sz="2800" dirty="0">
+                <a:solidFill>
+                  <a:srgbClr val="000000"/>
+                </a:solidFill>
+                <a:latin typeface="Fira Sans Light" panose="020B0403050000020004" pitchFamily="34" charset="0"/>
+              </a:rPr>
+              <a:t> </a:t>
+            </a:r>
+            <a:r>
+              <a:rPr lang="en-US" sz="2800" dirty="0" err="1">
+                <a:solidFill>
+                  <a:srgbClr val="000000"/>
+                </a:solidFill>
+                <a:latin typeface="Fira Sans Light" panose="020B0403050000020004" pitchFamily="34" charset="0"/>
+              </a:rPr>
+              <a:t>đơn</a:t>
+            </a:r>
+            <a:endParaRPr lang="en-US" sz="2800" dirty="0">
+              <a:solidFill>
+                <a:srgbClr val="000000"/>
+              </a:solidFill>
+              <a:latin typeface="Fira Sans Light" panose="020B0403050000020004" pitchFamily="34" charset="0"/>
+            </a:endParaRPr>
+          </a:p>
+          <a:p>
+            <a:pPr marL="1031875" indent="-457200">
+              <a:lnSpc>
+                <a:spcPts val="3360"/>
+              </a:lnSpc>
+              <a:buFont typeface="Fira Sans Light" panose="020B0403050000020004" pitchFamily="34" charset="0"/>
+              <a:buChar char="+"/>
+            </a:pPr>
+            <a:r>
+              <a:rPr lang="en-US" sz="2800" dirty="0" err="1">
+                <a:solidFill>
+                  <a:srgbClr val="000000"/>
+                </a:solidFill>
+                <a:latin typeface="Fira Sans Light" panose="020B0403050000020004" pitchFamily="34" charset="0"/>
+              </a:rPr>
+              <a:t>Xóa</a:t>
+            </a:r>
+            <a:r>
+              <a:rPr lang="en-US" sz="2800" dirty="0">
+                <a:solidFill>
+                  <a:srgbClr val="000000"/>
+                </a:solidFill>
+                <a:latin typeface="Fira Sans Light" panose="020B0403050000020004" pitchFamily="34" charset="0"/>
+              </a:rPr>
+              <a:t> chi </a:t>
+            </a:r>
+            <a:r>
+              <a:rPr lang="en-US" sz="2800" dirty="0" err="1">
+                <a:solidFill>
+                  <a:srgbClr val="000000"/>
+                </a:solidFill>
+                <a:latin typeface="Fira Sans Light" panose="020B0403050000020004" pitchFamily="34" charset="0"/>
+              </a:rPr>
+              <a:t>tiết</a:t>
+            </a:r>
+            <a:r>
+              <a:rPr lang="en-US" sz="2800" dirty="0">
+                <a:solidFill>
+                  <a:srgbClr val="000000"/>
+                </a:solidFill>
+                <a:latin typeface="Fira Sans Light" panose="020B0403050000020004" pitchFamily="34" charset="0"/>
+              </a:rPr>
+              <a:t> </a:t>
+            </a:r>
+            <a:r>
+              <a:rPr lang="en-US" sz="2800" dirty="0" err="1">
+                <a:solidFill>
+                  <a:srgbClr val="000000"/>
+                </a:solidFill>
+                <a:latin typeface="Fira Sans Light" panose="020B0403050000020004" pitchFamily="34" charset="0"/>
+              </a:rPr>
+              <a:t>thực</a:t>
+            </a:r>
+            <a:r>
+              <a:rPr lang="en-US" sz="2800" dirty="0">
+                <a:solidFill>
+                  <a:srgbClr val="000000"/>
+                </a:solidFill>
+                <a:latin typeface="Fira Sans Light" panose="020B0403050000020004" pitchFamily="34" charset="0"/>
+              </a:rPr>
+              <a:t> </a:t>
+            </a:r>
+            <a:r>
+              <a:rPr lang="en-US" sz="2800" dirty="0" err="1">
+                <a:solidFill>
+                  <a:srgbClr val="000000"/>
+                </a:solidFill>
+                <a:latin typeface="Fira Sans Light" panose="020B0403050000020004" pitchFamily="34" charset="0"/>
+              </a:rPr>
+              <a:t>đơn</a:t>
+            </a:r>
+            <a:endParaRPr lang="en-US" sz="2800" dirty="0">
+              <a:solidFill>
+                <a:srgbClr val="000000"/>
+              </a:solidFill>
+              <a:latin typeface="Fira Sans Light" panose="020B0403050000020004" pitchFamily="34" charset="0"/>
+            </a:endParaRPr>
+          </a:p>
+          <a:p>
+            <a:pPr marL="514350" indent="-514350">
+              <a:lnSpc>
+                <a:spcPts val="3360"/>
+              </a:lnSpc>
+              <a:buFont typeface="Fira Sans Light" panose="020B0403050000020004" pitchFamily="34" charset="0"/>
+              <a:buChar char="―"/>
+            </a:pPr>
+            <a:r>
+              <a:rPr lang="en-US" sz="2800" b="1" dirty="0" err="1">
+                <a:solidFill>
+                  <a:srgbClr val="000000"/>
+                </a:solidFill>
+                <a:latin typeface="Fira Sans Light" panose="020B0403050000020004" pitchFamily="34" charset="0"/>
+              </a:rPr>
+              <a:t>Quản</a:t>
+            </a:r>
+            <a:r>
+              <a:rPr lang="en-US" sz="2800" b="1" dirty="0">
+                <a:solidFill>
+                  <a:srgbClr val="000000"/>
+                </a:solidFill>
+                <a:latin typeface="Fira Sans Light" panose="020B0403050000020004" pitchFamily="34" charset="0"/>
+              </a:rPr>
+              <a:t> </a:t>
+            </a:r>
+            <a:r>
+              <a:rPr lang="en-US" sz="2800" b="1" dirty="0" err="1">
+                <a:solidFill>
+                  <a:srgbClr val="000000"/>
+                </a:solidFill>
+                <a:latin typeface="Fira Sans Light" panose="020B0403050000020004" pitchFamily="34" charset="0"/>
+              </a:rPr>
+              <a:t>lý</a:t>
+            </a:r>
+            <a:r>
+              <a:rPr lang="en-US" sz="2800" b="1" dirty="0">
+                <a:solidFill>
+                  <a:srgbClr val="000000"/>
+                </a:solidFill>
+                <a:latin typeface="Fira Sans Light" panose="020B0403050000020004" pitchFamily="34" charset="0"/>
+              </a:rPr>
+              <a:t> </a:t>
+            </a:r>
+            <a:r>
+              <a:rPr lang="en-US" sz="2800" b="1" dirty="0" err="1">
+                <a:solidFill>
+                  <a:srgbClr val="000000"/>
+                </a:solidFill>
+                <a:latin typeface="Fira Sans Light" panose="020B0403050000020004" pitchFamily="34" charset="0"/>
+              </a:rPr>
+              <a:t>phòng</a:t>
+            </a:r>
+            <a:r>
+              <a:rPr lang="en-US" sz="2800" b="1" dirty="0">
+                <a:solidFill>
+                  <a:srgbClr val="000000"/>
+                </a:solidFill>
+                <a:latin typeface="Fira Sans Light" panose="020B0403050000020004" pitchFamily="34" charset="0"/>
+              </a:rPr>
+              <a:t>, </a:t>
+            </a:r>
+            <a:r>
+              <a:rPr lang="en-US" sz="2800" b="1" dirty="0" err="1">
+                <a:solidFill>
+                  <a:srgbClr val="000000"/>
+                </a:solidFill>
+                <a:latin typeface="Fira Sans Light" panose="020B0403050000020004" pitchFamily="34" charset="0"/>
+              </a:rPr>
+              <a:t>bàn</a:t>
+            </a:r>
+            <a:endParaRPr lang="en-US" sz="2800" b="1" dirty="0">
+              <a:solidFill>
+                <a:srgbClr val="000000"/>
+              </a:solidFill>
+              <a:latin typeface="Fira Sans Light" panose="020B0403050000020004" pitchFamily="34" charset="0"/>
+            </a:endParaRPr>
+          </a:p>
+          <a:p>
+            <a:pPr marL="1031875" indent="-457200">
+              <a:lnSpc>
+                <a:spcPts val="3360"/>
+              </a:lnSpc>
+              <a:buFont typeface="Fira Sans Light" panose="020B0403050000020004" pitchFamily="34" charset="0"/>
+              <a:buChar char="+"/>
+            </a:pPr>
+            <a:r>
+              <a:rPr lang="en-US" sz="2800" dirty="0" err="1">
+                <a:solidFill>
+                  <a:srgbClr val="000000"/>
+                </a:solidFill>
+                <a:latin typeface="Fira Sans Light" panose="020B0403050000020004" pitchFamily="34" charset="0"/>
+              </a:rPr>
+              <a:t>Thêm</a:t>
+            </a:r>
+            <a:r>
+              <a:rPr lang="en-US" sz="2800" dirty="0">
+                <a:solidFill>
+                  <a:srgbClr val="000000"/>
+                </a:solidFill>
+                <a:latin typeface="Fira Sans Light" panose="020B0403050000020004" pitchFamily="34" charset="0"/>
+              </a:rPr>
+              <a:t> </a:t>
+            </a:r>
+            <a:r>
+              <a:rPr lang="en-US" sz="2800" dirty="0" err="1">
+                <a:solidFill>
+                  <a:srgbClr val="000000"/>
+                </a:solidFill>
+                <a:latin typeface="Fira Sans Light" panose="020B0403050000020004" pitchFamily="34" charset="0"/>
+              </a:rPr>
+              <a:t>phòng</a:t>
+            </a:r>
+            <a:r>
+              <a:rPr lang="en-US" sz="2800" dirty="0">
+                <a:solidFill>
+                  <a:srgbClr val="000000"/>
+                </a:solidFill>
+                <a:latin typeface="Fira Sans Light" panose="020B0403050000020004" pitchFamily="34" charset="0"/>
+              </a:rPr>
+              <a:t>, </a:t>
+            </a:r>
+            <a:r>
+              <a:rPr lang="en-US" sz="2800" dirty="0" err="1">
+                <a:solidFill>
+                  <a:srgbClr val="000000"/>
+                </a:solidFill>
+                <a:latin typeface="Fira Sans Light" panose="020B0403050000020004" pitchFamily="34" charset="0"/>
+              </a:rPr>
+              <a:t>bàn</a:t>
+            </a:r>
+            <a:endParaRPr lang="en-US" sz="2800" dirty="0">
+              <a:solidFill>
+                <a:srgbClr val="000000"/>
+              </a:solidFill>
+              <a:latin typeface="Fira Sans Light" panose="020B0403050000020004" pitchFamily="34" charset="0"/>
+            </a:endParaRPr>
+          </a:p>
+          <a:p>
+            <a:pPr marL="1031875" indent="-457200">
+              <a:lnSpc>
+                <a:spcPts val="3360"/>
+              </a:lnSpc>
+              <a:buFont typeface="Fira Sans Light" panose="020B0403050000020004" pitchFamily="34" charset="0"/>
+              <a:buChar char="+"/>
+            </a:pPr>
+            <a:r>
+              <a:rPr lang="en-US" sz="2800" dirty="0" err="1">
+                <a:solidFill>
+                  <a:srgbClr val="000000"/>
+                </a:solidFill>
+                <a:latin typeface="Fira Sans Light" panose="020B0403050000020004" pitchFamily="34" charset="0"/>
+              </a:rPr>
+              <a:t>Cập</a:t>
+            </a:r>
+            <a:r>
+              <a:rPr lang="en-US" sz="2800" dirty="0">
+                <a:solidFill>
+                  <a:srgbClr val="000000"/>
+                </a:solidFill>
+                <a:latin typeface="Fira Sans Light" panose="020B0403050000020004" pitchFamily="34" charset="0"/>
+              </a:rPr>
+              <a:t> </a:t>
+            </a:r>
+            <a:r>
+              <a:rPr lang="en-US" sz="2800" dirty="0" err="1">
+                <a:solidFill>
+                  <a:srgbClr val="000000"/>
+                </a:solidFill>
+                <a:latin typeface="Fira Sans Light" panose="020B0403050000020004" pitchFamily="34" charset="0"/>
+              </a:rPr>
+              <a:t>nhật</a:t>
+            </a:r>
+            <a:r>
+              <a:rPr lang="en-US" sz="2800" dirty="0">
+                <a:solidFill>
+                  <a:srgbClr val="000000"/>
+                </a:solidFill>
+                <a:latin typeface="Fira Sans Light" panose="020B0403050000020004" pitchFamily="34" charset="0"/>
+              </a:rPr>
+              <a:t> </a:t>
+            </a:r>
+            <a:r>
+              <a:rPr lang="en-US" sz="2800" dirty="0" err="1">
+                <a:solidFill>
+                  <a:srgbClr val="000000"/>
+                </a:solidFill>
+                <a:latin typeface="Fira Sans Light" panose="020B0403050000020004" pitchFamily="34" charset="0"/>
+              </a:rPr>
+              <a:t>thông</a:t>
+            </a:r>
+            <a:r>
+              <a:rPr lang="en-US" sz="2800" dirty="0">
+                <a:solidFill>
+                  <a:srgbClr val="000000"/>
+                </a:solidFill>
+                <a:latin typeface="Fira Sans Light" panose="020B0403050000020004" pitchFamily="34" charset="0"/>
+              </a:rPr>
+              <a:t> tin </a:t>
+            </a:r>
+            <a:r>
+              <a:rPr lang="en-US" sz="2800" dirty="0" err="1">
+                <a:solidFill>
+                  <a:srgbClr val="000000"/>
+                </a:solidFill>
+                <a:latin typeface="Fira Sans Light" panose="020B0403050000020004" pitchFamily="34" charset="0"/>
+              </a:rPr>
+              <a:t>phòng</a:t>
+            </a:r>
+            <a:r>
+              <a:rPr lang="en-US" sz="2800" dirty="0">
+                <a:solidFill>
+                  <a:srgbClr val="000000"/>
+                </a:solidFill>
+                <a:latin typeface="Fira Sans Light" panose="020B0403050000020004" pitchFamily="34" charset="0"/>
+              </a:rPr>
+              <a:t>, </a:t>
+            </a:r>
+            <a:r>
+              <a:rPr lang="en-US" sz="2800" dirty="0" err="1">
+                <a:solidFill>
+                  <a:srgbClr val="000000"/>
+                </a:solidFill>
+                <a:latin typeface="Fira Sans Light" panose="020B0403050000020004" pitchFamily="34" charset="0"/>
+              </a:rPr>
+              <a:t>bàn</a:t>
+            </a:r>
+            <a:endParaRPr lang="en-US" sz="2800" dirty="0">
+              <a:solidFill>
+                <a:srgbClr val="000000"/>
+              </a:solidFill>
+              <a:latin typeface="Fira Sans Light" panose="020B0403050000020004" pitchFamily="34" charset="0"/>
+            </a:endParaRPr>
+          </a:p>
+          <a:p>
+            <a:pPr marL="1031875" indent="-457200">
+              <a:lnSpc>
+                <a:spcPts val="3360"/>
+              </a:lnSpc>
+              <a:buFont typeface="Fira Sans Light" panose="020B0403050000020004" pitchFamily="34" charset="0"/>
+              <a:buChar char="+"/>
+            </a:pPr>
+            <a:r>
+              <a:rPr lang="en-US" sz="2800" dirty="0" err="1">
+                <a:solidFill>
+                  <a:srgbClr val="000000"/>
+                </a:solidFill>
+                <a:latin typeface="Fira Sans Light" panose="020B0403050000020004" pitchFamily="34" charset="0"/>
+              </a:rPr>
+              <a:t>Xóa</a:t>
+            </a:r>
+            <a:r>
+              <a:rPr lang="en-US" sz="2800" dirty="0">
+                <a:solidFill>
+                  <a:srgbClr val="000000"/>
+                </a:solidFill>
+                <a:latin typeface="Fira Sans Light" panose="020B0403050000020004" pitchFamily="34" charset="0"/>
+              </a:rPr>
+              <a:t> </a:t>
+            </a:r>
+            <a:r>
+              <a:rPr lang="en-US" sz="2800" dirty="0" err="1">
+                <a:solidFill>
+                  <a:srgbClr val="000000"/>
+                </a:solidFill>
+                <a:latin typeface="Fira Sans Light" panose="020B0403050000020004" pitchFamily="34" charset="0"/>
+              </a:rPr>
+              <a:t>phòng</a:t>
+            </a:r>
+            <a:r>
+              <a:rPr lang="en-US" sz="2800" dirty="0">
+                <a:solidFill>
+                  <a:srgbClr val="000000"/>
+                </a:solidFill>
+                <a:latin typeface="Fira Sans Light" panose="020B0403050000020004" pitchFamily="34" charset="0"/>
+              </a:rPr>
+              <a:t>, </a:t>
+            </a:r>
+            <a:r>
+              <a:rPr lang="en-US" sz="2800" dirty="0" err="1">
+                <a:solidFill>
+                  <a:srgbClr val="000000"/>
+                </a:solidFill>
+                <a:latin typeface="Fira Sans Light" panose="020B0403050000020004" pitchFamily="34" charset="0"/>
+              </a:rPr>
+              <a:t>bàn</a:t>
+            </a:r>
+            <a:endParaRPr lang="en-US" sz="2800" dirty="0">
+              <a:solidFill>
+                <a:srgbClr val="000000"/>
+              </a:solidFill>
+              <a:latin typeface="Fira Sans Light" panose="020B0403050000020004" pitchFamily="34" charset="0"/>
+            </a:endParaRPr>
+          </a:p>
+          <a:p>
+            <a:pPr marL="514350" indent="-514350">
+              <a:lnSpc>
+                <a:spcPts val="3360"/>
+              </a:lnSpc>
+              <a:buFont typeface="Fira Sans Light" panose="020B0403050000020004" pitchFamily="34" charset="0"/>
+              <a:buChar char="―"/>
+            </a:pPr>
+            <a:r>
+              <a:rPr lang="en-US" sz="2800" b="1" dirty="0" err="1">
+                <a:solidFill>
+                  <a:srgbClr val="000000"/>
+                </a:solidFill>
+                <a:latin typeface="Fira Sans Light" panose="020B0403050000020004" pitchFamily="34" charset="0"/>
+              </a:rPr>
+              <a:t>Quản</a:t>
+            </a:r>
+            <a:r>
+              <a:rPr lang="en-US" sz="2800" b="1" dirty="0">
+                <a:solidFill>
+                  <a:srgbClr val="000000"/>
+                </a:solidFill>
+                <a:latin typeface="Fira Sans Light" panose="020B0403050000020004" pitchFamily="34" charset="0"/>
+              </a:rPr>
+              <a:t> </a:t>
+            </a:r>
+            <a:r>
+              <a:rPr lang="en-US" sz="2800" b="1" dirty="0" err="1">
+                <a:solidFill>
+                  <a:srgbClr val="000000"/>
+                </a:solidFill>
+                <a:latin typeface="Fira Sans Light" panose="020B0403050000020004" pitchFamily="34" charset="0"/>
+              </a:rPr>
+              <a:t>lý</a:t>
+            </a:r>
+            <a:r>
+              <a:rPr lang="en-US" sz="2800" b="1" dirty="0">
+                <a:solidFill>
+                  <a:srgbClr val="000000"/>
+                </a:solidFill>
+                <a:latin typeface="Fira Sans Light" panose="020B0403050000020004" pitchFamily="34" charset="0"/>
+              </a:rPr>
+              <a:t> chi </a:t>
+            </a:r>
+            <a:r>
+              <a:rPr lang="en-US" sz="2800" b="1" dirty="0" err="1">
+                <a:solidFill>
+                  <a:srgbClr val="000000"/>
+                </a:solidFill>
+                <a:latin typeface="Fira Sans Light" panose="020B0403050000020004" pitchFamily="34" charset="0"/>
+              </a:rPr>
+              <a:t>tiết</a:t>
+            </a:r>
+            <a:r>
+              <a:rPr lang="en-US" sz="2800" b="1" dirty="0">
+                <a:solidFill>
+                  <a:srgbClr val="000000"/>
+                </a:solidFill>
+                <a:latin typeface="Fira Sans Light" panose="020B0403050000020004" pitchFamily="34" charset="0"/>
+              </a:rPr>
+              <a:t> </a:t>
+            </a:r>
+            <a:r>
+              <a:rPr lang="en-US" sz="2800" b="1" dirty="0" err="1">
+                <a:solidFill>
+                  <a:srgbClr val="000000"/>
+                </a:solidFill>
+                <a:latin typeface="Fira Sans Light" panose="020B0403050000020004" pitchFamily="34" charset="0"/>
+              </a:rPr>
+              <a:t>bàn</a:t>
+            </a:r>
+            <a:endParaRPr lang="en-US" sz="2800" b="1" dirty="0">
+              <a:solidFill>
+                <a:srgbClr val="000000"/>
+              </a:solidFill>
+              <a:latin typeface="Fira Sans Light" panose="020B0403050000020004" pitchFamily="34" charset="0"/>
+            </a:endParaRPr>
+          </a:p>
+          <a:p>
+            <a:pPr marL="1031875" indent="-457200">
+              <a:lnSpc>
+                <a:spcPts val="3360"/>
+              </a:lnSpc>
+              <a:buFont typeface="Fira Sans Light" panose="020B0403050000020004" pitchFamily="34" charset="0"/>
+              <a:buChar char="+"/>
+            </a:pPr>
+            <a:r>
+              <a:rPr lang="en-US" sz="2800" dirty="0" err="1">
+                <a:solidFill>
+                  <a:srgbClr val="000000"/>
+                </a:solidFill>
+                <a:latin typeface="Fira Sans Light" panose="020B0403050000020004" pitchFamily="34" charset="0"/>
+              </a:rPr>
+              <a:t>Thêm</a:t>
+            </a:r>
+            <a:r>
+              <a:rPr lang="en-US" sz="2800" dirty="0">
+                <a:solidFill>
+                  <a:srgbClr val="000000"/>
+                </a:solidFill>
+                <a:latin typeface="Fira Sans Light" panose="020B0403050000020004" pitchFamily="34" charset="0"/>
+              </a:rPr>
+              <a:t> chi </a:t>
+            </a:r>
+            <a:r>
+              <a:rPr lang="en-US" sz="2800" dirty="0" err="1">
+                <a:solidFill>
+                  <a:srgbClr val="000000"/>
+                </a:solidFill>
+                <a:latin typeface="Fira Sans Light" panose="020B0403050000020004" pitchFamily="34" charset="0"/>
+              </a:rPr>
+              <a:t>tiết</a:t>
+            </a:r>
+            <a:r>
+              <a:rPr lang="en-US" sz="2800" dirty="0">
+                <a:solidFill>
+                  <a:srgbClr val="000000"/>
+                </a:solidFill>
+                <a:latin typeface="Fira Sans Light" panose="020B0403050000020004" pitchFamily="34" charset="0"/>
+              </a:rPr>
+              <a:t> </a:t>
+            </a:r>
+            <a:r>
+              <a:rPr lang="en-US" sz="2800" dirty="0" err="1">
+                <a:solidFill>
+                  <a:srgbClr val="000000"/>
+                </a:solidFill>
+                <a:latin typeface="Fira Sans Light" panose="020B0403050000020004" pitchFamily="34" charset="0"/>
+              </a:rPr>
+              <a:t>bàn</a:t>
+            </a:r>
+            <a:endParaRPr lang="en-US" sz="2800" dirty="0">
+              <a:solidFill>
+                <a:srgbClr val="000000"/>
+              </a:solidFill>
+              <a:latin typeface="Fira Sans Light" panose="020B0403050000020004" pitchFamily="34" charset="0"/>
+            </a:endParaRPr>
+          </a:p>
+          <a:p>
+            <a:pPr marL="1031875" indent="-457200">
+              <a:lnSpc>
+                <a:spcPts val="3360"/>
+              </a:lnSpc>
+              <a:buFont typeface="Fira Sans Light" panose="020B0403050000020004" pitchFamily="34" charset="0"/>
+              <a:buChar char="+"/>
+            </a:pPr>
+            <a:r>
+              <a:rPr lang="en-US" sz="2800" dirty="0" err="1">
+                <a:solidFill>
+                  <a:srgbClr val="000000"/>
+                </a:solidFill>
+                <a:latin typeface="Fira Sans Light" panose="020B0403050000020004" pitchFamily="34" charset="0"/>
+              </a:rPr>
+              <a:t>Xóa</a:t>
+            </a:r>
+            <a:r>
+              <a:rPr lang="en-US" sz="2800" dirty="0">
+                <a:solidFill>
+                  <a:srgbClr val="000000"/>
+                </a:solidFill>
+                <a:latin typeface="Fira Sans Light" panose="020B0403050000020004" pitchFamily="34" charset="0"/>
+              </a:rPr>
+              <a:t> chi </a:t>
+            </a:r>
+            <a:r>
+              <a:rPr lang="en-US" sz="2800" dirty="0" err="1">
+                <a:solidFill>
+                  <a:srgbClr val="000000"/>
+                </a:solidFill>
+                <a:latin typeface="Fira Sans Light" panose="020B0403050000020004" pitchFamily="34" charset="0"/>
+              </a:rPr>
+              <a:t>tiết</a:t>
+            </a:r>
+            <a:r>
+              <a:rPr lang="en-US" sz="2800" dirty="0">
+                <a:solidFill>
+                  <a:srgbClr val="000000"/>
+                </a:solidFill>
+                <a:latin typeface="Fira Sans Light" panose="020B0403050000020004" pitchFamily="34" charset="0"/>
+              </a:rPr>
+              <a:t> </a:t>
+            </a:r>
+            <a:r>
+              <a:rPr lang="en-US" sz="2800" dirty="0" err="1">
+                <a:solidFill>
+                  <a:srgbClr val="000000"/>
+                </a:solidFill>
+                <a:latin typeface="Fira Sans Light" panose="020B0403050000020004" pitchFamily="34" charset="0"/>
+              </a:rPr>
+              <a:t>bàn</a:t>
+            </a:r>
+            <a:endParaRPr lang="en-US" sz="2800" dirty="0">
+              <a:solidFill>
+                <a:srgbClr val="000000"/>
+              </a:solidFill>
+              <a:latin typeface="Fira Sans Light" panose="020B0403050000020004" pitchFamily="34" charset="0"/>
+            </a:endParaRPr>
+          </a:p>
+          <a:p>
+            <a:pPr marL="504825" indent="-504825">
+              <a:lnSpc>
+                <a:spcPts val="3360"/>
+              </a:lnSpc>
+              <a:buFont typeface="Fira Sans Light" panose="020B0403050000020004" pitchFamily="34" charset="0"/>
+              <a:buChar char="―"/>
+            </a:pPr>
+            <a:r>
+              <a:rPr lang="en-US" sz="2800" b="1" dirty="0" err="1">
+                <a:solidFill>
+                  <a:srgbClr val="000000"/>
+                </a:solidFill>
+                <a:latin typeface="Fira Sans Light" panose="020B0403050000020004" pitchFamily="34" charset="0"/>
+              </a:rPr>
+              <a:t>Thống</a:t>
+            </a:r>
+            <a:r>
+              <a:rPr lang="en-US" sz="2800" b="1" dirty="0">
+                <a:solidFill>
+                  <a:srgbClr val="000000"/>
+                </a:solidFill>
+                <a:latin typeface="Fira Sans Light" panose="020B0403050000020004" pitchFamily="34" charset="0"/>
+              </a:rPr>
+              <a:t> </a:t>
+            </a:r>
+            <a:r>
+              <a:rPr lang="en-US" sz="2800" b="1" dirty="0" err="1">
+                <a:solidFill>
+                  <a:srgbClr val="000000"/>
+                </a:solidFill>
+                <a:latin typeface="Fira Sans Light" panose="020B0403050000020004" pitchFamily="34" charset="0"/>
+              </a:rPr>
+              <a:t>kê</a:t>
+            </a:r>
+            <a:r>
+              <a:rPr lang="en-US" sz="2800" b="1" dirty="0">
+                <a:solidFill>
+                  <a:srgbClr val="000000"/>
+                </a:solidFill>
+                <a:latin typeface="Fira Sans Light" panose="020B0403050000020004" pitchFamily="34" charset="0"/>
+              </a:rPr>
+              <a:t> </a:t>
+            </a:r>
+            <a:r>
+              <a:rPr lang="en-US" sz="2800" b="1" dirty="0" err="1">
+                <a:solidFill>
+                  <a:srgbClr val="000000"/>
+                </a:solidFill>
+                <a:latin typeface="Fira Sans Light" panose="020B0403050000020004" pitchFamily="34" charset="0"/>
+              </a:rPr>
+              <a:t>doanh</a:t>
+            </a:r>
+            <a:r>
+              <a:rPr lang="en-US" sz="2800" b="1" dirty="0">
+                <a:solidFill>
+                  <a:srgbClr val="000000"/>
+                </a:solidFill>
+                <a:latin typeface="Fira Sans Light" panose="020B0403050000020004" pitchFamily="34" charset="0"/>
+              </a:rPr>
+              <a:t> </a:t>
+            </a:r>
+            <a:r>
+              <a:rPr lang="en-US" sz="2800" b="1" dirty="0" err="1">
+                <a:solidFill>
+                  <a:srgbClr val="000000"/>
+                </a:solidFill>
+                <a:latin typeface="Fira Sans Light" panose="020B0403050000020004" pitchFamily="34" charset="0"/>
+              </a:rPr>
+              <a:t>thu</a:t>
+            </a:r>
+            <a:r>
+              <a:rPr lang="en-US" sz="2800" b="1" dirty="0">
+                <a:solidFill>
+                  <a:srgbClr val="000000"/>
+                </a:solidFill>
+                <a:latin typeface="Fira Sans Light" panose="020B0403050000020004" pitchFamily="34" charset="0"/>
+              </a:rPr>
+              <a:t> </a:t>
+            </a:r>
+            <a:r>
+              <a:rPr lang="en-US" sz="2800" b="1" dirty="0" err="1">
+                <a:solidFill>
+                  <a:srgbClr val="000000"/>
+                </a:solidFill>
+                <a:latin typeface="Fira Sans Light" panose="020B0403050000020004" pitchFamily="34" charset="0"/>
+              </a:rPr>
+              <a:t>theo</a:t>
+            </a:r>
+            <a:r>
+              <a:rPr lang="en-US" sz="2800" b="1" dirty="0">
+                <a:solidFill>
+                  <a:srgbClr val="000000"/>
+                </a:solidFill>
+                <a:latin typeface="Fira Sans Light" panose="020B0403050000020004" pitchFamily="34" charset="0"/>
+              </a:rPr>
+              <a:t> </a:t>
+            </a:r>
+            <a:r>
+              <a:rPr lang="en-US" sz="2800" b="1" dirty="0" err="1">
+                <a:solidFill>
+                  <a:srgbClr val="000000"/>
+                </a:solidFill>
+                <a:latin typeface="Fira Sans Light" panose="020B0403050000020004" pitchFamily="34" charset="0"/>
+              </a:rPr>
+              <a:t>tháng</a:t>
+            </a:r>
+            <a:endParaRPr lang="en-US" sz="2800" b="1" dirty="0">
+              <a:solidFill>
+                <a:srgbClr val="000000"/>
+              </a:solidFill>
+              <a:latin typeface="Fira Sans Light" panose="020B0403050000020004" pitchFamily="34" charset="0"/>
+            </a:endParaRPr>
+          </a:p>
+          <a:p>
+            <a:pPr marL="504825" indent="-504825">
+              <a:lnSpc>
+                <a:spcPts val="3360"/>
+              </a:lnSpc>
+              <a:buFont typeface="Fira Sans Light" panose="020B0403050000020004" pitchFamily="34" charset="0"/>
+              <a:buChar char="―"/>
+            </a:pPr>
+            <a:r>
+              <a:rPr lang="en-US" sz="2800" b="1" dirty="0" err="1">
+                <a:solidFill>
+                  <a:srgbClr val="000000"/>
+                </a:solidFill>
+                <a:latin typeface="Fira Sans Light" panose="020B0403050000020004" pitchFamily="34" charset="0"/>
+              </a:rPr>
+              <a:t>Thống</a:t>
+            </a:r>
+            <a:r>
+              <a:rPr lang="en-US" sz="2800" b="1" dirty="0">
+                <a:solidFill>
+                  <a:srgbClr val="000000"/>
+                </a:solidFill>
+                <a:latin typeface="Fira Sans Light" panose="020B0403050000020004" pitchFamily="34" charset="0"/>
+              </a:rPr>
+              <a:t> </a:t>
+            </a:r>
+            <a:r>
+              <a:rPr lang="en-US" sz="2800" b="1" dirty="0" err="1">
+                <a:solidFill>
+                  <a:srgbClr val="000000"/>
+                </a:solidFill>
+                <a:latin typeface="Fira Sans Light" panose="020B0403050000020004" pitchFamily="34" charset="0"/>
+              </a:rPr>
+              <a:t>kê</a:t>
+            </a:r>
+            <a:r>
+              <a:rPr lang="en-US" sz="2800" b="1" dirty="0">
+                <a:solidFill>
+                  <a:srgbClr val="000000"/>
+                </a:solidFill>
+                <a:latin typeface="Fira Sans Light" panose="020B0403050000020004" pitchFamily="34" charset="0"/>
+              </a:rPr>
+              <a:t> </a:t>
+            </a:r>
+            <a:r>
+              <a:rPr lang="en-US" sz="2800" b="1" dirty="0" err="1">
+                <a:solidFill>
+                  <a:srgbClr val="000000"/>
+                </a:solidFill>
+                <a:latin typeface="Fira Sans Light" panose="020B0403050000020004" pitchFamily="34" charset="0"/>
+              </a:rPr>
+              <a:t>lợi</a:t>
+            </a:r>
+            <a:r>
+              <a:rPr lang="en-US" sz="2800" b="1" dirty="0">
+                <a:solidFill>
+                  <a:srgbClr val="000000"/>
+                </a:solidFill>
+                <a:latin typeface="Fira Sans Light" panose="020B0403050000020004" pitchFamily="34" charset="0"/>
+              </a:rPr>
+              <a:t> </a:t>
+            </a:r>
+            <a:r>
+              <a:rPr lang="en-US" sz="2800" b="1" dirty="0" err="1">
+                <a:solidFill>
+                  <a:srgbClr val="000000"/>
+                </a:solidFill>
+                <a:latin typeface="Fira Sans Light" panose="020B0403050000020004" pitchFamily="34" charset="0"/>
+              </a:rPr>
+              <a:t>nhuận</a:t>
+            </a:r>
+            <a:r>
+              <a:rPr lang="en-US" sz="2800" b="1" dirty="0">
+                <a:solidFill>
+                  <a:srgbClr val="000000"/>
+                </a:solidFill>
+                <a:latin typeface="Fira Sans Light" panose="020B0403050000020004" pitchFamily="34" charset="0"/>
+              </a:rPr>
+              <a:t> </a:t>
+            </a:r>
+            <a:r>
+              <a:rPr lang="en-US" sz="2800" b="1" dirty="0" err="1">
+                <a:solidFill>
+                  <a:srgbClr val="000000"/>
+                </a:solidFill>
+                <a:latin typeface="Fira Sans Light" panose="020B0403050000020004" pitchFamily="34" charset="0"/>
+              </a:rPr>
+              <a:t>theo</a:t>
+            </a:r>
+            <a:r>
+              <a:rPr lang="en-US" sz="2800" b="1" dirty="0">
+                <a:solidFill>
+                  <a:srgbClr val="000000"/>
+                </a:solidFill>
+                <a:latin typeface="Fira Sans Light" panose="020B0403050000020004" pitchFamily="34" charset="0"/>
+              </a:rPr>
+              <a:t> </a:t>
+            </a:r>
+            <a:r>
+              <a:rPr lang="en-US" sz="2800" b="1" dirty="0" err="1">
+                <a:solidFill>
+                  <a:srgbClr val="000000"/>
+                </a:solidFill>
+                <a:latin typeface="Fira Sans Light" panose="020B0403050000020004" pitchFamily="34" charset="0"/>
+              </a:rPr>
+              <a:t>tháng</a:t>
+            </a:r>
+            <a:endParaRPr lang="en-US" sz="2800" b="1" dirty="0">
+              <a:solidFill>
+                <a:srgbClr val="000000"/>
+              </a:solidFill>
+              <a:latin typeface="Fira Sans Light" panose="020B0403050000020004" pitchFamily="34" charset="0"/>
+            </a:endParaRPr>
+          </a:p>
+          <a:p>
+            <a:pPr marL="504825" indent="-504825">
+              <a:lnSpc>
+                <a:spcPts val="3360"/>
+              </a:lnSpc>
+              <a:buFont typeface="Fira Sans Light" panose="020B0403050000020004" pitchFamily="34" charset="0"/>
+              <a:buChar char="―"/>
+            </a:pPr>
+            <a:r>
+              <a:rPr lang="en-US" sz="2800" b="1" dirty="0" err="1">
+                <a:solidFill>
+                  <a:srgbClr val="000000"/>
+                </a:solidFill>
+                <a:latin typeface="Fira Sans Light" panose="020B0403050000020004" pitchFamily="34" charset="0"/>
+              </a:rPr>
+              <a:t>Thông</a:t>
+            </a:r>
+            <a:r>
+              <a:rPr lang="en-US" sz="2800" b="1" dirty="0">
+                <a:solidFill>
+                  <a:srgbClr val="000000"/>
+                </a:solidFill>
+                <a:latin typeface="Fira Sans Light" panose="020B0403050000020004" pitchFamily="34" charset="0"/>
+              </a:rPr>
+              <a:t> </a:t>
+            </a:r>
+            <a:r>
+              <a:rPr lang="en-US" sz="2800" b="1" dirty="0" err="1">
+                <a:solidFill>
+                  <a:srgbClr val="000000"/>
+                </a:solidFill>
+                <a:latin typeface="Fira Sans Light" panose="020B0403050000020004" pitchFamily="34" charset="0"/>
+              </a:rPr>
+              <a:t>kê</a:t>
+            </a:r>
+            <a:r>
+              <a:rPr lang="en-US" sz="2800" b="1" dirty="0">
+                <a:solidFill>
+                  <a:srgbClr val="000000"/>
+                </a:solidFill>
+                <a:latin typeface="Fira Sans Light" panose="020B0403050000020004" pitchFamily="34" charset="0"/>
+              </a:rPr>
+              <a:t> </a:t>
+            </a:r>
+            <a:r>
+              <a:rPr lang="en-US" sz="2800" b="1" dirty="0" err="1">
+                <a:solidFill>
+                  <a:srgbClr val="000000"/>
+                </a:solidFill>
+                <a:latin typeface="Fira Sans Light" panose="020B0403050000020004" pitchFamily="34" charset="0"/>
+              </a:rPr>
+              <a:t>tiền</a:t>
+            </a:r>
+            <a:r>
+              <a:rPr lang="en-US" sz="2800" b="1" dirty="0">
+                <a:solidFill>
+                  <a:srgbClr val="000000"/>
+                </a:solidFill>
+                <a:latin typeface="Fira Sans Light" panose="020B0403050000020004" pitchFamily="34" charset="0"/>
+              </a:rPr>
+              <a:t> </a:t>
+            </a:r>
+            <a:r>
+              <a:rPr lang="en-US" sz="2800" b="1" dirty="0" err="1">
+                <a:solidFill>
+                  <a:srgbClr val="000000"/>
+                </a:solidFill>
+                <a:latin typeface="Fira Sans Light" panose="020B0403050000020004" pitchFamily="34" charset="0"/>
+              </a:rPr>
+              <a:t>đi</a:t>
+            </a:r>
+            <a:r>
+              <a:rPr lang="en-US" sz="2800" b="1" dirty="0">
+                <a:solidFill>
+                  <a:srgbClr val="000000"/>
+                </a:solidFill>
+                <a:latin typeface="Fira Sans Light" panose="020B0403050000020004" pitchFamily="34" charset="0"/>
+              </a:rPr>
+              <a:t> </a:t>
+            </a:r>
+            <a:r>
+              <a:rPr lang="en-US" sz="2800" b="1" dirty="0" err="1">
+                <a:solidFill>
+                  <a:srgbClr val="000000"/>
+                </a:solidFill>
+                <a:latin typeface="Fira Sans Light" panose="020B0403050000020004" pitchFamily="34" charset="0"/>
+              </a:rPr>
+              <a:t>chợ</a:t>
+            </a:r>
+            <a:r>
+              <a:rPr lang="en-US" sz="2800" b="1" dirty="0">
+                <a:solidFill>
+                  <a:srgbClr val="000000"/>
+                </a:solidFill>
+                <a:latin typeface="Fira Sans Light" panose="020B0403050000020004" pitchFamily="34" charset="0"/>
+              </a:rPr>
+              <a:t> </a:t>
+            </a:r>
+            <a:r>
+              <a:rPr lang="en-US" sz="2800" b="1" dirty="0" err="1">
+                <a:solidFill>
+                  <a:srgbClr val="000000"/>
+                </a:solidFill>
+                <a:latin typeface="Fira Sans Light" panose="020B0403050000020004" pitchFamily="34" charset="0"/>
+              </a:rPr>
+              <a:t>theo</a:t>
+            </a:r>
+            <a:r>
+              <a:rPr lang="en-US" sz="2800" b="1" dirty="0">
+                <a:solidFill>
+                  <a:srgbClr val="000000"/>
+                </a:solidFill>
+                <a:latin typeface="Fira Sans Light" panose="020B0403050000020004" pitchFamily="34" charset="0"/>
+              </a:rPr>
+              <a:t> </a:t>
+            </a:r>
+            <a:r>
+              <a:rPr lang="en-US" sz="2800" b="1" dirty="0" err="1">
+                <a:solidFill>
+                  <a:srgbClr val="000000"/>
+                </a:solidFill>
+                <a:latin typeface="Fira Sans Light" panose="020B0403050000020004" pitchFamily="34" charset="0"/>
+              </a:rPr>
+              <a:t>ngày</a:t>
+            </a:r>
+            <a:endParaRPr lang="en-US" sz="2800" b="1" dirty="0">
+              <a:solidFill>
+                <a:srgbClr val="000000"/>
+              </a:solidFill>
+              <a:latin typeface="Fira Sans Light" panose="020B0403050000020004" pitchFamily="34" charset="0"/>
+            </a:endParaRPr>
+          </a:p>
+        </p:txBody>
+      </p:sp>
+      <p:sp>
+        <p:nvSpPr>
+          <p:cNvPr id="8" name="AutoShape 15">
+            <a:extLst>
+              <a:ext uri="{FF2B5EF4-FFF2-40B4-BE49-F238E27FC236}">
+                <a16:creationId xmlns:a16="http://schemas.microsoft.com/office/drawing/2014/main" id="{735E39E9-1F61-4F13-B8B6-672C45282B73}"/>
+              </a:ext>
+            </a:extLst>
+          </p:cNvPr>
+          <p:cNvSpPr/>
+          <p:nvPr/>
+        </p:nvSpPr>
+        <p:spPr>
+          <a:xfrm rot="5399999">
+            <a:off x="4648200" y="5524499"/>
+            <a:ext cx="8229601" cy="4"/>
+          </a:xfrm>
+          <a:prstGeom prst="line">
+            <a:avLst/>
+          </a:prstGeom>
+          <a:ln w="9525" cap="rnd">
+            <a:solidFill>
+              <a:srgbClr val="000000"/>
+            </a:solidFill>
+            <a:prstDash val="solid"/>
+            <a:headEnd type="none" w="sm" len="sm"/>
+            <a:tailEnd type="none" w="sm" len="sm"/>
+          </a:ln>
+        </p:spPr>
+      </p:sp>
+    </p:spTree>
+    <p:extLst>
+      <p:ext uri="{BB962C8B-B14F-4D97-AF65-F5344CB8AC3E}">
+        <p14:creationId xmlns:p14="http://schemas.microsoft.com/office/powerpoint/2010/main" val="4092959029"/>
+      </p:ext>
+    </p:extLst>
+  </p:cSld>
+  <p:clrMapOvr>
+    <a:masterClrMapping/>
+  </p:clrMapOvr>
+</p:sld>
+</file>
+
+<file path=ppt/slides/slide11.xml><?xml version="1.0" encoding="utf-8"?>
+<p:sld xmlns:a="http://schemas.openxmlformats.org/drawingml/2006/main" xmlns:r="http://schemas.openxmlformats.org/officeDocument/2006/relationships" xmlns:p="http://schemas.openxmlformats.org/presentationml/2006/main">
+  <p:cSld>
+    <p:spTree>
+      <p:nvGrpSpPr>
+        <p:cNvPr id="1" name=""/>
+        <p:cNvGrpSpPr/>
+        <p:nvPr/>
+      </p:nvGrpSpPr>
+      <p:grpSpPr>
+        <a:xfrm>
+          <a:off x="0" y="0"/>
+          <a:ext cx="0" cy="0"/>
+          <a:chOff x="0" y="0"/>
+          <a:chExt cx="0" cy="0"/>
+        </a:xfrm>
+      </p:grpSpPr>
       <p:pic>
         <p:nvPicPr>
           <p:cNvPr id="4" name="Picture 3">
@@ -4875,7 +7766,7 @@
 </p:sld>
 </file>
 
-<file path=ppt/slides/slide11.xml><?xml version="1.0" encoding="utf-8"?>
+<file path=ppt/slides/slide12.xml><?xml version="1.0" encoding="utf-8"?>
 <p:sld xmlns:a="http://schemas.openxmlformats.org/drawingml/2006/main" xmlns:r="http://schemas.openxmlformats.org/officeDocument/2006/relationships" xmlns:p="http://schemas.openxmlformats.org/presentationml/2006/main">
   <p:cSld>
     <p:spTree>
@@ -4900,8 +7791,8 @@
         </p:nvSpPr>
         <p:spPr>
           <a:xfrm>
-            <a:off x="703369" y="593476"/>
-            <a:ext cx="4914900" cy="892424"/>
+            <a:off x="0" y="593476"/>
+            <a:ext cx="18287999" cy="769441"/>
           </a:xfrm>
           <a:prstGeom prst="rect">
             <a:avLst/>
@@ -4913,13 +7804,13 @@
           </a:bodyPr>
           <a:lstStyle/>
           <a:p>
-            <a:pPr marL="0" lvl="0" indent="0" algn="l">
+            <a:pPr marL="0" lvl="0" indent="0" algn="ctr">
               <a:spcBef>
                 <a:spcPct val="0"/>
               </a:spcBef>
             </a:pPr>
             <a:r>
-              <a:rPr lang="en-US" sz="5799" dirty="0">
+              <a:rPr lang="en-US" sz="5000" dirty="0">
                 <a:solidFill>
                   <a:srgbClr val="1836B2"/>
                 </a:solidFill>
@@ -4974,7 +7865,7 @@
 </p:sld>
 </file>
 
-<file path=ppt/slides/slide12.xml><?xml version="1.0" encoding="utf-8"?>
+<file path=ppt/slides/slide13.xml><?xml version="1.0" encoding="utf-8"?>
 <p:sld xmlns:a="http://schemas.openxmlformats.org/drawingml/2006/main" xmlns:r="http://schemas.openxmlformats.org/officeDocument/2006/relationships" xmlns:p="http://schemas.openxmlformats.org/presentationml/2006/main">
   <p:cSld>
     <p:spTree>
@@ -5076,7 +7967,7 @@
 </p:sld>
 </file>
 
-<file path=ppt/slides/slide13.xml><?xml version="1.0" encoding="utf-8"?>
+<file path=ppt/slides/slide14.xml><?xml version="1.0" encoding="utf-8"?>
 <p:sld xmlns:a="http://schemas.openxmlformats.org/drawingml/2006/main" xmlns:r="http://schemas.openxmlformats.org/officeDocument/2006/relationships" xmlns:p="http://schemas.openxmlformats.org/presentationml/2006/main">
   <p:cSld>
     <p:spTree>
@@ -5178,7 +8069,7 @@
 </p:sld>
 </file>
 
-<file path=ppt/slides/slide14.xml><?xml version="1.0" encoding="utf-8"?>
+<file path=ppt/slides/slide15.xml><?xml version="1.0" encoding="utf-8"?>
 <p:sld xmlns:a="http://schemas.openxmlformats.org/drawingml/2006/main" xmlns:r="http://schemas.openxmlformats.org/officeDocument/2006/relationships" xmlns:p="http://schemas.openxmlformats.org/presentationml/2006/main">
   <p:cSld>
     <p:spTree>
@@ -5286,7 +8177,7 @@
 </p:sld>
 </file>
 
-<file path=ppt/slides/slide15.xml><?xml version="1.0" encoding="utf-8"?>
+<file path=ppt/slides/slide16.xml><?xml version="1.0" encoding="utf-8"?>
 <p:sld xmlns:a="http://schemas.openxmlformats.org/drawingml/2006/main" xmlns:r="http://schemas.openxmlformats.org/officeDocument/2006/relationships" xmlns:p="http://schemas.openxmlformats.org/presentationml/2006/main">
   <p:cSld>
     <p:spTree>
@@ -5390,7 +8281,7 @@
 </p:sld>
 </file>
 
-<file path=ppt/slides/slide16.xml><?xml version="1.0" encoding="utf-8"?>
+<file path=ppt/slides/slide17.xml><?xml version="1.0" encoding="utf-8"?>
 <p:sld xmlns:a="http://schemas.openxmlformats.org/drawingml/2006/main" xmlns:r="http://schemas.openxmlformats.org/officeDocument/2006/relationships" xmlns:p="http://schemas.openxmlformats.org/presentationml/2006/main">
   <p:cSld>
     <p:spTree>
@@ -5494,7 +8385,7 @@
 </p:sld>
 </file>
 
-<file path=ppt/slides/slide17.xml><?xml version="1.0" encoding="utf-8"?>
+<file path=ppt/slides/slide18.xml><?xml version="1.0" encoding="utf-8"?>
 <p:sld xmlns:a="http://schemas.openxmlformats.org/drawingml/2006/main" xmlns:r="http://schemas.openxmlformats.org/officeDocument/2006/relationships" xmlns:p="http://schemas.openxmlformats.org/presentationml/2006/main">
   <p:cSld>
     <p:spTree>
@@ -7276,7 +10167,7 @@
 </p:sld>
 </file>
 
-<file path=ppt/slides/slide18.xml><?xml version="1.0" encoding="utf-8"?>
+<file path=ppt/slides/slide19.xml><?xml version="1.0" encoding="utf-8"?>
 <p:sld xmlns:a="http://schemas.openxmlformats.org/drawingml/2006/main" xmlns:r="http://schemas.openxmlformats.org/officeDocument/2006/relationships" xmlns:p="http://schemas.openxmlformats.org/presentationml/2006/main">
   <p:cSld>
     <p:spTree>
@@ -7323,7 +10214,7 @@
               </a:spcBef>
             </a:pPr>
             <a:r>
-              <a:rPr lang="en-US" sz="5799" dirty="0">
+              <a:rPr lang="en-US" sz="5000" dirty="0">
                 <a:solidFill>
                   <a:srgbClr val="1836B2"/>
                 </a:solidFill>
@@ -7552,7 +10443,274 @@
 </p:sld>
 </file>
 
-<file path=ppt/slides/slide19.xml><?xml version="1.0" encoding="utf-8"?>
+<file path=ppt/slides/slide2.xml><?xml version="1.0" encoding="utf-8"?>
+<p:sld xmlns:a="http://schemas.openxmlformats.org/drawingml/2006/main" xmlns:r="http://schemas.openxmlformats.org/officeDocument/2006/relationships" xmlns:p="http://schemas.openxmlformats.org/presentationml/2006/main">
+  <p:cSld>
+    <p:spTree>
+      <p:nvGrpSpPr>
+        <p:cNvPr id="1" name=""/>
+        <p:cNvGrpSpPr/>
+        <p:nvPr/>
+      </p:nvGrpSpPr>
+      <p:grpSpPr>
+        <a:xfrm>
+          <a:off x="0" y="0"/>
+          <a:ext cx="0" cy="0"/>
+          <a:chOff x="0" y="0"/>
+          <a:chExt cx="0" cy="0"/>
+        </a:xfrm>
+      </p:grpSpPr>
+      <p:pic>
+        <p:nvPicPr>
+          <p:cNvPr id="2" name="Picture 2"/>
+          <p:cNvPicPr>
+            <a:picLocks noChangeAspect="1"/>
+          </p:cNvPicPr>
+          <p:nvPr/>
+        </p:nvPicPr>
+        <p:blipFill>
+          <a:blip r:embed="rId2">
+            <a:extLst>
+              <a:ext uri="{28A0092B-C50C-407E-A947-70E740481C1C}">
+                <a14:useLocalDpi xmlns:a14="http://schemas.microsoft.com/office/drawing/2010/main" val="0"/>
+              </a:ext>
+              <a:ext uri="{96DAC541-7B7A-43D3-8B79-37D633B846F1}">
+                <asvg:svgBlip xmlns:asvg="http://schemas.microsoft.com/office/drawing/2016/SVG/main" r:embed="rId3"/>
+              </a:ext>
+            </a:extLst>
+          </a:blip>
+          <a:srcRect t="34026"/>
+          <a:stretch>
+            <a:fillRect/>
+          </a:stretch>
+        </p:blipFill>
+        <p:spPr>
+          <a:xfrm rot="-5400000" flipV="1">
+            <a:off x="13347499" y="1607857"/>
+            <a:ext cx="12384751" cy="7071286"/>
+          </a:xfrm>
+          <a:prstGeom prst="rect">
+            <a:avLst/>
+          </a:prstGeom>
+        </p:spPr>
+      </p:pic>
+      <p:sp>
+        <p:nvSpPr>
+          <p:cNvPr id="3" name="TextBox 3"/>
+          <p:cNvSpPr txBox="1"/>
+          <p:nvPr/>
+        </p:nvSpPr>
+        <p:spPr>
+          <a:xfrm>
+            <a:off x="1028700" y="1257300"/>
+            <a:ext cx="7841022" cy="923330"/>
+          </a:xfrm>
+          <a:prstGeom prst="rect">
+            <a:avLst/>
+          </a:prstGeom>
+        </p:spPr>
+        <p:txBody>
+          <a:bodyPr lIns="0" tIns="0" rIns="0" bIns="0" rtlCol="0" anchor="t">
+            <a:spAutoFit/>
+          </a:bodyPr>
+          <a:lstStyle/>
+          <a:p>
+            <a:r>
+              <a:rPr lang="en-US" sz="6000" dirty="0">
+                <a:solidFill>
+                  <a:srgbClr val="1836B2"/>
+                </a:solidFill>
+                <a:latin typeface="Fira Sans Medium Bold"/>
+              </a:rPr>
+              <a:t>DANH MỤC CHƯƠNG</a:t>
+            </a:r>
+          </a:p>
+        </p:txBody>
+      </p:sp>
+      <p:sp>
+        <p:nvSpPr>
+          <p:cNvPr id="4" name="TextBox 4"/>
+          <p:cNvSpPr txBox="1"/>
+          <p:nvPr/>
+        </p:nvSpPr>
+        <p:spPr>
+          <a:xfrm>
+            <a:off x="2438400" y="2705100"/>
+            <a:ext cx="11734800" cy="3693319"/>
+          </a:xfrm>
+          <a:prstGeom prst="rect">
+            <a:avLst/>
+          </a:prstGeom>
+        </p:spPr>
+        <p:txBody>
+          <a:bodyPr wrap="square" lIns="0" tIns="0" rIns="0" bIns="0" rtlCol="0" anchor="t">
+            <a:spAutoFit/>
+          </a:bodyPr>
+          <a:lstStyle/>
+          <a:p>
+            <a:pPr marL="0" lvl="0" indent="0" algn="l"/>
+            <a:r>
+              <a:rPr lang="en-US" sz="6000" u="none" dirty="0">
+                <a:solidFill>
+                  <a:srgbClr val="000000"/>
+                </a:solidFill>
+                <a:latin typeface="Fira Sans Light"/>
+              </a:rPr>
+              <a:t>GIỚI THIỆU ĐỀ TÀI</a:t>
+            </a:r>
+          </a:p>
+          <a:p>
+            <a:pPr marL="0" lvl="0" indent="0" algn="l"/>
+            <a:r>
+              <a:rPr lang="en-US" sz="6000" u="none" dirty="0">
+                <a:solidFill>
+                  <a:srgbClr val="000000"/>
+                </a:solidFill>
+                <a:latin typeface="Fira Sans Light"/>
+              </a:rPr>
+              <a:t>CƠ SỞ LÝ THUYẾT</a:t>
+            </a:r>
+            <a:endParaRPr lang="en-US" sz="6000" dirty="0">
+              <a:solidFill>
+                <a:srgbClr val="000000"/>
+              </a:solidFill>
+              <a:latin typeface="Fira Sans Light"/>
+            </a:endParaRPr>
+          </a:p>
+          <a:p>
+            <a:pPr marL="0" lvl="0" indent="0" algn="l"/>
+            <a:r>
+              <a:rPr lang="en-US" sz="6000" u="none" dirty="0">
+                <a:solidFill>
+                  <a:srgbClr val="000000"/>
+                </a:solidFill>
+                <a:latin typeface="Fira Sans Light"/>
+              </a:rPr>
+              <a:t>PHÂN TÍCH VÀ THIẾT KẾ HỆ THỐNG</a:t>
+            </a:r>
+          </a:p>
+          <a:p>
+            <a:pPr marL="0" lvl="0" indent="0" algn="l"/>
+            <a:r>
+              <a:rPr lang="en-US" sz="6000" u="none" dirty="0">
+                <a:solidFill>
+                  <a:srgbClr val="000000"/>
+                </a:solidFill>
+                <a:latin typeface="Fira Sans Light"/>
+              </a:rPr>
+              <a:t>XÂY DỰNG ỨNG DỤNG</a:t>
+            </a:r>
+          </a:p>
+        </p:txBody>
+      </p:sp>
+      <p:sp>
+        <p:nvSpPr>
+          <p:cNvPr id="5" name="TextBox 5"/>
+          <p:cNvSpPr txBox="1"/>
+          <p:nvPr/>
+        </p:nvSpPr>
+        <p:spPr>
+          <a:xfrm>
+            <a:off x="1028700" y="2705100"/>
+            <a:ext cx="981495" cy="4616648"/>
+          </a:xfrm>
+          <a:prstGeom prst="rect">
+            <a:avLst/>
+          </a:prstGeom>
+        </p:spPr>
+        <p:txBody>
+          <a:bodyPr lIns="0" tIns="0" rIns="0" bIns="0" rtlCol="0" anchor="t">
+            <a:spAutoFit/>
+          </a:bodyPr>
+          <a:lstStyle/>
+          <a:p>
+            <a:pPr marL="0" lvl="0" indent="0" algn="l">
+              <a:spcBef>
+                <a:spcPct val="0"/>
+              </a:spcBef>
+            </a:pPr>
+            <a:r>
+              <a:rPr lang="en-US" sz="6000" u="none" dirty="0">
+                <a:solidFill>
+                  <a:srgbClr val="000000"/>
+                </a:solidFill>
+                <a:latin typeface="Fira Sans Medium"/>
+              </a:rPr>
+              <a:t>01</a:t>
+            </a:r>
+          </a:p>
+          <a:p>
+            <a:pPr marL="0" lvl="0" indent="0" algn="l">
+              <a:spcBef>
+                <a:spcPct val="0"/>
+              </a:spcBef>
+            </a:pPr>
+            <a:r>
+              <a:rPr lang="en-US" sz="6000" u="none" dirty="0">
+                <a:solidFill>
+                  <a:srgbClr val="000000"/>
+                </a:solidFill>
+                <a:latin typeface="Fira Sans Medium"/>
+              </a:rPr>
+              <a:t>02</a:t>
+            </a:r>
+          </a:p>
+          <a:p>
+            <a:pPr marL="0" lvl="0" indent="0" algn="l">
+              <a:spcBef>
+                <a:spcPct val="0"/>
+              </a:spcBef>
+            </a:pPr>
+            <a:r>
+              <a:rPr lang="en-US" sz="6000" u="none" dirty="0">
+                <a:solidFill>
+                  <a:srgbClr val="000000"/>
+                </a:solidFill>
+                <a:latin typeface="Fira Sans Medium"/>
+              </a:rPr>
+              <a:t>03</a:t>
+            </a:r>
+          </a:p>
+          <a:p>
+            <a:pPr marL="0" lvl="0" indent="0" algn="l">
+              <a:spcBef>
+                <a:spcPct val="0"/>
+              </a:spcBef>
+            </a:pPr>
+            <a:r>
+              <a:rPr lang="en-US" sz="6000" u="none" dirty="0">
+                <a:solidFill>
+                  <a:srgbClr val="000000"/>
+                </a:solidFill>
+                <a:latin typeface="Fira Sans Medium"/>
+              </a:rPr>
+              <a:t>04</a:t>
+            </a:r>
+          </a:p>
+          <a:p>
+            <a:pPr marL="0" lvl="0" indent="0" algn="l">
+              <a:spcBef>
+                <a:spcPct val="0"/>
+              </a:spcBef>
+            </a:pPr>
+            <a:endParaRPr lang="en-US" sz="6000" u="none" dirty="0">
+              <a:solidFill>
+                <a:srgbClr val="000000"/>
+              </a:solidFill>
+              <a:latin typeface="Fira Sans Medium"/>
+            </a:endParaRPr>
+          </a:p>
+        </p:txBody>
+      </p:sp>
+    </p:spTree>
+  </p:cSld>
+  <p:clrMapOvr>
+    <a:masterClrMapping/>
+  </p:clrMapOvr>
+</p:sld>
+</file>
+
+<file path=ppt/slides/slide20.xml><?xml version="1.0" encoding="utf-8"?>
 <p:sld xmlns:a="http://schemas.openxmlformats.org/drawingml/2006/main" xmlns:r="http://schemas.openxmlformats.org/officeDocument/2006/relationships" xmlns:p="http://schemas.openxmlformats.org/presentationml/2006/main">
   <p:cSld>
     <p:spTree>
@@ -7722,273 +10880,6 @@
               </a:rPr>
               <a:t>ĐÃ THEO DÕI</a:t>
             </a:r>
-          </a:p>
-        </p:txBody>
-      </p:sp>
-    </p:spTree>
-  </p:cSld>
-  <p:clrMapOvr>
-    <a:masterClrMapping/>
-  </p:clrMapOvr>
-</p:sld>
-</file>
-
-<file path=ppt/slides/slide2.xml><?xml version="1.0" encoding="utf-8"?>
-<p:sld xmlns:a="http://schemas.openxmlformats.org/drawingml/2006/main" xmlns:r="http://schemas.openxmlformats.org/officeDocument/2006/relationships" xmlns:p="http://schemas.openxmlformats.org/presentationml/2006/main">
-  <p:cSld>
-    <p:spTree>
-      <p:nvGrpSpPr>
-        <p:cNvPr id="1" name=""/>
-        <p:cNvGrpSpPr/>
-        <p:nvPr/>
-      </p:nvGrpSpPr>
-      <p:grpSpPr>
-        <a:xfrm>
-          <a:off x="0" y="0"/>
-          <a:ext cx="0" cy="0"/>
-          <a:chOff x="0" y="0"/>
-          <a:chExt cx="0" cy="0"/>
-        </a:xfrm>
-      </p:grpSpPr>
-      <p:pic>
-        <p:nvPicPr>
-          <p:cNvPr id="2" name="Picture 2"/>
-          <p:cNvPicPr>
-            <a:picLocks noChangeAspect="1"/>
-          </p:cNvPicPr>
-          <p:nvPr/>
-        </p:nvPicPr>
-        <p:blipFill>
-          <a:blip r:embed="rId2">
-            <a:extLst>
-              <a:ext uri="{28A0092B-C50C-407E-A947-70E740481C1C}">
-                <a14:useLocalDpi xmlns:a14="http://schemas.microsoft.com/office/drawing/2010/main" val="0"/>
-              </a:ext>
-              <a:ext uri="{96DAC541-7B7A-43D3-8B79-37D633B846F1}">
-                <asvg:svgBlip xmlns:asvg="http://schemas.microsoft.com/office/drawing/2016/SVG/main" r:embed="rId3"/>
-              </a:ext>
-            </a:extLst>
-          </a:blip>
-          <a:srcRect t="34026"/>
-          <a:stretch>
-            <a:fillRect/>
-          </a:stretch>
-        </p:blipFill>
-        <p:spPr>
-          <a:xfrm rot="-5400000" flipV="1">
-            <a:off x="13347499" y="1607857"/>
-            <a:ext cx="12384751" cy="7071286"/>
-          </a:xfrm>
-          <a:prstGeom prst="rect">
-            <a:avLst/>
-          </a:prstGeom>
-        </p:spPr>
-      </p:pic>
-      <p:sp>
-        <p:nvSpPr>
-          <p:cNvPr id="3" name="TextBox 3"/>
-          <p:cNvSpPr txBox="1"/>
-          <p:nvPr/>
-        </p:nvSpPr>
-        <p:spPr>
-          <a:xfrm>
-            <a:off x="1028700" y="1257300"/>
-            <a:ext cx="7841022" cy="923330"/>
-          </a:xfrm>
-          <a:prstGeom prst="rect">
-            <a:avLst/>
-          </a:prstGeom>
-        </p:spPr>
-        <p:txBody>
-          <a:bodyPr lIns="0" tIns="0" rIns="0" bIns="0" rtlCol="0" anchor="t">
-            <a:spAutoFit/>
-          </a:bodyPr>
-          <a:lstStyle/>
-          <a:p>
-            <a:r>
-              <a:rPr lang="en-US" sz="6000" dirty="0">
-                <a:solidFill>
-                  <a:srgbClr val="1836B2"/>
-                </a:solidFill>
-                <a:latin typeface="Fira Sans Medium Bold"/>
-              </a:rPr>
-              <a:t>DANH MỤC CHƯƠNG</a:t>
-            </a:r>
-          </a:p>
-        </p:txBody>
-      </p:sp>
-      <p:sp>
-        <p:nvSpPr>
-          <p:cNvPr id="4" name="TextBox 4"/>
-          <p:cNvSpPr txBox="1"/>
-          <p:nvPr/>
-        </p:nvSpPr>
-        <p:spPr>
-          <a:xfrm>
-            <a:off x="2438400" y="2705100"/>
-            <a:ext cx="11734800" cy="3693319"/>
-          </a:xfrm>
-          <a:prstGeom prst="rect">
-            <a:avLst/>
-          </a:prstGeom>
-        </p:spPr>
-        <p:txBody>
-          <a:bodyPr wrap="square" lIns="0" tIns="0" rIns="0" bIns="0" rtlCol="0" anchor="t">
-            <a:spAutoFit/>
-          </a:bodyPr>
-          <a:lstStyle/>
-          <a:p>
-            <a:pPr marL="0" lvl="0" indent="0" algn="l"/>
-            <a:r>
-              <a:rPr lang="en-US" sz="6000" u="none" dirty="0">
-                <a:solidFill>
-                  <a:srgbClr val="000000"/>
-                </a:solidFill>
-                <a:latin typeface="Fira Sans Light"/>
-              </a:rPr>
-              <a:t>GIỚI THIỆU ĐỀ TÀI</a:t>
-            </a:r>
-          </a:p>
-          <a:p>
-            <a:pPr marL="0" lvl="0" indent="0" algn="l"/>
-            <a:r>
-              <a:rPr lang="en-US" sz="6000" u="none" dirty="0">
-                <a:solidFill>
-                  <a:srgbClr val="000000"/>
-                </a:solidFill>
-                <a:latin typeface="Fira Sans Light"/>
-              </a:rPr>
-              <a:t>CƠ SỞ LÝ THUYẾT</a:t>
-            </a:r>
-            <a:endParaRPr lang="en-US" sz="6000" dirty="0">
-              <a:solidFill>
-                <a:srgbClr val="000000"/>
-              </a:solidFill>
-              <a:latin typeface="Fira Sans Light"/>
-            </a:endParaRPr>
-          </a:p>
-          <a:p>
-            <a:pPr marL="0" lvl="0" indent="0" algn="l"/>
-            <a:r>
-              <a:rPr lang="en-US" sz="6000" u="none" dirty="0">
-                <a:solidFill>
-                  <a:srgbClr val="000000"/>
-                </a:solidFill>
-                <a:latin typeface="Fira Sans Light"/>
-              </a:rPr>
-              <a:t>PHÂN TÍCH VÀ THIẾT KẾ HỆ THỐNG</a:t>
-            </a:r>
-          </a:p>
-          <a:p>
-            <a:pPr marL="0" lvl="0" indent="0" algn="l"/>
-            <a:r>
-              <a:rPr lang="en-US" sz="6000" u="none" dirty="0">
-                <a:solidFill>
-                  <a:srgbClr val="000000"/>
-                </a:solidFill>
-                <a:latin typeface="Fira Sans Light"/>
-              </a:rPr>
-              <a:t>XÂY DỰNG ỨNG DỤNG</a:t>
-            </a:r>
-          </a:p>
-        </p:txBody>
-      </p:sp>
-      <p:sp>
-        <p:nvSpPr>
-          <p:cNvPr id="5" name="TextBox 5"/>
-          <p:cNvSpPr txBox="1"/>
-          <p:nvPr/>
-        </p:nvSpPr>
-        <p:spPr>
-          <a:xfrm>
-            <a:off x="1028700" y="2705100"/>
-            <a:ext cx="981495" cy="4616648"/>
-          </a:xfrm>
-          <a:prstGeom prst="rect">
-            <a:avLst/>
-          </a:prstGeom>
-        </p:spPr>
-        <p:txBody>
-          <a:bodyPr lIns="0" tIns="0" rIns="0" bIns="0" rtlCol="0" anchor="t">
-            <a:spAutoFit/>
-          </a:bodyPr>
-          <a:lstStyle/>
-          <a:p>
-            <a:pPr marL="0" lvl="0" indent="0" algn="l">
-              <a:spcBef>
-                <a:spcPct val="0"/>
-              </a:spcBef>
-            </a:pPr>
-            <a:r>
-              <a:rPr lang="en-US" sz="6000" u="none" dirty="0">
-                <a:solidFill>
-                  <a:srgbClr val="000000"/>
-                </a:solidFill>
-                <a:latin typeface="Fira Sans Medium"/>
-              </a:rPr>
-              <a:t>01</a:t>
-            </a:r>
-          </a:p>
-          <a:p>
-            <a:pPr marL="0" lvl="0" indent="0" algn="l">
-              <a:spcBef>
-                <a:spcPct val="0"/>
-              </a:spcBef>
-            </a:pPr>
-            <a:r>
-              <a:rPr lang="en-US" sz="6000" u="none" dirty="0">
-                <a:solidFill>
-                  <a:srgbClr val="000000"/>
-                </a:solidFill>
-                <a:latin typeface="Fira Sans Medium"/>
-              </a:rPr>
-              <a:t>02</a:t>
-            </a:r>
-          </a:p>
-          <a:p>
-            <a:pPr marL="0" lvl="0" indent="0" algn="l">
-              <a:spcBef>
-                <a:spcPct val="0"/>
-              </a:spcBef>
-            </a:pPr>
-            <a:r>
-              <a:rPr lang="en-US" sz="6000" u="none" dirty="0">
-                <a:solidFill>
-                  <a:srgbClr val="000000"/>
-                </a:solidFill>
-                <a:latin typeface="Fira Sans Medium"/>
-              </a:rPr>
-              <a:t>03</a:t>
-            </a:r>
-          </a:p>
-          <a:p>
-            <a:pPr marL="0" lvl="0" indent="0" algn="l">
-              <a:spcBef>
-                <a:spcPct val="0"/>
-              </a:spcBef>
-            </a:pPr>
-            <a:r>
-              <a:rPr lang="en-US" sz="6000" u="none" dirty="0">
-                <a:solidFill>
-                  <a:srgbClr val="000000"/>
-                </a:solidFill>
-                <a:latin typeface="Fira Sans Medium"/>
-              </a:rPr>
-              <a:t>04</a:t>
-            </a:r>
-          </a:p>
-          <a:p>
-            <a:pPr marL="0" lvl="0" indent="0" algn="l">
-              <a:spcBef>
-                <a:spcPct val="0"/>
-              </a:spcBef>
-            </a:pPr>
-            <a:endParaRPr lang="en-US" sz="6000" u="none" dirty="0">
-              <a:solidFill>
-                <a:srgbClr val="000000"/>
-              </a:solidFill>
-              <a:latin typeface="Fira Sans Medium"/>
-            </a:endParaRPr>
           </a:p>
         </p:txBody>
       </p:sp>
@@ -9504,7 +12395,7 @@
         </p:blipFill>
         <p:spPr bwMode="auto">
           <a:xfrm>
-            <a:off x="12282488" y="7142253"/>
+            <a:off x="12268200" y="3305385"/>
             <a:ext cx="5562600" cy="1658847"/>
           </a:xfrm>
           <a:prstGeom prst="rect">
@@ -9536,8 +12427,8 @@
         </p:nvSpPr>
         <p:spPr>
           <a:xfrm>
-            <a:off x="457200" y="571500"/>
-            <a:ext cx="5791200" cy="615553"/>
+            <a:off x="442910" y="215252"/>
+            <a:ext cx="5791200" cy="769441"/>
           </a:xfrm>
           <a:prstGeom prst="rect">
             <a:avLst/>
@@ -9555,7 +12446,7 @@
               </a:spcBef>
             </a:pPr>
             <a:r>
-              <a:rPr lang="en-US" sz="4000" dirty="0">
+              <a:rPr lang="en-US" sz="5000" dirty="0">
                 <a:solidFill>
                   <a:srgbClr val="1836B2"/>
                 </a:solidFill>
@@ -9824,7 +12715,7 @@
         <p:spPr>
           <a:xfrm>
             <a:off x="304800" y="266700"/>
-            <a:ext cx="17526000" cy="1784848"/>
+            <a:ext cx="17526000" cy="1538883"/>
           </a:xfrm>
           <a:prstGeom prst="rect">
             <a:avLst/>
@@ -9842,7 +12733,7 @@
               </a:spcBef>
             </a:pPr>
             <a:r>
-              <a:rPr lang="en-US" sz="5799" dirty="0">
+              <a:rPr lang="en-US" sz="5000" dirty="0">
                 <a:solidFill>
                   <a:srgbClr val="1836B2"/>
                 </a:solidFill>
@@ -9858,7 +12749,7 @@
               </a:spcBef>
             </a:pPr>
             <a:r>
-              <a:rPr lang="en-US" sz="5799" dirty="0">
+              <a:rPr lang="en-US" sz="5000" dirty="0">
                 <a:solidFill>
                   <a:srgbClr val="1836B2"/>
                 </a:solidFill>
@@ -9895,7 +12786,7 @@
         </p:blipFill>
         <p:spPr>
           <a:xfrm>
-            <a:off x="4381500" y="2167735"/>
+            <a:off x="4305300" y="1983674"/>
             <a:ext cx="9525000" cy="7960426"/>
           </a:xfrm>
           <a:prstGeom prst="rect">
@@ -9936,8 +12827,8 @@
         </p:nvSpPr>
         <p:spPr>
           <a:xfrm>
-            <a:off x="228600" y="3804864"/>
-            <a:ext cx="7696200" cy="2677271"/>
+            <a:off x="0" y="259259"/>
+            <a:ext cx="18288000" cy="769441"/>
           </a:xfrm>
           <a:prstGeom prst="rect">
             <a:avLst/>
@@ -9955,73 +12846,23 @@
               </a:spcBef>
             </a:pPr>
             <a:r>
-              <a:rPr lang="en-US" sz="5799" dirty="0">
+              <a:rPr lang="en-US" sz="5000" dirty="0">
                 <a:solidFill>
                   <a:srgbClr val="1836B2"/>
                 </a:solidFill>
                 <a:latin typeface="Fira Sans Medium Bold"/>
               </a:rPr>
-              <a:t>MÔ HÌNH CHỨC NĂNG TỔNG QUÁT</a:t>
-            </a:r>
-          </a:p>
-          <a:p>
-            <a:pPr marL="0" lvl="0" indent="0" algn="ctr">
-              <a:spcBef>
-                <a:spcPct val="0"/>
-              </a:spcBef>
-            </a:pPr>
-            <a:r>
-              <a:rPr lang="en-US" sz="5799" dirty="0">
-                <a:solidFill>
-                  <a:srgbClr val="1836B2"/>
-                </a:solidFill>
-                <a:latin typeface="Fira Sans Medium Bold"/>
-              </a:rPr>
-              <a:t>PHẦN MỀM MÁY TÍNH</a:t>
+              <a:t>MÔ HÌNH CHỨC NĂNG TỔNG QUÁT PHẦN MỀM MÁY TÍNH</a:t>
             </a:r>
           </a:p>
         </p:txBody>
       </p:sp>
-      <p:pic>
-        <p:nvPicPr>
-          <p:cNvPr id="4" name="Picture 3">
+      <p:sp>
+        <p:nvSpPr>
+          <p:cNvPr id="6" name="TextBox 9">
             <a:extLst>
               <a:ext uri="{FF2B5EF4-FFF2-40B4-BE49-F238E27FC236}">
-                <a16:creationId xmlns:a16="http://schemas.microsoft.com/office/drawing/2014/main" id="{94082595-E76D-462F-A7B0-EC81D236554C}"/>
-              </a:ext>
-            </a:extLst>
-          </p:cNvPr>
-          <p:cNvPicPr/>
-          <p:nvPr/>
-        </p:nvPicPr>
-        <p:blipFill>
-          <a:blip r:embed="rId2">
-            <a:extLst>
-              <a:ext uri="{28A0092B-C50C-407E-A947-70E740481C1C}">
-                <a14:useLocalDpi xmlns:a14="http://schemas.microsoft.com/office/drawing/2010/main" val="0"/>
-              </a:ext>
-            </a:extLst>
-          </a:blip>
-          <a:stretch>
-            <a:fillRect/>
-          </a:stretch>
-        </p:blipFill>
-        <p:spPr>
-          <a:xfrm>
-            <a:off x="8839200" y="298227"/>
-            <a:ext cx="4724400" cy="9690546"/>
-          </a:xfrm>
-          <a:prstGeom prst="rect">
-            <a:avLst/>
-          </a:prstGeom>
-        </p:spPr>
-      </p:pic>
-      <p:sp>
-        <p:nvSpPr>
-          <p:cNvPr id="5" name="TextBox 14">
-            <a:extLst>
-              <a:ext uri="{FF2B5EF4-FFF2-40B4-BE49-F238E27FC236}">
-                <a16:creationId xmlns:a16="http://schemas.microsoft.com/office/drawing/2014/main" id="{FB84CDC5-C1C2-458F-B07B-ACC9AE59AF36}"/>
+                <a16:creationId xmlns:a16="http://schemas.microsoft.com/office/drawing/2014/main" id="{6BC35371-F90E-4952-8BED-8AC59965787E}"/>
               </a:ext>
             </a:extLst>
           </p:cNvPr>
@@ -10030,8 +12871,8 @@
         </p:nvSpPr>
         <p:spPr>
           <a:xfrm>
-            <a:off x="1295400" y="1409700"/>
-            <a:ext cx="8991600" cy="846386"/>
+            <a:off x="1143030" y="1418354"/>
+            <a:ext cx="6705570" cy="7834452"/>
           </a:xfrm>
           <a:prstGeom prst="rect">
             <a:avLst/>
@@ -10043,226 +12884,3051 @@
           </a:bodyPr>
           <a:lstStyle/>
           <a:p>
-            <a:pPr algn="just">
+            <a:pPr marL="514350" indent="-514350">
               <a:lnSpc>
-                <a:spcPts val="3299"/>
+                <a:spcPts val="3360"/>
               </a:lnSpc>
+              <a:buFont typeface="Fira Sans Light" panose="020B0403050000020004" pitchFamily="34" charset="0"/>
+              <a:buChar char="―"/>
             </a:pPr>
             <a:r>
-              <a:rPr lang="en-US" sz="3000" dirty="0" err="1">
-                <a:solidFill>
-                  <a:srgbClr val="000000"/>
-                </a:solidFill>
-                <a:latin typeface="Fira Sans Light"/>
-              </a:rPr>
-              <a:t>Có</a:t>
-            </a:r>
-            <a:r>
-              <a:rPr lang="en-US" sz="3000" dirty="0">
-                <a:solidFill>
-                  <a:srgbClr val="000000"/>
-                </a:solidFill>
-                <a:latin typeface="Fira Sans Light"/>
-              </a:rPr>
-              <a:t> </a:t>
-            </a:r>
-            <a:r>
-              <a:rPr lang="en-US" sz="3000" dirty="0" err="1">
-                <a:solidFill>
-                  <a:srgbClr val="000000"/>
-                </a:solidFill>
-                <a:latin typeface="Fira Sans Light"/>
-              </a:rPr>
-              <a:t>thể</a:t>
-            </a:r>
-            <a:r>
-              <a:rPr lang="en-US" sz="3000" dirty="0">
-                <a:solidFill>
-                  <a:srgbClr val="000000"/>
-                </a:solidFill>
-                <a:latin typeface="Fira Sans Light"/>
-              </a:rPr>
-              <a:t> </a:t>
-            </a:r>
-            <a:r>
-              <a:rPr lang="en-US" sz="3000" dirty="0" err="1">
-                <a:solidFill>
-                  <a:srgbClr val="000000"/>
-                </a:solidFill>
-                <a:latin typeface="Fira Sans Light"/>
-              </a:rPr>
-              <a:t>viết</a:t>
-            </a:r>
-            <a:r>
-              <a:rPr lang="en-US" sz="3000" dirty="0">
-                <a:solidFill>
-                  <a:srgbClr val="000000"/>
-                </a:solidFill>
-                <a:latin typeface="Fira Sans Light"/>
-              </a:rPr>
-              <a:t> </a:t>
-            </a:r>
-            <a:r>
-              <a:rPr lang="en-US" sz="3000" dirty="0" err="1">
-                <a:solidFill>
-                  <a:srgbClr val="000000"/>
-                </a:solidFill>
-                <a:latin typeface="Fira Sans Light"/>
-              </a:rPr>
-              <a:t>theo</a:t>
-            </a:r>
-            <a:r>
-              <a:rPr lang="en-US" sz="3000" dirty="0">
-                <a:solidFill>
-                  <a:srgbClr val="000000"/>
-                </a:solidFill>
-                <a:latin typeface="Fira Sans Light"/>
-              </a:rPr>
-              <a:t> </a:t>
-            </a:r>
-            <a:r>
-              <a:rPr lang="en-US" sz="3000" dirty="0" err="1">
-                <a:solidFill>
-                  <a:srgbClr val="000000"/>
-                </a:solidFill>
-                <a:latin typeface="Fira Sans Light"/>
-              </a:rPr>
-              <a:t>gạch</a:t>
-            </a:r>
-            <a:r>
-              <a:rPr lang="en-US" sz="3000" dirty="0">
-                <a:solidFill>
-                  <a:srgbClr val="000000"/>
-                </a:solidFill>
-                <a:latin typeface="Fira Sans Light"/>
-              </a:rPr>
-              <a:t> </a:t>
-            </a:r>
-            <a:r>
-              <a:rPr lang="en-US" sz="3000" dirty="0" err="1">
-                <a:solidFill>
-                  <a:srgbClr val="000000"/>
-                </a:solidFill>
-                <a:latin typeface="Fira Sans Light"/>
-              </a:rPr>
-              <a:t>đầu</a:t>
-            </a:r>
-            <a:r>
-              <a:rPr lang="en-US" sz="3000" dirty="0">
-                <a:solidFill>
-                  <a:srgbClr val="000000"/>
-                </a:solidFill>
-                <a:latin typeface="Fira Sans Light"/>
-              </a:rPr>
-              <a:t> </a:t>
-            </a:r>
-            <a:r>
-              <a:rPr lang="en-US" sz="3000" dirty="0" err="1">
-                <a:solidFill>
-                  <a:srgbClr val="000000"/>
-                </a:solidFill>
-                <a:latin typeface="Fira Sans Light"/>
-              </a:rPr>
-              <a:t>dòng</a:t>
-            </a:r>
-            <a:endParaRPr lang="en-US" sz="3000" dirty="0">
+              <a:rPr lang="en-US" sz="2800" b="1" dirty="0" err="1">
+                <a:solidFill>
+                  <a:srgbClr val="000000"/>
+                </a:solidFill>
+                <a:latin typeface="Fira Sans Light" panose="020B0403050000020004" pitchFamily="34" charset="0"/>
+              </a:rPr>
+              <a:t>Đăng</a:t>
+            </a:r>
+            <a:r>
+              <a:rPr lang="en-US" sz="2800" b="1" dirty="0">
+                <a:solidFill>
+                  <a:srgbClr val="000000"/>
+                </a:solidFill>
+                <a:latin typeface="Fira Sans Light" panose="020B0403050000020004" pitchFamily="34" charset="0"/>
+              </a:rPr>
+              <a:t> </a:t>
+            </a:r>
+            <a:r>
+              <a:rPr lang="en-US" sz="2800" b="1" dirty="0" err="1">
+                <a:solidFill>
+                  <a:srgbClr val="000000"/>
+                </a:solidFill>
+                <a:latin typeface="Fira Sans Light" panose="020B0403050000020004" pitchFamily="34" charset="0"/>
+              </a:rPr>
+              <a:t>nhập</a:t>
+            </a:r>
+            <a:endParaRPr lang="en-US" sz="2800" b="1" dirty="0">
               <a:solidFill>
                 <a:srgbClr val="000000"/>
               </a:solidFill>
-              <a:latin typeface="Fira Sans Light"/>
+              <a:latin typeface="Fira Sans Light" panose="020B0403050000020004" pitchFamily="34" charset="0"/>
             </a:endParaRPr>
           </a:p>
           <a:p>
-            <a:pPr algn="just">
+            <a:pPr marL="1035050" indent="-457200">
               <a:lnSpc>
-                <a:spcPts val="3299"/>
+                <a:spcPts val="3360"/>
               </a:lnSpc>
+              <a:buFont typeface="Fira Sans Light" panose="020B0403050000020004" pitchFamily="34" charset="0"/>
+              <a:buChar char="+"/>
             </a:pPr>
             <a:r>
-              <a:rPr lang="en-US" sz="3000" dirty="0">
-                <a:solidFill>
-                  <a:srgbClr val="000000"/>
-                </a:solidFill>
-                <a:latin typeface="Fira Sans Light"/>
-              </a:rPr>
-              <a:t>Chia 2 3 </a:t>
-            </a:r>
-            <a:r>
-              <a:rPr lang="en-US" sz="3000" dirty="0" err="1">
-                <a:solidFill>
-                  <a:srgbClr val="000000"/>
-                </a:solidFill>
-                <a:latin typeface="Fira Sans Light"/>
-              </a:rPr>
-              <a:t>trang</a:t>
-            </a:r>
-            <a:r>
-              <a:rPr lang="en-US" sz="3000" dirty="0">
-                <a:solidFill>
-                  <a:srgbClr val="000000"/>
-                </a:solidFill>
-                <a:latin typeface="Fira Sans Light"/>
-              </a:rPr>
-              <a:t> </a:t>
-            </a:r>
-            <a:r>
-              <a:rPr lang="en-US" sz="3000" dirty="0" err="1">
-                <a:solidFill>
-                  <a:srgbClr val="000000"/>
-                </a:solidFill>
-                <a:latin typeface="Fira Sans Light"/>
-              </a:rPr>
-              <a:t>cho</a:t>
-            </a:r>
-            <a:r>
-              <a:rPr lang="en-US" sz="3000" dirty="0">
-                <a:solidFill>
-                  <a:srgbClr val="000000"/>
-                </a:solidFill>
-                <a:latin typeface="Fira Sans Light"/>
-              </a:rPr>
-              <a:t> </a:t>
-            </a:r>
-            <a:r>
-              <a:rPr lang="en-US" sz="3000" dirty="0" err="1">
-                <a:solidFill>
-                  <a:srgbClr val="000000"/>
-                </a:solidFill>
-                <a:latin typeface="Fira Sans Light"/>
-              </a:rPr>
-              <a:t>dễ</a:t>
-            </a:r>
-            <a:r>
-              <a:rPr lang="en-US" sz="3000" dirty="0">
-                <a:solidFill>
-                  <a:srgbClr val="000000"/>
-                </a:solidFill>
-                <a:latin typeface="Fira Sans Light"/>
-              </a:rPr>
-              <a:t> </a:t>
-            </a:r>
-            <a:r>
-              <a:rPr lang="en-US" sz="3000" dirty="0" err="1">
-                <a:solidFill>
-                  <a:srgbClr val="000000"/>
-                </a:solidFill>
-                <a:latin typeface="Fira Sans Light"/>
-              </a:rPr>
-              <a:t>nhìn</a:t>
-            </a:r>
-            <a:endParaRPr lang="en-US" sz="3000" dirty="0">
+              <a:rPr lang="en-US" sz="2800" dirty="0" err="1">
+                <a:solidFill>
+                  <a:srgbClr val="000000"/>
+                </a:solidFill>
+                <a:latin typeface="Fira Sans Light" panose="020B0403050000020004" pitchFamily="34" charset="0"/>
+              </a:rPr>
+              <a:t>Đăng</a:t>
+            </a:r>
+            <a:r>
+              <a:rPr lang="en-US" sz="2800" dirty="0">
+                <a:solidFill>
+                  <a:srgbClr val="000000"/>
+                </a:solidFill>
+                <a:latin typeface="Fira Sans Light" panose="020B0403050000020004" pitchFamily="34" charset="0"/>
+              </a:rPr>
+              <a:t> </a:t>
+            </a:r>
+            <a:r>
+              <a:rPr lang="en-US" sz="2800" dirty="0" err="1">
+                <a:solidFill>
+                  <a:srgbClr val="000000"/>
+                </a:solidFill>
+                <a:latin typeface="Fira Sans Light" panose="020B0403050000020004" pitchFamily="34" charset="0"/>
+              </a:rPr>
+              <a:t>nhập</a:t>
+            </a:r>
+            <a:endParaRPr lang="en-US" sz="2800" dirty="0">
               <a:solidFill>
                 <a:srgbClr val="000000"/>
               </a:solidFill>
-              <a:latin typeface="Fira Sans Light"/>
+              <a:latin typeface="Fira Sans Light" panose="020B0403050000020004" pitchFamily="34" charset="0"/>
             </a:endParaRPr>
           </a:p>
+          <a:p>
+            <a:pPr marL="1035050" indent="-457200">
+              <a:lnSpc>
+                <a:spcPts val="3360"/>
+              </a:lnSpc>
+              <a:buFont typeface="Fira Sans Light" panose="020B0403050000020004" pitchFamily="34" charset="0"/>
+              <a:buChar char="+"/>
+            </a:pPr>
+            <a:r>
+              <a:rPr lang="en-US" sz="2800" dirty="0" err="1">
+                <a:solidFill>
+                  <a:srgbClr val="000000"/>
+                </a:solidFill>
+                <a:latin typeface="Fira Sans Light" panose="020B0403050000020004" pitchFamily="34" charset="0"/>
+              </a:rPr>
+              <a:t>Đăng</a:t>
+            </a:r>
+            <a:r>
+              <a:rPr lang="en-US" sz="2800" dirty="0">
+                <a:solidFill>
+                  <a:srgbClr val="000000"/>
+                </a:solidFill>
+                <a:latin typeface="Fira Sans Light" panose="020B0403050000020004" pitchFamily="34" charset="0"/>
+              </a:rPr>
+              <a:t> </a:t>
+            </a:r>
+            <a:r>
+              <a:rPr lang="en-US" sz="2800" dirty="0" err="1">
+                <a:solidFill>
+                  <a:srgbClr val="000000"/>
+                </a:solidFill>
+                <a:latin typeface="Fira Sans Light" panose="020B0403050000020004" pitchFamily="34" charset="0"/>
+              </a:rPr>
+              <a:t>xuất</a:t>
+            </a:r>
+            <a:endParaRPr lang="en-US" sz="2800" dirty="0">
+              <a:solidFill>
+                <a:srgbClr val="000000"/>
+              </a:solidFill>
+              <a:latin typeface="Fira Sans Light" panose="020B0403050000020004" pitchFamily="34" charset="0"/>
+            </a:endParaRPr>
+          </a:p>
+          <a:p>
+            <a:pPr marL="514350" indent="-514350">
+              <a:lnSpc>
+                <a:spcPts val="3360"/>
+              </a:lnSpc>
+              <a:buFont typeface="Fira Sans Light" panose="020B0403050000020004" pitchFamily="34" charset="0"/>
+              <a:buChar char="―"/>
+            </a:pPr>
+            <a:r>
+              <a:rPr lang="en-US" sz="2800" b="1" dirty="0" err="1">
+                <a:solidFill>
+                  <a:srgbClr val="000000"/>
+                </a:solidFill>
+                <a:latin typeface="Fira Sans Light" panose="020B0403050000020004" pitchFamily="34" charset="0"/>
+              </a:rPr>
+              <a:t>Quản</a:t>
+            </a:r>
+            <a:r>
+              <a:rPr lang="en-US" sz="2800" b="1" dirty="0">
+                <a:solidFill>
+                  <a:srgbClr val="000000"/>
+                </a:solidFill>
+                <a:latin typeface="Fira Sans Light" panose="020B0403050000020004" pitchFamily="34" charset="0"/>
+              </a:rPr>
+              <a:t> </a:t>
+            </a:r>
+            <a:r>
+              <a:rPr lang="en-US" sz="2800" b="1" dirty="0" err="1">
+                <a:solidFill>
+                  <a:srgbClr val="000000"/>
+                </a:solidFill>
+                <a:latin typeface="Fira Sans Light" panose="020B0403050000020004" pitchFamily="34" charset="0"/>
+              </a:rPr>
+              <a:t>lý</a:t>
+            </a:r>
+            <a:r>
+              <a:rPr lang="en-US" sz="2800" b="1" dirty="0">
+                <a:solidFill>
+                  <a:srgbClr val="000000"/>
+                </a:solidFill>
+                <a:latin typeface="Fira Sans Light" panose="020B0403050000020004" pitchFamily="34" charset="0"/>
+              </a:rPr>
+              <a:t> </a:t>
+            </a:r>
+            <a:r>
+              <a:rPr lang="en-US" sz="2800" b="1" dirty="0" err="1">
+                <a:solidFill>
+                  <a:srgbClr val="000000"/>
+                </a:solidFill>
+                <a:latin typeface="Fira Sans Light" panose="020B0403050000020004" pitchFamily="34" charset="0"/>
+              </a:rPr>
+              <a:t>nhân</a:t>
+            </a:r>
+            <a:r>
+              <a:rPr lang="en-US" sz="2800" b="1" dirty="0">
+                <a:solidFill>
+                  <a:srgbClr val="000000"/>
+                </a:solidFill>
+                <a:latin typeface="Fira Sans Light" panose="020B0403050000020004" pitchFamily="34" charset="0"/>
+              </a:rPr>
+              <a:t> </a:t>
+            </a:r>
+            <a:r>
+              <a:rPr lang="en-US" sz="2800" b="1" dirty="0" err="1">
+                <a:solidFill>
+                  <a:srgbClr val="000000"/>
+                </a:solidFill>
+                <a:latin typeface="Fira Sans Light" panose="020B0403050000020004" pitchFamily="34" charset="0"/>
+              </a:rPr>
+              <a:t>viên</a:t>
+            </a:r>
+            <a:endParaRPr lang="en-US" sz="2800" b="1" dirty="0">
+              <a:solidFill>
+                <a:srgbClr val="000000"/>
+              </a:solidFill>
+              <a:latin typeface="Fira Sans Light" panose="020B0403050000020004" pitchFamily="34" charset="0"/>
+            </a:endParaRPr>
+          </a:p>
+          <a:p>
+            <a:pPr marL="1031875" indent="-457200">
+              <a:lnSpc>
+                <a:spcPts val="3360"/>
+              </a:lnSpc>
+              <a:buFont typeface="Fira Sans Light" panose="020B0403050000020004" pitchFamily="34" charset="0"/>
+              <a:buChar char="+"/>
+            </a:pPr>
+            <a:r>
+              <a:rPr lang="en-US" sz="2800" dirty="0" err="1">
+                <a:solidFill>
+                  <a:srgbClr val="000000"/>
+                </a:solidFill>
+                <a:latin typeface="Fira Sans Light" panose="020B0403050000020004" pitchFamily="34" charset="0"/>
+              </a:rPr>
+              <a:t>Thêm</a:t>
+            </a:r>
+            <a:r>
+              <a:rPr lang="en-US" sz="2800" dirty="0">
+                <a:solidFill>
+                  <a:srgbClr val="000000"/>
+                </a:solidFill>
+                <a:latin typeface="Fira Sans Light" panose="020B0403050000020004" pitchFamily="34" charset="0"/>
+              </a:rPr>
+              <a:t> </a:t>
+            </a:r>
+            <a:r>
+              <a:rPr lang="en-US" sz="2800" dirty="0" err="1">
+                <a:solidFill>
+                  <a:srgbClr val="000000"/>
+                </a:solidFill>
+                <a:latin typeface="Fira Sans Light" panose="020B0403050000020004" pitchFamily="34" charset="0"/>
+              </a:rPr>
+              <a:t>nhân</a:t>
+            </a:r>
+            <a:r>
+              <a:rPr lang="en-US" sz="2800" dirty="0">
+                <a:solidFill>
+                  <a:srgbClr val="000000"/>
+                </a:solidFill>
+                <a:latin typeface="Fira Sans Light" panose="020B0403050000020004" pitchFamily="34" charset="0"/>
+              </a:rPr>
+              <a:t> </a:t>
+            </a:r>
+            <a:r>
+              <a:rPr lang="en-US" sz="2800" dirty="0" err="1">
+                <a:solidFill>
+                  <a:srgbClr val="000000"/>
+                </a:solidFill>
+                <a:latin typeface="Fira Sans Light" panose="020B0403050000020004" pitchFamily="34" charset="0"/>
+              </a:rPr>
+              <a:t>viên</a:t>
+            </a:r>
+            <a:endParaRPr lang="en-US" sz="2800" dirty="0">
+              <a:solidFill>
+                <a:srgbClr val="000000"/>
+              </a:solidFill>
+              <a:latin typeface="Fira Sans Light" panose="020B0403050000020004" pitchFamily="34" charset="0"/>
+            </a:endParaRPr>
+          </a:p>
+          <a:p>
+            <a:pPr marL="1031875" indent="-457200">
+              <a:lnSpc>
+                <a:spcPts val="3360"/>
+              </a:lnSpc>
+              <a:buFont typeface="Fira Sans Light" panose="020B0403050000020004" pitchFamily="34" charset="0"/>
+              <a:buChar char="+"/>
+            </a:pPr>
+            <a:r>
+              <a:rPr lang="en-US" sz="2800" dirty="0" err="1">
+                <a:solidFill>
+                  <a:srgbClr val="000000"/>
+                </a:solidFill>
+                <a:latin typeface="Fira Sans Light" panose="020B0403050000020004" pitchFamily="34" charset="0"/>
+              </a:rPr>
+              <a:t>Cập</a:t>
+            </a:r>
+            <a:r>
+              <a:rPr lang="en-US" sz="2800" dirty="0">
+                <a:solidFill>
+                  <a:srgbClr val="000000"/>
+                </a:solidFill>
+                <a:latin typeface="Fira Sans Light" panose="020B0403050000020004" pitchFamily="34" charset="0"/>
+              </a:rPr>
+              <a:t> </a:t>
+            </a:r>
+            <a:r>
+              <a:rPr lang="en-US" sz="2800" dirty="0" err="1">
+                <a:solidFill>
+                  <a:srgbClr val="000000"/>
+                </a:solidFill>
+                <a:latin typeface="Fira Sans Light" panose="020B0403050000020004" pitchFamily="34" charset="0"/>
+              </a:rPr>
+              <a:t>nhật</a:t>
+            </a:r>
+            <a:r>
+              <a:rPr lang="en-US" sz="2800" dirty="0">
+                <a:solidFill>
+                  <a:srgbClr val="000000"/>
+                </a:solidFill>
+                <a:latin typeface="Fira Sans Light" panose="020B0403050000020004" pitchFamily="34" charset="0"/>
+              </a:rPr>
+              <a:t> </a:t>
+            </a:r>
+            <a:r>
+              <a:rPr lang="en-US" sz="2800" dirty="0" err="1">
+                <a:solidFill>
+                  <a:srgbClr val="000000"/>
+                </a:solidFill>
+                <a:latin typeface="Fira Sans Light" panose="020B0403050000020004" pitchFamily="34" charset="0"/>
+              </a:rPr>
+              <a:t>thông</a:t>
+            </a:r>
+            <a:r>
+              <a:rPr lang="en-US" sz="2800" dirty="0">
+                <a:solidFill>
+                  <a:srgbClr val="000000"/>
+                </a:solidFill>
+                <a:latin typeface="Fira Sans Light" panose="020B0403050000020004" pitchFamily="34" charset="0"/>
+              </a:rPr>
+              <a:t> tin </a:t>
+            </a:r>
+            <a:r>
+              <a:rPr lang="en-US" sz="2800" dirty="0" err="1">
+                <a:solidFill>
+                  <a:srgbClr val="000000"/>
+                </a:solidFill>
+                <a:latin typeface="Fira Sans Light" panose="020B0403050000020004" pitchFamily="34" charset="0"/>
+              </a:rPr>
+              <a:t>nhân</a:t>
+            </a:r>
+            <a:r>
+              <a:rPr lang="en-US" sz="2800" dirty="0">
+                <a:solidFill>
+                  <a:srgbClr val="000000"/>
+                </a:solidFill>
+                <a:latin typeface="Fira Sans Light" panose="020B0403050000020004" pitchFamily="34" charset="0"/>
+              </a:rPr>
+              <a:t> </a:t>
+            </a:r>
+            <a:r>
+              <a:rPr lang="en-US" sz="2800" dirty="0" err="1">
+                <a:solidFill>
+                  <a:srgbClr val="000000"/>
+                </a:solidFill>
+                <a:latin typeface="Fira Sans Light" panose="020B0403050000020004" pitchFamily="34" charset="0"/>
+              </a:rPr>
+              <a:t>viên</a:t>
+            </a:r>
+            <a:endParaRPr lang="en-US" sz="2800" dirty="0">
+              <a:solidFill>
+                <a:srgbClr val="000000"/>
+              </a:solidFill>
+              <a:latin typeface="Fira Sans Light" panose="020B0403050000020004" pitchFamily="34" charset="0"/>
+            </a:endParaRPr>
+          </a:p>
+          <a:p>
+            <a:pPr marL="1031875" indent="-457200">
+              <a:lnSpc>
+                <a:spcPts val="3360"/>
+              </a:lnSpc>
+              <a:buFont typeface="Fira Sans Light" panose="020B0403050000020004" pitchFamily="34" charset="0"/>
+              <a:buChar char="+"/>
+            </a:pPr>
+            <a:r>
+              <a:rPr lang="en-US" sz="2800" dirty="0" err="1">
+                <a:solidFill>
+                  <a:srgbClr val="000000"/>
+                </a:solidFill>
+                <a:latin typeface="Fira Sans Light" panose="020B0403050000020004" pitchFamily="34" charset="0"/>
+              </a:rPr>
+              <a:t>Xóa</a:t>
+            </a:r>
+            <a:r>
+              <a:rPr lang="en-US" sz="2800" dirty="0">
+                <a:solidFill>
+                  <a:srgbClr val="000000"/>
+                </a:solidFill>
+                <a:latin typeface="Fira Sans Light" panose="020B0403050000020004" pitchFamily="34" charset="0"/>
+              </a:rPr>
+              <a:t> </a:t>
+            </a:r>
+            <a:r>
+              <a:rPr lang="en-US" sz="2800" dirty="0" err="1">
+                <a:solidFill>
+                  <a:srgbClr val="000000"/>
+                </a:solidFill>
+                <a:latin typeface="Fira Sans Light" panose="020B0403050000020004" pitchFamily="34" charset="0"/>
+              </a:rPr>
+              <a:t>nhân</a:t>
+            </a:r>
+            <a:r>
+              <a:rPr lang="en-US" sz="2800" dirty="0">
+                <a:solidFill>
+                  <a:srgbClr val="000000"/>
+                </a:solidFill>
+                <a:latin typeface="Fira Sans Light" panose="020B0403050000020004" pitchFamily="34" charset="0"/>
+              </a:rPr>
+              <a:t> </a:t>
+            </a:r>
+            <a:r>
+              <a:rPr lang="en-US" sz="2800" dirty="0" err="1">
+                <a:solidFill>
+                  <a:srgbClr val="000000"/>
+                </a:solidFill>
+                <a:latin typeface="Fira Sans Light" panose="020B0403050000020004" pitchFamily="34" charset="0"/>
+              </a:rPr>
+              <a:t>viên</a:t>
+            </a:r>
+            <a:endParaRPr lang="en-US" sz="2800" dirty="0">
+              <a:solidFill>
+                <a:srgbClr val="000000"/>
+              </a:solidFill>
+              <a:latin typeface="Fira Sans Light" panose="020B0403050000020004" pitchFamily="34" charset="0"/>
+            </a:endParaRPr>
+          </a:p>
+          <a:p>
+            <a:pPr marL="514350" indent="-514350">
+              <a:lnSpc>
+                <a:spcPts val="3360"/>
+              </a:lnSpc>
+              <a:buFont typeface="Fira Sans Light" panose="020B0403050000020004" pitchFamily="34" charset="0"/>
+              <a:buChar char="―"/>
+            </a:pPr>
+            <a:r>
+              <a:rPr lang="en-US" sz="2800" b="1" dirty="0" err="1">
+                <a:solidFill>
+                  <a:srgbClr val="000000"/>
+                </a:solidFill>
+                <a:latin typeface="Fira Sans Light" panose="020B0403050000020004" pitchFamily="34" charset="0"/>
+              </a:rPr>
+              <a:t>Quản</a:t>
+            </a:r>
+            <a:r>
+              <a:rPr lang="en-US" sz="2800" b="1" dirty="0">
+                <a:solidFill>
+                  <a:srgbClr val="000000"/>
+                </a:solidFill>
+                <a:latin typeface="Fira Sans Light" panose="020B0403050000020004" pitchFamily="34" charset="0"/>
+              </a:rPr>
+              <a:t> </a:t>
+            </a:r>
+            <a:r>
+              <a:rPr lang="en-US" sz="2800" b="1" dirty="0" err="1">
+                <a:solidFill>
+                  <a:srgbClr val="000000"/>
+                </a:solidFill>
+                <a:latin typeface="Fira Sans Light" panose="020B0403050000020004" pitchFamily="34" charset="0"/>
+              </a:rPr>
+              <a:t>lý</a:t>
+            </a:r>
+            <a:r>
+              <a:rPr lang="en-US" sz="2800" b="1" dirty="0">
+                <a:solidFill>
+                  <a:srgbClr val="000000"/>
+                </a:solidFill>
+                <a:latin typeface="Fira Sans Light" panose="020B0403050000020004" pitchFamily="34" charset="0"/>
+              </a:rPr>
+              <a:t> </a:t>
+            </a:r>
+            <a:r>
+              <a:rPr lang="en-US" sz="2800" b="1" dirty="0" err="1">
+                <a:solidFill>
+                  <a:srgbClr val="000000"/>
+                </a:solidFill>
+                <a:latin typeface="Fira Sans Light" panose="020B0403050000020004" pitchFamily="34" charset="0"/>
+              </a:rPr>
+              <a:t>tài</a:t>
+            </a:r>
+            <a:r>
+              <a:rPr lang="en-US" sz="2800" b="1" dirty="0">
+                <a:solidFill>
+                  <a:srgbClr val="000000"/>
+                </a:solidFill>
+                <a:latin typeface="Fira Sans Light" panose="020B0403050000020004" pitchFamily="34" charset="0"/>
+              </a:rPr>
+              <a:t> </a:t>
+            </a:r>
+            <a:r>
+              <a:rPr lang="en-US" sz="2800" b="1" dirty="0" err="1">
+                <a:solidFill>
+                  <a:srgbClr val="000000"/>
+                </a:solidFill>
+                <a:latin typeface="Fira Sans Light" panose="020B0403050000020004" pitchFamily="34" charset="0"/>
+              </a:rPr>
+              <a:t>khoản</a:t>
+            </a:r>
+            <a:endParaRPr lang="en-US" sz="2800" b="1" dirty="0">
+              <a:solidFill>
+                <a:srgbClr val="000000"/>
+              </a:solidFill>
+              <a:latin typeface="Fira Sans Light" panose="020B0403050000020004" pitchFamily="34" charset="0"/>
+            </a:endParaRPr>
+          </a:p>
+          <a:p>
+            <a:pPr marL="1031875" indent="-457200">
+              <a:lnSpc>
+                <a:spcPts val="3360"/>
+              </a:lnSpc>
+              <a:buFont typeface="Fira Sans Light" panose="020B0403050000020004" pitchFamily="34" charset="0"/>
+              <a:buChar char="+"/>
+            </a:pPr>
+            <a:r>
+              <a:rPr lang="en-US" sz="2800" dirty="0">
+                <a:solidFill>
+                  <a:srgbClr val="000000"/>
+                </a:solidFill>
+                <a:latin typeface="Fira Sans Light" panose="020B0403050000020004" pitchFamily="34" charset="0"/>
+              </a:rPr>
+              <a:t>Reset </a:t>
+            </a:r>
+            <a:r>
+              <a:rPr lang="en-US" sz="2800" dirty="0" err="1">
+                <a:solidFill>
+                  <a:srgbClr val="000000"/>
+                </a:solidFill>
+                <a:latin typeface="Fira Sans Light" panose="020B0403050000020004" pitchFamily="34" charset="0"/>
+              </a:rPr>
+              <a:t>mật</a:t>
+            </a:r>
+            <a:r>
+              <a:rPr lang="en-US" sz="2800" dirty="0">
+                <a:solidFill>
+                  <a:srgbClr val="000000"/>
+                </a:solidFill>
+                <a:latin typeface="Fira Sans Light" panose="020B0403050000020004" pitchFamily="34" charset="0"/>
+              </a:rPr>
+              <a:t> </a:t>
+            </a:r>
+            <a:r>
+              <a:rPr lang="en-US" sz="2800" dirty="0" err="1">
+                <a:solidFill>
+                  <a:srgbClr val="000000"/>
+                </a:solidFill>
+                <a:latin typeface="Fira Sans Light" panose="020B0403050000020004" pitchFamily="34" charset="0"/>
+              </a:rPr>
+              <a:t>khẩu</a:t>
+            </a:r>
+            <a:endParaRPr lang="en-US" sz="2800" dirty="0">
+              <a:solidFill>
+                <a:srgbClr val="000000"/>
+              </a:solidFill>
+              <a:latin typeface="Fira Sans Light" panose="020B0403050000020004" pitchFamily="34" charset="0"/>
+            </a:endParaRPr>
+          </a:p>
+          <a:p>
+            <a:pPr marL="1031875" indent="-457200">
+              <a:lnSpc>
+                <a:spcPts val="3360"/>
+              </a:lnSpc>
+              <a:buFont typeface="Fira Sans Light" panose="020B0403050000020004" pitchFamily="34" charset="0"/>
+              <a:buChar char="+"/>
+            </a:pPr>
+            <a:r>
+              <a:rPr lang="en-US" sz="2800" dirty="0" err="1">
+                <a:solidFill>
+                  <a:srgbClr val="000000"/>
+                </a:solidFill>
+                <a:latin typeface="Fira Sans Light" panose="020B0403050000020004" pitchFamily="34" charset="0"/>
+              </a:rPr>
+              <a:t>Xóa</a:t>
+            </a:r>
+            <a:r>
+              <a:rPr lang="en-US" sz="2800" dirty="0">
+                <a:solidFill>
+                  <a:srgbClr val="000000"/>
+                </a:solidFill>
+                <a:latin typeface="Fira Sans Light" panose="020B0403050000020004" pitchFamily="34" charset="0"/>
+              </a:rPr>
+              <a:t> </a:t>
+            </a:r>
+            <a:r>
+              <a:rPr lang="en-US" sz="2800" dirty="0" err="1">
+                <a:solidFill>
+                  <a:srgbClr val="000000"/>
+                </a:solidFill>
+                <a:latin typeface="Fira Sans Light" panose="020B0403050000020004" pitchFamily="34" charset="0"/>
+              </a:rPr>
+              <a:t>tài</a:t>
+            </a:r>
+            <a:r>
+              <a:rPr lang="en-US" sz="2800" dirty="0">
+                <a:solidFill>
+                  <a:srgbClr val="000000"/>
+                </a:solidFill>
+                <a:latin typeface="Fira Sans Light" panose="020B0403050000020004" pitchFamily="34" charset="0"/>
+              </a:rPr>
+              <a:t> </a:t>
+            </a:r>
+            <a:r>
+              <a:rPr lang="en-US" sz="2800" dirty="0" err="1">
+                <a:solidFill>
+                  <a:srgbClr val="000000"/>
+                </a:solidFill>
+                <a:latin typeface="Fira Sans Light" panose="020B0403050000020004" pitchFamily="34" charset="0"/>
+              </a:rPr>
+              <a:t>khoản</a:t>
+            </a:r>
+            <a:endParaRPr lang="en-US" sz="2800" dirty="0">
+              <a:solidFill>
+                <a:srgbClr val="000000"/>
+              </a:solidFill>
+              <a:latin typeface="Fira Sans Light" panose="020B0403050000020004" pitchFamily="34" charset="0"/>
+            </a:endParaRPr>
+          </a:p>
+          <a:p>
+            <a:pPr marL="514350" indent="-514350">
+              <a:lnSpc>
+                <a:spcPts val="3360"/>
+              </a:lnSpc>
+              <a:buFont typeface="Fira Sans Light" panose="020B0403050000020004" pitchFamily="34" charset="0"/>
+              <a:buChar char="―"/>
+            </a:pPr>
+            <a:r>
+              <a:rPr lang="en-US" sz="2800" b="1" dirty="0" err="1">
+                <a:solidFill>
+                  <a:srgbClr val="000000"/>
+                </a:solidFill>
+                <a:latin typeface="Fira Sans Light" panose="020B0403050000020004" pitchFamily="34" charset="0"/>
+              </a:rPr>
+              <a:t>Quản</a:t>
+            </a:r>
+            <a:r>
+              <a:rPr lang="en-US" sz="2800" b="1" dirty="0">
+                <a:solidFill>
+                  <a:srgbClr val="000000"/>
+                </a:solidFill>
+                <a:latin typeface="Fira Sans Light" panose="020B0403050000020004" pitchFamily="34" charset="0"/>
+              </a:rPr>
+              <a:t> </a:t>
+            </a:r>
+            <a:r>
+              <a:rPr lang="en-US" sz="2800" b="1" dirty="0" err="1">
+                <a:solidFill>
+                  <a:srgbClr val="000000"/>
+                </a:solidFill>
+                <a:latin typeface="Fira Sans Light" panose="020B0403050000020004" pitchFamily="34" charset="0"/>
+              </a:rPr>
+              <a:t>lý</a:t>
+            </a:r>
+            <a:r>
+              <a:rPr lang="en-US" sz="2800" b="1" dirty="0">
+                <a:solidFill>
+                  <a:srgbClr val="000000"/>
+                </a:solidFill>
+                <a:latin typeface="Fira Sans Light" panose="020B0403050000020004" pitchFamily="34" charset="0"/>
+              </a:rPr>
+              <a:t> </a:t>
+            </a:r>
+            <a:r>
+              <a:rPr lang="en-US" sz="2800" b="1" dirty="0" err="1">
+                <a:solidFill>
+                  <a:srgbClr val="000000"/>
+                </a:solidFill>
+                <a:latin typeface="Fira Sans Light" panose="020B0403050000020004" pitchFamily="34" charset="0"/>
+              </a:rPr>
+              <a:t>khách</a:t>
+            </a:r>
+            <a:r>
+              <a:rPr lang="en-US" sz="2800" b="1" dirty="0">
+                <a:solidFill>
+                  <a:srgbClr val="000000"/>
+                </a:solidFill>
+                <a:latin typeface="Fira Sans Light" panose="020B0403050000020004" pitchFamily="34" charset="0"/>
+              </a:rPr>
+              <a:t> </a:t>
+            </a:r>
+            <a:r>
+              <a:rPr lang="en-US" sz="2800" b="1" dirty="0" err="1">
+                <a:solidFill>
+                  <a:srgbClr val="000000"/>
+                </a:solidFill>
+                <a:latin typeface="Fira Sans Light" panose="020B0403050000020004" pitchFamily="34" charset="0"/>
+              </a:rPr>
+              <a:t>hàng</a:t>
+            </a:r>
+            <a:endParaRPr lang="en-US" sz="2800" b="1" dirty="0">
+              <a:solidFill>
+                <a:srgbClr val="000000"/>
+              </a:solidFill>
+              <a:latin typeface="Fira Sans Light" panose="020B0403050000020004" pitchFamily="34" charset="0"/>
+            </a:endParaRPr>
+          </a:p>
+          <a:p>
+            <a:pPr marL="1031875" indent="-457200">
+              <a:lnSpc>
+                <a:spcPts val="3360"/>
+              </a:lnSpc>
+              <a:buFont typeface="Fira Sans Light" panose="020B0403050000020004" pitchFamily="34" charset="0"/>
+              <a:buChar char="+"/>
+            </a:pPr>
+            <a:r>
+              <a:rPr lang="en-US" sz="2800" dirty="0" err="1">
+                <a:solidFill>
+                  <a:srgbClr val="000000"/>
+                </a:solidFill>
+                <a:latin typeface="Fira Sans Light" panose="020B0403050000020004" pitchFamily="34" charset="0"/>
+              </a:rPr>
+              <a:t>Thêm</a:t>
+            </a:r>
+            <a:r>
+              <a:rPr lang="en-US" sz="2800" dirty="0">
+                <a:solidFill>
+                  <a:srgbClr val="000000"/>
+                </a:solidFill>
+                <a:latin typeface="Fira Sans Light" panose="020B0403050000020004" pitchFamily="34" charset="0"/>
+              </a:rPr>
+              <a:t> </a:t>
+            </a:r>
+            <a:r>
+              <a:rPr lang="en-US" sz="2800" dirty="0" err="1">
+                <a:solidFill>
+                  <a:srgbClr val="000000"/>
+                </a:solidFill>
+                <a:latin typeface="Fira Sans Light" panose="020B0403050000020004" pitchFamily="34" charset="0"/>
+              </a:rPr>
+              <a:t>khách</a:t>
+            </a:r>
+            <a:r>
+              <a:rPr lang="en-US" sz="2800" dirty="0">
+                <a:solidFill>
+                  <a:srgbClr val="000000"/>
+                </a:solidFill>
+                <a:latin typeface="Fira Sans Light" panose="020B0403050000020004" pitchFamily="34" charset="0"/>
+              </a:rPr>
+              <a:t> </a:t>
+            </a:r>
+            <a:r>
+              <a:rPr lang="en-US" sz="2800" dirty="0" err="1">
+                <a:solidFill>
+                  <a:srgbClr val="000000"/>
+                </a:solidFill>
+                <a:latin typeface="Fira Sans Light" panose="020B0403050000020004" pitchFamily="34" charset="0"/>
+              </a:rPr>
+              <a:t>hàng</a:t>
+            </a:r>
+            <a:endParaRPr lang="en-US" sz="2800" dirty="0">
+              <a:solidFill>
+                <a:srgbClr val="000000"/>
+              </a:solidFill>
+              <a:latin typeface="Fira Sans Light" panose="020B0403050000020004" pitchFamily="34" charset="0"/>
+            </a:endParaRPr>
+          </a:p>
+          <a:p>
+            <a:pPr marL="1031875" indent="-457200">
+              <a:lnSpc>
+                <a:spcPts val="3360"/>
+              </a:lnSpc>
+              <a:buFont typeface="Fira Sans Light" panose="020B0403050000020004" pitchFamily="34" charset="0"/>
+              <a:buChar char="+"/>
+            </a:pPr>
+            <a:r>
+              <a:rPr lang="en-US" sz="2800" dirty="0" err="1">
+                <a:solidFill>
+                  <a:srgbClr val="000000"/>
+                </a:solidFill>
+                <a:latin typeface="Fira Sans Light" panose="020B0403050000020004" pitchFamily="34" charset="0"/>
+              </a:rPr>
+              <a:t>Cập</a:t>
+            </a:r>
+            <a:r>
+              <a:rPr lang="en-US" sz="2800" dirty="0">
+                <a:solidFill>
+                  <a:srgbClr val="000000"/>
+                </a:solidFill>
+                <a:latin typeface="Fira Sans Light" panose="020B0403050000020004" pitchFamily="34" charset="0"/>
+              </a:rPr>
+              <a:t> </a:t>
+            </a:r>
+            <a:r>
+              <a:rPr lang="en-US" sz="2800" dirty="0" err="1">
+                <a:solidFill>
+                  <a:srgbClr val="000000"/>
+                </a:solidFill>
+                <a:latin typeface="Fira Sans Light" panose="020B0403050000020004" pitchFamily="34" charset="0"/>
+              </a:rPr>
+              <a:t>nhật</a:t>
+            </a:r>
+            <a:r>
+              <a:rPr lang="en-US" sz="2800" dirty="0">
+                <a:solidFill>
+                  <a:srgbClr val="000000"/>
+                </a:solidFill>
+                <a:latin typeface="Fira Sans Light" panose="020B0403050000020004" pitchFamily="34" charset="0"/>
+              </a:rPr>
+              <a:t> </a:t>
+            </a:r>
+            <a:r>
+              <a:rPr lang="en-US" sz="2800" dirty="0" err="1">
+                <a:solidFill>
+                  <a:srgbClr val="000000"/>
+                </a:solidFill>
+                <a:latin typeface="Fira Sans Light" panose="020B0403050000020004" pitchFamily="34" charset="0"/>
+              </a:rPr>
+              <a:t>thông</a:t>
+            </a:r>
+            <a:r>
+              <a:rPr lang="en-US" sz="2800" dirty="0">
+                <a:solidFill>
+                  <a:srgbClr val="000000"/>
+                </a:solidFill>
+                <a:latin typeface="Fira Sans Light" panose="020B0403050000020004" pitchFamily="34" charset="0"/>
+              </a:rPr>
+              <a:t> tin </a:t>
+            </a:r>
+            <a:r>
+              <a:rPr lang="en-US" sz="2800" dirty="0" err="1">
+                <a:solidFill>
+                  <a:srgbClr val="000000"/>
+                </a:solidFill>
+                <a:latin typeface="Fira Sans Light" panose="020B0403050000020004" pitchFamily="34" charset="0"/>
+              </a:rPr>
+              <a:t>khách</a:t>
+            </a:r>
+            <a:r>
+              <a:rPr lang="en-US" sz="2800" dirty="0">
+                <a:solidFill>
+                  <a:srgbClr val="000000"/>
+                </a:solidFill>
+                <a:latin typeface="Fira Sans Light" panose="020B0403050000020004" pitchFamily="34" charset="0"/>
+              </a:rPr>
+              <a:t> </a:t>
+            </a:r>
+            <a:r>
+              <a:rPr lang="en-US" sz="2800" dirty="0" err="1">
+                <a:solidFill>
+                  <a:srgbClr val="000000"/>
+                </a:solidFill>
+                <a:latin typeface="Fira Sans Light" panose="020B0403050000020004" pitchFamily="34" charset="0"/>
+              </a:rPr>
+              <a:t>hàng</a:t>
+            </a:r>
+            <a:endParaRPr lang="en-US" sz="2800" dirty="0">
+              <a:solidFill>
+                <a:srgbClr val="000000"/>
+              </a:solidFill>
+              <a:latin typeface="Fira Sans Light" panose="020B0403050000020004" pitchFamily="34" charset="0"/>
+            </a:endParaRPr>
+          </a:p>
+          <a:p>
+            <a:pPr marL="1031875" indent="-457200">
+              <a:lnSpc>
+                <a:spcPts val="3360"/>
+              </a:lnSpc>
+              <a:buFont typeface="Fira Sans Light" panose="020B0403050000020004" pitchFamily="34" charset="0"/>
+              <a:buChar char="+"/>
+            </a:pPr>
+            <a:r>
+              <a:rPr lang="en-US" sz="2800" dirty="0" err="1">
+                <a:solidFill>
+                  <a:srgbClr val="000000"/>
+                </a:solidFill>
+                <a:latin typeface="Fira Sans Light" panose="020B0403050000020004" pitchFamily="34" charset="0"/>
+              </a:rPr>
+              <a:t>Xóa</a:t>
+            </a:r>
+            <a:r>
+              <a:rPr lang="en-US" sz="2800" dirty="0">
+                <a:solidFill>
+                  <a:srgbClr val="000000"/>
+                </a:solidFill>
+                <a:latin typeface="Fira Sans Light" panose="020B0403050000020004" pitchFamily="34" charset="0"/>
+              </a:rPr>
+              <a:t> </a:t>
+            </a:r>
+            <a:r>
+              <a:rPr lang="en-US" sz="2800" dirty="0" err="1">
+                <a:solidFill>
+                  <a:srgbClr val="000000"/>
+                </a:solidFill>
+                <a:latin typeface="Fira Sans Light" panose="020B0403050000020004" pitchFamily="34" charset="0"/>
+              </a:rPr>
+              <a:t>khách</a:t>
+            </a:r>
+            <a:r>
+              <a:rPr lang="en-US" sz="2800" dirty="0">
+                <a:solidFill>
+                  <a:srgbClr val="000000"/>
+                </a:solidFill>
+                <a:latin typeface="Fira Sans Light" panose="020B0403050000020004" pitchFamily="34" charset="0"/>
+              </a:rPr>
+              <a:t> </a:t>
+            </a:r>
+            <a:r>
+              <a:rPr lang="en-US" sz="2800" dirty="0" err="1">
+                <a:solidFill>
+                  <a:srgbClr val="000000"/>
+                </a:solidFill>
+                <a:latin typeface="Fira Sans Light" panose="020B0403050000020004" pitchFamily="34" charset="0"/>
+              </a:rPr>
+              <a:t>hàng</a:t>
+            </a:r>
+            <a:endParaRPr lang="en-US" sz="2800" dirty="0">
+              <a:solidFill>
+                <a:srgbClr val="000000"/>
+              </a:solidFill>
+              <a:latin typeface="Fira Sans Light" panose="020B0403050000020004" pitchFamily="34" charset="0"/>
+            </a:endParaRPr>
+          </a:p>
+          <a:p>
+            <a:pPr marL="514350" indent="-514350">
+              <a:lnSpc>
+                <a:spcPts val="3360"/>
+              </a:lnSpc>
+              <a:buFont typeface="Fira Sans Light" panose="020B0403050000020004" pitchFamily="34" charset="0"/>
+              <a:buChar char="―"/>
+            </a:pPr>
+            <a:r>
+              <a:rPr lang="en-US" sz="2800" b="1" dirty="0" err="1">
+                <a:solidFill>
+                  <a:srgbClr val="000000"/>
+                </a:solidFill>
+                <a:latin typeface="Fira Sans Light" panose="020B0403050000020004" pitchFamily="34" charset="0"/>
+              </a:rPr>
+              <a:t>Quản</a:t>
+            </a:r>
+            <a:r>
+              <a:rPr lang="en-US" sz="2800" b="1" dirty="0">
+                <a:solidFill>
+                  <a:srgbClr val="000000"/>
+                </a:solidFill>
+                <a:latin typeface="Fira Sans Light" panose="020B0403050000020004" pitchFamily="34" charset="0"/>
+              </a:rPr>
+              <a:t> </a:t>
+            </a:r>
+            <a:r>
+              <a:rPr lang="en-US" sz="2800" b="1" dirty="0" err="1">
+                <a:solidFill>
+                  <a:srgbClr val="000000"/>
+                </a:solidFill>
+                <a:latin typeface="Fira Sans Light" panose="020B0403050000020004" pitchFamily="34" charset="0"/>
+              </a:rPr>
+              <a:t>lý</a:t>
+            </a:r>
+            <a:r>
+              <a:rPr lang="en-US" sz="2800" b="1" dirty="0">
+                <a:solidFill>
+                  <a:srgbClr val="000000"/>
+                </a:solidFill>
+                <a:latin typeface="Fira Sans Light" panose="020B0403050000020004" pitchFamily="34" charset="0"/>
+              </a:rPr>
+              <a:t> </a:t>
+            </a:r>
+            <a:r>
+              <a:rPr lang="en-US" sz="2800" b="1" dirty="0" err="1">
+                <a:solidFill>
+                  <a:srgbClr val="000000"/>
+                </a:solidFill>
+                <a:latin typeface="Fira Sans Light" panose="020B0403050000020004" pitchFamily="34" charset="0"/>
+              </a:rPr>
+              <a:t>đặt</a:t>
+            </a:r>
+            <a:r>
+              <a:rPr lang="en-US" sz="2800" b="1" dirty="0">
+                <a:solidFill>
+                  <a:srgbClr val="000000"/>
+                </a:solidFill>
+                <a:latin typeface="Fira Sans Light" panose="020B0403050000020004" pitchFamily="34" charset="0"/>
+              </a:rPr>
+              <a:t> </a:t>
+            </a:r>
+            <a:r>
+              <a:rPr lang="en-US" sz="2800" b="1" dirty="0" err="1">
+                <a:solidFill>
+                  <a:srgbClr val="000000"/>
+                </a:solidFill>
+                <a:latin typeface="Fira Sans Light" panose="020B0403050000020004" pitchFamily="34" charset="0"/>
+              </a:rPr>
+              <a:t>bàn</a:t>
+            </a:r>
+            <a:r>
+              <a:rPr lang="en-US" sz="2800" b="1" dirty="0">
+                <a:solidFill>
+                  <a:srgbClr val="000000"/>
+                </a:solidFill>
+                <a:latin typeface="Fira Sans Light" panose="020B0403050000020004" pitchFamily="34" charset="0"/>
+              </a:rPr>
+              <a:t> </a:t>
+            </a:r>
+            <a:r>
+              <a:rPr lang="en-US" sz="2800" b="1" dirty="0" err="1">
+                <a:solidFill>
+                  <a:srgbClr val="000000"/>
+                </a:solidFill>
+                <a:latin typeface="Fira Sans Light" panose="020B0403050000020004" pitchFamily="34" charset="0"/>
+              </a:rPr>
+              <a:t>trước</a:t>
+            </a:r>
+            <a:endParaRPr lang="en-US" sz="2800" b="1" dirty="0">
+              <a:solidFill>
+                <a:srgbClr val="000000"/>
+              </a:solidFill>
+              <a:latin typeface="Fira Sans Light" panose="020B0403050000020004" pitchFamily="34" charset="0"/>
+            </a:endParaRPr>
+          </a:p>
+          <a:p>
+            <a:pPr marL="1031875" indent="-457200">
+              <a:lnSpc>
+                <a:spcPts val="3360"/>
+              </a:lnSpc>
+              <a:buFont typeface="Fira Sans Light" panose="020B0403050000020004" pitchFamily="34" charset="0"/>
+              <a:buChar char="+"/>
+            </a:pPr>
+            <a:r>
+              <a:rPr lang="en-US" sz="2800" dirty="0" err="1">
+                <a:solidFill>
+                  <a:srgbClr val="000000"/>
+                </a:solidFill>
+                <a:latin typeface="Fira Sans Light" panose="020B0403050000020004" pitchFamily="34" charset="0"/>
+              </a:rPr>
+              <a:t>Thêm</a:t>
+            </a:r>
+            <a:r>
+              <a:rPr lang="en-US" sz="2800" dirty="0">
+                <a:solidFill>
+                  <a:srgbClr val="000000"/>
+                </a:solidFill>
+                <a:latin typeface="Fira Sans Light" panose="020B0403050000020004" pitchFamily="34" charset="0"/>
+              </a:rPr>
+              <a:t> </a:t>
+            </a:r>
+            <a:r>
+              <a:rPr lang="en-US" sz="2800" dirty="0" err="1">
+                <a:solidFill>
+                  <a:srgbClr val="000000"/>
+                </a:solidFill>
+                <a:latin typeface="Fira Sans Light" panose="020B0403050000020004" pitchFamily="34" charset="0"/>
+              </a:rPr>
+              <a:t>phiếu</a:t>
+            </a:r>
+            <a:r>
+              <a:rPr lang="en-US" sz="2800" dirty="0">
+                <a:solidFill>
+                  <a:srgbClr val="000000"/>
+                </a:solidFill>
+                <a:latin typeface="Fira Sans Light" panose="020B0403050000020004" pitchFamily="34" charset="0"/>
+              </a:rPr>
+              <a:t> </a:t>
+            </a:r>
+            <a:r>
+              <a:rPr lang="en-US" sz="2800" dirty="0" err="1">
+                <a:solidFill>
+                  <a:srgbClr val="000000"/>
+                </a:solidFill>
+                <a:latin typeface="Fira Sans Light" panose="020B0403050000020004" pitchFamily="34" charset="0"/>
+              </a:rPr>
+              <a:t>đặt</a:t>
+            </a:r>
+            <a:r>
+              <a:rPr lang="en-US" sz="2800" dirty="0">
+                <a:solidFill>
+                  <a:srgbClr val="000000"/>
+                </a:solidFill>
+                <a:latin typeface="Fira Sans Light" panose="020B0403050000020004" pitchFamily="34" charset="0"/>
+              </a:rPr>
+              <a:t> </a:t>
+            </a:r>
+            <a:r>
+              <a:rPr lang="en-US" sz="2800" dirty="0" err="1">
+                <a:solidFill>
+                  <a:srgbClr val="000000"/>
+                </a:solidFill>
+                <a:latin typeface="Fira Sans Light" panose="020B0403050000020004" pitchFamily="34" charset="0"/>
+              </a:rPr>
+              <a:t>trước</a:t>
+            </a:r>
+            <a:endParaRPr lang="en-US" sz="2800" dirty="0">
+              <a:solidFill>
+                <a:srgbClr val="000000"/>
+              </a:solidFill>
+              <a:latin typeface="Fira Sans Light" panose="020B0403050000020004" pitchFamily="34" charset="0"/>
+            </a:endParaRPr>
+          </a:p>
+          <a:p>
+            <a:pPr marL="1031875" indent="-457200">
+              <a:lnSpc>
+                <a:spcPts val="3360"/>
+              </a:lnSpc>
+              <a:buFont typeface="Fira Sans Light" panose="020B0403050000020004" pitchFamily="34" charset="0"/>
+              <a:buChar char="+"/>
+            </a:pPr>
+            <a:r>
+              <a:rPr lang="en-US" sz="2800" dirty="0" err="1">
+                <a:solidFill>
+                  <a:srgbClr val="000000"/>
+                </a:solidFill>
+                <a:latin typeface="Fira Sans Light" panose="020B0403050000020004" pitchFamily="34" charset="0"/>
+              </a:rPr>
+              <a:t>Thêm</a:t>
+            </a:r>
+            <a:r>
+              <a:rPr lang="en-US" sz="2800" dirty="0">
+                <a:solidFill>
+                  <a:srgbClr val="000000"/>
+                </a:solidFill>
+                <a:latin typeface="Fira Sans Light" panose="020B0403050000020004" pitchFamily="34" charset="0"/>
+              </a:rPr>
+              <a:t> chi </a:t>
+            </a:r>
+            <a:r>
+              <a:rPr lang="en-US" sz="2800" dirty="0" err="1">
+                <a:solidFill>
+                  <a:srgbClr val="000000"/>
+                </a:solidFill>
+                <a:latin typeface="Fira Sans Light" panose="020B0403050000020004" pitchFamily="34" charset="0"/>
+              </a:rPr>
+              <a:t>tiết</a:t>
+            </a:r>
+            <a:r>
+              <a:rPr lang="en-US" sz="2800" dirty="0">
+                <a:solidFill>
+                  <a:srgbClr val="000000"/>
+                </a:solidFill>
+                <a:latin typeface="Fira Sans Light" panose="020B0403050000020004" pitchFamily="34" charset="0"/>
+              </a:rPr>
+              <a:t> </a:t>
+            </a:r>
+            <a:r>
+              <a:rPr lang="en-US" sz="2800" dirty="0" err="1">
+                <a:solidFill>
+                  <a:srgbClr val="000000"/>
+                </a:solidFill>
+                <a:latin typeface="Fira Sans Light" panose="020B0403050000020004" pitchFamily="34" charset="0"/>
+              </a:rPr>
+              <a:t>đặt</a:t>
+            </a:r>
+            <a:r>
+              <a:rPr lang="en-US" sz="2800" dirty="0">
+                <a:solidFill>
+                  <a:srgbClr val="000000"/>
+                </a:solidFill>
+                <a:latin typeface="Fira Sans Light" panose="020B0403050000020004" pitchFamily="34" charset="0"/>
+              </a:rPr>
+              <a:t> </a:t>
+            </a:r>
+            <a:r>
+              <a:rPr lang="en-US" sz="2800" dirty="0" err="1">
+                <a:solidFill>
+                  <a:srgbClr val="000000"/>
+                </a:solidFill>
+                <a:latin typeface="Fira Sans Light" panose="020B0403050000020004" pitchFamily="34" charset="0"/>
+              </a:rPr>
+              <a:t>bàn</a:t>
+            </a:r>
+            <a:r>
+              <a:rPr lang="en-US" sz="2800" dirty="0">
+                <a:solidFill>
+                  <a:srgbClr val="000000"/>
+                </a:solidFill>
+                <a:latin typeface="Fira Sans Light" panose="020B0403050000020004" pitchFamily="34" charset="0"/>
+              </a:rPr>
+              <a:t> </a:t>
+            </a:r>
+            <a:r>
+              <a:rPr lang="en-US" sz="2800" dirty="0" err="1">
+                <a:solidFill>
+                  <a:srgbClr val="000000"/>
+                </a:solidFill>
+                <a:latin typeface="Fira Sans Light" panose="020B0403050000020004" pitchFamily="34" charset="0"/>
+              </a:rPr>
+              <a:t>trước</a:t>
+            </a:r>
+            <a:endParaRPr lang="en-US" sz="2800" dirty="0">
+              <a:solidFill>
+                <a:srgbClr val="000000"/>
+              </a:solidFill>
+              <a:latin typeface="Fira Sans Light" panose="020B0403050000020004" pitchFamily="34" charset="0"/>
+            </a:endParaRPr>
+          </a:p>
+          <a:p>
+            <a:pPr marL="1031875" indent="-457200">
+              <a:lnSpc>
+                <a:spcPts val="3360"/>
+              </a:lnSpc>
+              <a:buFont typeface="Fira Sans Light" panose="020B0403050000020004" pitchFamily="34" charset="0"/>
+              <a:buChar char="+"/>
+            </a:pPr>
+            <a:r>
+              <a:rPr lang="en-US" sz="2800" dirty="0" err="1">
+                <a:solidFill>
+                  <a:srgbClr val="000000"/>
+                </a:solidFill>
+                <a:latin typeface="Fira Sans Light" panose="020B0403050000020004" pitchFamily="34" charset="0"/>
+              </a:rPr>
+              <a:t>Xóa</a:t>
+            </a:r>
+            <a:r>
+              <a:rPr lang="en-US" sz="2800" dirty="0">
+                <a:solidFill>
+                  <a:srgbClr val="000000"/>
+                </a:solidFill>
+                <a:latin typeface="Fira Sans Light" panose="020B0403050000020004" pitchFamily="34" charset="0"/>
+              </a:rPr>
+              <a:t> chi </a:t>
+            </a:r>
+            <a:r>
+              <a:rPr lang="en-US" sz="2800" dirty="0" err="1">
+                <a:solidFill>
+                  <a:srgbClr val="000000"/>
+                </a:solidFill>
+                <a:latin typeface="Fira Sans Light" panose="020B0403050000020004" pitchFamily="34" charset="0"/>
+              </a:rPr>
+              <a:t>tiết</a:t>
+            </a:r>
+            <a:r>
+              <a:rPr lang="en-US" sz="2800" dirty="0">
+                <a:solidFill>
+                  <a:srgbClr val="000000"/>
+                </a:solidFill>
+                <a:latin typeface="Fira Sans Light" panose="020B0403050000020004" pitchFamily="34" charset="0"/>
+              </a:rPr>
+              <a:t> </a:t>
+            </a:r>
+            <a:r>
+              <a:rPr lang="en-US" sz="2800" dirty="0" err="1">
+                <a:solidFill>
+                  <a:srgbClr val="000000"/>
+                </a:solidFill>
+                <a:latin typeface="Fira Sans Light" panose="020B0403050000020004" pitchFamily="34" charset="0"/>
+              </a:rPr>
+              <a:t>đặt</a:t>
+            </a:r>
+            <a:r>
+              <a:rPr lang="en-US" sz="2800" dirty="0">
+                <a:solidFill>
+                  <a:srgbClr val="000000"/>
+                </a:solidFill>
+                <a:latin typeface="Fira Sans Light" panose="020B0403050000020004" pitchFamily="34" charset="0"/>
+              </a:rPr>
+              <a:t> </a:t>
+            </a:r>
+            <a:r>
+              <a:rPr lang="en-US" sz="2800" dirty="0" err="1">
+                <a:solidFill>
+                  <a:srgbClr val="000000"/>
+                </a:solidFill>
+                <a:latin typeface="Fira Sans Light" panose="020B0403050000020004" pitchFamily="34" charset="0"/>
+              </a:rPr>
+              <a:t>bàn</a:t>
+            </a:r>
+            <a:r>
+              <a:rPr lang="en-US" sz="2800" dirty="0">
+                <a:solidFill>
+                  <a:srgbClr val="000000"/>
+                </a:solidFill>
+                <a:latin typeface="Fira Sans Light" panose="020B0403050000020004" pitchFamily="34" charset="0"/>
+              </a:rPr>
+              <a:t> </a:t>
+            </a:r>
+            <a:r>
+              <a:rPr lang="en-US" sz="2800" dirty="0" err="1">
+                <a:solidFill>
+                  <a:srgbClr val="000000"/>
+                </a:solidFill>
+                <a:latin typeface="Fira Sans Light" panose="020B0403050000020004" pitchFamily="34" charset="0"/>
+              </a:rPr>
+              <a:t>trước</a:t>
+            </a:r>
+            <a:endParaRPr lang="en-US" sz="2800" dirty="0">
+              <a:solidFill>
+                <a:srgbClr val="000000"/>
+              </a:solidFill>
+              <a:latin typeface="Fira Sans Light" panose="020B0403050000020004" pitchFamily="34" charset="0"/>
+            </a:endParaRPr>
+          </a:p>
         </p:txBody>
+      </p:sp>
+      <p:sp>
+        <p:nvSpPr>
+          <p:cNvPr id="7" name="TextBox 9">
+            <a:extLst>
+              <a:ext uri="{FF2B5EF4-FFF2-40B4-BE49-F238E27FC236}">
+                <a16:creationId xmlns:a16="http://schemas.microsoft.com/office/drawing/2014/main" id="{B89758D8-A152-4AB9-B871-DEF2AE3CD58E}"/>
+              </a:ext>
+            </a:extLst>
+          </p:cNvPr>
+          <p:cNvSpPr txBox="1"/>
+          <p:nvPr/>
+        </p:nvSpPr>
+        <p:spPr>
+          <a:xfrm>
+            <a:off x="9829798" y="1423848"/>
+            <a:ext cx="8001002" cy="7834452"/>
+          </a:xfrm>
+          <a:prstGeom prst="rect">
+            <a:avLst/>
+          </a:prstGeom>
+        </p:spPr>
+        <p:txBody>
+          <a:bodyPr wrap="square" lIns="0" tIns="0" rIns="0" bIns="0" rtlCol="0" anchor="t">
+            <a:spAutoFit/>
+          </a:bodyPr>
+          <a:lstStyle/>
+          <a:p>
+            <a:pPr marL="514350" indent="-514350">
+              <a:lnSpc>
+                <a:spcPts val="3360"/>
+              </a:lnSpc>
+              <a:buFont typeface="Fira Sans Light" panose="020B0403050000020004" pitchFamily="34" charset="0"/>
+              <a:buChar char="―"/>
+            </a:pPr>
+            <a:r>
+              <a:rPr lang="en-US" sz="2800" b="1" dirty="0" err="1">
+                <a:solidFill>
+                  <a:srgbClr val="000000"/>
+                </a:solidFill>
+                <a:latin typeface="Fira Sans Light" panose="020B0403050000020004" pitchFamily="34" charset="0"/>
+              </a:rPr>
+              <a:t>Quản</a:t>
+            </a:r>
+            <a:r>
+              <a:rPr lang="en-US" sz="2800" b="1" dirty="0">
+                <a:solidFill>
+                  <a:srgbClr val="000000"/>
+                </a:solidFill>
+                <a:latin typeface="Fira Sans Light" panose="020B0403050000020004" pitchFamily="34" charset="0"/>
+              </a:rPr>
+              <a:t> </a:t>
+            </a:r>
+            <a:r>
+              <a:rPr lang="en-US" sz="2800" b="1" dirty="0" err="1">
+                <a:solidFill>
+                  <a:srgbClr val="000000"/>
+                </a:solidFill>
+                <a:latin typeface="Fira Sans Light" panose="020B0403050000020004" pitchFamily="34" charset="0"/>
+              </a:rPr>
+              <a:t>lý</a:t>
+            </a:r>
+            <a:r>
+              <a:rPr lang="en-US" sz="2800" b="1" dirty="0">
+                <a:solidFill>
+                  <a:srgbClr val="000000"/>
+                </a:solidFill>
+                <a:latin typeface="Fira Sans Light" panose="020B0403050000020004" pitchFamily="34" charset="0"/>
+              </a:rPr>
+              <a:t> </a:t>
+            </a:r>
+            <a:r>
+              <a:rPr lang="en-US" sz="2800" b="1" dirty="0" err="1">
+                <a:solidFill>
+                  <a:srgbClr val="000000"/>
+                </a:solidFill>
+                <a:latin typeface="Fira Sans Light" panose="020B0403050000020004" pitchFamily="34" charset="0"/>
+              </a:rPr>
+              <a:t>phiếu</a:t>
+            </a:r>
+            <a:r>
+              <a:rPr lang="en-US" sz="2800" b="1" dirty="0">
+                <a:solidFill>
+                  <a:srgbClr val="000000"/>
+                </a:solidFill>
+                <a:latin typeface="Fira Sans Light" panose="020B0403050000020004" pitchFamily="34" charset="0"/>
+              </a:rPr>
+              <a:t> </a:t>
+            </a:r>
+            <a:r>
+              <a:rPr lang="en-US" sz="2800" b="1" dirty="0" err="1">
+                <a:solidFill>
+                  <a:srgbClr val="000000"/>
+                </a:solidFill>
+                <a:latin typeface="Fira Sans Light" panose="020B0403050000020004" pitchFamily="34" charset="0"/>
+              </a:rPr>
+              <a:t>đặt</a:t>
+            </a:r>
+            <a:r>
+              <a:rPr lang="en-US" sz="2800" b="1" dirty="0">
+                <a:solidFill>
+                  <a:srgbClr val="000000"/>
+                </a:solidFill>
+                <a:latin typeface="Fira Sans Light" panose="020B0403050000020004" pitchFamily="34" charset="0"/>
+              </a:rPr>
+              <a:t> </a:t>
+            </a:r>
+            <a:r>
+              <a:rPr lang="en-US" sz="2800" b="1" dirty="0" err="1">
+                <a:solidFill>
+                  <a:srgbClr val="000000"/>
+                </a:solidFill>
+                <a:latin typeface="Fira Sans Light" panose="020B0403050000020004" pitchFamily="34" charset="0"/>
+              </a:rPr>
+              <a:t>trước</a:t>
+            </a:r>
+            <a:endParaRPr lang="en-US" sz="2800" b="1" dirty="0">
+              <a:solidFill>
+                <a:srgbClr val="000000"/>
+              </a:solidFill>
+              <a:latin typeface="Fira Sans Light" panose="020B0403050000020004" pitchFamily="34" charset="0"/>
+            </a:endParaRPr>
+          </a:p>
+          <a:p>
+            <a:pPr marL="1031875" indent="-457200">
+              <a:lnSpc>
+                <a:spcPts val="3360"/>
+              </a:lnSpc>
+              <a:buFont typeface="Fira Sans Light" panose="020B0403050000020004" pitchFamily="34" charset="0"/>
+              <a:buChar char="+"/>
+            </a:pPr>
+            <a:r>
+              <a:rPr lang="en-US" sz="2800" dirty="0" err="1">
+                <a:solidFill>
+                  <a:srgbClr val="000000"/>
+                </a:solidFill>
+                <a:latin typeface="Fira Sans Light" panose="020B0403050000020004" pitchFamily="34" charset="0"/>
+              </a:rPr>
+              <a:t>Cập</a:t>
+            </a:r>
+            <a:r>
+              <a:rPr lang="en-US" sz="2800" dirty="0">
+                <a:solidFill>
+                  <a:srgbClr val="000000"/>
+                </a:solidFill>
+                <a:latin typeface="Fira Sans Light" panose="020B0403050000020004" pitchFamily="34" charset="0"/>
+              </a:rPr>
+              <a:t> </a:t>
+            </a:r>
+            <a:r>
+              <a:rPr lang="en-US" sz="2800" dirty="0" err="1">
+                <a:solidFill>
+                  <a:srgbClr val="000000"/>
+                </a:solidFill>
+                <a:latin typeface="Fira Sans Light" panose="020B0403050000020004" pitchFamily="34" charset="0"/>
+              </a:rPr>
+              <a:t>nhật</a:t>
+            </a:r>
+            <a:r>
+              <a:rPr lang="en-US" sz="2800" dirty="0">
+                <a:solidFill>
+                  <a:srgbClr val="000000"/>
+                </a:solidFill>
+                <a:latin typeface="Fira Sans Light" panose="020B0403050000020004" pitchFamily="34" charset="0"/>
+              </a:rPr>
+              <a:t> </a:t>
+            </a:r>
+            <a:r>
+              <a:rPr lang="en-US" sz="2800" dirty="0" err="1">
+                <a:solidFill>
+                  <a:srgbClr val="000000"/>
+                </a:solidFill>
+                <a:latin typeface="Fira Sans Light" panose="020B0403050000020004" pitchFamily="34" charset="0"/>
+              </a:rPr>
+              <a:t>thông</a:t>
+            </a:r>
+            <a:r>
+              <a:rPr lang="en-US" sz="2800" dirty="0">
+                <a:solidFill>
+                  <a:srgbClr val="000000"/>
+                </a:solidFill>
+                <a:latin typeface="Fira Sans Light" panose="020B0403050000020004" pitchFamily="34" charset="0"/>
+              </a:rPr>
+              <a:t> tin </a:t>
+            </a:r>
+            <a:r>
+              <a:rPr lang="en-US" sz="2800" dirty="0" err="1">
+                <a:solidFill>
+                  <a:srgbClr val="000000"/>
+                </a:solidFill>
+                <a:latin typeface="Fira Sans Light" panose="020B0403050000020004" pitchFamily="34" charset="0"/>
+              </a:rPr>
+              <a:t>đặt</a:t>
+            </a:r>
+            <a:r>
+              <a:rPr lang="en-US" sz="2800" dirty="0">
+                <a:solidFill>
+                  <a:srgbClr val="000000"/>
+                </a:solidFill>
+                <a:latin typeface="Fira Sans Light" panose="020B0403050000020004" pitchFamily="34" charset="0"/>
+              </a:rPr>
+              <a:t> </a:t>
+            </a:r>
+            <a:r>
+              <a:rPr lang="en-US" sz="2800" dirty="0" err="1">
+                <a:solidFill>
+                  <a:srgbClr val="000000"/>
+                </a:solidFill>
+                <a:latin typeface="Fira Sans Light" panose="020B0403050000020004" pitchFamily="34" charset="0"/>
+              </a:rPr>
+              <a:t>bàn</a:t>
+            </a:r>
+            <a:r>
+              <a:rPr lang="en-US" sz="2800" dirty="0">
+                <a:solidFill>
+                  <a:srgbClr val="000000"/>
+                </a:solidFill>
+                <a:latin typeface="Fira Sans Light" panose="020B0403050000020004" pitchFamily="34" charset="0"/>
+              </a:rPr>
+              <a:t> </a:t>
+            </a:r>
+            <a:r>
+              <a:rPr lang="en-US" sz="2800" dirty="0" err="1">
+                <a:solidFill>
+                  <a:srgbClr val="000000"/>
+                </a:solidFill>
+                <a:latin typeface="Fira Sans Light" panose="020B0403050000020004" pitchFamily="34" charset="0"/>
+              </a:rPr>
+              <a:t>trước</a:t>
+            </a:r>
+            <a:endParaRPr lang="en-US" sz="2800" dirty="0">
+              <a:solidFill>
+                <a:srgbClr val="000000"/>
+              </a:solidFill>
+              <a:latin typeface="Fira Sans Light" panose="020B0403050000020004" pitchFamily="34" charset="0"/>
+            </a:endParaRPr>
+          </a:p>
+          <a:p>
+            <a:pPr marL="1031875" indent="-457200">
+              <a:lnSpc>
+                <a:spcPts val="3360"/>
+              </a:lnSpc>
+              <a:buFont typeface="Fira Sans Light" panose="020B0403050000020004" pitchFamily="34" charset="0"/>
+              <a:buChar char="+"/>
+            </a:pPr>
+            <a:r>
+              <a:rPr lang="en-US" sz="2800" dirty="0" err="1">
+                <a:solidFill>
+                  <a:srgbClr val="000000"/>
+                </a:solidFill>
+                <a:latin typeface="Fira Sans Light" panose="020B0403050000020004" pitchFamily="34" charset="0"/>
+              </a:rPr>
+              <a:t>Hủy</a:t>
+            </a:r>
+            <a:r>
+              <a:rPr lang="en-US" sz="2800" dirty="0">
+                <a:solidFill>
+                  <a:srgbClr val="000000"/>
+                </a:solidFill>
+                <a:latin typeface="Fira Sans Light" panose="020B0403050000020004" pitchFamily="34" charset="0"/>
+              </a:rPr>
+              <a:t> </a:t>
+            </a:r>
+            <a:r>
+              <a:rPr lang="en-US" sz="2800" dirty="0" err="1">
+                <a:solidFill>
+                  <a:srgbClr val="000000"/>
+                </a:solidFill>
+                <a:latin typeface="Fira Sans Light" panose="020B0403050000020004" pitchFamily="34" charset="0"/>
+              </a:rPr>
+              <a:t>phiếu</a:t>
+            </a:r>
+            <a:r>
+              <a:rPr lang="en-US" sz="2800" dirty="0">
+                <a:solidFill>
+                  <a:srgbClr val="000000"/>
+                </a:solidFill>
+                <a:latin typeface="Fira Sans Light" panose="020B0403050000020004" pitchFamily="34" charset="0"/>
+              </a:rPr>
+              <a:t> </a:t>
+            </a:r>
+            <a:r>
+              <a:rPr lang="en-US" sz="2800" dirty="0" err="1">
+                <a:solidFill>
+                  <a:srgbClr val="000000"/>
+                </a:solidFill>
+                <a:latin typeface="Fira Sans Light" panose="020B0403050000020004" pitchFamily="34" charset="0"/>
+              </a:rPr>
+              <a:t>đặt</a:t>
+            </a:r>
+            <a:r>
+              <a:rPr lang="en-US" sz="2800" dirty="0">
+                <a:solidFill>
+                  <a:srgbClr val="000000"/>
+                </a:solidFill>
+                <a:latin typeface="Fira Sans Light" panose="020B0403050000020004" pitchFamily="34" charset="0"/>
+              </a:rPr>
+              <a:t> </a:t>
+            </a:r>
+            <a:r>
+              <a:rPr lang="en-US" sz="2800" dirty="0" err="1">
+                <a:solidFill>
+                  <a:srgbClr val="000000"/>
+                </a:solidFill>
+                <a:latin typeface="Fira Sans Light" panose="020B0403050000020004" pitchFamily="34" charset="0"/>
+              </a:rPr>
+              <a:t>trước</a:t>
+            </a:r>
+            <a:endParaRPr lang="en-US" sz="2800" dirty="0">
+              <a:solidFill>
+                <a:srgbClr val="000000"/>
+              </a:solidFill>
+              <a:latin typeface="Fira Sans Light" panose="020B0403050000020004" pitchFamily="34" charset="0"/>
+            </a:endParaRPr>
+          </a:p>
+          <a:p>
+            <a:pPr marL="1031875" indent="-457200">
+              <a:lnSpc>
+                <a:spcPts val="3360"/>
+              </a:lnSpc>
+              <a:buFont typeface="Fira Sans Light" panose="020B0403050000020004" pitchFamily="34" charset="0"/>
+              <a:buChar char="+"/>
+            </a:pPr>
+            <a:r>
+              <a:rPr lang="en-US" sz="2800" dirty="0" err="1">
+                <a:solidFill>
+                  <a:srgbClr val="000000"/>
+                </a:solidFill>
+                <a:latin typeface="Fira Sans Light" panose="020B0403050000020004" pitchFamily="34" charset="0"/>
+              </a:rPr>
+              <a:t>Cọc</a:t>
+            </a:r>
+            <a:r>
+              <a:rPr lang="en-US" sz="2800" dirty="0">
+                <a:solidFill>
+                  <a:srgbClr val="000000"/>
+                </a:solidFill>
+                <a:latin typeface="Fira Sans Light" panose="020B0403050000020004" pitchFamily="34" charset="0"/>
+              </a:rPr>
+              <a:t> </a:t>
+            </a:r>
+            <a:r>
+              <a:rPr lang="en-US" sz="2800" dirty="0" err="1">
+                <a:solidFill>
+                  <a:srgbClr val="000000"/>
+                </a:solidFill>
+                <a:latin typeface="Fira Sans Light" panose="020B0403050000020004" pitchFamily="34" charset="0"/>
+              </a:rPr>
+              <a:t>tiền</a:t>
+            </a:r>
+            <a:endParaRPr lang="en-US" sz="2800" dirty="0">
+              <a:solidFill>
+                <a:srgbClr val="000000"/>
+              </a:solidFill>
+              <a:latin typeface="Fira Sans Light" panose="020B0403050000020004" pitchFamily="34" charset="0"/>
+            </a:endParaRPr>
+          </a:p>
+          <a:p>
+            <a:pPr marL="1031875" indent="-457200">
+              <a:lnSpc>
+                <a:spcPts val="3360"/>
+              </a:lnSpc>
+              <a:buFont typeface="Fira Sans Light" panose="020B0403050000020004" pitchFamily="34" charset="0"/>
+              <a:buChar char="+"/>
+            </a:pPr>
+            <a:r>
+              <a:rPr lang="en-US" sz="2800" dirty="0" err="1">
+                <a:solidFill>
+                  <a:srgbClr val="000000"/>
+                </a:solidFill>
+                <a:latin typeface="Fira Sans Light" panose="020B0403050000020004" pitchFamily="34" charset="0"/>
+              </a:rPr>
+              <a:t>Xuất</a:t>
+            </a:r>
+            <a:r>
+              <a:rPr lang="en-US" sz="2800" dirty="0">
+                <a:solidFill>
+                  <a:srgbClr val="000000"/>
+                </a:solidFill>
+                <a:latin typeface="Fira Sans Light" panose="020B0403050000020004" pitchFamily="34" charset="0"/>
+              </a:rPr>
+              <a:t> </a:t>
+            </a:r>
+            <a:r>
+              <a:rPr lang="en-US" sz="2800" dirty="0" err="1">
+                <a:solidFill>
+                  <a:srgbClr val="000000"/>
+                </a:solidFill>
+                <a:latin typeface="Fira Sans Light" panose="020B0403050000020004" pitchFamily="34" charset="0"/>
+              </a:rPr>
+              <a:t>phiếu</a:t>
+            </a:r>
+            <a:r>
+              <a:rPr lang="en-US" sz="2800" dirty="0">
+                <a:solidFill>
+                  <a:srgbClr val="000000"/>
+                </a:solidFill>
+                <a:latin typeface="Fira Sans Light" panose="020B0403050000020004" pitchFamily="34" charset="0"/>
+              </a:rPr>
+              <a:t> </a:t>
+            </a:r>
+            <a:r>
+              <a:rPr lang="en-US" sz="2800" dirty="0" err="1">
+                <a:solidFill>
+                  <a:srgbClr val="000000"/>
+                </a:solidFill>
+                <a:latin typeface="Fira Sans Light" panose="020B0403050000020004" pitchFamily="34" charset="0"/>
+              </a:rPr>
+              <a:t>cọc</a:t>
+            </a:r>
+            <a:endParaRPr lang="en-US" sz="2800" dirty="0">
+              <a:solidFill>
+                <a:srgbClr val="000000"/>
+              </a:solidFill>
+              <a:latin typeface="Fira Sans Light" panose="020B0403050000020004" pitchFamily="34" charset="0"/>
+            </a:endParaRPr>
+          </a:p>
+          <a:p>
+            <a:pPr marL="1031875" indent="-457200">
+              <a:lnSpc>
+                <a:spcPts val="3360"/>
+              </a:lnSpc>
+              <a:buFont typeface="Fira Sans Light" panose="020B0403050000020004" pitchFamily="34" charset="0"/>
+              <a:buChar char="+"/>
+            </a:pPr>
+            <a:r>
+              <a:rPr lang="en-US" sz="2800" dirty="0" err="1">
+                <a:solidFill>
+                  <a:srgbClr val="000000"/>
+                </a:solidFill>
+                <a:latin typeface="Fira Sans Light" panose="020B0403050000020004" pitchFamily="34" charset="0"/>
+              </a:rPr>
+              <a:t>Chuyển</a:t>
+            </a:r>
+            <a:r>
+              <a:rPr lang="en-US" sz="2800" dirty="0">
+                <a:solidFill>
+                  <a:srgbClr val="000000"/>
+                </a:solidFill>
+                <a:latin typeface="Fira Sans Light" panose="020B0403050000020004" pitchFamily="34" charset="0"/>
+              </a:rPr>
+              <a:t> </a:t>
+            </a:r>
+            <a:r>
+              <a:rPr lang="en-US" sz="2800" dirty="0" err="1">
+                <a:solidFill>
+                  <a:srgbClr val="000000"/>
+                </a:solidFill>
+                <a:latin typeface="Fira Sans Light" panose="020B0403050000020004" pitchFamily="34" charset="0"/>
+              </a:rPr>
+              <a:t>phiếu</a:t>
+            </a:r>
+            <a:r>
+              <a:rPr lang="en-US" sz="2800" dirty="0">
+                <a:solidFill>
+                  <a:srgbClr val="000000"/>
+                </a:solidFill>
+                <a:latin typeface="Fira Sans Light" panose="020B0403050000020004" pitchFamily="34" charset="0"/>
+              </a:rPr>
+              <a:t> </a:t>
+            </a:r>
+            <a:r>
+              <a:rPr lang="en-US" sz="2800" dirty="0" err="1">
+                <a:solidFill>
+                  <a:srgbClr val="000000"/>
+                </a:solidFill>
+                <a:latin typeface="Fira Sans Light" panose="020B0403050000020004" pitchFamily="34" charset="0"/>
+              </a:rPr>
+              <a:t>đặt</a:t>
+            </a:r>
+            <a:r>
+              <a:rPr lang="en-US" sz="2800" dirty="0">
+                <a:solidFill>
+                  <a:srgbClr val="000000"/>
+                </a:solidFill>
+                <a:latin typeface="Fira Sans Light" panose="020B0403050000020004" pitchFamily="34" charset="0"/>
+              </a:rPr>
+              <a:t> </a:t>
+            </a:r>
+            <a:r>
+              <a:rPr lang="en-US" sz="2800" dirty="0" err="1">
+                <a:solidFill>
+                  <a:srgbClr val="000000"/>
+                </a:solidFill>
+                <a:latin typeface="Fira Sans Light" panose="020B0403050000020004" pitchFamily="34" charset="0"/>
+              </a:rPr>
+              <a:t>trước</a:t>
+            </a:r>
+            <a:r>
+              <a:rPr lang="en-US" sz="2800" dirty="0">
+                <a:solidFill>
+                  <a:srgbClr val="000000"/>
+                </a:solidFill>
+                <a:latin typeface="Fira Sans Light" panose="020B0403050000020004" pitchFamily="34" charset="0"/>
+              </a:rPr>
+              <a:t> </a:t>
+            </a:r>
+            <a:r>
+              <a:rPr lang="en-US" sz="2800" dirty="0" err="1">
+                <a:solidFill>
+                  <a:srgbClr val="000000"/>
+                </a:solidFill>
+                <a:latin typeface="Fira Sans Light" panose="020B0403050000020004" pitchFamily="34" charset="0"/>
+              </a:rPr>
+              <a:t>thành</a:t>
+            </a:r>
+            <a:r>
+              <a:rPr lang="en-US" sz="2800" dirty="0">
+                <a:solidFill>
+                  <a:srgbClr val="000000"/>
+                </a:solidFill>
+                <a:latin typeface="Fira Sans Light" panose="020B0403050000020004" pitchFamily="34" charset="0"/>
+              </a:rPr>
+              <a:t> </a:t>
+            </a:r>
+            <a:r>
+              <a:rPr lang="en-US" sz="2800" dirty="0" err="1">
+                <a:solidFill>
+                  <a:srgbClr val="000000"/>
+                </a:solidFill>
+                <a:latin typeface="Fira Sans Light" panose="020B0403050000020004" pitchFamily="34" charset="0"/>
+              </a:rPr>
+              <a:t>phiếu</a:t>
+            </a:r>
+            <a:r>
+              <a:rPr lang="en-US" sz="2800" dirty="0">
+                <a:solidFill>
+                  <a:srgbClr val="000000"/>
+                </a:solidFill>
+                <a:latin typeface="Fira Sans Light" panose="020B0403050000020004" pitchFamily="34" charset="0"/>
+              </a:rPr>
+              <a:t> </a:t>
+            </a:r>
+            <a:r>
+              <a:rPr lang="en-US" sz="2800" dirty="0" err="1">
+                <a:solidFill>
+                  <a:srgbClr val="000000"/>
+                </a:solidFill>
+                <a:latin typeface="Fira Sans Light" panose="020B0403050000020004" pitchFamily="34" charset="0"/>
+              </a:rPr>
+              <a:t>đặt</a:t>
+            </a:r>
+            <a:endParaRPr lang="en-US" sz="2800" dirty="0">
+              <a:solidFill>
+                <a:srgbClr val="000000"/>
+              </a:solidFill>
+              <a:latin typeface="Fira Sans Light" panose="020B0403050000020004" pitchFamily="34" charset="0"/>
+            </a:endParaRPr>
+          </a:p>
+          <a:p>
+            <a:pPr marL="514350" indent="-514350">
+              <a:lnSpc>
+                <a:spcPts val="3360"/>
+              </a:lnSpc>
+              <a:buFont typeface="Fira Sans Light" panose="020B0403050000020004" pitchFamily="34" charset="0"/>
+              <a:buChar char="―"/>
+            </a:pPr>
+            <a:r>
+              <a:rPr lang="en-US" sz="2800" b="1" dirty="0" err="1">
+                <a:solidFill>
+                  <a:srgbClr val="000000"/>
+                </a:solidFill>
+                <a:latin typeface="Fira Sans Light" panose="020B0403050000020004" pitchFamily="34" charset="0"/>
+              </a:rPr>
+              <a:t>Quản</a:t>
+            </a:r>
+            <a:r>
+              <a:rPr lang="en-US" sz="2800" b="1" dirty="0">
+                <a:solidFill>
+                  <a:srgbClr val="000000"/>
+                </a:solidFill>
+                <a:latin typeface="Fira Sans Light" panose="020B0403050000020004" pitchFamily="34" charset="0"/>
+              </a:rPr>
+              <a:t> </a:t>
+            </a:r>
+            <a:r>
+              <a:rPr lang="en-US" sz="2800" b="1" dirty="0" err="1">
+                <a:solidFill>
+                  <a:srgbClr val="000000"/>
+                </a:solidFill>
+                <a:latin typeface="Fira Sans Light" panose="020B0403050000020004" pitchFamily="34" charset="0"/>
+              </a:rPr>
+              <a:t>lý</a:t>
+            </a:r>
+            <a:r>
+              <a:rPr lang="en-US" sz="2800" b="1" dirty="0">
+                <a:solidFill>
+                  <a:srgbClr val="000000"/>
+                </a:solidFill>
+                <a:latin typeface="Fira Sans Light" panose="020B0403050000020004" pitchFamily="34" charset="0"/>
+              </a:rPr>
+              <a:t> </a:t>
+            </a:r>
+            <a:r>
+              <a:rPr lang="en-US" sz="2800" b="1" dirty="0" err="1">
+                <a:solidFill>
+                  <a:srgbClr val="000000"/>
+                </a:solidFill>
+                <a:latin typeface="Fira Sans Light" panose="020B0403050000020004" pitchFamily="34" charset="0"/>
+              </a:rPr>
+              <a:t>phiếu</a:t>
+            </a:r>
+            <a:r>
+              <a:rPr lang="en-US" sz="2800" b="1" dirty="0">
+                <a:solidFill>
+                  <a:srgbClr val="000000"/>
+                </a:solidFill>
+                <a:latin typeface="Fira Sans Light" panose="020B0403050000020004" pitchFamily="34" charset="0"/>
+              </a:rPr>
+              <a:t> </a:t>
+            </a:r>
+            <a:r>
+              <a:rPr lang="en-US" sz="2800" b="1" dirty="0" err="1">
+                <a:solidFill>
+                  <a:srgbClr val="000000"/>
+                </a:solidFill>
+                <a:latin typeface="Fira Sans Light" panose="020B0403050000020004" pitchFamily="34" charset="0"/>
+              </a:rPr>
+              <a:t>mua</a:t>
+            </a:r>
+            <a:r>
+              <a:rPr lang="en-US" sz="2800" b="1" dirty="0">
+                <a:solidFill>
+                  <a:srgbClr val="000000"/>
+                </a:solidFill>
+                <a:latin typeface="Fira Sans Light" panose="020B0403050000020004" pitchFamily="34" charset="0"/>
+              </a:rPr>
+              <a:t> </a:t>
+            </a:r>
+            <a:r>
+              <a:rPr lang="en-US" sz="2800" b="1" dirty="0" err="1">
+                <a:solidFill>
+                  <a:srgbClr val="000000"/>
+                </a:solidFill>
+                <a:latin typeface="Fira Sans Light" panose="020B0403050000020004" pitchFamily="34" charset="0"/>
+              </a:rPr>
+              <a:t>nguyên</a:t>
+            </a:r>
+            <a:r>
+              <a:rPr lang="en-US" sz="2800" b="1" dirty="0">
+                <a:solidFill>
+                  <a:srgbClr val="000000"/>
+                </a:solidFill>
+                <a:latin typeface="Fira Sans Light" panose="020B0403050000020004" pitchFamily="34" charset="0"/>
+              </a:rPr>
+              <a:t> </a:t>
+            </a:r>
+            <a:r>
+              <a:rPr lang="en-US" sz="2800" b="1" dirty="0" err="1">
+                <a:solidFill>
+                  <a:srgbClr val="000000"/>
+                </a:solidFill>
+                <a:latin typeface="Fira Sans Light" panose="020B0403050000020004" pitchFamily="34" charset="0"/>
+              </a:rPr>
+              <a:t>liệu</a:t>
+            </a:r>
+            <a:endParaRPr lang="en-US" sz="2800" b="1" dirty="0">
+              <a:solidFill>
+                <a:srgbClr val="000000"/>
+              </a:solidFill>
+              <a:latin typeface="Fira Sans Light" panose="020B0403050000020004" pitchFamily="34" charset="0"/>
+            </a:endParaRPr>
+          </a:p>
+          <a:p>
+            <a:pPr marL="1031875" indent="-457200">
+              <a:lnSpc>
+                <a:spcPts val="3360"/>
+              </a:lnSpc>
+              <a:buFont typeface="Fira Sans Light" panose="020B0403050000020004" pitchFamily="34" charset="0"/>
+              <a:buChar char="+"/>
+            </a:pPr>
+            <a:r>
+              <a:rPr lang="en-US" sz="2800" dirty="0" err="1">
+                <a:solidFill>
+                  <a:srgbClr val="000000"/>
+                </a:solidFill>
+                <a:latin typeface="Fira Sans Light" panose="020B0403050000020004" pitchFamily="34" charset="0"/>
+              </a:rPr>
+              <a:t>Thêm</a:t>
+            </a:r>
+            <a:r>
+              <a:rPr lang="en-US" sz="2800" dirty="0">
+                <a:solidFill>
+                  <a:srgbClr val="000000"/>
+                </a:solidFill>
+                <a:latin typeface="Fira Sans Light" panose="020B0403050000020004" pitchFamily="34" charset="0"/>
+              </a:rPr>
+              <a:t> </a:t>
+            </a:r>
+            <a:r>
+              <a:rPr lang="en-US" sz="2800" dirty="0" err="1">
+                <a:solidFill>
+                  <a:srgbClr val="000000"/>
+                </a:solidFill>
+                <a:latin typeface="Fira Sans Light" panose="020B0403050000020004" pitchFamily="34" charset="0"/>
+              </a:rPr>
+              <a:t>phiếu</a:t>
+            </a:r>
+            <a:r>
+              <a:rPr lang="en-US" sz="2800" dirty="0">
+                <a:solidFill>
+                  <a:srgbClr val="000000"/>
+                </a:solidFill>
+                <a:latin typeface="Fira Sans Light" panose="020B0403050000020004" pitchFamily="34" charset="0"/>
+              </a:rPr>
+              <a:t> </a:t>
+            </a:r>
+            <a:r>
+              <a:rPr lang="en-US" sz="2800" dirty="0" err="1">
+                <a:solidFill>
+                  <a:srgbClr val="000000"/>
+                </a:solidFill>
+                <a:latin typeface="Fira Sans Light" panose="020B0403050000020004" pitchFamily="34" charset="0"/>
+              </a:rPr>
+              <a:t>mua</a:t>
+            </a:r>
+            <a:r>
+              <a:rPr lang="en-US" sz="2800" dirty="0">
+                <a:solidFill>
+                  <a:srgbClr val="000000"/>
+                </a:solidFill>
+                <a:latin typeface="Fira Sans Light" panose="020B0403050000020004" pitchFamily="34" charset="0"/>
+              </a:rPr>
+              <a:t> </a:t>
+            </a:r>
+            <a:r>
+              <a:rPr lang="en-US" sz="2800" dirty="0" err="1">
+                <a:solidFill>
+                  <a:srgbClr val="000000"/>
+                </a:solidFill>
+                <a:latin typeface="Fira Sans Light" panose="020B0403050000020004" pitchFamily="34" charset="0"/>
+              </a:rPr>
+              <a:t>nguyên</a:t>
+            </a:r>
+            <a:r>
+              <a:rPr lang="en-US" sz="2800" dirty="0">
+                <a:solidFill>
+                  <a:srgbClr val="000000"/>
+                </a:solidFill>
+                <a:latin typeface="Fira Sans Light" panose="020B0403050000020004" pitchFamily="34" charset="0"/>
+              </a:rPr>
+              <a:t> </a:t>
+            </a:r>
+            <a:r>
+              <a:rPr lang="en-US" sz="2800" dirty="0" err="1">
+                <a:solidFill>
+                  <a:srgbClr val="000000"/>
+                </a:solidFill>
+                <a:latin typeface="Fira Sans Light" panose="020B0403050000020004" pitchFamily="34" charset="0"/>
+              </a:rPr>
+              <a:t>liệu</a:t>
+            </a:r>
+            <a:endParaRPr lang="en-US" sz="2800" dirty="0">
+              <a:solidFill>
+                <a:srgbClr val="000000"/>
+              </a:solidFill>
+              <a:latin typeface="Fira Sans Light" panose="020B0403050000020004" pitchFamily="34" charset="0"/>
+            </a:endParaRPr>
+          </a:p>
+          <a:p>
+            <a:pPr marL="1031875" indent="-457200">
+              <a:lnSpc>
+                <a:spcPts val="3360"/>
+              </a:lnSpc>
+              <a:buFont typeface="Fira Sans Light" panose="020B0403050000020004" pitchFamily="34" charset="0"/>
+              <a:buChar char="+"/>
+            </a:pPr>
+            <a:r>
+              <a:rPr lang="en-US" sz="2800" dirty="0" err="1">
+                <a:solidFill>
+                  <a:srgbClr val="000000"/>
+                </a:solidFill>
+                <a:latin typeface="Fira Sans Light" panose="020B0403050000020004" pitchFamily="34" charset="0"/>
+              </a:rPr>
+              <a:t>Chuyển</a:t>
+            </a:r>
+            <a:r>
+              <a:rPr lang="en-US" sz="2800" dirty="0">
+                <a:solidFill>
+                  <a:srgbClr val="000000"/>
+                </a:solidFill>
+                <a:latin typeface="Fira Sans Light" panose="020B0403050000020004" pitchFamily="34" charset="0"/>
+              </a:rPr>
+              <a:t> </a:t>
+            </a:r>
+            <a:r>
+              <a:rPr lang="en-US" sz="2800" dirty="0" err="1">
+                <a:solidFill>
+                  <a:srgbClr val="000000"/>
+                </a:solidFill>
+                <a:latin typeface="Fira Sans Light" panose="020B0403050000020004" pitchFamily="34" charset="0"/>
+              </a:rPr>
+              <a:t>phiếu</a:t>
+            </a:r>
+            <a:r>
+              <a:rPr lang="en-US" sz="2800" dirty="0">
+                <a:solidFill>
+                  <a:srgbClr val="000000"/>
+                </a:solidFill>
+                <a:latin typeface="Fira Sans Light" panose="020B0403050000020004" pitchFamily="34" charset="0"/>
+              </a:rPr>
+              <a:t> </a:t>
+            </a:r>
+            <a:r>
+              <a:rPr lang="en-US" sz="2800" dirty="0" err="1">
+                <a:solidFill>
+                  <a:srgbClr val="000000"/>
+                </a:solidFill>
+                <a:latin typeface="Fira Sans Light" panose="020B0403050000020004" pitchFamily="34" charset="0"/>
+              </a:rPr>
+              <a:t>mua</a:t>
+            </a:r>
+            <a:r>
+              <a:rPr lang="en-US" sz="2800" dirty="0">
+                <a:solidFill>
+                  <a:srgbClr val="000000"/>
+                </a:solidFill>
+                <a:latin typeface="Fira Sans Light" panose="020B0403050000020004" pitchFamily="34" charset="0"/>
+              </a:rPr>
+              <a:t> </a:t>
+            </a:r>
+            <a:r>
+              <a:rPr lang="en-US" sz="2800" dirty="0" err="1">
+                <a:solidFill>
+                  <a:srgbClr val="000000"/>
+                </a:solidFill>
+                <a:latin typeface="Fira Sans Light" panose="020B0403050000020004" pitchFamily="34" charset="0"/>
+              </a:rPr>
+              <a:t>thành</a:t>
+            </a:r>
+            <a:r>
+              <a:rPr lang="en-US" sz="2800" dirty="0">
+                <a:solidFill>
+                  <a:srgbClr val="000000"/>
+                </a:solidFill>
+                <a:latin typeface="Fira Sans Light" panose="020B0403050000020004" pitchFamily="34" charset="0"/>
+              </a:rPr>
+              <a:t> </a:t>
+            </a:r>
+            <a:r>
+              <a:rPr lang="en-US" sz="2800" dirty="0" err="1">
+                <a:solidFill>
+                  <a:srgbClr val="000000"/>
+                </a:solidFill>
+                <a:latin typeface="Fira Sans Light" panose="020B0403050000020004" pitchFamily="34" charset="0"/>
+              </a:rPr>
+              <a:t>phiếu</a:t>
+            </a:r>
+            <a:r>
+              <a:rPr lang="en-US" sz="2800" dirty="0">
+                <a:solidFill>
+                  <a:srgbClr val="000000"/>
+                </a:solidFill>
+                <a:latin typeface="Fira Sans Light" panose="020B0403050000020004" pitchFamily="34" charset="0"/>
+              </a:rPr>
+              <a:t> </a:t>
+            </a:r>
+            <a:r>
+              <a:rPr lang="en-US" sz="2800" dirty="0" err="1">
+                <a:solidFill>
+                  <a:srgbClr val="000000"/>
+                </a:solidFill>
+                <a:latin typeface="Fira Sans Light" panose="020B0403050000020004" pitchFamily="34" charset="0"/>
+              </a:rPr>
+              <a:t>nhập</a:t>
+            </a:r>
+            <a:endParaRPr lang="en-US" sz="2800" dirty="0">
+              <a:solidFill>
+                <a:srgbClr val="000000"/>
+              </a:solidFill>
+              <a:latin typeface="Fira Sans Light" panose="020B0403050000020004" pitchFamily="34" charset="0"/>
+            </a:endParaRPr>
+          </a:p>
+          <a:p>
+            <a:pPr marL="514350" indent="-514350">
+              <a:lnSpc>
+                <a:spcPts val="3360"/>
+              </a:lnSpc>
+              <a:buFont typeface="Fira Sans Light" panose="020B0403050000020004" pitchFamily="34" charset="0"/>
+              <a:buChar char="―"/>
+            </a:pPr>
+            <a:r>
+              <a:rPr lang="en-US" sz="2800" b="1" dirty="0" err="1">
+                <a:solidFill>
+                  <a:srgbClr val="000000"/>
+                </a:solidFill>
+                <a:latin typeface="Fira Sans Light" panose="020B0403050000020004" pitchFamily="34" charset="0"/>
+              </a:rPr>
+              <a:t>Quản</a:t>
+            </a:r>
+            <a:r>
+              <a:rPr lang="en-US" sz="2800" b="1" dirty="0">
+                <a:solidFill>
+                  <a:srgbClr val="000000"/>
+                </a:solidFill>
+                <a:latin typeface="Fira Sans Light" panose="020B0403050000020004" pitchFamily="34" charset="0"/>
+              </a:rPr>
+              <a:t> </a:t>
+            </a:r>
+            <a:r>
+              <a:rPr lang="en-US" sz="2800" b="1" dirty="0" err="1">
+                <a:solidFill>
+                  <a:srgbClr val="000000"/>
+                </a:solidFill>
+                <a:latin typeface="Fira Sans Light" panose="020B0403050000020004" pitchFamily="34" charset="0"/>
+              </a:rPr>
+              <a:t>lý</a:t>
+            </a:r>
+            <a:r>
+              <a:rPr lang="en-US" sz="2800" b="1" dirty="0">
+                <a:solidFill>
+                  <a:srgbClr val="000000"/>
+                </a:solidFill>
+                <a:latin typeface="Fira Sans Light" panose="020B0403050000020004" pitchFamily="34" charset="0"/>
+              </a:rPr>
+              <a:t> </a:t>
+            </a:r>
+            <a:r>
+              <a:rPr lang="en-US" sz="2800" b="1" dirty="0" err="1">
+                <a:solidFill>
+                  <a:srgbClr val="000000"/>
+                </a:solidFill>
+                <a:latin typeface="Fira Sans Light" panose="020B0403050000020004" pitchFamily="34" charset="0"/>
+              </a:rPr>
+              <a:t>phiếu</a:t>
+            </a:r>
+            <a:r>
+              <a:rPr lang="en-US" sz="2800" b="1" dirty="0">
+                <a:solidFill>
+                  <a:srgbClr val="000000"/>
+                </a:solidFill>
+                <a:latin typeface="Fira Sans Light" panose="020B0403050000020004" pitchFamily="34" charset="0"/>
+              </a:rPr>
+              <a:t> </a:t>
+            </a:r>
+            <a:r>
+              <a:rPr lang="en-US" sz="2800" b="1" dirty="0" err="1">
+                <a:solidFill>
+                  <a:srgbClr val="000000"/>
+                </a:solidFill>
+                <a:latin typeface="Fira Sans Light" panose="020B0403050000020004" pitchFamily="34" charset="0"/>
+              </a:rPr>
+              <a:t>nhập</a:t>
+            </a:r>
+            <a:r>
+              <a:rPr lang="en-US" sz="2800" b="1" dirty="0">
+                <a:solidFill>
+                  <a:srgbClr val="000000"/>
+                </a:solidFill>
+                <a:latin typeface="Fira Sans Light" panose="020B0403050000020004" pitchFamily="34" charset="0"/>
+              </a:rPr>
+              <a:t> </a:t>
+            </a:r>
+            <a:r>
+              <a:rPr lang="en-US" sz="2800" b="1" dirty="0" err="1">
+                <a:solidFill>
+                  <a:srgbClr val="000000"/>
+                </a:solidFill>
+                <a:latin typeface="Fira Sans Light" panose="020B0403050000020004" pitchFamily="34" charset="0"/>
+              </a:rPr>
+              <a:t>nguyên</a:t>
+            </a:r>
+            <a:r>
+              <a:rPr lang="en-US" sz="2800" b="1" dirty="0">
+                <a:solidFill>
+                  <a:srgbClr val="000000"/>
+                </a:solidFill>
+                <a:latin typeface="Fira Sans Light" panose="020B0403050000020004" pitchFamily="34" charset="0"/>
+              </a:rPr>
+              <a:t> </a:t>
+            </a:r>
+            <a:r>
+              <a:rPr lang="en-US" sz="2800" b="1" dirty="0" err="1">
+                <a:solidFill>
+                  <a:srgbClr val="000000"/>
+                </a:solidFill>
+                <a:latin typeface="Fira Sans Light" panose="020B0403050000020004" pitchFamily="34" charset="0"/>
+              </a:rPr>
+              <a:t>liệu</a:t>
+            </a:r>
+            <a:endParaRPr lang="en-US" sz="2800" b="1" dirty="0">
+              <a:solidFill>
+                <a:srgbClr val="000000"/>
+              </a:solidFill>
+              <a:latin typeface="Fira Sans Light" panose="020B0403050000020004" pitchFamily="34" charset="0"/>
+            </a:endParaRPr>
+          </a:p>
+          <a:p>
+            <a:pPr marL="1031875" indent="-457200">
+              <a:lnSpc>
+                <a:spcPts val="3360"/>
+              </a:lnSpc>
+              <a:buFont typeface="Fira Sans Light" panose="020B0403050000020004" pitchFamily="34" charset="0"/>
+              <a:buChar char="+"/>
+            </a:pPr>
+            <a:r>
+              <a:rPr lang="en-US" sz="2800" dirty="0" err="1">
+                <a:solidFill>
+                  <a:srgbClr val="000000"/>
+                </a:solidFill>
+                <a:latin typeface="Fira Sans Light" panose="020B0403050000020004" pitchFamily="34" charset="0"/>
+              </a:rPr>
+              <a:t>Thêm</a:t>
+            </a:r>
+            <a:r>
+              <a:rPr lang="en-US" sz="2800" dirty="0">
+                <a:solidFill>
+                  <a:srgbClr val="000000"/>
+                </a:solidFill>
+                <a:latin typeface="Fira Sans Light" panose="020B0403050000020004" pitchFamily="34" charset="0"/>
+              </a:rPr>
+              <a:t> chi </a:t>
+            </a:r>
+            <a:r>
+              <a:rPr lang="en-US" sz="2800" dirty="0" err="1">
+                <a:solidFill>
+                  <a:srgbClr val="000000"/>
+                </a:solidFill>
+                <a:latin typeface="Fira Sans Light" panose="020B0403050000020004" pitchFamily="34" charset="0"/>
+              </a:rPr>
+              <a:t>tiết</a:t>
+            </a:r>
+            <a:r>
+              <a:rPr lang="en-US" sz="2800" dirty="0">
+                <a:solidFill>
+                  <a:srgbClr val="000000"/>
+                </a:solidFill>
+                <a:latin typeface="Fira Sans Light" panose="020B0403050000020004" pitchFamily="34" charset="0"/>
+              </a:rPr>
+              <a:t> </a:t>
+            </a:r>
+            <a:r>
+              <a:rPr lang="en-US" sz="2800" dirty="0" err="1">
+                <a:solidFill>
+                  <a:srgbClr val="000000"/>
+                </a:solidFill>
+                <a:latin typeface="Fira Sans Light" panose="020B0403050000020004" pitchFamily="34" charset="0"/>
+              </a:rPr>
+              <a:t>phiếu</a:t>
+            </a:r>
+            <a:r>
+              <a:rPr lang="en-US" sz="2800" dirty="0">
+                <a:solidFill>
+                  <a:srgbClr val="000000"/>
+                </a:solidFill>
+                <a:latin typeface="Fira Sans Light" panose="020B0403050000020004" pitchFamily="34" charset="0"/>
+              </a:rPr>
+              <a:t> </a:t>
+            </a:r>
+            <a:r>
+              <a:rPr lang="en-US" sz="2800" dirty="0" err="1">
+                <a:solidFill>
+                  <a:srgbClr val="000000"/>
+                </a:solidFill>
+                <a:latin typeface="Fira Sans Light" panose="020B0403050000020004" pitchFamily="34" charset="0"/>
+              </a:rPr>
+              <a:t>nhập</a:t>
+            </a:r>
+            <a:endParaRPr lang="en-US" sz="2800" dirty="0">
+              <a:solidFill>
+                <a:srgbClr val="000000"/>
+              </a:solidFill>
+              <a:latin typeface="Fira Sans Light" panose="020B0403050000020004" pitchFamily="34" charset="0"/>
+            </a:endParaRPr>
+          </a:p>
+          <a:p>
+            <a:pPr marL="1031875" indent="-457200">
+              <a:lnSpc>
+                <a:spcPts val="3360"/>
+              </a:lnSpc>
+              <a:buFont typeface="Fira Sans Light" panose="020B0403050000020004" pitchFamily="34" charset="0"/>
+              <a:buChar char="+"/>
+            </a:pPr>
+            <a:r>
+              <a:rPr lang="en-US" sz="2800" dirty="0" err="1">
+                <a:solidFill>
+                  <a:srgbClr val="000000"/>
+                </a:solidFill>
+                <a:latin typeface="Fira Sans Light" panose="020B0403050000020004" pitchFamily="34" charset="0"/>
+              </a:rPr>
+              <a:t>Cập</a:t>
+            </a:r>
+            <a:r>
+              <a:rPr lang="en-US" sz="2800" dirty="0">
+                <a:solidFill>
+                  <a:srgbClr val="000000"/>
+                </a:solidFill>
+                <a:latin typeface="Fira Sans Light" panose="020B0403050000020004" pitchFamily="34" charset="0"/>
+              </a:rPr>
+              <a:t> </a:t>
+            </a:r>
+            <a:r>
+              <a:rPr lang="en-US" sz="2800" dirty="0" err="1">
+                <a:solidFill>
+                  <a:srgbClr val="000000"/>
+                </a:solidFill>
+                <a:latin typeface="Fira Sans Light" panose="020B0403050000020004" pitchFamily="34" charset="0"/>
+              </a:rPr>
+              <a:t>nhật</a:t>
+            </a:r>
+            <a:r>
+              <a:rPr lang="en-US" sz="2800" dirty="0">
+                <a:solidFill>
+                  <a:srgbClr val="000000"/>
+                </a:solidFill>
+                <a:latin typeface="Fira Sans Light" panose="020B0403050000020004" pitchFamily="34" charset="0"/>
+              </a:rPr>
+              <a:t> chi </a:t>
+            </a:r>
+            <a:r>
+              <a:rPr lang="en-US" sz="2800" dirty="0" err="1">
+                <a:solidFill>
+                  <a:srgbClr val="000000"/>
+                </a:solidFill>
+                <a:latin typeface="Fira Sans Light" panose="020B0403050000020004" pitchFamily="34" charset="0"/>
+              </a:rPr>
+              <a:t>tiết</a:t>
+            </a:r>
+            <a:r>
+              <a:rPr lang="en-US" sz="2800" dirty="0">
+                <a:solidFill>
+                  <a:srgbClr val="000000"/>
+                </a:solidFill>
+                <a:latin typeface="Fira Sans Light" panose="020B0403050000020004" pitchFamily="34" charset="0"/>
+              </a:rPr>
+              <a:t> </a:t>
+            </a:r>
+            <a:r>
+              <a:rPr lang="en-US" sz="2800" dirty="0" err="1">
+                <a:solidFill>
+                  <a:srgbClr val="000000"/>
+                </a:solidFill>
+                <a:latin typeface="Fira Sans Light" panose="020B0403050000020004" pitchFamily="34" charset="0"/>
+              </a:rPr>
+              <a:t>phiếu</a:t>
+            </a:r>
+            <a:r>
+              <a:rPr lang="en-US" sz="2800" dirty="0">
+                <a:solidFill>
+                  <a:srgbClr val="000000"/>
+                </a:solidFill>
+                <a:latin typeface="Fira Sans Light" panose="020B0403050000020004" pitchFamily="34" charset="0"/>
+              </a:rPr>
+              <a:t> </a:t>
+            </a:r>
+            <a:r>
+              <a:rPr lang="en-US" sz="2800" dirty="0" err="1">
+                <a:solidFill>
+                  <a:srgbClr val="000000"/>
+                </a:solidFill>
+                <a:latin typeface="Fira Sans Light" panose="020B0403050000020004" pitchFamily="34" charset="0"/>
+              </a:rPr>
+              <a:t>nhập</a:t>
+            </a:r>
+            <a:endParaRPr lang="en-US" sz="2800" dirty="0">
+              <a:solidFill>
+                <a:srgbClr val="000000"/>
+              </a:solidFill>
+              <a:latin typeface="Fira Sans Light" panose="020B0403050000020004" pitchFamily="34" charset="0"/>
+            </a:endParaRPr>
+          </a:p>
+          <a:p>
+            <a:pPr marL="1031875" indent="-457200">
+              <a:lnSpc>
+                <a:spcPts val="3360"/>
+              </a:lnSpc>
+              <a:buFont typeface="Fira Sans Light" panose="020B0403050000020004" pitchFamily="34" charset="0"/>
+              <a:buChar char="+"/>
+            </a:pPr>
+            <a:r>
+              <a:rPr lang="en-US" sz="2800" dirty="0" err="1">
+                <a:solidFill>
+                  <a:srgbClr val="000000"/>
+                </a:solidFill>
+                <a:latin typeface="Fira Sans Light" panose="020B0403050000020004" pitchFamily="34" charset="0"/>
+              </a:rPr>
+              <a:t>Xóa</a:t>
+            </a:r>
+            <a:r>
+              <a:rPr lang="en-US" sz="2800" dirty="0">
+                <a:solidFill>
+                  <a:srgbClr val="000000"/>
+                </a:solidFill>
+                <a:latin typeface="Fira Sans Light" panose="020B0403050000020004" pitchFamily="34" charset="0"/>
+              </a:rPr>
+              <a:t> chi </a:t>
+            </a:r>
+            <a:r>
+              <a:rPr lang="en-US" sz="2800" dirty="0" err="1">
+                <a:solidFill>
+                  <a:srgbClr val="000000"/>
+                </a:solidFill>
+                <a:latin typeface="Fira Sans Light" panose="020B0403050000020004" pitchFamily="34" charset="0"/>
+              </a:rPr>
+              <a:t>tiết</a:t>
+            </a:r>
+            <a:r>
+              <a:rPr lang="en-US" sz="2800" dirty="0">
+                <a:solidFill>
+                  <a:srgbClr val="000000"/>
+                </a:solidFill>
+                <a:latin typeface="Fira Sans Light" panose="020B0403050000020004" pitchFamily="34" charset="0"/>
+              </a:rPr>
+              <a:t> </a:t>
+            </a:r>
+            <a:r>
+              <a:rPr lang="en-US" sz="2800" dirty="0" err="1">
+                <a:solidFill>
+                  <a:srgbClr val="000000"/>
+                </a:solidFill>
+                <a:latin typeface="Fira Sans Light" panose="020B0403050000020004" pitchFamily="34" charset="0"/>
+              </a:rPr>
+              <a:t>phiếu</a:t>
+            </a:r>
+            <a:r>
+              <a:rPr lang="en-US" sz="2800" dirty="0">
+                <a:solidFill>
+                  <a:srgbClr val="000000"/>
+                </a:solidFill>
+                <a:latin typeface="Fira Sans Light" panose="020B0403050000020004" pitchFamily="34" charset="0"/>
+              </a:rPr>
+              <a:t> </a:t>
+            </a:r>
+            <a:r>
+              <a:rPr lang="en-US" sz="2800" dirty="0" err="1">
+                <a:solidFill>
+                  <a:srgbClr val="000000"/>
+                </a:solidFill>
+                <a:latin typeface="Fira Sans Light" panose="020B0403050000020004" pitchFamily="34" charset="0"/>
+              </a:rPr>
+              <a:t>nhập</a:t>
+            </a:r>
+            <a:endParaRPr lang="en-US" sz="2800" dirty="0">
+              <a:solidFill>
+                <a:srgbClr val="000000"/>
+              </a:solidFill>
+              <a:latin typeface="Fira Sans Light" panose="020B0403050000020004" pitchFamily="34" charset="0"/>
+            </a:endParaRPr>
+          </a:p>
+          <a:p>
+            <a:pPr marL="514350" indent="-514350">
+              <a:lnSpc>
+                <a:spcPts val="3360"/>
+              </a:lnSpc>
+              <a:buFont typeface="Fira Sans Light" panose="020B0403050000020004" pitchFamily="34" charset="0"/>
+              <a:buChar char="―"/>
+            </a:pPr>
+            <a:r>
+              <a:rPr lang="en-US" sz="2800" b="1" dirty="0">
+                <a:solidFill>
+                  <a:srgbClr val="000000"/>
+                </a:solidFill>
+                <a:latin typeface="Fira Sans Light" panose="020B0403050000020004" pitchFamily="34" charset="0"/>
+              </a:rPr>
+              <a:t>Theo </a:t>
+            </a:r>
+            <a:r>
+              <a:rPr lang="en-US" sz="2800" b="1" dirty="0" err="1">
+                <a:solidFill>
+                  <a:srgbClr val="000000"/>
+                </a:solidFill>
+                <a:latin typeface="Fira Sans Light" panose="020B0403050000020004" pitchFamily="34" charset="0"/>
+              </a:rPr>
+              <a:t>dõi</a:t>
+            </a:r>
+            <a:r>
+              <a:rPr lang="en-US" sz="2800" b="1" dirty="0">
+                <a:solidFill>
+                  <a:srgbClr val="000000"/>
+                </a:solidFill>
+                <a:latin typeface="Fira Sans Light" panose="020B0403050000020004" pitchFamily="34" charset="0"/>
+              </a:rPr>
+              <a:t> </a:t>
+            </a:r>
+            <a:r>
+              <a:rPr lang="en-US" sz="2800" b="1" dirty="0" err="1">
+                <a:solidFill>
+                  <a:srgbClr val="000000"/>
+                </a:solidFill>
+                <a:latin typeface="Fira Sans Light" panose="020B0403050000020004" pitchFamily="34" charset="0"/>
+              </a:rPr>
+              <a:t>đơn</a:t>
+            </a:r>
+            <a:r>
+              <a:rPr lang="en-US" sz="2800" b="1" dirty="0">
+                <a:solidFill>
+                  <a:srgbClr val="000000"/>
+                </a:solidFill>
+                <a:latin typeface="Fira Sans Light" panose="020B0403050000020004" pitchFamily="34" charset="0"/>
+              </a:rPr>
+              <a:t> </a:t>
+            </a:r>
+            <a:r>
+              <a:rPr lang="en-US" sz="2800" b="1" dirty="0" err="1">
+                <a:solidFill>
+                  <a:srgbClr val="000000"/>
+                </a:solidFill>
+                <a:latin typeface="Fira Sans Light" panose="020B0403050000020004" pitchFamily="34" charset="0"/>
+              </a:rPr>
+              <a:t>hàng</a:t>
+            </a:r>
+            <a:r>
+              <a:rPr lang="en-US" sz="2800" b="1" dirty="0">
+                <a:solidFill>
+                  <a:srgbClr val="000000"/>
+                </a:solidFill>
+                <a:latin typeface="Fira Sans Light" panose="020B0403050000020004" pitchFamily="34" charset="0"/>
+              </a:rPr>
+              <a:t> – </a:t>
+            </a:r>
+            <a:r>
+              <a:rPr lang="en-US" sz="2800" b="1" dirty="0" err="1">
+                <a:solidFill>
+                  <a:srgbClr val="000000"/>
+                </a:solidFill>
+                <a:latin typeface="Fira Sans Light" panose="020B0403050000020004" pitchFamily="34" charset="0"/>
+              </a:rPr>
+              <a:t>khách</a:t>
+            </a:r>
+            <a:r>
+              <a:rPr lang="en-US" sz="2800" b="1" dirty="0">
+                <a:solidFill>
+                  <a:srgbClr val="000000"/>
+                </a:solidFill>
+                <a:latin typeface="Fira Sans Light" panose="020B0403050000020004" pitchFamily="34" charset="0"/>
+              </a:rPr>
+              <a:t> </a:t>
+            </a:r>
+            <a:r>
+              <a:rPr lang="en-US" sz="2800" b="1" dirty="0" err="1">
+                <a:solidFill>
+                  <a:srgbClr val="000000"/>
+                </a:solidFill>
+                <a:latin typeface="Fira Sans Light" panose="020B0403050000020004" pitchFamily="34" charset="0"/>
+              </a:rPr>
+              <a:t>vãng</a:t>
+            </a:r>
+            <a:r>
+              <a:rPr lang="en-US" sz="2800" b="1" dirty="0">
+                <a:solidFill>
+                  <a:srgbClr val="000000"/>
+                </a:solidFill>
+                <a:latin typeface="Fira Sans Light" panose="020B0403050000020004" pitchFamily="34" charset="0"/>
+              </a:rPr>
+              <a:t> </a:t>
+            </a:r>
+            <a:r>
+              <a:rPr lang="en-US" sz="2800" b="1" dirty="0" err="1">
+                <a:solidFill>
+                  <a:srgbClr val="000000"/>
+                </a:solidFill>
+                <a:latin typeface="Fira Sans Light" panose="020B0403050000020004" pitchFamily="34" charset="0"/>
+              </a:rPr>
+              <a:t>lai</a:t>
+            </a:r>
+            <a:endParaRPr lang="en-US" sz="2800" b="1" dirty="0">
+              <a:solidFill>
+                <a:srgbClr val="000000"/>
+              </a:solidFill>
+              <a:latin typeface="Fira Sans Light" panose="020B0403050000020004" pitchFamily="34" charset="0"/>
+            </a:endParaRPr>
+          </a:p>
+          <a:p>
+            <a:pPr marL="1031875" indent="-457200">
+              <a:lnSpc>
+                <a:spcPts val="3360"/>
+              </a:lnSpc>
+              <a:buFont typeface="Fira Sans Light" panose="020B0403050000020004" pitchFamily="34" charset="0"/>
+              <a:buChar char="+"/>
+            </a:pPr>
+            <a:r>
+              <a:rPr lang="en-US" sz="2800" dirty="0" err="1">
+                <a:solidFill>
+                  <a:srgbClr val="000000"/>
+                </a:solidFill>
+                <a:latin typeface="Fira Sans Light" panose="020B0403050000020004" pitchFamily="34" charset="0"/>
+              </a:rPr>
+              <a:t>Xuất</a:t>
+            </a:r>
+            <a:r>
+              <a:rPr lang="en-US" sz="2800" dirty="0">
+                <a:solidFill>
+                  <a:srgbClr val="000000"/>
+                </a:solidFill>
+                <a:latin typeface="Fira Sans Light" panose="020B0403050000020004" pitchFamily="34" charset="0"/>
+              </a:rPr>
+              <a:t> </a:t>
+            </a:r>
+            <a:r>
+              <a:rPr lang="en-US" sz="2800" dirty="0" err="1">
+                <a:solidFill>
+                  <a:srgbClr val="000000"/>
+                </a:solidFill>
+                <a:latin typeface="Fira Sans Light" panose="020B0403050000020004" pitchFamily="34" charset="0"/>
+              </a:rPr>
+              <a:t>hóa</a:t>
+            </a:r>
+            <a:r>
+              <a:rPr lang="en-US" sz="2800" dirty="0">
+                <a:solidFill>
+                  <a:srgbClr val="000000"/>
+                </a:solidFill>
+                <a:latin typeface="Fira Sans Light" panose="020B0403050000020004" pitchFamily="34" charset="0"/>
+              </a:rPr>
+              <a:t> </a:t>
+            </a:r>
+            <a:r>
+              <a:rPr lang="en-US" sz="2800" dirty="0" err="1">
+                <a:solidFill>
+                  <a:srgbClr val="000000"/>
+                </a:solidFill>
+                <a:latin typeface="Fira Sans Light" panose="020B0403050000020004" pitchFamily="34" charset="0"/>
+              </a:rPr>
+              <a:t>đơn</a:t>
+            </a:r>
+            <a:r>
+              <a:rPr lang="en-US" sz="2800" dirty="0">
+                <a:solidFill>
+                  <a:srgbClr val="000000"/>
+                </a:solidFill>
+                <a:latin typeface="Fira Sans Light" panose="020B0403050000020004" pitchFamily="34" charset="0"/>
+              </a:rPr>
+              <a:t> (</a:t>
+            </a:r>
+            <a:r>
+              <a:rPr lang="en-US" sz="2800" dirty="0" err="1">
+                <a:solidFill>
+                  <a:srgbClr val="000000"/>
+                </a:solidFill>
+                <a:latin typeface="Fira Sans Light" panose="020B0403050000020004" pitchFamily="34" charset="0"/>
+              </a:rPr>
+              <a:t>có</a:t>
+            </a:r>
+            <a:r>
+              <a:rPr lang="en-US" sz="2800" dirty="0">
+                <a:solidFill>
+                  <a:srgbClr val="000000"/>
+                </a:solidFill>
+                <a:latin typeface="Fira Sans Light" panose="020B0403050000020004" pitchFamily="34" charset="0"/>
+              </a:rPr>
+              <a:t> </a:t>
+            </a:r>
+            <a:r>
+              <a:rPr lang="en-US" sz="2800" dirty="0" err="1">
+                <a:solidFill>
+                  <a:srgbClr val="000000"/>
+                </a:solidFill>
+                <a:latin typeface="Fira Sans Light" panose="020B0403050000020004" pitchFamily="34" charset="0"/>
+              </a:rPr>
+              <a:t>gộp</a:t>
+            </a:r>
+            <a:r>
+              <a:rPr lang="en-US" sz="2800" dirty="0">
+                <a:solidFill>
+                  <a:srgbClr val="000000"/>
+                </a:solidFill>
+                <a:latin typeface="Fira Sans Light" panose="020B0403050000020004" pitchFamily="34" charset="0"/>
+              </a:rPr>
+              <a:t> </a:t>
+            </a:r>
+            <a:r>
+              <a:rPr lang="en-US" sz="2800" dirty="0" err="1">
+                <a:solidFill>
+                  <a:srgbClr val="000000"/>
+                </a:solidFill>
+                <a:latin typeface="Fira Sans Light" panose="020B0403050000020004" pitchFamily="34" charset="0"/>
+              </a:rPr>
+              <a:t>hóa</a:t>
+            </a:r>
+            <a:r>
+              <a:rPr lang="en-US" sz="2800" dirty="0">
+                <a:solidFill>
+                  <a:srgbClr val="000000"/>
+                </a:solidFill>
+                <a:latin typeface="Fira Sans Light" panose="020B0403050000020004" pitchFamily="34" charset="0"/>
+              </a:rPr>
+              <a:t> </a:t>
+            </a:r>
+            <a:r>
+              <a:rPr lang="en-US" sz="2800" dirty="0" err="1">
+                <a:solidFill>
+                  <a:srgbClr val="000000"/>
+                </a:solidFill>
+                <a:latin typeface="Fira Sans Light" panose="020B0403050000020004" pitchFamily="34" charset="0"/>
+              </a:rPr>
+              <a:t>đơn</a:t>
+            </a:r>
+            <a:r>
+              <a:rPr lang="en-US" sz="2800" dirty="0">
+                <a:solidFill>
+                  <a:srgbClr val="000000"/>
+                </a:solidFill>
+                <a:latin typeface="Fira Sans Light" panose="020B0403050000020004" pitchFamily="34" charset="0"/>
+              </a:rPr>
+              <a:t>)</a:t>
+            </a:r>
+          </a:p>
+          <a:p>
+            <a:pPr marL="1031875" indent="-457200">
+              <a:lnSpc>
+                <a:spcPts val="3360"/>
+              </a:lnSpc>
+              <a:buFont typeface="Fira Sans Light" panose="020B0403050000020004" pitchFamily="34" charset="0"/>
+              <a:buChar char="+"/>
+            </a:pPr>
+            <a:r>
+              <a:rPr lang="en-US" sz="2800" dirty="0" err="1">
+                <a:solidFill>
+                  <a:srgbClr val="000000"/>
+                </a:solidFill>
+                <a:latin typeface="Fira Sans Light" panose="020B0403050000020004" pitchFamily="34" charset="0"/>
+              </a:rPr>
+              <a:t>Tách</a:t>
+            </a:r>
+            <a:r>
+              <a:rPr lang="en-US" sz="2800" dirty="0">
+                <a:solidFill>
+                  <a:srgbClr val="000000"/>
+                </a:solidFill>
+                <a:latin typeface="Fira Sans Light" panose="020B0403050000020004" pitchFamily="34" charset="0"/>
+              </a:rPr>
+              <a:t> </a:t>
+            </a:r>
+            <a:r>
+              <a:rPr lang="en-US" sz="2800" dirty="0" err="1">
+                <a:solidFill>
+                  <a:srgbClr val="000000"/>
+                </a:solidFill>
+                <a:latin typeface="Fira Sans Light" panose="020B0403050000020004" pitchFamily="34" charset="0"/>
+              </a:rPr>
+              <a:t>hóa</a:t>
+            </a:r>
+            <a:r>
+              <a:rPr lang="en-US" sz="2800" dirty="0">
+                <a:solidFill>
+                  <a:srgbClr val="000000"/>
+                </a:solidFill>
+                <a:latin typeface="Fira Sans Light" panose="020B0403050000020004" pitchFamily="34" charset="0"/>
+              </a:rPr>
+              <a:t> </a:t>
+            </a:r>
+            <a:r>
+              <a:rPr lang="en-US" sz="2800" dirty="0" err="1">
+                <a:solidFill>
+                  <a:srgbClr val="000000"/>
+                </a:solidFill>
+                <a:latin typeface="Fira Sans Light" panose="020B0403050000020004" pitchFamily="34" charset="0"/>
+              </a:rPr>
+              <a:t>đơn</a:t>
+            </a:r>
+            <a:endParaRPr lang="en-US" sz="2800" dirty="0">
+              <a:solidFill>
+                <a:srgbClr val="000000"/>
+              </a:solidFill>
+              <a:latin typeface="Fira Sans Light" panose="020B0403050000020004" pitchFamily="34" charset="0"/>
+            </a:endParaRPr>
+          </a:p>
+          <a:p>
+            <a:pPr marL="514350" indent="-514350">
+              <a:lnSpc>
+                <a:spcPts val="3360"/>
+              </a:lnSpc>
+              <a:buFont typeface="Fira Sans Light" panose="020B0403050000020004" pitchFamily="34" charset="0"/>
+              <a:buChar char="―"/>
+            </a:pPr>
+            <a:r>
+              <a:rPr lang="en-US" sz="2800" b="1" dirty="0">
+                <a:solidFill>
+                  <a:srgbClr val="000000"/>
+                </a:solidFill>
+                <a:latin typeface="Fira Sans Light" panose="020B0403050000020004" pitchFamily="34" charset="0"/>
+              </a:rPr>
+              <a:t>Theo </a:t>
+            </a:r>
+            <a:r>
+              <a:rPr lang="en-US" sz="2800" b="1" dirty="0" err="1">
+                <a:solidFill>
+                  <a:srgbClr val="000000"/>
+                </a:solidFill>
+                <a:latin typeface="Fira Sans Light" panose="020B0403050000020004" pitchFamily="34" charset="0"/>
+              </a:rPr>
+              <a:t>dõi</a:t>
+            </a:r>
+            <a:r>
+              <a:rPr lang="en-US" sz="2800" b="1" dirty="0">
+                <a:solidFill>
+                  <a:srgbClr val="000000"/>
+                </a:solidFill>
+                <a:latin typeface="Fira Sans Light" panose="020B0403050000020004" pitchFamily="34" charset="0"/>
+              </a:rPr>
+              <a:t> </a:t>
+            </a:r>
+            <a:r>
+              <a:rPr lang="en-US" sz="2800" b="1" dirty="0" err="1">
+                <a:solidFill>
+                  <a:srgbClr val="000000"/>
+                </a:solidFill>
+                <a:latin typeface="Fira Sans Light" panose="020B0403050000020004" pitchFamily="34" charset="0"/>
+              </a:rPr>
+              <a:t>đơn</a:t>
+            </a:r>
+            <a:r>
+              <a:rPr lang="en-US" sz="2800" b="1" dirty="0">
+                <a:solidFill>
+                  <a:srgbClr val="000000"/>
+                </a:solidFill>
+                <a:latin typeface="Fira Sans Light" panose="020B0403050000020004" pitchFamily="34" charset="0"/>
+              </a:rPr>
+              <a:t> </a:t>
+            </a:r>
+            <a:r>
+              <a:rPr lang="en-US" sz="2800" b="1" dirty="0" err="1">
+                <a:solidFill>
+                  <a:srgbClr val="000000"/>
+                </a:solidFill>
+                <a:latin typeface="Fira Sans Light" panose="020B0403050000020004" pitchFamily="34" charset="0"/>
+              </a:rPr>
+              <a:t>hàng</a:t>
+            </a:r>
+            <a:r>
+              <a:rPr lang="en-US" sz="2800" b="1" dirty="0">
+                <a:solidFill>
+                  <a:srgbClr val="000000"/>
+                </a:solidFill>
+                <a:latin typeface="Fira Sans Light" panose="020B0403050000020004" pitchFamily="34" charset="0"/>
+              </a:rPr>
+              <a:t> – </a:t>
+            </a:r>
+            <a:r>
+              <a:rPr lang="en-US" sz="2800" b="1" dirty="0" err="1">
+                <a:solidFill>
+                  <a:srgbClr val="000000"/>
+                </a:solidFill>
+                <a:latin typeface="Fira Sans Light" panose="020B0403050000020004" pitchFamily="34" charset="0"/>
+              </a:rPr>
+              <a:t>khách</a:t>
+            </a:r>
+            <a:r>
+              <a:rPr lang="en-US" sz="2800" b="1" dirty="0">
+                <a:solidFill>
+                  <a:srgbClr val="000000"/>
+                </a:solidFill>
+                <a:latin typeface="Fira Sans Light" panose="020B0403050000020004" pitchFamily="34" charset="0"/>
+              </a:rPr>
+              <a:t> </a:t>
+            </a:r>
+            <a:r>
+              <a:rPr lang="en-US" sz="2800" b="1" dirty="0" err="1">
+                <a:solidFill>
+                  <a:srgbClr val="000000"/>
+                </a:solidFill>
+                <a:latin typeface="Fira Sans Light" panose="020B0403050000020004" pitchFamily="34" charset="0"/>
+              </a:rPr>
+              <a:t>đặt</a:t>
+            </a:r>
+            <a:r>
+              <a:rPr lang="en-US" sz="2800" b="1" dirty="0">
+                <a:solidFill>
+                  <a:srgbClr val="000000"/>
+                </a:solidFill>
+                <a:latin typeface="Fira Sans Light" panose="020B0403050000020004" pitchFamily="34" charset="0"/>
+              </a:rPr>
+              <a:t> </a:t>
+            </a:r>
+            <a:r>
+              <a:rPr lang="en-US" sz="2800" b="1" dirty="0" err="1">
+                <a:solidFill>
+                  <a:srgbClr val="000000"/>
+                </a:solidFill>
+                <a:latin typeface="Fira Sans Light" panose="020B0403050000020004" pitchFamily="34" charset="0"/>
+              </a:rPr>
+              <a:t>trước</a:t>
+            </a:r>
+            <a:endParaRPr lang="en-US" sz="2800" b="1" dirty="0">
+              <a:solidFill>
+                <a:srgbClr val="000000"/>
+              </a:solidFill>
+              <a:latin typeface="Fira Sans Light" panose="020B0403050000020004" pitchFamily="34" charset="0"/>
+            </a:endParaRPr>
+          </a:p>
+          <a:p>
+            <a:pPr marL="1031875" indent="-457200">
+              <a:lnSpc>
+                <a:spcPts val="3360"/>
+              </a:lnSpc>
+              <a:buFont typeface="Fira Sans Light" panose="020B0403050000020004" pitchFamily="34" charset="0"/>
+              <a:buChar char="+"/>
+            </a:pPr>
+            <a:r>
+              <a:rPr lang="en-US" sz="2800" dirty="0" err="1">
+                <a:solidFill>
+                  <a:srgbClr val="000000"/>
+                </a:solidFill>
+                <a:latin typeface="Fira Sans Light" panose="020B0403050000020004" pitchFamily="34" charset="0"/>
+              </a:rPr>
+              <a:t>Xuất</a:t>
+            </a:r>
+            <a:r>
+              <a:rPr lang="en-US" sz="2800" dirty="0">
+                <a:solidFill>
+                  <a:srgbClr val="000000"/>
+                </a:solidFill>
+                <a:latin typeface="Fira Sans Light" panose="020B0403050000020004" pitchFamily="34" charset="0"/>
+              </a:rPr>
+              <a:t> </a:t>
+            </a:r>
+            <a:r>
+              <a:rPr lang="en-US" sz="2800" dirty="0" err="1">
+                <a:solidFill>
+                  <a:srgbClr val="000000"/>
+                </a:solidFill>
+                <a:latin typeface="Fira Sans Light" panose="020B0403050000020004" pitchFamily="34" charset="0"/>
+              </a:rPr>
+              <a:t>hóa</a:t>
+            </a:r>
+            <a:r>
+              <a:rPr lang="en-US" sz="2800" dirty="0">
+                <a:solidFill>
+                  <a:srgbClr val="000000"/>
+                </a:solidFill>
+                <a:latin typeface="Fira Sans Light" panose="020B0403050000020004" pitchFamily="34" charset="0"/>
+              </a:rPr>
+              <a:t> </a:t>
+            </a:r>
+            <a:r>
+              <a:rPr lang="en-US" sz="2800" dirty="0" err="1">
+                <a:solidFill>
+                  <a:srgbClr val="000000"/>
+                </a:solidFill>
+                <a:latin typeface="Fira Sans Light" panose="020B0403050000020004" pitchFamily="34" charset="0"/>
+              </a:rPr>
+              <a:t>đơn</a:t>
+            </a:r>
+            <a:endParaRPr lang="en-US" sz="2800" dirty="0">
+              <a:solidFill>
+                <a:srgbClr val="000000"/>
+              </a:solidFill>
+              <a:latin typeface="Fira Sans Light" panose="020B0403050000020004" pitchFamily="34" charset="0"/>
+            </a:endParaRPr>
+          </a:p>
+        </p:txBody>
+      </p:sp>
+      <p:sp>
+        <p:nvSpPr>
+          <p:cNvPr id="8" name="AutoShape 15">
+            <a:extLst>
+              <a:ext uri="{FF2B5EF4-FFF2-40B4-BE49-F238E27FC236}">
+                <a16:creationId xmlns:a16="http://schemas.microsoft.com/office/drawing/2014/main" id="{735E39E9-1F61-4F13-B8B6-672C45282B73}"/>
+              </a:ext>
+            </a:extLst>
+          </p:cNvPr>
+          <p:cNvSpPr/>
+          <p:nvPr/>
+        </p:nvSpPr>
+        <p:spPr>
+          <a:xfrm rot="5399999">
+            <a:off x="4648200" y="5524499"/>
+            <a:ext cx="8229601" cy="4"/>
+          </a:xfrm>
+          <a:prstGeom prst="line">
+            <a:avLst/>
+          </a:prstGeom>
+          <a:ln w="9525" cap="rnd">
+            <a:solidFill>
+              <a:srgbClr val="000000"/>
+            </a:solidFill>
+            <a:prstDash val="solid"/>
+            <a:headEnd type="none" w="sm" len="sm"/>
+            <a:tailEnd type="none" w="sm" len="sm"/>
+          </a:ln>
+        </p:spPr>
       </p:sp>
     </p:spTree>
     <p:extLst>
       <p:ext uri="{BB962C8B-B14F-4D97-AF65-F5344CB8AC3E}">
-        <p14:creationId xmlns:p14="http://schemas.microsoft.com/office/powerpoint/2010/main" val="2706876811"/>
+        <p14:creationId xmlns:p14="http://schemas.microsoft.com/office/powerpoint/2010/main" val="405693559"/>
       </p:ext>
     </p:extLst>
   </p:cSld>

--- a/ppt - báo cáo đồ án tốt nghiệp.pptx
+++ b/ppt - báo cáo đồ án tốt nghiệp.pptx
@@ -5,7 +5,7 @@
     <p:sldMasterId id="2147483648" r:id="rId1"/>
   </p:sldMasterIdLst>
   <p:notesMasterIdLst>
-    <p:notesMasterId r:id="rId22"/>
+    <p:notesMasterId r:id="rId21"/>
   </p:notesMasterIdLst>
   <p:sldIdLst>
     <p:sldId id="256" r:id="rId2"/>
@@ -18,44 +18,43 @@
     <p:sldId id="262" r:id="rId9"/>
     <p:sldId id="290" r:id="rId10"/>
     <p:sldId id="291" r:id="rId11"/>
-    <p:sldId id="283" r:id="rId12"/>
-    <p:sldId id="265" r:id="rId13"/>
-    <p:sldId id="284" r:id="rId14"/>
-    <p:sldId id="285" r:id="rId15"/>
-    <p:sldId id="287" r:id="rId16"/>
-    <p:sldId id="288" r:id="rId17"/>
-    <p:sldId id="289" r:id="rId18"/>
-    <p:sldId id="281" r:id="rId19"/>
-    <p:sldId id="264" r:id="rId20"/>
-    <p:sldId id="278" r:id="rId21"/>
+    <p:sldId id="265" r:id="rId12"/>
+    <p:sldId id="284" r:id="rId13"/>
+    <p:sldId id="285" r:id="rId14"/>
+    <p:sldId id="287" r:id="rId15"/>
+    <p:sldId id="288" r:id="rId16"/>
+    <p:sldId id="289" r:id="rId17"/>
+    <p:sldId id="281" r:id="rId18"/>
+    <p:sldId id="264" r:id="rId19"/>
+    <p:sldId id="278" r:id="rId20"/>
   </p:sldIdLst>
   <p:sldSz cx="18288000" cy="10287000"/>
   <p:notesSz cx="6858000" cy="9144000"/>
   <p:embeddedFontLst>
     <p:embeddedFont>
       <p:font typeface="Calibri" panose="020F0502020204030204" pitchFamily="34" charset="0"/>
-      <p:regular r:id="rId23"/>
-      <p:bold r:id="rId24"/>
-      <p:italic r:id="rId25"/>
-      <p:boldItalic r:id="rId26"/>
+      <p:regular r:id="rId22"/>
+      <p:bold r:id="rId23"/>
+      <p:italic r:id="rId24"/>
+      <p:boldItalic r:id="rId25"/>
     </p:embeddedFont>
     <p:embeddedFont>
       <p:font typeface="Fira Sans Bold" panose="020B0604020202020204" charset="0"/>
-      <p:regular r:id="rId27"/>
+      <p:regular r:id="rId26"/>
     </p:embeddedFont>
     <p:embeddedFont>
       <p:font typeface="Fira Sans Light" panose="020B0403050000020004" pitchFamily="34" charset="0"/>
-      <p:regular r:id="rId28"/>
-      <p:italic r:id="rId29"/>
+      <p:regular r:id="rId27"/>
+      <p:italic r:id="rId28"/>
     </p:embeddedFont>
     <p:embeddedFont>
       <p:font typeface="Fira Sans Medium" panose="020B0603050000020004" pitchFamily="34" charset="0"/>
-      <p:regular r:id="rId30"/>
-      <p:italic r:id="rId31"/>
+      <p:regular r:id="rId29"/>
+      <p:italic r:id="rId30"/>
     </p:embeddedFont>
     <p:embeddedFont>
       <p:font typeface="Fira Sans Medium Bold" panose="020B0604020202020204" charset="0"/>
-      <p:regular r:id="rId32"/>
+      <p:regular r:id="rId31"/>
     </p:embeddedFont>
   </p:embeddedFontLst>
   <p:defaultTextStyle>
@@ -754,7 +753,7 @@
           <a:p>
             <a:fld id="{F5150C7E-BB03-4C07-A585-7F10D09D7497}" type="slidenum">
               <a:rPr lang="en-US" smtClean="0"/>
-              <a:t>18</a:t>
+              <a:t>17</a:t>
             </a:fld>
             <a:endParaRPr lang="en-US"/>
           </a:p>
@@ -7159,630 +7158,6 @@
           <a:chExt cx="0" cy="0"/>
         </a:xfrm>
       </p:grpSpPr>
-      <p:pic>
-        <p:nvPicPr>
-          <p:cNvPr id="4" name="Picture 3">
-            <a:extLst>
-              <a:ext uri="{FF2B5EF4-FFF2-40B4-BE49-F238E27FC236}">
-                <a16:creationId xmlns:a16="http://schemas.microsoft.com/office/drawing/2014/main" id="{FD3A6B10-42DE-4EA8-BB3F-AF21523CAD77}"/>
-              </a:ext>
-            </a:extLst>
-          </p:cNvPr>
-          <p:cNvPicPr/>
-          <p:nvPr/>
-        </p:nvPicPr>
-        <p:blipFill>
-          <a:blip r:embed="rId2">
-            <a:extLst>
-              <a:ext uri="{28A0092B-C50C-407E-A947-70E740481C1C}">
-                <a14:useLocalDpi xmlns:a14="http://schemas.microsoft.com/office/drawing/2010/main" val="0"/>
-              </a:ext>
-            </a:extLst>
-          </a:blip>
-          <a:stretch>
-            <a:fillRect/>
-          </a:stretch>
-        </p:blipFill>
-        <p:spPr>
-          <a:xfrm>
-            <a:off x="304800" y="294438"/>
-            <a:ext cx="5218663" cy="9268662"/>
-          </a:xfrm>
-          <a:prstGeom prst="rect">
-            <a:avLst/>
-          </a:prstGeom>
-        </p:spPr>
-      </p:pic>
-      <p:pic>
-        <p:nvPicPr>
-          <p:cNvPr id="5" name="Picture 4">
-            <a:extLst>
-              <a:ext uri="{FF2B5EF4-FFF2-40B4-BE49-F238E27FC236}">
-                <a16:creationId xmlns:a16="http://schemas.microsoft.com/office/drawing/2014/main" id="{6DA9AE2D-9CD2-49A7-85A4-3B3FB99EEC28}"/>
-              </a:ext>
-            </a:extLst>
-          </p:cNvPr>
-          <p:cNvPicPr/>
-          <p:nvPr/>
-        </p:nvPicPr>
-        <p:blipFill>
-          <a:blip r:embed="rId3">
-            <a:extLst>
-              <a:ext uri="{28A0092B-C50C-407E-A947-70E740481C1C}">
-                <a14:useLocalDpi xmlns:a14="http://schemas.microsoft.com/office/drawing/2010/main" val="0"/>
-              </a:ext>
-            </a:extLst>
-          </a:blip>
-          <a:stretch>
-            <a:fillRect/>
-          </a:stretch>
-        </p:blipFill>
-        <p:spPr>
-          <a:xfrm>
-            <a:off x="6263957" y="294438"/>
-            <a:ext cx="6156643" cy="9268662"/>
-          </a:xfrm>
-          <a:prstGeom prst="rect">
-            <a:avLst/>
-          </a:prstGeom>
-        </p:spPr>
-      </p:pic>
-      <p:pic>
-        <p:nvPicPr>
-          <p:cNvPr id="6" name="Picture 5">
-            <a:extLst>
-              <a:ext uri="{FF2B5EF4-FFF2-40B4-BE49-F238E27FC236}">
-                <a16:creationId xmlns:a16="http://schemas.microsoft.com/office/drawing/2014/main" id="{FBE1F95B-EFF7-438F-9384-6A7D8077CF5A}"/>
-              </a:ext>
-            </a:extLst>
-          </p:cNvPr>
-          <p:cNvPicPr/>
-          <p:nvPr/>
-        </p:nvPicPr>
-        <p:blipFill>
-          <a:blip r:embed="rId4">
-            <a:extLst>
-              <a:ext uri="{28A0092B-C50C-407E-A947-70E740481C1C}">
-                <a14:useLocalDpi xmlns:a14="http://schemas.microsoft.com/office/drawing/2010/main" val="0"/>
-              </a:ext>
-            </a:extLst>
-          </a:blip>
-          <a:stretch>
-            <a:fillRect/>
-          </a:stretch>
-        </p:blipFill>
-        <p:spPr>
-          <a:xfrm>
-            <a:off x="13161094" y="4713086"/>
-            <a:ext cx="4498023" cy="860828"/>
-          </a:xfrm>
-          <a:prstGeom prst="rect">
-            <a:avLst/>
-          </a:prstGeom>
-        </p:spPr>
-      </p:pic>
-      <p:sp>
-        <p:nvSpPr>
-          <p:cNvPr id="7" name="TextBox 3">
-            <a:extLst>
-              <a:ext uri="{FF2B5EF4-FFF2-40B4-BE49-F238E27FC236}">
-                <a16:creationId xmlns:a16="http://schemas.microsoft.com/office/drawing/2014/main" id="{C187FE89-D2B6-4E2E-BFC7-F0160EA1B4B2}"/>
-              </a:ext>
-            </a:extLst>
-          </p:cNvPr>
-          <p:cNvSpPr txBox="1"/>
-          <p:nvPr/>
-        </p:nvSpPr>
-        <p:spPr>
-          <a:xfrm>
-            <a:off x="304799" y="9791701"/>
-            <a:ext cx="5218663" cy="307777"/>
-          </a:xfrm>
-          <a:prstGeom prst="rect">
-            <a:avLst/>
-          </a:prstGeom>
-        </p:spPr>
-        <p:txBody>
-          <a:bodyPr wrap="square" lIns="0" tIns="0" rIns="0" bIns="0" rtlCol="0" anchor="t">
-            <a:spAutoFit/>
-          </a:bodyPr>
-          <a:lstStyle/>
-          <a:p>
-            <a:pPr marL="0" lvl="0" indent="0" algn="ctr">
-              <a:spcBef>
-                <a:spcPct val="0"/>
-              </a:spcBef>
-            </a:pPr>
-            <a:r>
-              <a:rPr lang="en-US" sz="2000" dirty="0" err="1">
-                <a:solidFill>
-                  <a:srgbClr val="1836B2"/>
-                </a:solidFill>
-                <a:latin typeface="Fira Sans Medium Bold"/>
-              </a:rPr>
-              <a:t>Mô</a:t>
-            </a:r>
-            <a:r>
-              <a:rPr lang="en-US" sz="2000" dirty="0">
-                <a:solidFill>
-                  <a:srgbClr val="1836B2"/>
-                </a:solidFill>
-                <a:latin typeface="Fira Sans Medium Bold"/>
-              </a:rPr>
-              <a:t> </a:t>
-            </a:r>
-            <a:r>
-              <a:rPr lang="en-US" sz="2000" dirty="0" err="1">
-                <a:solidFill>
-                  <a:srgbClr val="1836B2"/>
-                </a:solidFill>
-                <a:latin typeface="Fira Sans Medium Bold"/>
-              </a:rPr>
-              <a:t>hình</a:t>
-            </a:r>
-            <a:r>
-              <a:rPr lang="en-US" sz="2000" dirty="0">
-                <a:solidFill>
-                  <a:srgbClr val="1836B2"/>
-                </a:solidFill>
-                <a:latin typeface="Fira Sans Medium Bold"/>
-              </a:rPr>
-              <a:t> </a:t>
-            </a:r>
-            <a:r>
-              <a:rPr lang="en-US" sz="2000" dirty="0" err="1">
-                <a:solidFill>
-                  <a:srgbClr val="1836B2"/>
-                </a:solidFill>
-                <a:latin typeface="Fira Sans Medium Bold"/>
-              </a:rPr>
-              <a:t>chức</a:t>
-            </a:r>
-            <a:r>
-              <a:rPr lang="en-US" sz="2000" dirty="0">
-                <a:solidFill>
-                  <a:srgbClr val="1836B2"/>
-                </a:solidFill>
-                <a:latin typeface="Fira Sans Medium Bold"/>
-              </a:rPr>
-              <a:t> </a:t>
-            </a:r>
-            <a:r>
-              <a:rPr lang="en-US" sz="2000" dirty="0" err="1">
-                <a:solidFill>
-                  <a:srgbClr val="1836B2"/>
-                </a:solidFill>
-                <a:latin typeface="Fira Sans Medium Bold"/>
-              </a:rPr>
-              <a:t>năng</a:t>
-            </a:r>
-            <a:r>
-              <a:rPr lang="en-US" sz="2000" dirty="0">
-                <a:solidFill>
-                  <a:srgbClr val="1836B2"/>
-                </a:solidFill>
-                <a:latin typeface="Fira Sans Medium Bold"/>
-              </a:rPr>
-              <a:t> </a:t>
-            </a:r>
-            <a:r>
-              <a:rPr lang="en-US" sz="2000" dirty="0" err="1">
-                <a:solidFill>
-                  <a:srgbClr val="1836B2"/>
-                </a:solidFill>
-                <a:latin typeface="Fira Sans Medium Bold"/>
-              </a:rPr>
-              <a:t>quản</a:t>
-            </a:r>
-            <a:r>
-              <a:rPr lang="en-US" sz="2000" dirty="0">
-                <a:solidFill>
-                  <a:srgbClr val="1836B2"/>
-                </a:solidFill>
-                <a:latin typeface="Fira Sans Medium Bold"/>
-              </a:rPr>
-              <a:t> </a:t>
-            </a:r>
-            <a:r>
-              <a:rPr lang="en-US" sz="2000" dirty="0" err="1">
-                <a:solidFill>
-                  <a:srgbClr val="1836B2"/>
-                </a:solidFill>
-                <a:latin typeface="Fira Sans Medium Bold"/>
-              </a:rPr>
-              <a:t>lý</a:t>
-            </a:r>
-            <a:r>
-              <a:rPr lang="en-US" sz="2000" dirty="0">
-                <a:solidFill>
-                  <a:srgbClr val="1836B2"/>
-                </a:solidFill>
-                <a:latin typeface="Fira Sans Medium Bold"/>
-              </a:rPr>
-              <a:t> </a:t>
-            </a:r>
-            <a:r>
-              <a:rPr lang="en-US" sz="2000" dirty="0" err="1">
-                <a:solidFill>
-                  <a:srgbClr val="1836B2"/>
-                </a:solidFill>
-                <a:latin typeface="Fira Sans Medium Bold"/>
-              </a:rPr>
-              <a:t>hệ</a:t>
-            </a:r>
-            <a:r>
-              <a:rPr lang="en-US" sz="2000" dirty="0">
-                <a:solidFill>
-                  <a:srgbClr val="1836B2"/>
-                </a:solidFill>
-                <a:latin typeface="Fira Sans Medium Bold"/>
-              </a:rPr>
-              <a:t> </a:t>
-            </a:r>
-            <a:r>
-              <a:rPr lang="en-US" sz="2000" dirty="0" err="1">
-                <a:solidFill>
-                  <a:srgbClr val="1836B2"/>
-                </a:solidFill>
-                <a:latin typeface="Fira Sans Medium Bold"/>
-              </a:rPr>
-              <a:t>thống</a:t>
-            </a:r>
-            <a:endParaRPr lang="en-US" sz="2000" dirty="0">
-              <a:solidFill>
-                <a:srgbClr val="1836B2"/>
-              </a:solidFill>
-              <a:latin typeface="Fira Sans Medium Bold"/>
-            </a:endParaRPr>
-          </a:p>
-        </p:txBody>
-      </p:sp>
-      <p:sp>
-        <p:nvSpPr>
-          <p:cNvPr id="8" name="TextBox 3">
-            <a:extLst>
-              <a:ext uri="{FF2B5EF4-FFF2-40B4-BE49-F238E27FC236}">
-                <a16:creationId xmlns:a16="http://schemas.microsoft.com/office/drawing/2014/main" id="{A59D3303-8A70-4ABD-A499-D23F915A3ABB}"/>
-              </a:ext>
-            </a:extLst>
-          </p:cNvPr>
-          <p:cNvSpPr txBox="1"/>
-          <p:nvPr/>
-        </p:nvSpPr>
-        <p:spPr>
-          <a:xfrm>
-            <a:off x="6732946" y="9791699"/>
-            <a:ext cx="5218663" cy="307777"/>
-          </a:xfrm>
-          <a:prstGeom prst="rect">
-            <a:avLst/>
-          </a:prstGeom>
-        </p:spPr>
-        <p:txBody>
-          <a:bodyPr wrap="square" lIns="0" tIns="0" rIns="0" bIns="0" rtlCol="0" anchor="t">
-            <a:spAutoFit/>
-          </a:bodyPr>
-          <a:lstStyle/>
-          <a:p>
-            <a:pPr marL="0" lvl="0" indent="0" algn="ctr">
-              <a:spcBef>
-                <a:spcPct val="0"/>
-              </a:spcBef>
-            </a:pPr>
-            <a:r>
-              <a:rPr lang="en-US" sz="2000" dirty="0" err="1">
-                <a:solidFill>
-                  <a:srgbClr val="1836B2"/>
-                </a:solidFill>
-                <a:latin typeface="Fira Sans Medium Bold"/>
-              </a:rPr>
-              <a:t>Mô</a:t>
-            </a:r>
-            <a:r>
-              <a:rPr lang="en-US" sz="2000" dirty="0">
-                <a:solidFill>
-                  <a:srgbClr val="1836B2"/>
-                </a:solidFill>
-                <a:latin typeface="Fira Sans Medium Bold"/>
-              </a:rPr>
-              <a:t> </a:t>
-            </a:r>
-            <a:r>
-              <a:rPr lang="en-US" sz="2000" dirty="0" err="1">
-                <a:solidFill>
-                  <a:srgbClr val="1836B2"/>
-                </a:solidFill>
-                <a:latin typeface="Fira Sans Medium Bold"/>
-              </a:rPr>
-              <a:t>hình</a:t>
-            </a:r>
-            <a:r>
-              <a:rPr lang="en-US" sz="2000" dirty="0">
-                <a:solidFill>
-                  <a:srgbClr val="1836B2"/>
-                </a:solidFill>
-                <a:latin typeface="Fira Sans Medium Bold"/>
-              </a:rPr>
-              <a:t> </a:t>
-            </a:r>
-            <a:r>
-              <a:rPr lang="en-US" sz="2000" dirty="0" err="1">
-                <a:solidFill>
-                  <a:srgbClr val="1836B2"/>
-                </a:solidFill>
-                <a:latin typeface="Fira Sans Medium Bold"/>
-              </a:rPr>
-              <a:t>chức</a:t>
-            </a:r>
-            <a:r>
-              <a:rPr lang="en-US" sz="2000" dirty="0">
-                <a:solidFill>
-                  <a:srgbClr val="1836B2"/>
-                </a:solidFill>
-                <a:latin typeface="Fira Sans Medium Bold"/>
-              </a:rPr>
-              <a:t> </a:t>
-            </a:r>
-            <a:r>
-              <a:rPr lang="en-US" sz="2000" dirty="0" err="1">
-                <a:solidFill>
-                  <a:srgbClr val="1836B2"/>
-                </a:solidFill>
-                <a:latin typeface="Fira Sans Medium Bold"/>
-              </a:rPr>
-              <a:t>năng</a:t>
-            </a:r>
-            <a:r>
-              <a:rPr lang="en-US" sz="2000" dirty="0">
-                <a:solidFill>
-                  <a:srgbClr val="1836B2"/>
-                </a:solidFill>
-                <a:latin typeface="Fira Sans Medium Bold"/>
-              </a:rPr>
-              <a:t> </a:t>
-            </a:r>
-            <a:r>
-              <a:rPr lang="en-US" sz="2000" dirty="0" err="1">
-                <a:solidFill>
-                  <a:srgbClr val="1836B2"/>
-                </a:solidFill>
-                <a:latin typeface="Fira Sans Medium Bold"/>
-              </a:rPr>
-              <a:t>quản</a:t>
-            </a:r>
-            <a:r>
-              <a:rPr lang="en-US" sz="2000" dirty="0">
-                <a:solidFill>
-                  <a:srgbClr val="1836B2"/>
-                </a:solidFill>
-                <a:latin typeface="Fira Sans Medium Bold"/>
-              </a:rPr>
-              <a:t> </a:t>
-            </a:r>
-            <a:r>
-              <a:rPr lang="en-US" sz="2000" dirty="0" err="1">
-                <a:solidFill>
-                  <a:srgbClr val="1836B2"/>
-                </a:solidFill>
-                <a:latin typeface="Fira Sans Medium Bold"/>
-              </a:rPr>
-              <a:t>lý</a:t>
-            </a:r>
-            <a:r>
-              <a:rPr lang="en-US" sz="2000" dirty="0">
-                <a:solidFill>
-                  <a:srgbClr val="1836B2"/>
-                </a:solidFill>
-                <a:latin typeface="Fira Sans Medium Bold"/>
-              </a:rPr>
-              <a:t> </a:t>
-            </a:r>
-            <a:r>
-              <a:rPr lang="en-US" sz="2000" dirty="0" err="1">
-                <a:solidFill>
-                  <a:srgbClr val="1836B2"/>
-                </a:solidFill>
-                <a:latin typeface="Fira Sans Medium Bold"/>
-              </a:rPr>
-              <a:t>danh</a:t>
-            </a:r>
-            <a:r>
-              <a:rPr lang="en-US" sz="2000" dirty="0">
-                <a:solidFill>
-                  <a:srgbClr val="1836B2"/>
-                </a:solidFill>
-                <a:latin typeface="Fira Sans Medium Bold"/>
-              </a:rPr>
-              <a:t> </a:t>
-            </a:r>
-            <a:r>
-              <a:rPr lang="en-US" sz="2000" dirty="0" err="1">
-                <a:solidFill>
-                  <a:srgbClr val="1836B2"/>
-                </a:solidFill>
-                <a:latin typeface="Fira Sans Medium Bold"/>
-              </a:rPr>
-              <a:t>mục</a:t>
-            </a:r>
-            <a:endParaRPr lang="en-US" sz="2000" dirty="0">
-              <a:solidFill>
-                <a:srgbClr val="1836B2"/>
-              </a:solidFill>
-              <a:latin typeface="Fira Sans Medium Bold"/>
-            </a:endParaRPr>
-          </a:p>
-        </p:txBody>
-      </p:sp>
-      <p:sp>
-        <p:nvSpPr>
-          <p:cNvPr id="9" name="TextBox 3">
-            <a:extLst>
-              <a:ext uri="{FF2B5EF4-FFF2-40B4-BE49-F238E27FC236}">
-                <a16:creationId xmlns:a16="http://schemas.microsoft.com/office/drawing/2014/main" id="{087217D6-68A4-4272-8A7B-EC08DC970E05}"/>
-              </a:ext>
-            </a:extLst>
-          </p:cNvPr>
-          <p:cNvSpPr txBox="1"/>
-          <p:nvPr/>
-        </p:nvSpPr>
-        <p:spPr>
-          <a:xfrm>
-            <a:off x="12800773" y="9791699"/>
-            <a:ext cx="5218663" cy="307777"/>
-          </a:xfrm>
-          <a:prstGeom prst="rect">
-            <a:avLst/>
-          </a:prstGeom>
-        </p:spPr>
-        <p:txBody>
-          <a:bodyPr wrap="square" lIns="0" tIns="0" rIns="0" bIns="0" rtlCol="0" anchor="t">
-            <a:spAutoFit/>
-          </a:bodyPr>
-          <a:lstStyle/>
-          <a:p>
-            <a:pPr marL="0" lvl="0" indent="0" algn="ctr">
-              <a:spcBef>
-                <a:spcPct val="0"/>
-              </a:spcBef>
-            </a:pPr>
-            <a:r>
-              <a:rPr lang="en-US" sz="2000" dirty="0" err="1">
-                <a:solidFill>
-                  <a:srgbClr val="1836B2"/>
-                </a:solidFill>
-                <a:latin typeface="Fira Sans Medium Bold"/>
-              </a:rPr>
-              <a:t>Mô</a:t>
-            </a:r>
-            <a:r>
-              <a:rPr lang="en-US" sz="2000" dirty="0">
-                <a:solidFill>
-                  <a:srgbClr val="1836B2"/>
-                </a:solidFill>
-                <a:latin typeface="Fira Sans Medium Bold"/>
-              </a:rPr>
-              <a:t> </a:t>
-            </a:r>
-            <a:r>
-              <a:rPr lang="en-US" sz="2000" dirty="0" err="1">
-                <a:solidFill>
-                  <a:srgbClr val="1836B2"/>
-                </a:solidFill>
-                <a:latin typeface="Fira Sans Medium Bold"/>
-              </a:rPr>
-              <a:t>hình</a:t>
-            </a:r>
-            <a:r>
-              <a:rPr lang="en-US" sz="2000" dirty="0">
-                <a:solidFill>
-                  <a:srgbClr val="1836B2"/>
-                </a:solidFill>
-                <a:latin typeface="Fira Sans Medium Bold"/>
-              </a:rPr>
-              <a:t> </a:t>
-            </a:r>
-            <a:r>
-              <a:rPr lang="en-US" sz="2000" dirty="0" err="1">
-                <a:solidFill>
-                  <a:srgbClr val="1836B2"/>
-                </a:solidFill>
-                <a:latin typeface="Fira Sans Medium Bold"/>
-              </a:rPr>
-              <a:t>chức</a:t>
-            </a:r>
-            <a:r>
-              <a:rPr lang="en-US" sz="2000" dirty="0">
-                <a:solidFill>
-                  <a:srgbClr val="1836B2"/>
-                </a:solidFill>
-                <a:latin typeface="Fira Sans Medium Bold"/>
-              </a:rPr>
-              <a:t> </a:t>
-            </a:r>
-            <a:r>
-              <a:rPr lang="en-US" sz="2000" dirty="0" err="1">
-                <a:solidFill>
-                  <a:srgbClr val="1836B2"/>
-                </a:solidFill>
-                <a:latin typeface="Fira Sans Medium Bold"/>
-              </a:rPr>
-              <a:t>năng</a:t>
-            </a:r>
-            <a:r>
-              <a:rPr lang="en-US" sz="2000" dirty="0">
-                <a:solidFill>
-                  <a:srgbClr val="1836B2"/>
-                </a:solidFill>
-                <a:latin typeface="Fira Sans Medium Bold"/>
-              </a:rPr>
-              <a:t> </a:t>
-            </a:r>
-            <a:r>
-              <a:rPr lang="en-US" sz="2000" dirty="0" err="1">
-                <a:solidFill>
-                  <a:srgbClr val="1836B2"/>
-                </a:solidFill>
-                <a:latin typeface="Fira Sans Medium Bold"/>
-              </a:rPr>
-              <a:t>thống</a:t>
-            </a:r>
-            <a:r>
-              <a:rPr lang="en-US" sz="2000" dirty="0">
-                <a:solidFill>
-                  <a:srgbClr val="1836B2"/>
-                </a:solidFill>
-                <a:latin typeface="Fira Sans Medium Bold"/>
-              </a:rPr>
-              <a:t> </a:t>
-            </a:r>
-            <a:r>
-              <a:rPr lang="en-US" sz="2000" dirty="0" err="1">
-                <a:solidFill>
-                  <a:srgbClr val="1836B2"/>
-                </a:solidFill>
-                <a:latin typeface="Fira Sans Medium Bold"/>
-              </a:rPr>
-              <a:t>kê</a:t>
-            </a:r>
-            <a:endParaRPr lang="en-US" sz="2000" dirty="0">
-              <a:solidFill>
-                <a:srgbClr val="1836B2"/>
-              </a:solidFill>
-              <a:latin typeface="Fira Sans Medium Bold"/>
-            </a:endParaRPr>
-          </a:p>
-        </p:txBody>
-      </p:sp>
-    </p:spTree>
-    <p:extLst>
-      <p:ext uri="{BB962C8B-B14F-4D97-AF65-F5344CB8AC3E}">
-        <p14:creationId xmlns:p14="http://schemas.microsoft.com/office/powerpoint/2010/main" val="3597570292"/>
-      </p:ext>
-    </p:extLst>
-  </p:cSld>
-  <p:clrMapOvr>
-    <a:masterClrMapping/>
-  </p:clrMapOvr>
-</p:sld>
-</file>
-
-<file path=ppt/slides/slide12.xml><?xml version="1.0" encoding="utf-8"?>
-<p:sld xmlns:a="http://schemas.openxmlformats.org/drawingml/2006/main" xmlns:r="http://schemas.openxmlformats.org/officeDocument/2006/relationships" xmlns:p="http://schemas.openxmlformats.org/presentationml/2006/main">
-  <p:cSld>
-    <p:spTree>
-      <p:nvGrpSpPr>
-        <p:cNvPr id="1" name=""/>
-        <p:cNvGrpSpPr/>
-        <p:nvPr/>
-      </p:nvGrpSpPr>
-      <p:grpSpPr>
-        <a:xfrm>
-          <a:off x="0" y="0"/>
-          <a:ext cx="0" cy="0"/>
-          <a:chOff x="0" y="0"/>
-          <a:chExt cx="0" cy="0"/>
-        </a:xfrm>
-      </p:grpSpPr>
       <p:sp>
         <p:nvSpPr>
           <p:cNvPr id="55" name="TextBox 55"/>
@@ -7865,7 +7240,7 @@
 </p:sld>
 </file>
 
-<file path=ppt/slides/slide13.xml><?xml version="1.0" encoding="utf-8"?>
+<file path=ppt/slides/slide12.xml><?xml version="1.0" encoding="utf-8"?>
 <p:sld xmlns:a="http://schemas.openxmlformats.org/drawingml/2006/main" xmlns:r="http://schemas.openxmlformats.org/officeDocument/2006/relationships" xmlns:p="http://schemas.openxmlformats.org/presentationml/2006/main">
   <p:cSld>
     <p:spTree>
@@ -7967,7 +7342,7 @@
 </p:sld>
 </file>
 
-<file path=ppt/slides/slide14.xml><?xml version="1.0" encoding="utf-8"?>
+<file path=ppt/slides/slide13.xml><?xml version="1.0" encoding="utf-8"?>
 <p:sld xmlns:a="http://schemas.openxmlformats.org/drawingml/2006/main" xmlns:r="http://schemas.openxmlformats.org/officeDocument/2006/relationships" xmlns:p="http://schemas.openxmlformats.org/presentationml/2006/main">
   <p:cSld>
     <p:spTree>
@@ -8069,7 +7444,7 @@
 </p:sld>
 </file>
 
-<file path=ppt/slides/slide15.xml><?xml version="1.0" encoding="utf-8"?>
+<file path=ppt/slides/slide14.xml><?xml version="1.0" encoding="utf-8"?>
 <p:sld xmlns:a="http://schemas.openxmlformats.org/drawingml/2006/main" xmlns:r="http://schemas.openxmlformats.org/officeDocument/2006/relationships" xmlns:p="http://schemas.openxmlformats.org/presentationml/2006/main">
   <p:cSld>
     <p:spTree>
@@ -8177,7 +7552,7 @@
 </p:sld>
 </file>
 
-<file path=ppt/slides/slide16.xml><?xml version="1.0" encoding="utf-8"?>
+<file path=ppt/slides/slide15.xml><?xml version="1.0" encoding="utf-8"?>
 <p:sld xmlns:a="http://schemas.openxmlformats.org/drawingml/2006/main" xmlns:r="http://schemas.openxmlformats.org/officeDocument/2006/relationships" xmlns:p="http://schemas.openxmlformats.org/presentationml/2006/main">
   <p:cSld>
     <p:spTree>
@@ -8281,7 +7656,7 @@
 </p:sld>
 </file>
 
-<file path=ppt/slides/slide17.xml><?xml version="1.0" encoding="utf-8"?>
+<file path=ppt/slides/slide16.xml><?xml version="1.0" encoding="utf-8"?>
 <p:sld xmlns:a="http://schemas.openxmlformats.org/drawingml/2006/main" xmlns:r="http://schemas.openxmlformats.org/officeDocument/2006/relationships" xmlns:p="http://schemas.openxmlformats.org/presentationml/2006/main">
   <p:cSld>
     <p:spTree>
@@ -8385,7 +7760,7 @@
 </p:sld>
 </file>
 
-<file path=ppt/slides/slide18.xml><?xml version="1.0" encoding="utf-8"?>
+<file path=ppt/slides/slide17.xml><?xml version="1.0" encoding="utf-8"?>
 <p:sld xmlns:a="http://schemas.openxmlformats.org/drawingml/2006/main" xmlns:r="http://schemas.openxmlformats.org/officeDocument/2006/relationships" xmlns:p="http://schemas.openxmlformats.org/presentationml/2006/main">
   <p:cSld>
     <p:spTree>
@@ -10167,7 +9542,7 @@
 </p:sld>
 </file>
 
-<file path=ppt/slides/slide19.xml><?xml version="1.0" encoding="utf-8"?>
+<file path=ppt/slides/slide18.xml><?xml version="1.0" encoding="utf-8"?>
 <p:sld xmlns:a="http://schemas.openxmlformats.org/drawingml/2006/main" xmlns:r="http://schemas.openxmlformats.org/officeDocument/2006/relationships" xmlns:p="http://schemas.openxmlformats.org/presentationml/2006/main">
   <p:cSld>
     <p:spTree>
@@ -10443,274 +9818,7 @@
 </p:sld>
 </file>
 
-<file path=ppt/slides/slide2.xml><?xml version="1.0" encoding="utf-8"?>
-<p:sld xmlns:a="http://schemas.openxmlformats.org/drawingml/2006/main" xmlns:r="http://schemas.openxmlformats.org/officeDocument/2006/relationships" xmlns:p="http://schemas.openxmlformats.org/presentationml/2006/main">
-  <p:cSld>
-    <p:spTree>
-      <p:nvGrpSpPr>
-        <p:cNvPr id="1" name=""/>
-        <p:cNvGrpSpPr/>
-        <p:nvPr/>
-      </p:nvGrpSpPr>
-      <p:grpSpPr>
-        <a:xfrm>
-          <a:off x="0" y="0"/>
-          <a:ext cx="0" cy="0"/>
-          <a:chOff x="0" y="0"/>
-          <a:chExt cx="0" cy="0"/>
-        </a:xfrm>
-      </p:grpSpPr>
-      <p:pic>
-        <p:nvPicPr>
-          <p:cNvPr id="2" name="Picture 2"/>
-          <p:cNvPicPr>
-            <a:picLocks noChangeAspect="1"/>
-          </p:cNvPicPr>
-          <p:nvPr/>
-        </p:nvPicPr>
-        <p:blipFill>
-          <a:blip r:embed="rId2">
-            <a:extLst>
-              <a:ext uri="{28A0092B-C50C-407E-A947-70E740481C1C}">
-                <a14:useLocalDpi xmlns:a14="http://schemas.microsoft.com/office/drawing/2010/main" val="0"/>
-              </a:ext>
-              <a:ext uri="{96DAC541-7B7A-43D3-8B79-37D633B846F1}">
-                <asvg:svgBlip xmlns:asvg="http://schemas.microsoft.com/office/drawing/2016/SVG/main" r:embed="rId3"/>
-              </a:ext>
-            </a:extLst>
-          </a:blip>
-          <a:srcRect t="34026"/>
-          <a:stretch>
-            <a:fillRect/>
-          </a:stretch>
-        </p:blipFill>
-        <p:spPr>
-          <a:xfrm rot="-5400000" flipV="1">
-            <a:off x="13347499" y="1607857"/>
-            <a:ext cx="12384751" cy="7071286"/>
-          </a:xfrm>
-          <a:prstGeom prst="rect">
-            <a:avLst/>
-          </a:prstGeom>
-        </p:spPr>
-      </p:pic>
-      <p:sp>
-        <p:nvSpPr>
-          <p:cNvPr id="3" name="TextBox 3"/>
-          <p:cNvSpPr txBox="1"/>
-          <p:nvPr/>
-        </p:nvSpPr>
-        <p:spPr>
-          <a:xfrm>
-            <a:off x="1028700" y="1257300"/>
-            <a:ext cx="7841022" cy="923330"/>
-          </a:xfrm>
-          <a:prstGeom prst="rect">
-            <a:avLst/>
-          </a:prstGeom>
-        </p:spPr>
-        <p:txBody>
-          <a:bodyPr lIns="0" tIns="0" rIns="0" bIns="0" rtlCol="0" anchor="t">
-            <a:spAutoFit/>
-          </a:bodyPr>
-          <a:lstStyle/>
-          <a:p>
-            <a:r>
-              <a:rPr lang="en-US" sz="6000" dirty="0">
-                <a:solidFill>
-                  <a:srgbClr val="1836B2"/>
-                </a:solidFill>
-                <a:latin typeface="Fira Sans Medium Bold"/>
-              </a:rPr>
-              <a:t>DANH MỤC CHƯƠNG</a:t>
-            </a:r>
-          </a:p>
-        </p:txBody>
-      </p:sp>
-      <p:sp>
-        <p:nvSpPr>
-          <p:cNvPr id="4" name="TextBox 4"/>
-          <p:cNvSpPr txBox="1"/>
-          <p:nvPr/>
-        </p:nvSpPr>
-        <p:spPr>
-          <a:xfrm>
-            <a:off x="2438400" y="2705100"/>
-            <a:ext cx="11734800" cy="3693319"/>
-          </a:xfrm>
-          <a:prstGeom prst="rect">
-            <a:avLst/>
-          </a:prstGeom>
-        </p:spPr>
-        <p:txBody>
-          <a:bodyPr wrap="square" lIns="0" tIns="0" rIns="0" bIns="0" rtlCol="0" anchor="t">
-            <a:spAutoFit/>
-          </a:bodyPr>
-          <a:lstStyle/>
-          <a:p>
-            <a:pPr marL="0" lvl="0" indent="0" algn="l"/>
-            <a:r>
-              <a:rPr lang="en-US" sz="6000" u="none" dirty="0">
-                <a:solidFill>
-                  <a:srgbClr val="000000"/>
-                </a:solidFill>
-                <a:latin typeface="Fira Sans Light"/>
-              </a:rPr>
-              <a:t>GIỚI THIỆU ĐỀ TÀI</a:t>
-            </a:r>
-          </a:p>
-          <a:p>
-            <a:pPr marL="0" lvl="0" indent="0" algn="l"/>
-            <a:r>
-              <a:rPr lang="en-US" sz="6000" u="none" dirty="0">
-                <a:solidFill>
-                  <a:srgbClr val="000000"/>
-                </a:solidFill>
-                <a:latin typeface="Fira Sans Light"/>
-              </a:rPr>
-              <a:t>CƠ SỞ LÝ THUYẾT</a:t>
-            </a:r>
-            <a:endParaRPr lang="en-US" sz="6000" dirty="0">
-              <a:solidFill>
-                <a:srgbClr val="000000"/>
-              </a:solidFill>
-              <a:latin typeface="Fira Sans Light"/>
-            </a:endParaRPr>
-          </a:p>
-          <a:p>
-            <a:pPr marL="0" lvl="0" indent="0" algn="l"/>
-            <a:r>
-              <a:rPr lang="en-US" sz="6000" u="none" dirty="0">
-                <a:solidFill>
-                  <a:srgbClr val="000000"/>
-                </a:solidFill>
-                <a:latin typeface="Fira Sans Light"/>
-              </a:rPr>
-              <a:t>PHÂN TÍCH VÀ THIẾT KẾ HỆ THỐNG</a:t>
-            </a:r>
-          </a:p>
-          <a:p>
-            <a:pPr marL="0" lvl="0" indent="0" algn="l"/>
-            <a:r>
-              <a:rPr lang="en-US" sz="6000" u="none" dirty="0">
-                <a:solidFill>
-                  <a:srgbClr val="000000"/>
-                </a:solidFill>
-                <a:latin typeface="Fira Sans Light"/>
-              </a:rPr>
-              <a:t>XÂY DỰNG ỨNG DỤNG</a:t>
-            </a:r>
-          </a:p>
-        </p:txBody>
-      </p:sp>
-      <p:sp>
-        <p:nvSpPr>
-          <p:cNvPr id="5" name="TextBox 5"/>
-          <p:cNvSpPr txBox="1"/>
-          <p:nvPr/>
-        </p:nvSpPr>
-        <p:spPr>
-          <a:xfrm>
-            <a:off x="1028700" y="2705100"/>
-            <a:ext cx="981495" cy="4616648"/>
-          </a:xfrm>
-          <a:prstGeom prst="rect">
-            <a:avLst/>
-          </a:prstGeom>
-        </p:spPr>
-        <p:txBody>
-          <a:bodyPr lIns="0" tIns="0" rIns="0" bIns="0" rtlCol="0" anchor="t">
-            <a:spAutoFit/>
-          </a:bodyPr>
-          <a:lstStyle/>
-          <a:p>
-            <a:pPr marL="0" lvl="0" indent="0" algn="l">
-              <a:spcBef>
-                <a:spcPct val="0"/>
-              </a:spcBef>
-            </a:pPr>
-            <a:r>
-              <a:rPr lang="en-US" sz="6000" u="none" dirty="0">
-                <a:solidFill>
-                  <a:srgbClr val="000000"/>
-                </a:solidFill>
-                <a:latin typeface="Fira Sans Medium"/>
-              </a:rPr>
-              <a:t>01</a:t>
-            </a:r>
-          </a:p>
-          <a:p>
-            <a:pPr marL="0" lvl="0" indent="0" algn="l">
-              <a:spcBef>
-                <a:spcPct val="0"/>
-              </a:spcBef>
-            </a:pPr>
-            <a:r>
-              <a:rPr lang="en-US" sz="6000" u="none" dirty="0">
-                <a:solidFill>
-                  <a:srgbClr val="000000"/>
-                </a:solidFill>
-                <a:latin typeface="Fira Sans Medium"/>
-              </a:rPr>
-              <a:t>02</a:t>
-            </a:r>
-          </a:p>
-          <a:p>
-            <a:pPr marL="0" lvl="0" indent="0" algn="l">
-              <a:spcBef>
-                <a:spcPct val="0"/>
-              </a:spcBef>
-            </a:pPr>
-            <a:r>
-              <a:rPr lang="en-US" sz="6000" u="none" dirty="0">
-                <a:solidFill>
-                  <a:srgbClr val="000000"/>
-                </a:solidFill>
-                <a:latin typeface="Fira Sans Medium"/>
-              </a:rPr>
-              <a:t>03</a:t>
-            </a:r>
-          </a:p>
-          <a:p>
-            <a:pPr marL="0" lvl="0" indent="0" algn="l">
-              <a:spcBef>
-                <a:spcPct val="0"/>
-              </a:spcBef>
-            </a:pPr>
-            <a:r>
-              <a:rPr lang="en-US" sz="6000" u="none" dirty="0">
-                <a:solidFill>
-                  <a:srgbClr val="000000"/>
-                </a:solidFill>
-                <a:latin typeface="Fira Sans Medium"/>
-              </a:rPr>
-              <a:t>04</a:t>
-            </a:r>
-          </a:p>
-          <a:p>
-            <a:pPr marL="0" lvl="0" indent="0" algn="l">
-              <a:spcBef>
-                <a:spcPct val="0"/>
-              </a:spcBef>
-            </a:pPr>
-            <a:endParaRPr lang="en-US" sz="6000" u="none" dirty="0">
-              <a:solidFill>
-                <a:srgbClr val="000000"/>
-              </a:solidFill>
-              <a:latin typeface="Fira Sans Medium"/>
-            </a:endParaRPr>
-          </a:p>
-        </p:txBody>
-      </p:sp>
-    </p:spTree>
-  </p:cSld>
-  <p:clrMapOvr>
-    <a:masterClrMapping/>
-  </p:clrMapOvr>
-</p:sld>
-</file>
-
-<file path=ppt/slides/slide20.xml><?xml version="1.0" encoding="utf-8"?>
+<file path=ppt/slides/slide19.xml><?xml version="1.0" encoding="utf-8"?>
 <p:sld xmlns:a="http://schemas.openxmlformats.org/drawingml/2006/main" xmlns:r="http://schemas.openxmlformats.org/officeDocument/2006/relationships" xmlns:p="http://schemas.openxmlformats.org/presentationml/2006/main">
   <p:cSld>
     <p:spTree>
@@ -10880,6 +9988,273 @@
               </a:rPr>
               <a:t>ĐÃ THEO DÕI</a:t>
             </a:r>
+          </a:p>
+        </p:txBody>
+      </p:sp>
+    </p:spTree>
+  </p:cSld>
+  <p:clrMapOvr>
+    <a:masterClrMapping/>
+  </p:clrMapOvr>
+</p:sld>
+</file>
+
+<file path=ppt/slides/slide2.xml><?xml version="1.0" encoding="utf-8"?>
+<p:sld xmlns:a="http://schemas.openxmlformats.org/drawingml/2006/main" xmlns:r="http://schemas.openxmlformats.org/officeDocument/2006/relationships" xmlns:p="http://schemas.openxmlformats.org/presentationml/2006/main">
+  <p:cSld>
+    <p:spTree>
+      <p:nvGrpSpPr>
+        <p:cNvPr id="1" name=""/>
+        <p:cNvGrpSpPr/>
+        <p:nvPr/>
+      </p:nvGrpSpPr>
+      <p:grpSpPr>
+        <a:xfrm>
+          <a:off x="0" y="0"/>
+          <a:ext cx="0" cy="0"/>
+          <a:chOff x="0" y="0"/>
+          <a:chExt cx="0" cy="0"/>
+        </a:xfrm>
+      </p:grpSpPr>
+      <p:pic>
+        <p:nvPicPr>
+          <p:cNvPr id="2" name="Picture 2"/>
+          <p:cNvPicPr>
+            <a:picLocks noChangeAspect="1"/>
+          </p:cNvPicPr>
+          <p:nvPr/>
+        </p:nvPicPr>
+        <p:blipFill>
+          <a:blip r:embed="rId2">
+            <a:extLst>
+              <a:ext uri="{28A0092B-C50C-407E-A947-70E740481C1C}">
+                <a14:useLocalDpi xmlns:a14="http://schemas.microsoft.com/office/drawing/2010/main" val="0"/>
+              </a:ext>
+              <a:ext uri="{96DAC541-7B7A-43D3-8B79-37D633B846F1}">
+                <asvg:svgBlip xmlns:asvg="http://schemas.microsoft.com/office/drawing/2016/SVG/main" r:embed="rId3"/>
+              </a:ext>
+            </a:extLst>
+          </a:blip>
+          <a:srcRect t="34026"/>
+          <a:stretch>
+            <a:fillRect/>
+          </a:stretch>
+        </p:blipFill>
+        <p:spPr>
+          <a:xfrm rot="-5400000" flipV="1">
+            <a:off x="13347499" y="1607857"/>
+            <a:ext cx="12384751" cy="7071286"/>
+          </a:xfrm>
+          <a:prstGeom prst="rect">
+            <a:avLst/>
+          </a:prstGeom>
+        </p:spPr>
+      </p:pic>
+      <p:sp>
+        <p:nvSpPr>
+          <p:cNvPr id="3" name="TextBox 3"/>
+          <p:cNvSpPr txBox="1"/>
+          <p:nvPr/>
+        </p:nvSpPr>
+        <p:spPr>
+          <a:xfrm>
+            <a:off x="1028700" y="1257300"/>
+            <a:ext cx="7841022" cy="923330"/>
+          </a:xfrm>
+          <a:prstGeom prst="rect">
+            <a:avLst/>
+          </a:prstGeom>
+        </p:spPr>
+        <p:txBody>
+          <a:bodyPr lIns="0" tIns="0" rIns="0" bIns="0" rtlCol="0" anchor="t">
+            <a:spAutoFit/>
+          </a:bodyPr>
+          <a:lstStyle/>
+          <a:p>
+            <a:r>
+              <a:rPr lang="en-US" sz="6000" dirty="0">
+                <a:solidFill>
+                  <a:srgbClr val="1836B2"/>
+                </a:solidFill>
+                <a:latin typeface="Fira Sans Medium Bold"/>
+              </a:rPr>
+              <a:t>DANH MỤC CHƯƠNG</a:t>
+            </a:r>
+          </a:p>
+        </p:txBody>
+      </p:sp>
+      <p:sp>
+        <p:nvSpPr>
+          <p:cNvPr id="4" name="TextBox 4"/>
+          <p:cNvSpPr txBox="1"/>
+          <p:nvPr/>
+        </p:nvSpPr>
+        <p:spPr>
+          <a:xfrm>
+            <a:off x="2438400" y="2705100"/>
+            <a:ext cx="11734800" cy="3693319"/>
+          </a:xfrm>
+          <a:prstGeom prst="rect">
+            <a:avLst/>
+          </a:prstGeom>
+        </p:spPr>
+        <p:txBody>
+          <a:bodyPr wrap="square" lIns="0" tIns="0" rIns="0" bIns="0" rtlCol="0" anchor="t">
+            <a:spAutoFit/>
+          </a:bodyPr>
+          <a:lstStyle/>
+          <a:p>
+            <a:pPr marL="0" lvl="0" indent="0" algn="l"/>
+            <a:r>
+              <a:rPr lang="en-US" sz="6000" u="none" dirty="0">
+                <a:solidFill>
+                  <a:srgbClr val="000000"/>
+                </a:solidFill>
+                <a:latin typeface="Fira Sans Light"/>
+              </a:rPr>
+              <a:t>GIỚI THIỆU ĐỀ TÀI</a:t>
+            </a:r>
+          </a:p>
+          <a:p>
+            <a:pPr marL="0" lvl="0" indent="0" algn="l"/>
+            <a:r>
+              <a:rPr lang="en-US" sz="6000" u="none" dirty="0">
+                <a:solidFill>
+                  <a:srgbClr val="000000"/>
+                </a:solidFill>
+                <a:latin typeface="Fira Sans Light"/>
+              </a:rPr>
+              <a:t>CƠ SỞ LÝ THUYẾT</a:t>
+            </a:r>
+            <a:endParaRPr lang="en-US" sz="6000" dirty="0">
+              <a:solidFill>
+                <a:srgbClr val="000000"/>
+              </a:solidFill>
+              <a:latin typeface="Fira Sans Light"/>
+            </a:endParaRPr>
+          </a:p>
+          <a:p>
+            <a:pPr marL="0" lvl="0" indent="0" algn="l"/>
+            <a:r>
+              <a:rPr lang="en-US" sz="6000" u="none" dirty="0">
+                <a:solidFill>
+                  <a:srgbClr val="000000"/>
+                </a:solidFill>
+                <a:latin typeface="Fira Sans Light"/>
+              </a:rPr>
+              <a:t>PHÂN TÍCH VÀ THIẾT KẾ HỆ THỐNG</a:t>
+            </a:r>
+          </a:p>
+          <a:p>
+            <a:pPr marL="0" lvl="0" indent="0" algn="l"/>
+            <a:r>
+              <a:rPr lang="en-US" sz="6000" u="none" dirty="0">
+                <a:solidFill>
+                  <a:srgbClr val="000000"/>
+                </a:solidFill>
+                <a:latin typeface="Fira Sans Light"/>
+              </a:rPr>
+              <a:t>XÂY DỰNG ỨNG DỤNG</a:t>
+            </a:r>
+          </a:p>
+        </p:txBody>
+      </p:sp>
+      <p:sp>
+        <p:nvSpPr>
+          <p:cNvPr id="5" name="TextBox 5"/>
+          <p:cNvSpPr txBox="1"/>
+          <p:nvPr/>
+        </p:nvSpPr>
+        <p:spPr>
+          <a:xfrm>
+            <a:off x="1028700" y="2705100"/>
+            <a:ext cx="981495" cy="4616648"/>
+          </a:xfrm>
+          <a:prstGeom prst="rect">
+            <a:avLst/>
+          </a:prstGeom>
+        </p:spPr>
+        <p:txBody>
+          <a:bodyPr lIns="0" tIns="0" rIns="0" bIns="0" rtlCol="0" anchor="t">
+            <a:spAutoFit/>
+          </a:bodyPr>
+          <a:lstStyle/>
+          <a:p>
+            <a:pPr marL="0" lvl="0" indent="0" algn="l">
+              <a:spcBef>
+                <a:spcPct val="0"/>
+              </a:spcBef>
+            </a:pPr>
+            <a:r>
+              <a:rPr lang="en-US" sz="6000" u="none" dirty="0">
+                <a:solidFill>
+                  <a:srgbClr val="000000"/>
+                </a:solidFill>
+                <a:latin typeface="Fira Sans Medium"/>
+              </a:rPr>
+              <a:t>01</a:t>
+            </a:r>
+          </a:p>
+          <a:p>
+            <a:pPr marL="0" lvl="0" indent="0" algn="l">
+              <a:spcBef>
+                <a:spcPct val="0"/>
+              </a:spcBef>
+            </a:pPr>
+            <a:r>
+              <a:rPr lang="en-US" sz="6000" u="none" dirty="0">
+                <a:solidFill>
+                  <a:srgbClr val="000000"/>
+                </a:solidFill>
+                <a:latin typeface="Fira Sans Medium"/>
+              </a:rPr>
+              <a:t>02</a:t>
+            </a:r>
+          </a:p>
+          <a:p>
+            <a:pPr marL="0" lvl="0" indent="0" algn="l">
+              <a:spcBef>
+                <a:spcPct val="0"/>
+              </a:spcBef>
+            </a:pPr>
+            <a:r>
+              <a:rPr lang="en-US" sz="6000" u="none" dirty="0">
+                <a:solidFill>
+                  <a:srgbClr val="000000"/>
+                </a:solidFill>
+                <a:latin typeface="Fira Sans Medium"/>
+              </a:rPr>
+              <a:t>03</a:t>
+            </a:r>
+          </a:p>
+          <a:p>
+            <a:pPr marL="0" lvl="0" indent="0" algn="l">
+              <a:spcBef>
+                <a:spcPct val="0"/>
+              </a:spcBef>
+            </a:pPr>
+            <a:r>
+              <a:rPr lang="en-US" sz="6000" u="none" dirty="0">
+                <a:solidFill>
+                  <a:srgbClr val="000000"/>
+                </a:solidFill>
+                <a:latin typeface="Fira Sans Medium"/>
+              </a:rPr>
+              <a:t>04</a:t>
+            </a:r>
+          </a:p>
+          <a:p>
+            <a:pPr marL="0" lvl="0" indent="0" algn="l">
+              <a:spcBef>
+                <a:spcPct val="0"/>
+              </a:spcBef>
+            </a:pPr>
+            <a:endParaRPr lang="en-US" sz="6000" u="none" dirty="0">
+              <a:solidFill>
+                <a:srgbClr val="000000"/>
+              </a:solidFill>
+              <a:latin typeface="Fira Sans Medium"/>
+            </a:endParaRPr>
           </a:p>
         </p:txBody>
       </p:sp>

--- a/ppt - báo cáo đồ án tốt nghiệp.pptx
+++ b/ppt - báo cáo đồ án tốt nghiệp.pptx
@@ -7785,8 +7785,8 @@
         </p:nvSpPr>
         <p:spPr>
           <a:xfrm>
-            <a:off x="3228975" y="698158"/>
-            <a:ext cx="5229225" cy="9398342"/>
+            <a:off x="2286000" y="1028700"/>
+            <a:ext cx="5229225" cy="1329467"/>
           </a:xfrm>
           <a:prstGeom prst="rect">
             <a:avLst/>
@@ -7806,7 +7806,7 @@
               <a:buChar char="•"/>
             </a:pPr>
             <a:r>
-              <a:rPr lang="vi-VN" sz="2000" spc="12" dirty="0">
+              <a:rPr lang="vi-VN" sz="2800" spc="12" dirty="0">
                 <a:solidFill>
                   <a:srgbClr val="000000"/>
                 </a:solidFill>
@@ -7824,7 +7824,7 @@
               <a:buChar char="•"/>
             </a:pPr>
             <a:r>
-              <a:rPr lang="vi-VN" sz="2000" spc="12" dirty="0">
+              <a:rPr lang="vi-VN" sz="2800" spc="12" dirty="0">
                 <a:solidFill>
                   <a:srgbClr val="000000"/>
                 </a:solidFill>
@@ -7842,438 +7842,13 @@
               <a:buChar char="•"/>
             </a:pPr>
             <a:r>
-              <a:rPr lang="vi-VN" sz="2000" spc="12" dirty="0">
+              <a:rPr lang="vi-VN" sz="2800" spc="12" dirty="0">
                 <a:solidFill>
                   <a:srgbClr val="000000"/>
                 </a:solidFill>
                 <a:latin typeface="Fira Sans Light"/>
               </a:rPr>
               <a:t>Quản lý tài khoản</a:t>
-            </a:r>
-          </a:p>
-          <a:p>
-            <a:pPr marL="342900" indent="-342900">
-              <a:lnSpc>
-                <a:spcPts val="3499"/>
-              </a:lnSpc>
-              <a:buFont typeface="Arial" panose="020B0604020202020204" pitchFamily="34" charset="0"/>
-              <a:buChar char="•"/>
-            </a:pPr>
-            <a:r>
-              <a:rPr lang="vi-VN" sz="2000" spc="12" dirty="0">
-                <a:solidFill>
-                  <a:srgbClr val="000000"/>
-                </a:solidFill>
-                <a:latin typeface="Fira Sans Light"/>
-              </a:rPr>
-              <a:t>Quản lý khách h</a:t>
-            </a:r>
-            <a:r>
-              <a:rPr lang="en-US" sz="2000" spc="12" dirty="0">
-                <a:solidFill>
-                  <a:srgbClr val="000000"/>
-                </a:solidFill>
-                <a:latin typeface="Fira Sans Light"/>
-              </a:rPr>
-              <a:t>à</a:t>
-            </a:r>
-            <a:r>
-              <a:rPr lang="vi-VN" sz="2000" spc="12" dirty="0">
-                <a:solidFill>
-                  <a:srgbClr val="000000"/>
-                </a:solidFill>
-                <a:latin typeface="Fira Sans Light"/>
-              </a:rPr>
-              <a:t>ng</a:t>
-            </a:r>
-          </a:p>
-          <a:p>
-            <a:pPr marL="342900" indent="-342900">
-              <a:lnSpc>
-                <a:spcPts val="3499"/>
-              </a:lnSpc>
-              <a:buFont typeface="Arial" panose="020B0604020202020204" pitchFamily="34" charset="0"/>
-              <a:buChar char="•"/>
-            </a:pPr>
-            <a:r>
-              <a:rPr lang="vi-VN" sz="2000" spc="12" dirty="0">
-                <a:solidFill>
-                  <a:srgbClr val="000000"/>
-                </a:solidFill>
-                <a:latin typeface="Fira Sans Light"/>
-              </a:rPr>
-              <a:t>Đặt bàn trước</a:t>
-            </a:r>
-          </a:p>
-          <a:p>
-            <a:pPr marL="342900" indent="-342900">
-              <a:lnSpc>
-                <a:spcPts val="3499"/>
-              </a:lnSpc>
-              <a:buFont typeface="Arial" panose="020B0604020202020204" pitchFamily="34" charset="0"/>
-              <a:buChar char="•"/>
-            </a:pPr>
-            <a:r>
-              <a:rPr lang="vi-VN" sz="2000" spc="12" dirty="0">
-                <a:solidFill>
-                  <a:srgbClr val="000000"/>
-                </a:solidFill>
-                <a:latin typeface="Fira Sans Light"/>
-              </a:rPr>
-              <a:t>Quản lý phiếu đặt trước</a:t>
-            </a:r>
-          </a:p>
-          <a:p>
-            <a:pPr marL="342900" indent="-342900">
-              <a:lnSpc>
-                <a:spcPts val="3499"/>
-              </a:lnSpc>
-              <a:buFont typeface="Arial" panose="020B0604020202020204" pitchFamily="34" charset="0"/>
-              <a:buChar char="•"/>
-            </a:pPr>
-            <a:r>
-              <a:rPr lang="vi-VN" sz="2000" spc="12" dirty="0">
-                <a:solidFill>
-                  <a:srgbClr val="000000"/>
-                </a:solidFill>
-                <a:latin typeface="Fira Sans Light"/>
-              </a:rPr>
-              <a:t>Quản lý phiếu mua nguyên liệu</a:t>
-            </a:r>
-          </a:p>
-          <a:p>
-            <a:pPr marL="342900" indent="-342900">
-              <a:lnSpc>
-                <a:spcPts val="3499"/>
-              </a:lnSpc>
-              <a:buFont typeface="Arial" panose="020B0604020202020204" pitchFamily="34" charset="0"/>
-              <a:buChar char="•"/>
-            </a:pPr>
-            <a:r>
-              <a:rPr lang="vi-VN" sz="2000" spc="12" dirty="0">
-                <a:solidFill>
-                  <a:srgbClr val="000000"/>
-                </a:solidFill>
-                <a:latin typeface="Fira Sans Light"/>
-              </a:rPr>
-              <a:t>Quản lý phiếu nhập nguyên liệu</a:t>
-            </a:r>
-          </a:p>
-          <a:p>
-            <a:pPr marL="342900" indent="-342900">
-              <a:lnSpc>
-                <a:spcPts val="3499"/>
-              </a:lnSpc>
-              <a:buFont typeface="Arial" panose="020B0604020202020204" pitchFamily="34" charset="0"/>
-              <a:buChar char="•"/>
-            </a:pPr>
-            <a:r>
-              <a:rPr lang="vi-VN" sz="2000" spc="12" dirty="0">
-                <a:solidFill>
-                  <a:srgbClr val="000000"/>
-                </a:solidFill>
-                <a:latin typeface="Fira Sans Light"/>
-              </a:rPr>
-              <a:t>Theo dõi đơn hàng – Khách vãng lai</a:t>
-            </a:r>
-          </a:p>
-          <a:p>
-            <a:pPr marL="342900" indent="-342900">
-              <a:lnSpc>
-                <a:spcPts val="3499"/>
-              </a:lnSpc>
-              <a:buFont typeface="Arial" panose="020B0604020202020204" pitchFamily="34" charset="0"/>
-              <a:buChar char="•"/>
-            </a:pPr>
-            <a:r>
-              <a:rPr lang="vi-VN" sz="2000" spc="12" dirty="0">
-                <a:solidFill>
-                  <a:srgbClr val="000000"/>
-                </a:solidFill>
-                <a:latin typeface="Fira Sans Light"/>
-              </a:rPr>
-              <a:t>Theo dõi đơn hàng – Khách đặt trước</a:t>
-            </a:r>
-          </a:p>
-          <a:p>
-            <a:pPr marL="342900" indent="-342900">
-              <a:lnSpc>
-                <a:spcPts val="3499"/>
-              </a:lnSpc>
-              <a:buFont typeface="Arial" panose="020B0604020202020204" pitchFamily="34" charset="0"/>
-              <a:buChar char="•"/>
-            </a:pPr>
-            <a:r>
-              <a:rPr lang="vi-VN" sz="2000" spc="12" dirty="0">
-                <a:solidFill>
-                  <a:srgbClr val="000000"/>
-                </a:solidFill>
-                <a:latin typeface="Fira Sans Light"/>
-              </a:rPr>
-              <a:t>Lập hóa đơn (gộp hóa đơn, tách hóa đơn)</a:t>
-            </a:r>
-          </a:p>
-          <a:p>
-            <a:pPr marL="342900" indent="-342900">
-              <a:lnSpc>
-                <a:spcPts val="3499"/>
-              </a:lnSpc>
-              <a:buFont typeface="Arial" panose="020B0604020202020204" pitchFamily="34" charset="0"/>
-              <a:buChar char="•"/>
-            </a:pPr>
-            <a:r>
-              <a:rPr lang="vi-VN" sz="2000" spc="12" dirty="0">
-                <a:solidFill>
-                  <a:srgbClr val="000000"/>
-                </a:solidFill>
-                <a:latin typeface="Fira Sans Light"/>
-              </a:rPr>
-              <a:t>Quản lý loại món ăn</a:t>
-            </a:r>
-          </a:p>
-          <a:p>
-            <a:pPr marL="342900" indent="-342900">
-              <a:lnSpc>
-                <a:spcPts val="3499"/>
-              </a:lnSpc>
-              <a:buFont typeface="Arial" panose="020B0604020202020204" pitchFamily="34" charset="0"/>
-              <a:buChar char="•"/>
-            </a:pPr>
-            <a:r>
-              <a:rPr lang="vi-VN" sz="2000" spc="12" dirty="0">
-                <a:solidFill>
-                  <a:srgbClr val="000000"/>
-                </a:solidFill>
-                <a:latin typeface="Fira Sans Light"/>
-              </a:rPr>
-              <a:t>Quản lý món ăn</a:t>
-            </a:r>
-          </a:p>
-          <a:p>
-            <a:pPr marL="342900" indent="-342900">
-              <a:lnSpc>
-                <a:spcPts val="3499"/>
-              </a:lnSpc>
-              <a:buFont typeface="Arial" panose="020B0604020202020204" pitchFamily="34" charset="0"/>
-              <a:buChar char="•"/>
-            </a:pPr>
-            <a:r>
-              <a:rPr lang="vi-VN" sz="2000" spc="12" dirty="0">
-                <a:solidFill>
-                  <a:srgbClr val="000000"/>
-                </a:solidFill>
-                <a:latin typeface="Fira Sans Light"/>
-              </a:rPr>
-              <a:t>Quản lý nguyên liệu</a:t>
-            </a:r>
-          </a:p>
-          <a:p>
-            <a:pPr marL="342900" indent="-342900">
-              <a:lnSpc>
-                <a:spcPts val="3499"/>
-              </a:lnSpc>
-              <a:buFont typeface="Arial" panose="020B0604020202020204" pitchFamily="34" charset="0"/>
-              <a:buChar char="•"/>
-            </a:pPr>
-            <a:r>
-              <a:rPr lang="vi-VN" sz="2000" spc="12" dirty="0">
-                <a:solidFill>
-                  <a:srgbClr val="000000"/>
-                </a:solidFill>
-                <a:latin typeface="Fira Sans Light"/>
-              </a:rPr>
-              <a:t>Quản lý thay đổi giá món</a:t>
-            </a:r>
-          </a:p>
-          <a:p>
-            <a:pPr marL="342900" indent="-342900">
-              <a:lnSpc>
-                <a:spcPts val="3499"/>
-              </a:lnSpc>
-              <a:buFont typeface="Arial" panose="020B0604020202020204" pitchFamily="34" charset="0"/>
-              <a:buChar char="•"/>
-            </a:pPr>
-            <a:r>
-              <a:rPr lang="vi-VN" sz="2000" spc="12" dirty="0">
-                <a:solidFill>
-                  <a:srgbClr val="000000"/>
-                </a:solidFill>
-                <a:latin typeface="Fira Sans Light"/>
-              </a:rPr>
-              <a:t>Quản lý công thức món ăn</a:t>
-            </a:r>
-          </a:p>
-          <a:p>
-            <a:pPr marL="342900" indent="-342900">
-              <a:lnSpc>
-                <a:spcPts val="3499"/>
-              </a:lnSpc>
-              <a:buFont typeface="Arial" panose="020B0604020202020204" pitchFamily="34" charset="0"/>
-              <a:buChar char="•"/>
-            </a:pPr>
-            <a:r>
-              <a:rPr lang="vi-VN" sz="2000" spc="12" dirty="0">
-                <a:solidFill>
-                  <a:srgbClr val="000000"/>
-                </a:solidFill>
-                <a:latin typeface="Fira Sans Light"/>
-              </a:rPr>
-              <a:t>Quản lý thực đơn món ăn</a:t>
-            </a:r>
-          </a:p>
-          <a:p>
-            <a:pPr marL="342900" indent="-342900">
-              <a:lnSpc>
-                <a:spcPts val="3499"/>
-              </a:lnSpc>
-              <a:buFont typeface="Arial" panose="020B0604020202020204" pitchFamily="34" charset="0"/>
-              <a:buChar char="•"/>
-            </a:pPr>
-            <a:r>
-              <a:rPr lang="vi-VN" sz="2000" spc="12" dirty="0">
-                <a:solidFill>
-                  <a:srgbClr val="000000"/>
-                </a:solidFill>
-                <a:latin typeface="Fira Sans Light"/>
-              </a:rPr>
-              <a:t>Quản lý phòng và bàn</a:t>
-            </a:r>
-          </a:p>
-          <a:p>
-            <a:pPr marL="342900" indent="-342900">
-              <a:lnSpc>
-                <a:spcPts val="3499"/>
-              </a:lnSpc>
-              <a:buFont typeface="Arial" panose="020B0604020202020204" pitchFamily="34" charset="0"/>
-              <a:buChar char="•"/>
-            </a:pPr>
-            <a:r>
-              <a:rPr lang="vi-VN" sz="2000" spc="12" dirty="0">
-                <a:solidFill>
-                  <a:srgbClr val="000000"/>
-                </a:solidFill>
-                <a:latin typeface="Fira Sans Light"/>
-              </a:rPr>
-              <a:t>Quản lý chi tiết bàn</a:t>
-            </a:r>
-          </a:p>
-          <a:p>
-            <a:pPr marL="342900" indent="-342900">
-              <a:lnSpc>
-                <a:spcPts val="3499"/>
-              </a:lnSpc>
-              <a:buFont typeface="Arial" panose="020B0604020202020204" pitchFamily="34" charset="0"/>
-              <a:buChar char="•"/>
-            </a:pPr>
-            <a:r>
-              <a:rPr lang="vi-VN" sz="2000" spc="12" dirty="0">
-                <a:solidFill>
-                  <a:srgbClr val="000000"/>
-                </a:solidFill>
-                <a:latin typeface="Fira Sans Light"/>
-              </a:rPr>
-              <a:t>Thống kê doanh thu theo tháng</a:t>
-            </a:r>
-          </a:p>
-          <a:p>
-            <a:pPr marL="342900" indent="-342900">
-              <a:lnSpc>
-                <a:spcPts val="3499"/>
-              </a:lnSpc>
-              <a:buFont typeface="Arial" panose="020B0604020202020204" pitchFamily="34" charset="0"/>
-              <a:buChar char="•"/>
-            </a:pPr>
-            <a:r>
-              <a:rPr lang="vi-VN" sz="2000" spc="12" dirty="0">
-                <a:solidFill>
-                  <a:srgbClr val="000000"/>
-                </a:solidFill>
-                <a:latin typeface="Fira Sans Light"/>
-              </a:rPr>
-              <a:t>Thống kê lợi nhuận theo tháng</a:t>
-            </a:r>
-          </a:p>
-        </p:txBody>
-      </p:sp>
-      <p:sp>
-        <p:nvSpPr>
-          <p:cNvPr id="4" name="TextBox 4"/>
-          <p:cNvSpPr txBox="1"/>
-          <p:nvPr/>
-        </p:nvSpPr>
-        <p:spPr>
-          <a:xfrm>
-            <a:off x="3228975" y="295681"/>
-            <a:ext cx="3995120" cy="352019"/>
-          </a:xfrm>
-          <a:prstGeom prst="rect">
-            <a:avLst/>
-          </a:prstGeom>
-        </p:spPr>
-        <p:txBody>
-          <a:bodyPr wrap="square" lIns="0" tIns="0" rIns="0" bIns="0" rtlCol="0" anchor="t">
-            <a:spAutoFit/>
-          </a:bodyPr>
-          <a:lstStyle/>
-          <a:p>
-            <a:pPr>
-              <a:lnSpc>
-                <a:spcPts val="2600"/>
-              </a:lnSpc>
-            </a:pPr>
-            <a:r>
-              <a:rPr lang="en-US" sz="3000" dirty="0" err="1">
-                <a:solidFill>
-                  <a:srgbClr val="000000"/>
-                </a:solidFill>
-                <a:latin typeface="Fira Sans Medium"/>
-              </a:rPr>
-              <a:t>Chức</a:t>
-            </a:r>
-            <a:r>
-              <a:rPr lang="en-US" sz="3000" dirty="0">
-                <a:solidFill>
-                  <a:srgbClr val="000000"/>
-                </a:solidFill>
-                <a:latin typeface="Fira Sans Medium"/>
-              </a:rPr>
-              <a:t> </a:t>
-            </a:r>
-            <a:r>
-              <a:rPr lang="en-US" sz="3000" dirty="0" err="1">
-                <a:solidFill>
-                  <a:srgbClr val="000000"/>
-                </a:solidFill>
-                <a:latin typeface="Fira Sans Medium"/>
-              </a:rPr>
-              <a:t>năng</a:t>
-            </a:r>
-            <a:r>
-              <a:rPr lang="en-US" sz="3000" dirty="0">
-                <a:solidFill>
-                  <a:srgbClr val="000000"/>
-                </a:solidFill>
-                <a:latin typeface="Fira Sans Medium"/>
-              </a:rPr>
-              <a:t> </a:t>
-            </a:r>
-            <a:r>
-              <a:rPr lang="en-US" sz="3000" dirty="0" err="1">
-                <a:solidFill>
-                  <a:srgbClr val="000000"/>
-                </a:solidFill>
-                <a:latin typeface="Fira Sans Medium"/>
-              </a:rPr>
-              <a:t>của</a:t>
-            </a:r>
-            <a:r>
-              <a:rPr lang="en-US" sz="3000" dirty="0">
-                <a:solidFill>
-                  <a:srgbClr val="000000"/>
-                </a:solidFill>
-                <a:latin typeface="Fira Sans Medium"/>
-              </a:rPr>
-              <a:t> Admin</a:t>
             </a:r>
           </a:p>
         </p:txBody>
@@ -8391,202 +7966,6 @@
       </p:sp>
       <p:sp>
         <p:nvSpPr>
-          <p:cNvPr id="19" name="TextBox 3">
-            <a:extLst>
-              <a:ext uri="{FF2B5EF4-FFF2-40B4-BE49-F238E27FC236}">
-                <a16:creationId xmlns:a16="http://schemas.microsoft.com/office/drawing/2014/main" id="{DE0F1D2E-C139-428E-94CE-BC3DBF7F5A0D}"/>
-              </a:ext>
-            </a:extLst>
-          </p:cNvPr>
-          <p:cNvSpPr txBox="1"/>
-          <p:nvPr/>
-        </p:nvSpPr>
-        <p:spPr>
-          <a:xfrm>
-            <a:off x="10086975" y="698158"/>
-            <a:ext cx="6067425" cy="1751120"/>
-          </a:xfrm>
-          <a:prstGeom prst="rect">
-            <a:avLst/>
-          </a:prstGeom>
-        </p:spPr>
-        <p:txBody>
-          <a:bodyPr wrap="square" lIns="0" tIns="0" rIns="0" bIns="0" rtlCol="0" anchor="t">
-            <a:spAutoFit/>
-          </a:bodyPr>
-          <a:lstStyle/>
-          <a:p>
-            <a:pPr marL="342900" indent="-342900">
-              <a:lnSpc>
-                <a:spcPts val="3499"/>
-              </a:lnSpc>
-              <a:buFont typeface="Arial" panose="020B0604020202020204" pitchFamily="34" charset="0"/>
-              <a:buChar char="•"/>
-            </a:pPr>
-            <a:r>
-              <a:rPr lang="en-US" sz="2000" spc="12" dirty="0" err="1">
-                <a:solidFill>
-                  <a:srgbClr val="000000"/>
-                </a:solidFill>
-                <a:latin typeface="Fira Sans Light"/>
-              </a:rPr>
-              <a:t>Đăng</a:t>
-            </a:r>
-            <a:r>
-              <a:rPr lang="en-US" sz="2000" spc="12" dirty="0">
-                <a:solidFill>
-                  <a:srgbClr val="000000"/>
-                </a:solidFill>
-                <a:latin typeface="Fira Sans Light"/>
-              </a:rPr>
-              <a:t> </a:t>
-            </a:r>
-            <a:r>
-              <a:rPr lang="en-US" sz="2000" spc="12" dirty="0" err="1">
-                <a:solidFill>
-                  <a:srgbClr val="000000"/>
-                </a:solidFill>
-                <a:latin typeface="Fira Sans Light"/>
-              </a:rPr>
-              <a:t>nhập</a:t>
-            </a:r>
-            <a:r>
-              <a:rPr lang="en-US" sz="2000" spc="12" dirty="0">
-                <a:solidFill>
-                  <a:srgbClr val="000000"/>
-                </a:solidFill>
-                <a:latin typeface="Fira Sans Light"/>
-              </a:rPr>
-              <a:t>, </a:t>
-            </a:r>
-            <a:r>
-              <a:rPr lang="en-US" sz="2000" spc="12" dirty="0" err="1">
-                <a:solidFill>
-                  <a:srgbClr val="000000"/>
-                </a:solidFill>
-                <a:latin typeface="Fira Sans Light"/>
-              </a:rPr>
-              <a:t>lấy</a:t>
-            </a:r>
-            <a:r>
-              <a:rPr lang="en-US" sz="2000" spc="12" dirty="0">
-                <a:solidFill>
-                  <a:srgbClr val="000000"/>
-                </a:solidFill>
-                <a:latin typeface="Fira Sans Light"/>
-              </a:rPr>
-              <a:t> </a:t>
-            </a:r>
-            <a:r>
-              <a:rPr lang="en-US" sz="2000" spc="12" dirty="0" err="1">
-                <a:solidFill>
-                  <a:srgbClr val="000000"/>
-                </a:solidFill>
-                <a:latin typeface="Fira Sans Light"/>
-              </a:rPr>
-              <a:t>lại</a:t>
-            </a:r>
-            <a:r>
-              <a:rPr lang="en-US" sz="2000" spc="12" dirty="0">
-                <a:solidFill>
-                  <a:srgbClr val="000000"/>
-                </a:solidFill>
-                <a:latin typeface="Fira Sans Light"/>
-              </a:rPr>
-              <a:t> </a:t>
-            </a:r>
-            <a:r>
-              <a:rPr lang="en-US" sz="2000" spc="12" dirty="0" err="1">
-                <a:solidFill>
-                  <a:srgbClr val="000000"/>
-                </a:solidFill>
-                <a:latin typeface="Fira Sans Light"/>
-              </a:rPr>
-              <a:t>mật</a:t>
-            </a:r>
-            <a:r>
-              <a:rPr lang="en-US" sz="2000" spc="12" dirty="0">
-                <a:solidFill>
-                  <a:srgbClr val="000000"/>
-                </a:solidFill>
-                <a:latin typeface="Fira Sans Light"/>
-              </a:rPr>
-              <a:t> </a:t>
-            </a:r>
-            <a:r>
-              <a:rPr lang="en-US" sz="2000" spc="12" dirty="0" err="1">
-                <a:solidFill>
-                  <a:srgbClr val="000000"/>
-                </a:solidFill>
-                <a:latin typeface="Fira Sans Light"/>
-              </a:rPr>
-              <a:t>khẩu</a:t>
-            </a:r>
-            <a:endParaRPr lang="en-US" sz="2000" spc="12" dirty="0">
-              <a:solidFill>
-                <a:srgbClr val="000000"/>
-              </a:solidFill>
-              <a:latin typeface="Fira Sans Light"/>
-            </a:endParaRPr>
-          </a:p>
-          <a:p>
-            <a:pPr marL="342900" indent="-342900">
-              <a:lnSpc>
-                <a:spcPts val="3499"/>
-              </a:lnSpc>
-              <a:buFont typeface="Arial" panose="020B0604020202020204" pitchFamily="34" charset="0"/>
-              <a:buChar char="•"/>
-            </a:pPr>
-            <a:r>
-              <a:rPr lang="vi-VN" sz="2000" spc="12" dirty="0">
-                <a:solidFill>
-                  <a:srgbClr val="000000"/>
-                </a:solidFill>
-                <a:latin typeface="Fira Sans Light"/>
-              </a:rPr>
-              <a:t>Đặt phòng, bàn theo yêu cầu của khách hàng</a:t>
-            </a:r>
-          </a:p>
-          <a:p>
-            <a:pPr marL="342900" indent="-342900">
-              <a:lnSpc>
-                <a:spcPts val="3499"/>
-              </a:lnSpc>
-              <a:buFont typeface="Arial" panose="020B0604020202020204" pitchFamily="34" charset="0"/>
-              <a:buChar char="•"/>
-            </a:pPr>
-            <a:r>
-              <a:rPr lang="vi-VN" sz="2000" spc="12" dirty="0">
-                <a:solidFill>
-                  <a:srgbClr val="000000"/>
-                </a:solidFill>
-                <a:latin typeface="Fira Sans Light"/>
-              </a:rPr>
-              <a:t>Đặt món theo yêu cầu của khách hàng</a:t>
-            </a:r>
-          </a:p>
-          <a:p>
-            <a:pPr marL="342900" indent="-342900">
-              <a:lnSpc>
-                <a:spcPts val="3499"/>
-              </a:lnSpc>
-              <a:buFont typeface="Arial" panose="020B0604020202020204" pitchFamily="34" charset="0"/>
-              <a:buChar char="•"/>
-            </a:pPr>
-            <a:r>
-              <a:rPr lang="vi-VN" sz="2000" spc="12" dirty="0">
-                <a:solidFill>
-                  <a:srgbClr val="000000"/>
-                </a:solidFill>
-                <a:latin typeface="Fira Sans Light"/>
-              </a:rPr>
-              <a:t>Quản lý thông tin các món đặt của khách hàng</a:t>
-            </a:r>
-          </a:p>
-        </p:txBody>
-      </p:sp>
-      <p:sp>
-        <p:nvSpPr>
           <p:cNvPr id="20" name="TextBox 4">
             <a:extLst>
               <a:ext uri="{FF2B5EF4-FFF2-40B4-BE49-F238E27FC236}">
@@ -8599,7 +7978,7 @@
         </p:nvSpPr>
         <p:spPr>
           <a:xfrm>
-            <a:off x="10086975" y="295681"/>
+            <a:off x="2286000" y="419100"/>
             <a:ext cx="3995120" cy="352019"/>
           </a:xfrm>
           <a:prstGeom prst="rect">
@@ -8618,746 +7997,14 @@
               </a:lnSpc>
             </a:pPr>
             <a:r>
-              <a:rPr lang="en-US" sz="3000" dirty="0" err="1">
+              <a:rPr lang="en-US" sz="3000" dirty="0">
                 <a:solidFill>
                   <a:srgbClr val="000000"/>
                 </a:solidFill>
                 <a:latin typeface="Fira Sans Medium"/>
               </a:rPr>
-              <a:t>Chức</a:t>
-            </a:r>
-            <a:r>
-              <a:rPr lang="en-US" sz="3000" dirty="0">
-                <a:solidFill>
-                  <a:srgbClr val="000000"/>
-                </a:solidFill>
-                <a:latin typeface="Fira Sans Medium"/>
-              </a:rPr>
-              <a:t> </a:t>
-            </a:r>
-            <a:r>
-              <a:rPr lang="en-US" sz="3000" dirty="0" err="1">
-                <a:solidFill>
-                  <a:srgbClr val="000000"/>
-                </a:solidFill>
-                <a:latin typeface="Fira Sans Medium"/>
-              </a:rPr>
-              <a:t>năng</a:t>
-            </a:r>
-            <a:r>
-              <a:rPr lang="en-US" sz="3000" dirty="0">
-                <a:solidFill>
-                  <a:srgbClr val="000000"/>
-                </a:solidFill>
-                <a:latin typeface="Fira Sans Medium"/>
-              </a:rPr>
-              <a:t> </a:t>
-            </a:r>
-            <a:r>
-              <a:rPr lang="en-US" sz="3000" dirty="0" err="1">
-                <a:solidFill>
-                  <a:srgbClr val="000000"/>
-                </a:solidFill>
-                <a:latin typeface="Fira Sans Medium"/>
-              </a:rPr>
-              <a:t>của</a:t>
-            </a:r>
-            <a:r>
-              <a:rPr lang="en-US" sz="3000" dirty="0">
-                <a:solidFill>
-                  <a:srgbClr val="000000"/>
-                </a:solidFill>
-                <a:latin typeface="Fira Sans Medium"/>
-              </a:rPr>
-              <a:t> </a:t>
-            </a:r>
-            <a:r>
-              <a:rPr lang="en-US" sz="3000" dirty="0" err="1">
-                <a:solidFill>
-                  <a:srgbClr val="000000"/>
-                </a:solidFill>
-                <a:latin typeface="Fira Sans Medium"/>
-              </a:rPr>
-              <a:t>Phục</a:t>
-            </a:r>
-            <a:r>
-              <a:rPr lang="en-US" sz="3000" dirty="0">
-                <a:solidFill>
-                  <a:srgbClr val="000000"/>
-                </a:solidFill>
-                <a:latin typeface="Fira Sans Medium"/>
-              </a:rPr>
-              <a:t> </a:t>
-            </a:r>
-            <a:r>
-              <a:rPr lang="en-US" sz="3000" dirty="0" err="1">
-                <a:solidFill>
-                  <a:srgbClr val="000000"/>
-                </a:solidFill>
-                <a:latin typeface="Fira Sans Medium"/>
-              </a:rPr>
-              <a:t>vụ</a:t>
-            </a:r>
-            <a:endParaRPr lang="en-US" sz="3000" dirty="0">
-              <a:solidFill>
-                <a:srgbClr val="000000"/>
-              </a:solidFill>
-              <a:latin typeface="Fira Sans Medium"/>
-            </a:endParaRPr>
-          </a:p>
-        </p:txBody>
-      </p:sp>
-      <p:sp>
-        <p:nvSpPr>
-          <p:cNvPr id="21" name="TextBox 3">
-            <a:extLst>
-              <a:ext uri="{FF2B5EF4-FFF2-40B4-BE49-F238E27FC236}">
-                <a16:creationId xmlns:a16="http://schemas.microsoft.com/office/drawing/2014/main" id="{A5125739-4B21-4133-B210-0828CD3D6814}"/>
-              </a:ext>
-            </a:extLst>
-          </p:cNvPr>
-          <p:cNvSpPr txBox="1"/>
-          <p:nvPr/>
-        </p:nvSpPr>
-        <p:spPr>
-          <a:xfrm>
-            <a:off x="10086975" y="3314700"/>
-            <a:ext cx="6067425" cy="1302280"/>
-          </a:xfrm>
-          <a:prstGeom prst="rect">
-            <a:avLst/>
-          </a:prstGeom>
-        </p:spPr>
-        <p:txBody>
-          <a:bodyPr wrap="square" lIns="0" tIns="0" rIns="0" bIns="0" rtlCol="0" anchor="t">
-            <a:spAutoFit/>
-          </a:bodyPr>
-          <a:lstStyle/>
-          <a:p>
-            <a:pPr marL="342900" indent="-342900">
-              <a:lnSpc>
-                <a:spcPts val="3499"/>
-              </a:lnSpc>
-              <a:buFont typeface="Arial" panose="020B0604020202020204" pitchFamily="34" charset="0"/>
-              <a:buChar char="•"/>
-            </a:pPr>
-            <a:r>
-              <a:rPr lang="en-US" sz="2000" spc="12" dirty="0" err="1">
-                <a:solidFill>
-                  <a:srgbClr val="000000"/>
-                </a:solidFill>
-                <a:latin typeface="Fira Sans Light"/>
-              </a:rPr>
-              <a:t>Đăng</a:t>
-            </a:r>
-            <a:r>
-              <a:rPr lang="en-US" sz="2000" spc="12" dirty="0">
-                <a:solidFill>
-                  <a:srgbClr val="000000"/>
-                </a:solidFill>
-                <a:latin typeface="Fira Sans Light"/>
-              </a:rPr>
-              <a:t> </a:t>
-            </a:r>
-            <a:r>
-              <a:rPr lang="en-US" sz="2000" spc="12" dirty="0" err="1">
-                <a:solidFill>
-                  <a:srgbClr val="000000"/>
-                </a:solidFill>
-                <a:latin typeface="Fira Sans Light"/>
-              </a:rPr>
-              <a:t>nhập</a:t>
-            </a:r>
-            <a:r>
-              <a:rPr lang="en-US" sz="2000" spc="12" dirty="0">
-                <a:solidFill>
-                  <a:srgbClr val="000000"/>
-                </a:solidFill>
-                <a:latin typeface="Fira Sans Light"/>
-              </a:rPr>
-              <a:t>, </a:t>
-            </a:r>
-            <a:r>
-              <a:rPr lang="en-US" sz="2000" spc="12" dirty="0" err="1">
-                <a:solidFill>
-                  <a:srgbClr val="000000"/>
-                </a:solidFill>
-                <a:latin typeface="Fira Sans Light"/>
-              </a:rPr>
-              <a:t>lấy</a:t>
-            </a:r>
-            <a:r>
-              <a:rPr lang="en-US" sz="2000" spc="12" dirty="0">
-                <a:solidFill>
-                  <a:srgbClr val="000000"/>
-                </a:solidFill>
-                <a:latin typeface="Fira Sans Light"/>
-              </a:rPr>
-              <a:t> </a:t>
-            </a:r>
-            <a:r>
-              <a:rPr lang="en-US" sz="2000" spc="12" dirty="0" err="1">
-                <a:solidFill>
-                  <a:srgbClr val="000000"/>
-                </a:solidFill>
-                <a:latin typeface="Fira Sans Light"/>
-              </a:rPr>
-              <a:t>lại</a:t>
-            </a:r>
-            <a:r>
-              <a:rPr lang="en-US" sz="2000" spc="12" dirty="0">
-                <a:solidFill>
-                  <a:srgbClr val="000000"/>
-                </a:solidFill>
-                <a:latin typeface="Fira Sans Light"/>
-              </a:rPr>
-              <a:t> </a:t>
-            </a:r>
-            <a:r>
-              <a:rPr lang="en-US" sz="2000" spc="12" dirty="0" err="1">
-                <a:solidFill>
-                  <a:srgbClr val="000000"/>
-                </a:solidFill>
-                <a:latin typeface="Fira Sans Light"/>
-              </a:rPr>
-              <a:t>mật</a:t>
-            </a:r>
-            <a:r>
-              <a:rPr lang="en-US" sz="2000" spc="12" dirty="0">
-                <a:solidFill>
-                  <a:srgbClr val="000000"/>
-                </a:solidFill>
-                <a:latin typeface="Fira Sans Light"/>
-              </a:rPr>
-              <a:t> </a:t>
-            </a:r>
-            <a:r>
-              <a:rPr lang="en-US" sz="2000" spc="12" dirty="0" err="1">
-                <a:solidFill>
-                  <a:srgbClr val="000000"/>
-                </a:solidFill>
-                <a:latin typeface="Fira Sans Light"/>
-              </a:rPr>
-              <a:t>khẩu</a:t>
-            </a:r>
-            <a:endParaRPr lang="en-US" sz="2000" spc="12" dirty="0">
-              <a:solidFill>
-                <a:srgbClr val="000000"/>
-              </a:solidFill>
-              <a:latin typeface="Fira Sans Light"/>
-            </a:endParaRPr>
-          </a:p>
-          <a:p>
-            <a:pPr marL="342900" indent="-342900">
-              <a:lnSpc>
-                <a:spcPts val="3499"/>
-              </a:lnSpc>
-              <a:buFont typeface="Arial" panose="020B0604020202020204" pitchFamily="34" charset="0"/>
-              <a:buChar char="•"/>
-            </a:pPr>
-            <a:r>
-              <a:rPr lang="vi-VN" sz="2000" spc="12" dirty="0">
-                <a:solidFill>
-                  <a:srgbClr val="000000"/>
-                </a:solidFill>
-                <a:latin typeface="Fira Sans Light"/>
-              </a:rPr>
-              <a:t>Quản lý các món đặt của khách</a:t>
-            </a:r>
-          </a:p>
-          <a:p>
-            <a:pPr marL="342900" indent="-342900">
-              <a:lnSpc>
-                <a:spcPts val="3499"/>
-              </a:lnSpc>
-              <a:buFont typeface="Arial" panose="020B0604020202020204" pitchFamily="34" charset="0"/>
-              <a:buChar char="•"/>
-            </a:pPr>
-            <a:r>
-              <a:rPr lang="vi-VN" sz="2000" spc="12" dirty="0">
-                <a:solidFill>
-                  <a:srgbClr val="000000"/>
-                </a:solidFill>
-                <a:latin typeface="Fira Sans Light"/>
-              </a:rPr>
-              <a:t>Chuyển trạng thái của món khi làm món</a:t>
-            </a:r>
-          </a:p>
-        </p:txBody>
-      </p:sp>
-      <p:sp>
-        <p:nvSpPr>
-          <p:cNvPr id="22" name="TextBox 4">
-            <a:extLst>
-              <a:ext uri="{FF2B5EF4-FFF2-40B4-BE49-F238E27FC236}">
-                <a16:creationId xmlns:a16="http://schemas.microsoft.com/office/drawing/2014/main" id="{E66EEDD5-2E7C-45C9-91C0-34B5AB6659D8}"/>
-              </a:ext>
-            </a:extLst>
-          </p:cNvPr>
-          <p:cNvSpPr txBox="1"/>
-          <p:nvPr/>
-        </p:nvSpPr>
-        <p:spPr>
-          <a:xfrm>
-            <a:off x="10086974" y="2912223"/>
-            <a:ext cx="4924425" cy="352019"/>
-          </a:xfrm>
-          <a:prstGeom prst="rect">
-            <a:avLst/>
-          </a:prstGeom>
-        </p:spPr>
-        <p:txBody>
-          <a:bodyPr wrap="square" lIns="0" tIns="0" rIns="0" bIns="0" rtlCol="0" anchor="t">
-            <a:spAutoFit/>
-          </a:bodyPr>
-          <a:lstStyle/>
-          <a:p>
-            <a:pPr>
-              <a:lnSpc>
-                <a:spcPts val="2600"/>
-              </a:lnSpc>
-            </a:pPr>
-            <a:r>
-              <a:rPr lang="en-US" sz="3000" dirty="0" err="1">
-                <a:solidFill>
-                  <a:srgbClr val="000000"/>
-                </a:solidFill>
-                <a:latin typeface="Fira Sans Medium"/>
-              </a:rPr>
-              <a:t>Chức</a:t>
-            </a:r>
-            <a:r>
-              <a:rPr lang="en-US" sz="3000" dirty="0">
-                <a:solidFill>
-                  <a:srgbClr val="000000"/>
-                </a:solidFill>
-                <a:latin typeface="Fira Sans Medium"/>
-              </a:rPr>
-              <a:t> </a:t>
-            </a:r>
-            <a:r>
-              <a:rPr lang="en-US" sz="3000" dirty="0" err="1">
-                <a:solidFill>
-                  <a:srgbClr val="000000"/>
-                </a:solidFill>
-                <a:latin typeface="Fira Sans Medium"/>
-              </a:rPr>
-              <a:t>năng</a:t>
-            </a:r>
-            <a:r>
-              <a:rPr lang="en-US" sz="3000" dirty="0">
-                <a:solidFill>
-                  <a:srgbClr val="000000"/>
-                </a:solidFill>
-                <a:latin typeface="Fira Sans Medium"/>
-              </a:rPr>
-              <a:t> </a:t>
-            </a:r>
-            <a:r>
-              <a:rPr lang="en-US" sz="3000" dirty="0" err="1">
-                <a:solidFill>
-                  <a:srgbClr val="000000"/>
-                </a:solidFill>
-                <a:latin typeface="Fira Sans Medium"/>
-              </a:rPr>
-              <a:t>của</a:t>
-            </a:r>
-            <a:r>
-              <a:rPr lang="en-US" sz="3000" dirty="0">
-                <a:solidFill>
-                  <a:srgbClr val="000000"/>
-                </a:solidFill>
-                <a:latin typeface="Fira Sans Medium"/>
-              </a:rPr>
-              <a:t> </a:t>
-            </a:r>
-            <a:r>
-              <a:rPr lang="en-US" sz="3000" dirty="0" err="1">
-                <a:solidFill>
-                  <a:srgbClr val="000000"/>
-                </a:solidFill>
-                <a:latin typeface="Fira Sans Medium"/>
-              </a:rPr>
-              <a:t>Bộ</a:t>
-            </a:r>
-            <a:r>
-              <a:rPr lang="en-US" sz="3000" dirty="0">
-                <a:solidFill>
-                  <a:srgbClr val="000000"/>
-                </a:solidFill>
-                <a:latin typeface="Fira Sans Medium"/>
-              </a:rPr>
-              <a:t> </a:t>
-            </a:r>
-            <a:r>
-              <a:rPr lang="en-US" sz="3000" dirty="0" err="1">
-                <a:solidFill>
-                  <a:srgbClr val="000000"/>
-                </a:solidFill>
-                <a:latin typeface="Fira Sans Medium"/>
-              </a:rPr>
-              <a:t>phận</a:t>
-            </a:r>
-            <a:r>
-              <a:rPr lang="en-US" sz="3000" dirty="0">
-                <a:solidFill>
-                  <a:srgbClr val="000000"/>
-                </a:solidFill>
-                <a:latin typeface="Fira Sans Medium"/>
-              </a:rPr>
-              <a:t> </a:t>
-            </a:r>
-            <a:r>
-              <a:rPr lang="en-US" sz="3000" dirty="0" err="1">
-                <a:solidFill>
-                  <a:srgbClr val="000000"/>
-                </a:solidFill>
-                <a:latin typeface="Fira Sans Medium"/>
-              </a:rPr>
-              <a:t>bếp</a:t>
-            </a:r>
-            <a:endParaRPr lang="en-US" sz="3000" dirty="0">
-              <a:solidFill>
-                <a:srgbClr val="000000"/>
-              </a:solidFill>
-              <a:latin typeface="Fira Sans Medium"/>
-            </a:endParaRPr>
-          </a:p>
-        </p:txBody>
-      </p:sp>
-      <p:sp>
-        <p:nvSpPr>
-          <p:cNvPr id="23" name="TextBox 3">
-            <a:extLst>
-              <a:ext uri="{FF2B5EF4-FFF2-40B4-BE49-F238E27FC236}">
-                <a16:creationId xmlns:a16="http://schemas.microsoft.com/office/drawing/2014/main" id="{21C4613B-1E85-43BA-A9C0-E729F2B89FBB}"/>
-              </a:ext>
-            </a:extLst>
-          </p:cNvPr>
-          <p:cNvSpPr txBox="1"/>
-          <p:nvPr/>
-        </p:nvSpPr>
-        <p:spPr>
-          <a:xfrm>
-            <a:off x="10086975" y="5931242"/>
-            <a:ext cx="6067425" cy="1302280"/>
-          </a:xfrm>
-          <a:prstGeom prst="rect">
-            <a:avLst/>
-          </a:prstGeom>
-        </p:spPr>
-        <p:txBody>
-          <a:bodyPr wrap="square" lIns="0" tIns="0" rIns="0" bIns="0" rtlCol="0" anchor="t">
-            <a:spAutoFit/>
-          </a:bodyPr>
-          <a:lstStyle/>
-          <a:p>
-            <a:pPr marL="342900" indent="-342900">
-              <a:lnSpc>
-                <a:spcPts val="3499"/>
-              </a:lnSpc>
-              <a:buFont typeface="Arial" panose="020B0604020202020204" pitchFamily="34" charset="0"/>
-              <a:buChar char="•"/>
-            </a:pPr>
-            <a:r>
-              <a:rPr lang="en-US" sz="2000" spc="12" dirty="0" err="1">
-                <a:solidFill>
-                  <a:srgbClr val="000000"/>
-                </a:solidFill>
-                <a:latin typeface="Fira Sans Light"/>
-              </a:rPr>
-              <a:t>Đăng</a:t>
-            </a:r>
-            <a:r>
-              <a:rPr lang="en-US" sz="2000" spc="12" dirty="0">
-                <a:solidFill>
-                  <a:srgbClr val="000000"/>
-                </a:solidFill>
-                <a:latin typeface="Fira Sans Light"/>
-              </a:rPr>
-              <a:t> </a:t>
-            </a:r>
-            <a:r>
-              <a:rPr lang="en-US" sz="2000" spc="12" dirty="0" err="1">
-                <a:solidFill>
-                  <a:srgbClr val="000000"/>
-                </a:solidFill>
-                <a:latin typeface="Fira Sans Light"/>
-              </a:rPr>
-              <a:t>nhập</a:t>
-            </a:r>
-            <a:r>
-              <a:rPr lang="en-US" sz="2000" spc="12" dirty="0">
-                <a:solidFill>
-                  <a:srgbClr val="000000"/>
-                </a:solidFill>
-                <a:latin typeface="Fira Sans Light"/>
-              </a:rPr>
-              <a:t>, </a:t>
-            </a:r>
-            <a:r>
-              <a:rPr lang="en-US" sz="2000" spc="12" dirty="0" err="1">
-                <a:solidFill>
-                  <a:srgbClr val="000000"/>
-                </a:solidFill>
-                <a:latin typeface="Fira Sans Light"/>
-              </a:rPr>
-              <a:t>lấy</a:t>
-            </a:r>
-            <a:r>
-              <a:rPr lang="en-US" sz="2000" spc="12" dirty="0">
-                <a:solidFill>
-                  <a:srgbClr val="000000"/>
-                </a:solidFill>
-                <a:latin typeface="Fira Sans Light"/>
-              </a:rPr>
-              <a:t> </a:t>
-            </a:r>
-            <a:r>
-              <a:rPr lang="en-US" sz="2000" spc="12" dirty="0" err="1">
-                <a:solidFill>
-                  <a:srgbClr val="000000"/>
-                </a:solidFill>
-                <a:latin typeface="Fira Sans Light"/>
-              </a:rPr>
-              <a:t>lại</a:t>
-            </a:r>
-            <a:r>
-              <a:rPr lang="en-US" sz="2000" spc="12" dirty="0">
-                <a:solidFill>
-                  <a:srgbClr val="000000"/>
-                </a:solidFill>
-                <a:latin typeface="Fira Sans Light"/>
-              </a:rPr>
-              <a:t> </a:t>
-            </a:r>
-            <a:r>
-              <a:rPr lang="en-US" sz="2000" spc="12" dirty="0" err="1">
-                <a:solidFill>
-                  <a:srgbClr val="000000"/>
-                </a:solidFill>
-                <a:latin typeface="Fira Sans Light"/>
-              </a:rPr>
-              <a:t>mật</a:t>
-            </a:r>
-            <a:r>
-              <a:rPr lang="en-US" sz="2000" spc="12" dirty="0">
-                <a:solidFill>
-                  <a:srgbClr val="000000"/>
-                </a:solidFill>
-                <a:latin typeface="Fira Sans Light"/>
-              </a:rPr>
-              <a:t> </a:t>
-            </a:r>
-            <a:r>
-              <a:rPr lang="en-US" sz="2000" spc="12" dirty="0" err="1">
-                <a:solidFill>
-                  <a:srgbClr val="000000"/>
-                </a:solidFill>
-                <a:latin typeface="Fira Sans Light"/>
-              </a:rPr>
-              <a:t>khẩu</a:t>
-            </a:r>
-            <a:endParaRPr lang="en-US" sz="2000" spc="12" dirty="0">
-              <a:solidFill>
-                <a:srgbClr val="000000"/>
-              </a:solidFill>
-              <a:latin typeface="Fira Sans Light"/>
-            </a:endParaRPr>
-          </a:p>
-          <a:p>
-            <a:pPr marL="342900" indent="-342900">
-              <a:lnSpc>
-                <a:spcPts val="3499"/>
-              </a:lnSpc>
-              <a:buFont typeface="Arial" panose="020B0604020202020204" pitchFamily="34" charset="0"/>
-              <a:buChar char="•"/>
-            </a:pPr>
-            <a:r>
-              <a:rPr lang="vi-VN" sz="2000" spc="12" dirty="0">
-                <a:solidFill>
-                  <a:srgbClr val="000000"/>
-                </a:solidFill>
-                <a:latin typeface="Fira Sans Light"/>
-              </a:rPr>
-              <a:t>Quản lý các món đặt của khách</a:t>
-            </a:r>
-          </a:p>
-          <a:p>
-            <a:pPr marL="342900" indent="-342900">
-              <a:lnSpc>
-                <a:spcPts val="3499"/>
-              </a:lnSpc>
-              <a:buFont typeface="Arial" panose="020B0604020202020204" pitchFamily="34" charset="0"/>
-              <a:buChar char="•"/>
-            </a:pPr>
-            <a:r>
-              <a:rPr lang="vi-VN" sz="2000" spc="12" dirty="0">
-                <a:solidFill>
-                  <a:srgbClr val="000000"/>
-                </a:solidFill>
-                <a:latin typeface="Fira Sans Light"/>
-              </a:rPr>
-              <a:t>Chuyển trạng thái của món khi làm món</a:t>
-            </a:r>
-          </a:p>
-        </p:txBody>
-      </p:sp>
-      <p:sp>
-        <p:nvSpPr>
-          <p:cNvPr id="24" name="TextBox 4">
-            <a:extLst>
-              <a:ext uri="{FF2B5EF4-FFF2-40B4-BE49-F238E27FC236}">
-                <a16:creationId xmlns:a16="http://schemas.microsoft.com/office/drawing/2014/main" id="{1E25D1D1-BC42-4B93-8D35-A4FB38FBE5C5}"/>
-              </a:ext>
-            </a:extLst>
-          </p:cNvPr>
-          <p:cNvSpPr txBox="1"/>
-          <p:nvPr/>
-        </p:nvSpPr>
-        <p:spPr>
-          <a:xfrm>
-            <a:off x="10086974" y="5528765"/>
-            <a:ext cx="5686425" cy="352019"/>
-          </a:xfrm>
-          <a:prstGeom prst="rect">
-            <a:avLst/>
-          </a:prstGeom>
-        </p:spPr>
-        <p:txBody>
-          <a:bodyPr wrap="square" lIns="0" tIns="0" rIns="0" bIns="0" rtlCol="0" anchor="t">
-            <a:spAutoFit/>
-          </a:bodyPr>
-          <a:lstStyle/>
-          <a:p>
-            <a:pPr>
-              <a:lnSpc>
-                <a:spcPts val="2600"/>
-              </a:lnSpc>
-            </a:pPr>
-            <a:r>
-              <a:rPr lang="en-US" sz="3000" dirty="0" err="1">
-                <a:solidFill>
-                  <a:srgbClr val="000000"/>
-                </a:solidFill>
-                <a:latin typeface="Fira Sans Medium"/>
-              </a:rPr>
-              <a:t>Chức</a:t>
-            </a:r>
-            <a:r>
-              <a:rPr lang="en-US" sz="3000" dirty="0">
-                <a:solidFill>
-                  <a:srgbClr val="000000"/>
-                </a:solidFill>
-                <a:latin typeface="Fira Sans Medium"/>
-              </a:rPr>
-              <a:t> </a:t>
-            </a:r>
-            <a:r>
-              <a:rPr lang="en-US" sz="3000" dirty="0" err="1">
-                <a:solidFill>
-                  <a:srgbClr val="000000"/>
-                </a:solidFill>
-                <a:latin typeface="Fira Sans Medium"/>
-              </a:rPr>
-              <a:t>năng</a:t>
-            </a:r>
-            <a:r>
-              <a:rPr lang="en-US" sz="3000" dirty="0">
-                <a:solidFill>
-                  <a:srgbClr val="000000"/>
-                </a:solidFill>
-                <a:latin typeface="Fira Sans Medium"/>
-              </a:rPr>
-              <a:t> </a:t>
-            </a:r>
-            <a:r>
-              <a:rPr lang="en-US" sz="3000" dirty="0" err="1">
-                <a:solidFill>
-                  <a:srgbClr val="000000"/>
-                </a:solidFill>
-                <a:latin typeface="Fira Sans Medium"/>
-              </a:rPr>
-              <a:t>của</a:t>
-            </a:r>
-            <a:r>
-              <a:rPr lang="en-US" sz="3000" dirty="0">
-                <a:solidFill>
-                  <a:srgbClr val="000000"/>
-                </a:solidFill>
-                <a:latin typeface="Fira Sans Medium"/>
-              </a:rPr>
-              <a:t> </a:t>
-            </a:r>
-            <a:r>
-              <a:rPr lang="en-US" sz="3000" dirty="0" err="1">
-                <a:solidFill>
-                  <a:srgbClr val="000000"/>
-                </a:solidFill>
-                <a:latin typeface="Fira Sans Medium"/>
-              </a:rPr>
-              <a:t>Bộ</a:t>
-            </a:r>
-            <a:r>
-              <a:rPr lang="en-US" sz="3000" dirty="0">
-                <a:solidFill>
-                  <a:srgbClr val="000000"/>
-                </a:solidFill>
-                <a:latin typeface="Fira Sans Medium"/>
-              </a:rPr>
-              <a:t> </a:t>
-            </a:r>
-            <a:r>
-              <a:rPr lang="en-US" sz="3000" dirty="0" err="1">
-                <a:solidFill>
-                  <a:srgbClr val="000000"/>
-                </a:solidFill>
-                <a:latin typeface="Fira Sans Medium"/>
-              </a:rPr>
-              <a:t>phận</a:t>
-            </a:r>
-            <a:r>
-              <a:rPr lang="en-US" sz="3000" dirty="0">
-                <a:solidFill>
-                  <a:srgbClr val="000000"/>
-                </a:solidFill>
-                <a:latin typeface="Fira Sans Medium"/>
-              </a:rPr>
-              <a:t> </a:t>
-            </a:r>
-            <a:r>
-              <a:rPr lang="en-US" sz="3000" dirty="0" err="1">
-                <a:solidFill>
-                  <a:srgbClr val="000000"/>
-                </a:solidFill>
-                <a:latin typeface="Fira Sans Medium"/>
-              </a:rPr>
-              <a:t>pha</a:t>
-            </a:r>
-            <a:r>
-              <a:rPr lang="en-US" sz="3000" dirty="0">
-                <a:solidFill>
-                  <a:srgbClr val="000000"/>
-                </a:solidFill>
-                <a:latin typeface="Fira Sans Medium"/>
-              </a:rPr>
-              <a:t> </a:t>
-            </a:r>
-            <a:r>
-              <a:rPr lang="en-US" sz="3000" dirty="0" err="1">
-                <a:solidFill>
-                  <a:srgbClr val="000000"/>
-                </a:solidFill>
-                <a:latin typeface="Fira Sans Medium"/>
-              </a:rPr>
-              <a:t>chế</a:t>
-            </a:r>
-            <a:endParaRPr lang="en-US" sz="3000" dirty="0">
-              <a:solidFill>
-                <a:srgbClr val="000000"/>
-              </a:solidFill>
-              <a:latin typeface="Fira Sans Medium"/>
-            </a:endParaRPr>
+              <a:t>Mobile</a:t>
+            </a:r>
           </a:p>
         </p:txBody>
       </p:sp>
@@ -9393,10 +8040,10 @@
       </p:sp>
       <p:sp>
         <p:nvSpPr>
-          <p:cNvPr id="14" name="TextBox 14">
+          <p:cNvPr id="15" name="TextBox 3">
             <a:extLst>
               <a:ext uri="{FF2B5EF4-FFF2-40B4-BE49-F238E27FC236}">
-                <a16:creationId xmlns:a16="http://schemas.microsoft.com/office/drawing/2014/main" id="{DCFD27A5-81A3-423A-9C97-EB46371163D1}"/>
+                <a16:creationId xmlns:a16="http://schemas.microsoft.com/office/drawing/2014/main" id="{6138E93D-0369-4B93-BB4D-6695B6AC028A}"/>
               </a:ext>
             </a:extLst>
           </p:cNvPr>
@@ -9405,8 +8052,8 @@
         </p:nvSpPr>
         <p:spPr>
           <a:xfrm>
-            <a:off x="10701341" y="8557309"/>
-            <a:ext cx="8991600" cy="423193"/>
+            <a:off x="10287000" y="1028700"/>
+            <a:ext cx="5229225" cy="1329467"/>
           </a:xfrm>
           <a:prstGeom prst="rect">
             <a:avLst/>
@@ -9418,9 +8065,91 @@
           </a:bodyPr>
           <a:lstStyle/>
           <a:p>
-            <a:pPr algn="just">
+            <a:pPr marL="342900" indent="-342900">
               <a:lnSpc>
-                <a:spcPts val="3299"/>
+                <a:spcPts val="3499"/>
+              </a:lnSpc>
+              <a:buFont typeface="Arial" panose="020B0604020202020204" pitchFamily="34" charset="0"/>
+              <a:buChar char="•"/>
+            </a:pPr>
+            <a:r>
+              <a:rPr lang="vi-VN" sz="2800" spc="12" dirty="0">
+                <a:solidFill>
+                  <a:srgbClr val="000000"/>
+                </a:solidFill>
+                <a:latin typeface="Fira Sans Light"/>
+              </a:rPr>
+              <a:t>Đăng nhập</a:t>
+            </a:r>
+          </a:p>
+          <a:p>
+            <a:pPr marL="342900" indent="-342900">
+              <a:lnSpc>
+                <a:spcPts val="3499"/>
+              </a:lnSpc>
+              <a:buFont typeface="Arial" panose="020B0604020202020204" pitchFamily="34" charset="0"/>
+              <a:buChar char="•"/>
+            </a:pPr>
+            <a:r>
+              <a:rPr lang="vi-VN" sz="2800" spc="12" dirty="0">
+                <a:solidFill>
+                  <a:srgbClr val="000000"/>
+                </a:solidFill>
+                <a:latin typeface="Fira Sans Light"/>
+              </a:rPr>
+              <a:t>Quản lý nhân viên</a:t>
+            </a:r>
+          </a:p>
+          <a:p>
+            <a:pPr marL="342900" indent="-342900">
+              <a:lnSpc>
+                <a:spcPts val="3499"/>
+              </a:lnSpc>
+              <a:buFont typeface="Arial" panose="020B0604020202020204" pitchFamily="34" charset="0"/>
+              <a:buChar char="•"/>
+            </a:pPr>
+            <a:r>
+              <a:rPr lang="vi-VN" sz="2800" spc="12" dirty="0">
+                <a:solidFill>
+                  <a:srgbClr val="000000"/>
+                </a:solidFill>
+                <a:latin typeface="Fira Sans Light"/>
+              </a:rPr>
+              <a:t>Quản lý tài khoản</a:t>
+            </a:r>
+          </a:p>
+        </p:txBody>
+      </p:sp>
+      <p:sp>
+        <p:nvSpPr>
+          <p:cNvPr id="16" name="TextBox 4">
+            <a:extLst>
+              <a:ext uri="{FF2B5EF4-FFF2-40B4-BE49-F238E27FC236}">
+                <a16:creationId xmlns:a16="http://schemas.microsoft.com/office/drawing/2014/main" id="{95E6E35A-A00F-4061-8FBA-525B18DB20BE}"/>
+              </a:ext>
+            </a:extLst>
+          </p:cNvPr>
+          <p:cNvSpPr txBox="1"/>
+          <p:nvPr/>
+        </p:nvSpPr>
+        <p:spPr>
+          <a:xfrm>
+            <a:off x="10287000" y="419100"/>
+            <a:ext cx="3995120" cy="352019"/>
+          </a:xfrm>
+          <a:prstGeom prst="rect">
+            <a:avLst/>
+          </a:prstGeom>
+        </p:spPr>
+        <p:txBody>
+          <a:bodyPr wrap="square" lIns="0" tIns="0" rIns="0" bIns="0" rtlCol="0" anchor="t">
+            <a:spAutoFit/>
+          </a:bodyPr>
+          <a:lstStyle/>
+          <a:p>
+            <a:pPr>
+              <a:lnSpc>
+                <a:spcPts val="2600"/>
               </a:lnSpc>
             </a:pPr>
             <a:r>
@@ -9428,109 +8157,16 @@
                 <a:solidFill>
                   <a:srgbClr val="000000"/>
                 </a:solidFill>
-                <a:latin typeface="Fira Sans Light"/>
-              </a:rPr>
-              <a:t>Chỗ</a:t>
-            </a:r>
-            <a:r>
-              <a:rPr lang="en-US" sz="3000" dirty="0">
-                <a:solidFill>
-                  <a:srgbClr val="000000"/>
-                </a:solidFill>
-                <a:latin typeface="Fira Sans Light"/>
-              </a:rPr>
-              <a:t> </a:t>
-            </a:r>
-            <a:r>
-              <a:rPr lang="en-US" sz="3000" dirty="0" err="1">
-                <a:solidFill>
-                  <a:srgbClr val="000000"/>
-                </a:solidFill>
-                <a:latin typeface="Fira Sans Light"/>
-              </a:rPr>
-              <a:t>này</a:t>
-            </a:r>
-            <a:r>
-              <a:rPr lang="en-US" sz="3000" dirty="0">
-                <a:solidFill>
-                  <a:srgbClr val="000000"/>
-                </a:solidFill>
-                <a:latin typeface="Fira Sans Light"/>
-              </a:rPr>
-              <a:t> </a:t>
-            </a:r>
-            <a:r>
-              <a:rPr lang="en-US" sz="3000" dirty="0" err="1">
-                <a:solidFill>
-                  <a:srgbClr val="000000"/>
-                </a:solidFill>
-                <a:latin typeface="Fira Sans Light"/>
-              </a:rPr>
-              <a:t>ghi</a:t>
-            </a:r>
-            <a:r>
-              <a:rPr lang="en-US" sz="3000" dirty="0">
-                <a:solidFill>
-                  <a:srgbClr val="000000"/>
-                </a:solidFill>
-                <a:latin typeface="Fira Sans Light"/>
-              </a:rPr>
-              <a:t> </a:t>
-            </a:r>
-            <a:r>
-              <a:rPr lang="en-US" sz="3000" dirty="0" err="1">
-                <a:solidFill>
-                  <a:srgbClr val="000000"/>
-                </a:solidFill>
-                <a:latin typeface="Fira Sans Light"/>
-              </a:rPr>
-              <a:t>kịch</a:t>
-            </a:r>
-            <a:r>
-              <a:rPr lang="en-US" sz="3000" dirty="0">
-                <a:solidFill>
-                  <a:srgbClr val="000000"/>
-                </a:solidFill>
-                <a:latin typeface="Fira Sans Light"/>
-              </a:rPr>
-              <a:t> </a:t>
-            </a:r>
-            <a:r>
-              <a:rPr lang="en-US" sz="3000" dirty="0" err="1">
-                <a:solidFill>
-                  <a:srgbClr val="000000"/>
-                </a:solidFill>
-                <a:latin typeface="Fira Sans Light"/>
-              </a:rPr>
-              <a:t>bản</a:t>
-            </a:r>
-            <a:r>
-              <a:rPr lang="en-US" sz="3000" dirty="0">
-                <a:solidFill>
-                  <a:srgbClr val="000000"/>
-                </a:solidFill>
-                <a:latin typeface="Fira Sans Light"/>
-              </a:rPr>
-              <a:t>: code </a:t>
-            </a:r>
-            <a:r>
-              <a:rPr lang="en-US" sz="3000" dirty="0" err="1">
-                <a:solidFill>
-                  <a:srgbClr val="000000"/>
-                </a:solidFill>
-                <a:latin typeface="Fira Sans Light"/>
-              </a:rPr>
-              <a:t>khó</a:t>
-            </a:r>
-            <a:r>
-              <a:rPr lang="en-US" sz="3000" dirty="0">
-                <a:solidFill>
-                  <a:srgbClr val="000000"/>
-                </a:solidFill>
-                <a:latin typeface="Fira Sans Light"/>
-              </a:rPr>
-              <a:t> </a:t>
-            </a:r>
+                <a:latin typeface="Fira Sans Medium"/>
+              </a:rPr>
+              <a:t>Winform</a:t>
+            </a:r>
+            <a:endParaRPr lang="en-US" sz="3000" dirty="0">
+              <a:solidFill>
+                <a:srgbClr val="000000"/>
+              </a:solidFill>
+              <a:latin typeface="Fira Sans Medium"/>
+            </a:endParaRPr>
           </a:p>
         </p:txBody>
       </p:sp>

--- a/ppt - báo cáo đồ án tốt nghiệp.pptx
+++ b/ppt - báo cáo đồ án tốt nghiệp.pptx
@@ -253,7 +253,7 @@
           <a:p>
             <a:fld id="{9CBA6B13-9F25-4674-AC6C-940F23F58396}" type="datetimeFigureOut">
               <a:rPr lang="en-US" smtClean="0"/>
-              <a:t>12/22/2022</a:t>
+              <a:t>12/24/2022</a:t>
             </a:fld>
             <a:endParaRPr lang="en-US"/>
           </a:p>
@@ -952,7 +952,7 @@
             <a:fld id="{1D8BD707-D9CF-40AE-B4C6-C98DA3205C09}" type="datetimeFigureOut">
               <a:rPr lang="en-US" smtClean="0"/>
               <a:pPr/>
-              <a:t>12/22/2022</a:t>
+              <a:t>12/24/2022</a:t>
             </a:fld>
             <a:endParaRPr lang="en-US"/>
           </a:p>
@@ -1117,7 +1117,7 @@
             <a:fld id="{1D8BD707-D9CF-40AE-B4C6-C98DA3205C09}" type="datetimeFigureOut">
               <a:rPr lang="en-US" smtClean="0"/>
               <a:pPr/>
-              <a:t>12/22/2022</a:t>
+              <a:t>12/24/2022</a:t>
             </a:fld>
             <a:endParaRPr lang="en-US"/>
           </a:p>
@@ -1292,7 +1292,7 @@
             <a:fld id="{1D8BD707-D9CF-40AE-B4C6-C98DA3205C09}" type="datetimeFigureOut">
               <a:rPr lang="en-US" smtClean="0"/>
               <a:pPr/>
-              <a:t>12/22/2022</a:t>
+              <a:t>12/24/2022</a:t>
             </a:fld>
             <a:endParaRPr lang="en-US"/>
           </a:p>
@@ -1457,7 +1457,7 @@
             <a:fld id="{1D8BD707-D9CF-40AE-B4C6-C98DA3205C09}" type="datetimeFigureOut">
               <a:rPr lang="en-US" smtClean="0"/>
               <a:pPr/>
-              <a:t>12/22/2022</a:t>
+              <a:t>12/24/2022</a:t>
             </a:fld>
             <a:endParaRPr lang="en-US"/>
           </a:p>
@@ -1699,7 +1699,7 @@
             <a:fld id="{1D8BD707-D9CF-40AE-B4C6-C98DA3205C09}" type="datetimeFigureOut">
               <a:rPr lang="en-US" smtClean="0"/>
               <a:pPr/>
-              <a:t>12/22/2022</a:t>
+              <a:t>12/24/2022</a:t>
             </a:fld>
             <a:endParaRPr lang="en-US"/>
           </a:p>
@@ -1981,7 +1981,7 @@
             <a:fld id="{1D8BD707-D9CF-40AE-B4C6-C98DA3205C09}" type="datetimeFigureOut">
               <a:rPr lang="en-US" smtClean="0"/>
               <a:pPr/>
-              <a:t>12/22/2022</a:t>
+              <a:t>12/24/2022</a:t>
             </a:fld>
             <a:endParaRPr lang="en-US"/>
           </a:p>
@@ -2397,7 +2397,7 @@
             <a:fld id="{1D8BD707-D9CF-40AE-B4C6-C98DA3205C09}" type="datetimeFigureOut">
               <a:rPr lang="en-US" smtClean="0"/>
               <a:pPr/>
-              <a:t>12/22/2022</a:t>
+              <a:t>12/24/2022</a:t>
             </a:fld>
             <a:endParaRPr lang="en-US"/>
           </a:p>
@@ -2511,7 +2511,7 @@
             <a:fld id="{1D8BD707-D9CF-40AE-B4C6-C98DA3205C09}" type="datetimeFigureOut">
               <a:rPr lang="en-US" smtClean="0"/>
               <a:pPr/>
-              <a:t>12/22/2022</a:t>
+              <a:t>12/24/2022</a:t>
             </a:fld>
             <a:endParaRPr lang="en-US"/>
           </a:p>
@@ -2603,7 +2603,7 @@
             <a:fld id="{1D8BD707-D9CF-40AE-B4C6-C98DA3205C09}" type="datetimeFigureOut">
               <a:rPr lang="en-US" smtClean="0"/>
               <a:pPr/>
-              <a:t>12/22/2022</a:t>
+              <a:t>12/24/2022</a:t>
             </a:fld>
             <a:endParaRPr lang="en-US"/>
           </a:p>
@@ -2875,7 +2875,7 @@
             <a:fld id="{1D8BD707-D9CF-40AE-B4C6-C98DA3205C09}" type="datetimeFigureOut">
               <a:rPr lang="en-US" smtClean="0"/>
               <a:pPr/>
-              <a:t>12/22/2022</a:t>
+              <a:t>12/24/2022</a:t>
             </a:fld>
             <a:endParaRPr lang="en-US"/>
           </a:p>
@@ -3124,7 +3124,7 @@
             <a:fld id="{1D8BD707-D9CF-40AE-B4C6-C98DA3205C09}" type="datetimeFigureOut">
               <a:rPr lang="en-US" smtClean="0"/>
               <a:pPr/>
-              <a:t>12/22/2022</a:t>
+              <a:t>12/24/2022</a:t>
             </a:fld>
             <a:endParaRPr lang="en-US"/>
           </a:p>
@@ -3332,7 +3332,7 @@
             <a:fld id="{1D8BD707-D9CF-40AE-B4C6-C98DA3205C09}" type="datetimeFigureOut">
               <a:rPr lang="en-US" smtClean="0"/>
               <a:pPr/>
-              <a:t>12/22/2022</a:t>
+              <a:t>12/24/2022</a:t>
             </a:fld>
             <a:endParaRPr lang="en-US"/>
           </a:p>
@@ -7785,8 +7785,8 @@
         </p:nvSpPr>
         <p:spPr>
           <a:xfrm>
-            <a:off x="2286000" y="1028700"/>
-            <a:ext cx="5229225" cy="1329467"/>
+            <a:off x="2286000" y="1485900"/>
+            <a:ext cx="15544800" cy="2675989"/>
           </a:xfrm>
           <a:prstGeom prst="rect">
             <a:avLst/>
@@ -7806,17 +7806,725 @@
               <a:buChar char="•"/>
             </a:pPr>
             <a:r>
-              <a:rPr lang="vi-VN" sz="2800" spc="12" dirty="0">
-                <a:solidFill>
-                  <a:srgbClr val="000000"/>
-                </a:solidFill>
-                <a:latin typeface="Fira Sans Light"/>
-              </a:rPr>
-              <a:t>Đăng nhập</a:t>
-            </a:r>
-          </a:p>
-          <a:p>
-            <a:pPr marL="342900" indent="-342900">
+              <a:rPr lang="en-US" sz="2800" b="1" spc="12" dirty="0" err="1">
+                <a:solidFill>
+                  <a:srgbClr val="000000"/>
+                </a:solidFill>
+                <a:latin typeface="Fira Sans Light"/>
+              </a:rPr>
+              <a:t>Bộ</a:t>
+            </a:r>
+            <a:r>
+              <a:rPr lang="en-US" sz="2800" b="1" spc="12" dirty="0">
+                <a:solidFill>
+                  <a:srgbClr val="000000"/>
+                </a:solidFill>
+                <a:latin typeface="Fira Sans Light"/>
+              </a:rPr>
+              <a:t> </a:t>
+            </a:r>
+            <a:r>
+              <a:rPr lang="en-US" sz="2800" b="1" spc="12" dirty="0" err="1">
+                <a:solidFill>
+                  <a:srgbClr val="000000"/>
+                </a:solidFill>
+                <a:latin typeface="Fira Sans Light"/>
+              </a:rPr>
+              <a:t>phận</a:t>
+            </a:r>
+            <a:r>
+              <a:rPr lang="en-US" sz="2800" b="1" spc="12" dirty="0">
+                <a:solidFill>
+                  <a:srgbClr val="000000"/>
+                </a:solidFill>
+                <a:latin typeface="Fira Sans Light"/>
+              </a:rPr>
+              <a:t> </a:t>
+            </a:r>
+            <a:r>
+              <a:rPr lang="en-US" sz="2800" b="1" spc="12" dirty="0" err="1">
+                <a:solidFill>
+                  <a:srgbClr val="000000"/>
+                </a:solidFill>
+                <a:latin typeface="Fira Sans Light"/>
+              </a:rPr>
+              <a:t>phục</a:t>
+            </a:r>
+            <a:r>
+              <a:rPr lang="en-US" sz="2800" b="1" spc="12" dirty="0">
+                <a:solidFill>
+                  <a:srgbClr val="000000"/>
+                </a:solidFill>
+                <a:latin typeface="Fira Sans Light"/>
+              </a:rPr>
+              <a:t> </a:t>
+            </a:r>
+            <a:r>
+              <a:rPr lang="en-US" sz="2800" b="1" spc="12" dirty="0" err="1">
+                <a:solidFill>
+                  <a:srgbClr val="000000"/>
+                </a:solidFill>
+                <a:latin typeface="Fira Sans Light"/>
+              </a:rPr>
+              <a:t>vụ</a:t>
+            </a:r>
+            <a:endParaRPr lang="en-US" sz="2800" b="1" spc="12" dirty="0">
+              <a:solidFill>
+                <a:srgbClr val="000000"/>
+              </a:solidFill>
+              <a:latin typeface="Fira Sans Light"/>
+            </a:endParaRPr>
+          </a:p>
+          <a:p>
+            <a:pPr marL="808038" indent="-457200">
+              <a:lnSpc>
+                <a:spcPts val="3499"/>
+              </a:lnSpc>
+              <a:buFont typeface="Fira Sans Light" panose="020B0403050000020004" pitchFamily="34" charset="0"/>
+              <a:buChar char="+"/>
+            </a:pPr>
+            <a:r>
+              <a:rPr lang="en-US" sz="2800" spc="12" dirty="0" err="1">
+                <a:solidFill>
+                  <a:srgbClr val="000000"/>
+                </a:solidFill>
+                <a:latin typeface="Fira Sans Light"/>
+              </a:rPr>
+              <a:t>Tạo</a:t>
+            </a:r>
+            <a:r>
+              <a:rPr lang="en-US" sz="2800" spc="12" dirty="0">
+                <a:solidFill>
+                  <a:srgbClr val="000000"/>
+                </a:solidFill>
+                <a:latin typeface="Fira Sans Light"/>
+              </a:rPr>
+              <a:t> </a:t>
+            </a:r>
+            <a:r>
+              <a:rPr lang="en-US" sz="2800" spc="12" dirty="0" err="1">
+                <a:solidFill>
+                  <a:srgbClr val="000000"/>
+                </a:solidFill>
+                <a:latin typeface="Fira Sans Light"/>
+              </a:rPr>
+              <a:t>phiếu</a:t>
+            </a:r>
+            <a:r>
+              <a:rPr lang="en-US" sz="2800" spc="12" dirty="0">
+                <a:solidFill>
+                  <a:srgbClr val="000000"/>
+                </a:solidFill>
+                <a:latin typeface="Fira Sans Light"/>
+              </a:rPr>
+              <a:t> </a:t>
+            </a:r>
+            <a:r>
+              <a:rPr lang="en-US" sz="2800" spc="12" dirty="0" err="1">
+                <a:solidFill>
+                  <a:srgbClr val="000000"/>
+                </a:solidFill>
+                <a:latin typeface="Fira Sans Light"/>
+              </a:rPr>
+              <a:t>đặt</a:t>
+            </a:r>
+            <a:r>
+              <a:rPr lang="en-US" sz="2800" spc="12" dirty="0">
+                <a:solidFill>
+                  <a:srgbClr val="000000"/>
+                </a:solidFill>
+                <a:latin typeface="Fira Sans Light"/>
+              </a:rPr>
+              <a:t> </a:t>
+            </a:r>
+            <a:r>
+              <a:rPr lang="en-US" sz="2800" spc="12" dirty="0">
+                <a:solidFill>
+                  <a:srgbClr val="000000"/>
+                </a:solidFill>
+                <a:latin typeface="Fira Sans Light"/>
+                <a:sym typeface="Wingdings" panose="05000000000000000000" pitchFamily="2" charset="2"/>
+              </a:rPr>
+              <a:t> </a:t>
+            </a:r>
+            <a:r>
+              <a:rPr lang="en-US" sz="2800" spc="12" dirty="0" err="1">
+                <a:solidFill>
+                  <a:srgbClr val="000000"/>
+                </a:solidFill>
+                <a:latin typeface="Fira Sans Light"/>
+                <a:sym typeface="Wingdings" panose="05000000000000000000" pitchFamily="2" charset="2"/>
+              </a:rPr>
+              <a:t>Đặt</a:t>
+            </a:r>
+            <a:r>
+              <a:rPr lang="en-US" sz="2800" spc="12" dirty="0">
+                <a:solidFill>
+                  <a:srgbClr val="000000"/>
+                </a:solidFill>
+                <a:latin typeface="Fira Sans Light"/>
+                <a:sym typeface="Wingdings" panose="05000000000000000000" pitchFamily="2" charset="2"/>
+              </a:rPr>
+              <a:t> </a:t>
+            </a:r>
+            <a:r>
+              <a:rPr lang="en-US" sz="2800" spc="12" dirty="0" err="1">
+                <a:solidFill>
+                  <a:srgbClr val="000000"/>
+                </a:solidFill>
+                <a:latin typeface="Fira Sans Light"/>
+                <a:sym typeface="Wingdings" panose="05000000000000000000" pitchFamily="2" charset="2"/>
+              </a:rPr>
+              <a:t>phòng</a:t>
+            </a:r>
+            <a:r>
+              <a:rPr lang="en-US" sz="2800" spc="12" dirty="0">
+                <a:solidFill>
+                  <a:srgbClr val="000000"/>
+                </a:solidFill>
+                <a:latin typeface="Fira Sans Light"/>
+                <a:sym typeface="Wingdings" panose="05000000000000000000" pitchFamily="2" charset="2"/>
+              </a:rPr>
+              <a:t>, </a:t>
+            </a:r>
+            <a:r>
+              <a:rPr lang="en-US" sz="2800" spc="12" dirty="0" err="1">
+                <a:solidFill>
+                  <a:srgbClr val="000000"/>
+                </a:solidFill>
+                <a:latin typeface="Fira Sans Light"/>
+                <a:sym typeface="Wingdings" panose="05000000000000000000" pitchFamily="2" charset="2"/>
+              </a:rPr>
+              <a:t>đặt</a:t>
+            </a:r>
+            <a:r>
+              <a:rPr lang="en-US" sz="2800" spc="12" dirty="0">
+                <a:solidFill>
+                  <a:srgbClr val="000000"/>
+                </a:solidFill>
+                <a:latin typeface="Fira Sans Light"/>
+                <a:sym typeface="Wingdings" panose="05000000000000000000" pitchFamily="2" charset="2"/>
+              </a:rPr>
+              <a:t> </a:t>
+            </a:r>
+            <a:r>
+              <a:rPr lang="en-US" sz="2800" spc="12" dirty="0" err="1">
+                <a:solidFill>
+                  <a:srgbClr val="000000"/>
+                </a:solidFill>
+                <a:latin typeface="Fira Sans Light"/>
+                <a:sym typeface="Wingdings" panose="05000000000000000000" pitchFamily="2" charset="2"/>
+              </a:rPr>
+              <a:t>bàn</a:t>
+            </a:r>
+            <a:r>
+              <a:rPr lang="en-US" sz="2800" spc="12" dirty="0">
+                <a:solidFill>
+                  <a:srgbClr val="000000"/>
+                </a:solidFill>
+                <a:latin typeface="Fira Sans Light"/>
+                <a:sym typeface="Wingdings" panose="05000000000000000000" pitchFamily="2" charset="2"/>
+              </a:rPr>
+              <a:t>  </a:t>
+            </a:r>
+            <a:r>
+              <a:rPr lang="en-US" sz="2800" spc="12" dirty="0" err="1">
+                <a:solidFill>
+                  <a:srgbClr val="000000"/>
+                </a:solidFill>
+                <a:latin typeface="Fira Sans Light"/>
+                <a:sym typeface="Wingdings" panose="05000000000000000000" pitchFamily="2" charset="2"/>
+              </a:rPr>
+              <a:t>Đặt</a:t>
+            </a:r>
+            <a:r>
+              <a:rPr lang="en-US" sz="2800" spc="12" dirty="0">
+                <a:solidFill>
+                  <a:srgbClr val="000000"/>
+                </a:solidFill>
+                <a:latin typeface="Fira Sans Light"/>
+                <a:sym typeface="Wingdings" panose="05000000000000000000" pitchFamily="2" charset="2"/>
+              </a:rPr>
+              <a:t> </a:t>
+            </a:r>
+            <a:r>
+              <a:rPr lang="en-US" sz="2800" spc="12" dirty="0" err="1">
+                <a:solidFill>
+                  <a:srgbClr val="000000"/>
+                </a:solidFill>
+                <a:latin typeface="Fira Sans Light"/>
+                <a:sym typeface="Wingdings" panose="05000000000000000000" pitchFamily="2" charset="2"/>
+              </a:rPr>
+              <a:t>món</a:t>
+            </a:r>
+            <a:r>
+              <a:rPr lang="en-US" sz="2800" spc="12" dirty="0">
+                <a:solidFill>
+                  <a:srgbClr val="000000"/>
+                </a:solidFill>
+                <a:latin typeface="Fira Sans Light"/>
+                <a:sym typeface="Wingdings" panose="05000000000000000000" pitchFamily="2" charset="2"/>
+              </a:rPr>
+              <a:t> </a:t>
+            </a:r>
+            <a:r>
+              <a:rPr lang="en-US" sz="2800" spc="12" dirty="0" err="1">
+                <a:solidFill>
+                  <a:srgbClr val="000000"/>
+                </a:solidFill>
+                <a:latin typeface="Fira Sans Light"/>
+                <a:sym typeface="Wingdings" panose="05000000000000000000" pitchFamily="2" charset="2"/>
+              </a:rPr>
+              <a:t>theo</a:t>
+            </a:r>
+            <a:r>
+              <a:rPr lang="en-US" sz="2800" spc="12" dirty="0">
+                <a:solidFill>
+                  <a:srgbClr val="000000"/>
+                </a:solidFill>
+                <a:latin typeface="Fira Sans Light"/>
+                <a:sym typeface="Wingdings" panose="05000000000000000000" pitchFamily="2" charset="2"/>
+              </a:rPr>
+              <a:t> </a:t>
+            </a:r>
+            <a:r>
+              <a:rPr lang="en-US" sz="2800" spc="12" dirty="0" err="1">
+                <a:solidFill>
+                  <a:srgbClr val="000000"/>
+                </a:solidFill>
+                <a:latin typeface="Fira Sans Light"/>
+                <a:sym typeface="Wingdings" panose="05000000000000000000" pitchFamily="2" charset="2"/>
+              </a:rPr>
+              <a:t>yêu</a:t>
+            </a:r>
+            <a:r>
+              <a:rPr lang="en-US" sz="2800" spc="12" dirty="0">
+                <a:solidFill>
+                  <a:srgbClr val="000000"/>
+                </a:solidFill>
+                <a:latin typeface="Fira Sans Light"/>
+                <a:sym typeface="Wingdings" panose="05000000000000000000" pitchFamily="2" charset="2"/>
+              </a:rPr>
+              <a:t> </a:t>
+            </a:r>
+            <a:r>
+              <a:rPr lang="en-US" sz="2800" spc="12" dirty="0" err="1">
+                <a:solidFill>
+                  <a:srgbClr val="000000"/>
+                </a:solidFill>
+                <a:latin typeface="Fira Sans Light"/>
+                <a:sym typeface="Wingdings" panose="05000000000000000000" pitchFamily="2" charset="2"/>
+              </a:rPr>
+              <a:t>cầu</a:t>
+            </a:r>
+            <a:r>
+              <a:rPr lang="en-US" sz="2800" spc="12" dirty="0">
+                <a:solidFill>
+                  <a:srgbClr val="000000"/>
+                </a:solidFill>
+                <a:latin typeface="Fira Sans Light"/>
+                <a:sym typeface="Wingdings" panose="05000000000000000000" pitchFamily="2" charset="2"/>
+              </a:rPr>
+              <a:t> </a:t>
+            </a:r>
+            <a:r>
+              <a:rPr lang="en-US" sz="2800" spc="12" dirty="0" err="1">
+                <a:solidFill>
+                  <a:srgbClr val="000000"/>
+                </a:solidFill>
+                <a:latin typeface="Fira Sans Light"/>
+                <a:sym typeface="Wingdings" panose="05000000000000000000" pitchFamily="2" charset="2"/>
+              </a:rPr>
+              <a:t>của</a:t>
+            </a:r>
+            <a:r>
+              <a:rPr lang="en-US" sz="2800" spc="12" dirty="0">
+                <a:solidFill>
+                  <a:srgbClr val="000000"/>
+                </a:solidFill>
+                <a:latin typeface="Fira Sans Light"/>
+                <a:sym typeface="Wingdings" panose="05000000000000000000" pitchFamily="2" charset="2"/>
+              </a:rPr>
+              <a:t> </a:t>
+            </a:r>
+            <a:r>
+              <a:rPr lang="en-US" sz="2800" spc="12" dirty="0" err="1">
+                <a:solidFill>
+                  <a:srgbClr val="000000"/>
+                </a:solidFill>
+                <a:latin typeface="Fira Sans Light"/>
+                <a:sym typeface="Wingdings" panose="05000000000000000000" pitchFamily="2" charset="2"/>
+              </a:rPr>
+              <a:t>khách</a:t>
+            </a:r>
+            <a:r>
+              <a:rPr lang="en-US" sz="2800" spc="12" dirty="0">
+                <a:solidFill>
+                  <a:srgbClr val="000000"/>
+                </a:solidFill>
+                <a:latin typeface="Fira Sans Light"/>
+                <a:sym typeface="Wingdings" panose="05000000000000000000" pitchFamily="2" charset="2"/>
+              </a:rPr>
+              <a:t> </a:t>
+            </a:r>
+            <a:r>
+              <a:rPr lang="en-US" sz="2800" spc="12" dirty="0" err="1">
+                <a:solidFill>
+                  <a:srgbClr val="000000"/>
+                </a:solidFill>
+                <a:latin typeface="Fira Sans Light"/>
+                <a:sym typeface="Wingdings" panose="05000000000000000000" pitchFamily="2" charset="2"/>
+              </a:rPr>
+              <a:t>hàng</a:t>
+            </a:r>
+            <a:endParaRPr lang="en-US" sz="2800" spc="12" dirty="0">
+              <a:solidFill>
+                <a:srgbClr val="000000"/>
+              </a:solidFill>
+              <a:latin typeface="Fira Sans Light"/>
+              <a:sym typeface="Wingdings" panose="05000000000000000000" pitchFamily="2" charset="2"/>
+            </a:endParaRPr>
+          </a:p>
+          <a:p>
+            <a:pPr marL="808038" indent="-457200">
+              <a:lnSpc>
+                <a:spcPts val="3499"/>
+              </a:lnSpc>
+              <a:buFont typeface="Fira Sans Light" panose="020B0403050000020004" pitchFamily="34" charset="0"/>
+              <a:buChar char="+"/>
+            </a:pPr>
+            <a:r>
+              <a:rPr lang="en-US" sz="2800" spc="12" dirty="0" err="1">
+                <a:solidFill>
+                  <a:srgbClr val="000000"/>
+                </a:solidFill>
+                <a:latin typeface="Fira Sans Light"/>
+                <a:sym typeface="Wingdings" panose="05000000000000000000" pitchFamily="2" charset="2"/>
+              </a:rPr>
+              <a:t>Cập</a:t>
+            </a:r>
+            <a:r>
+              <a:rPr lang="en-US" sz="2800" spc="12" dirty="0">
+                <a:solidFill>
+                  <a:srgbClr val="000000"/>
+                </a:solidFill>
+                <a:latin typeface="Fira Sans Light"/>
+                <a:sym typeface="Wingdings" panose="05000000000000000000" pitchFamily="2" charset="2"/>
+              </a:rPr>
+              <a:t> </a:t>
+            </a:r>
+            <a:r>
+              <a:rPr lang="en-US" sz="2800" spc="12" dirty="0" err="1">
+                <a:solidFill>
+                  <a:srgbClr val="000000"/>
+                </a:solidFill>
+                <a:latin typeface="Fira Sans Light"/>
+                <a:sym typeface="Wingdings" panose="05000000000000000000" pitchFamily="2" charset="2"/>
+              </a:rPr>
+              <a:t>nhật</a:t>
+            </a:r>
+            <a:r>
+              <a:rPr lang="en-US" sz="2800" spc="12" dirty="0">
+                <a:solidFill>
+                  <a:srgbClr val="000000"/>
+                </a:solidFill>
+                <a:latin typeface="Fira Sans Light"/>
+                <a:sym typeface="Wingdings" panose="05000000000000000000" pitchFamily="2" charset="2"/>
+              </a:rPr>
+              <a:t> </a:t>
+            </a:r>
+            <a:r>
+              <a:rPr lang="en-US" sz="2800" spc="12" dirty="0" err="1">
+                <a:solidFill>
+                  <a:srgbClr val="000000"/>
+                </a:solidFill>
+                <a:latin typeface="Fira Sans Light"/>
+                <a:sym typeface="Wingdings" panose="05000000000000000000" pitchFamily="2" charset="2"/>
+              </a:rPr>
+              <a:t>lại</a:t>
+            </a:r>
+            <a:r>
+              <a:rPr lang="en-US" sz="2800" spc="12" dirty="0">
+                <a:solidFill>
+                  <a:srgbClr val="000000"/>
+                </a:solidFill>
+                <a:latin typeface="Fira Sans Light"/>
+                <a:sym typeface="Wingdings" panose="05000000000000000000" pitchFamily="2" charset="2"/>
+              </a:rPr>
+              <a:t> </a:t>
+            </a:r>
+            <a:r>
+              <a:rPr lang="en-US" sz="2800" spc="12" dirty="0" err="1">
+                <a:solidFill>
+                  <a:srgbClr val="000000"/>
+                </a:solidFill>
+                <a:latin typeface="Fira Sans Light"/>
+                <a:sym typeface="Wingdings" panose="05000000000000000000" pitchFamily="2" charset="2"/>
+              </a:rPr>
+              <a:t>món</a:t>
+            </a:r>
+            <a:r>
+              <a:rPr lang="en-US" sz="2800" spc="12" dirty="0">
+                <a:solidFill>
+                  <a:srgbClr val="000000"/>
+                </a:solidFill>
+                <a:latin typeface="Fira Sans Light"/>
+                <a:sym typeface="Wingdings" panose="05000000000000000000" pitchFamily="2" charset="2"/>
+              </a:rPr>
+              <a:t> </a:t>
+            </a:r>
+            <a:r>
+              <a:rPr lang="en-US" sz="2800" spc="12" dirty="0" err="1">
+                <a:solidFill>
+                  <a:srgbClr val="000000"/>
+                </a:solidFill>
+                <a:latin typeface="Fira Sans Light"/>
+                <a:sym typeface="Wingdings" panose="05000000000000000000" pitchFamily="2" charset="2"/>
+              </a:rPr>
+              <a:t>đặt</a:t>
+            </a:r>
+            <a:r>
+              <a:rPr lang="en-US" sz="2800" spc="12" dirty="0">
+                <a:solidFill>
+                  <a:srgbClr val="000000"/>
+                </a:solidFill>
+                <a:latin typeface="Fira Sans Light"/>
+                <a:sym typeface="Wingdings" panose="05000000000000000000" pitchFamily="2" charset="2"/>
+              </a:rPr>
+              <a:t> </a:t>
+            </a:r>
+            <a:r>
+              <a:rPr lang="en-US" sz="2800" spc="12" dirty="0" err="1">
+                <a:solidFill>
+                  <a:srgbClr val="000000"/>
+                </a:solidFill>
+                <a:latin typeface="Fira Sans Light"/>
+                <a:sym typeface="Wingdings" panose="05000000000000000000" pitchFamily="2" charset="2"/>
+              </a:rPr>
+              <a:t>theo</a:t>
+            </a:r>
+            <a:r>
+              <a:rPr lang="en-US" sz="2800" spc="12" dirty="0">
+                <a:solidFill>
+                  <a:srgbClr val="000000"/>
+                </a:solidFill>
+                <a:latin typeface="Fira Sans Light"/>
+                <a:sym typeface="Wingdings" panose="05000000000000000000" pitchFamily="2" charset="2"/>
+              </a:rPr>
+              <a:t> </a:t>
+            </a:r>
+            <a:r>
+              <a:rPr lang="en-US" sz="2800" spc="12" dirty="0" err="1">
+                <a:solidFill>
+                  <a:srgbClr val="000000"/>
+                </a:solidFill>
+                <a:latin typeface="Fira Sans Light"/>
+                <a:sym typeface="Wingdings" panose="05000000000000000000" pitchFamily="2" charset="2"/>
+              </a:rPr>
+              <a:t>yêu</a:t>
+            </a:r>
+            <a:r>
+              <a:rPr lang="en-US" sz="2800" spc="12" dirty="0">
+                <a:solidFill>
+                  <a:srgbClr val="000000"/>
+                </a:solidFill>
+                <a:latin typeface="Fira Sans Light"/>
+                <a:sym typeface="Wingdings" panose="05000000000000000000" pitchFamily="2" charset="2"/>
+              </a:rPr>
+              <a:t> </a:t>
+            </a:r>
+            <a:r>
+              <a:rPr lang="en-US" sz="2800" spc="12" dirty="0" err="1">
+                <a:solidFill>
+                  <a:srgbClr val="000000"/>
+                </a:solidFill>
+                <a:latin typeface="Fira Sans Light"/>
+                <a:sym typeface="Wingdings" panose="05000000000000000000" pitchFamily="2" charset="2"/>
+              </a:rPr>
+              <a:t>cầu</a:t>
+            </a:r>
+            <a:r>
+              <a:rPr lang="en-US" sz="2800" spc="12" dirty="0">
+                <a:solidFill>
+                  <a:srgbClr val="000000"/>
+                </a:solidFill>
+                <a:latin typeface="Fira Sans Light"/>
+                <a:sym typeface="Wingdings" panose="05000000000000000000" pitchFamily="2" charset="2"/>
+              </a:rPr>
+              <a:t> </a:t>
+            </a:r>
+            <a:r>
+              <a:rPr lang="en-US" sz="2800" spc="12" dirty="0" err="1">
+                <a:solidFill>
+                  <a:srgbClr val="000000"/>
+                </a:solidFill>
+                <a:latin typeface="Fira Sans Light"/>
+                <a:sym typeface="Wingdings" panose="05000000000000000000" pitchFamily="2" charset="2"/>
+              </a:rPr>
+              <a:t>của</a:t>
+            </a:r>
+            <a:r>
+              <a:rPr lang="en-US" sz="2800" spc="12" dirty="0">
+                <a:solidFill>
+                  <a:srgbClr val="000000"/>
+                </a:solidFill>
+                <a:latin typeface="Fira Sans Light"/>
+                <a:sym typeface="Wingdings" panose="05000000000000000000" pitchFamily="2" charset="2"/>
+              </a:rPr>
+              <a:t> </a:t>
+            </a:r>
+            <a:r>
+              <a:rPr lang="en-US" sz="2800" spc="12" dirty="0" err="1">
+                <a:solidFill>
+                  <a:srgbClr val="000000"/>
+                </a:solidFill>
+                <a:latin typeface="Fira Sans Light"/>
+                <a:sym typeface="Wingdings" panose="05000000000000000000" pitchFamily="2" charset="2"/>
+              </a:rPr>
+              <a:t>khác</a:t>
+            </a:r>
+            <a:endParaRPr lang="en-US" sz="2800" spc="12" dirty="0">
+              <a:solidFill>
+                <a:srgbClr val="000000"/>
+              </a:solidFill>
+              <a:latin typeface="Fira Sans Light"/>
+              <a:sym typeface="Wingdings" panose="05000000000000000000" pitchFamily="2" charset="2"/>
+            </a:endParaRPr>
+          </a:p>
+          <a:p>
+            <a:pPr marL="808038" indent="-457200">
+              <a:lnSpc>
+                <a:spcPts val="3499"/>
+              </a:lnSpc>
+              <a:buFont typeface="Fira Sans Light" panose="020B0403050000020004" pitchFamily="34" charset="0"/>
+              <a:buChar char="+"/>
+            </a:pPr>
+            <a:r>
+              <a:rPr lang="en-US" sz="2800" spc="12" dirty="0" err="1">
+                <a:solidFill>
+                  <a:srgbClr val="000000"/>
+                </a:solidFill>
+                <a:latin typeface="Fira Sans Light"/>
+              </a:rPr>
+              <a:t>Phục</a:t>
+            </a:r>
+            <a:r>
+              <a:rPr lang="en-US" sz="2800" spc="12" dirty="0">
+                <a:solidFill>
+                  <a:srgbClr val="000000"/>
+                </a:solidFill>
+                <a:latin typeface="Fira Sans Light"/>
+              </a:rPr>
+              <a:t> </a:t>
+            </a:r>
+            <a:r>
+              <a:rPr lang="en-US" sz="2800" spc="12" dirty="0" err="1">
+                <a:solidFill>
+                  <a:srgbClr val="000000"/>
+                </a:solidFill>
+                <a:latin typeface="Fira Sans Light"/>
+              </a:rPr>
+              <a:t>vụ</a:t>
+            </a:r>
+            <a:r>
+              <a:rPr lang="en-US" sz="2800" spc="12" dirty="0">
+                <a:solidFill>
+                  <a:srgbClr val="000000"/>
+                </a:solidFill>
+                <a:latin typeface="Fira Sans Light"/>
+              </a:rPr>
+              <a:t> </a:t>
+            </a:r>
+            <a:r>
+              <a:rPr lang="en-US" sz="2800" spc="12" dirty="0" err="1">
+                <a:solidFill>
+                  <a:srgbClr val="000000"/>
+                </a:solidFill>
+                <a:latin typeface="Fira Sans Light"/>
+              </a:rPr>
+              <a:t>các</a:t>
+            </a:r>
+            <a:r>
+              <a:rPr lang="en-US" sz="2800" spc="12" dirty="0">
+                <a:solidFill>
+                  <a:srgbClr val="000000"/>
+                </a:solidFill>
+                <a:latin typeface="Fira Sans Light"/>
+              </a:rPr>
+              <a:t> </a:t>
+            </a:r>
+            <a:r>
+              <a:rPr lang="en-US" sz="2800" spc="12" dirty="0" err="1">
+                <a:solidFill>
+                  <a:srgbClr val="000000"/>
+                </a:solidFill>
+                <a:latin typeface="Fira Sans Light"/>
+              </a:rPr>
+              <a:t>món</a:t>
+            </a:r>
+            <a:r>
+              <a:rPr lang="en-US" sz="2800" spc="12" dirty="0">
+                <a:solidFill>
+                  <a:srgbClr val="000000"/>
+                </a:solidFill>
+                <a:latin typeface="Fira Sans Light"/>
+              </a:rPr>
+              <a:t> </a:t>
+            </a:r>
+            <a:r>
+              <a:rPr lang="en-US" sz="2800" spc="12" dirty="0" err="1">
+                <a:solidFill>
+                  <a:srgbClr val="000000"/>
+                </a:solidFill>
+                <a:latin typeface="Fira Sans Light"/>
+              </a:rPr>
+              <a:t>chờ</a:t>
+            </a:r>
+            <a:r>
+              <a:rPr lang="en-US" sz="2800" spc="12" dirty="0">
+                <a:solidFill>
+                  <a:srgbClr val="000000"/>
+                </a:solidFill>
+                <a:latin typeface="Fira Sans Light"/>
+              </a:rPr>
+              <a:t> </a:t>
+            </a:r>
+            <a:r>
+              <a:rPr lang="en-US" sz="2800" spc="12" dirty="0" err="1">
+                <a:solidFill>
+                  <a:srgbClr val="000000"/>
+                </a:solidFill>
+                <a:latin typeface="Fira Sans Light"/>
+              </a:rPr>
+              <a:t>phục</a:t>
+            </a:r>
+            <a:r>
+              <a:rPr lang="en-US" sz="2800" spc="12" dirty="0">
+                <a:solidFill>
+                  <a:srgbClr val="000000"/>
+                </a:solidFill>
+                <a:latin typeface="Fira Sans Light"/>
+              </a:rPr>
+              <a:t> </a:t>
+            </a:r>
+            <a:r>
+              <a:rPr lang="en-US" sz="2800" spc="12" dirty="0" err="1">
+                <a:solidFill>
+                  <a:srgbClr val="000000"/>
+                </a:solidFill>
+                <a:latin typeface="Fira Sans Light"/>
+              </a:rPr>
+              <a:t>vụ</a:t>
+            </a:r>
+            <a:endParaRPr lang="en-US" sz="2800" spc="12" dirty="0">
+              <a:solidFill>
+                <a:srgbClr val="000000"/>
+              </a:solidFill>
+              <a:latin typeface="Fira Sans Light"/>
+            </a:endParaRPr>
+          </a:p>
+          <a:p>
+            <a:pPr marL="457200" indent="-457200">
               <a:lnSpc>
                 <a:spcPts val="3499"/>
               </a:lnSpc>
@@ -7824,32 +8532,296 @@
               <a:buChar char="•"/>
             </a:pPr>
             <a:r>
-              <a:rPr lang="vi-VN" sz="2800" spc="12" dirty="0">
-                <a:solidFill>
-                  <a:srgbClr val="000000"/>
-                </a:solidFill>
-                <a:latin typeface="Fira Sans Light"/>
-              </a:rPr>
-              <a:t>Quản lý nhân viên</a:t>
-            </a:r>
-          </a:p>
-          <a:p>
-            <a:pPr marL="342900" indent="-342900">
+              <a:rPr lang="en-US" sz="2800" b="1" spc="12" dirty="0" err="1">
+                <a:solidFill>
+                  <a:srgbClr val="000000"/>
+                </a:solidFill>
+                <a:latin typeface="Fira Sans Light"/>
+              </a:rPr>
+              <a:t>Bộ</a:t>
+            </a:r>
+            <a:r>
+              <a:rPr lang="en-US" sz="2800" b="1" spc="12" dirty="0">
+                <a:solidFill>
+                  <a:srgbClr val="000000"/>
+                </a:solidFill>
+                <a:latin typeface="Fira Sans Light"/>
+              </a:rPr>
+              <a:t> </a:t>
+            </a:r>
+            <a:r>
+              <a:rPr lang="en-US" sz="2800" b="1" spc="12" dirty="0" err="1">
+                <a:solidFill>
+                  <a:srgbClr val="000000"/>
+                </a:solidFill>
+                <a:latin typeface="Fira Sans Light"/>
+              </a:rPr>
+              <a:t>phận</a:t>
+            </a:r>
+            <a:r>
+              <a:rPr lang="en-US" sz="2800" b="1" spc="12" dirty="0">
+                <a:solidFill>
+                  <a:srgbClr val="000000"/>
+                </a:solidFill>
+                <a:latin typeface="Fira Sans Light"/>
+              </a:rPr>
+              <a:t> </a:t>
+            </a:r>
+            <a:r>
+              <a:rPr lang="en-US" sz="2800" b="1" spc="12" dirty="0" err="1">
+                <a:solidFill>
+                  <a:srgbClr val="000000"/>
+                </a:solidFill>
+                <a:latin typeface="Fira Sans Light"/>
+              </a:rPr>
+              <a:t>bếp</a:t>
+            </a:r>
+            <a:r>
+              <a:rPr lang="en-US" sz="2800" b="1" spc="12" dirty="0">
+                <a:solidFill>
+                  <a:srgbClr val="000000"/>
+                </a:solidFill>
+                <a:latin typeface="Fira Sans Light"/>
+              </a:rPr>
+              <a:t> </a:t>
+            </a:r>
+            <a:r>
+              <a:rPr lang="en-US" sz="2800" b="1" spc="12" dirty="0" err="1">
+                <a:solidFill>
+                  <a:srgbClr val="000000"/>
+                </a:solidFill>
+                <a:latin typeface="Fira Sans Light"/>
+              </a:rPr>
+              <a:t>và</a:t>
+            </a:r>
+            <a:r>
+              <a:rPr lang="en-US" sz="2800" b="1" spc="12" dirty="0">
+                <a:solidFill>
+                  <a:srgbClr val="000000"/>
+                </a:solidFill>
+                <a:latin typeface="Fira Sans Light"/>
+              </a:rPr>
+              <a:t> </a:t>
+            </a:r>
+            <a:r>
+              <a:rPr lang="en-US" sz="2800" b="1" spc="12" dirty="0" err="1">
+                <a:solidFill>
+                  <a:srgbClr val="000000"/>
+                </a:solidFill>
+                <a:latin typeface="Fira Sans Light"/>
+              </a:rPr>
+              <a:t>bộ</a:t>
+            </a:r>
+            <a:r>
+              <a:rPr lang="en-US" sz="2800" b="1" spc="12" dirty="0">
+                <a:solidFill>
+                  <a:srgbClr val="000000"/>
+                </a:solidFill>
+                <a:latin typeface="Fira Sans Light"/>
+              </a:rPr>
+              <a:t> </a:t>
+            </a:r>
+            <a:r>
+              <a:rPr lang="en-US" sz="2800" b="1" spc="12" dirty="0" err="1">
+                <a:solidFill>
+                  <a:srgbClr val="000000"/>
+                </a:solidFill>
+                <a:latin typeface="Fira Sans Light"/>
+              </a:rPr>
+              <a:t>phận</a:t>
+            </a:r>
+            <a:r>
+              <a:rPr lang="en-US" sz="2800" b="1" spc="12" dirty="0">
+                <a:solidFill>
+                  <a:srgbClr val="000000"/>
+                </a:solidFill>
+                <a:latin typeface="Fira Sans Light"/>
+              </a:rPr>
+              <a:t> </a:t>
+            </a:r>
+            <a:r>
+              <a:rPr lang="en-US" sz="2800" b="1" spc="12" dirty="0" err="1">
+                <a:solidFill>
+                  <a:srgbClr val="000000"/>
+                </a:solidFill>
+                <a:latin typeface="Fira Sans Light"/>
+              </a:rPr>
+              <a:t>pha</a:t>
+            </a:r>
+            <a:r>
+              <a:rPr lang="en-US" sz="2800" b="1" spc="12" dirty="0">
+                <a:solidFill>
+                  <a:srgbClr val="000000"/>
+                </a:solidFill>
+                <a:latin typeface="Fira Sans Light"/>
+              </a:rPr>
+              <a:t> </a:t>
+            </a:r>
+            <a:r>
+              <a:rPr lang="en-US" sz="2800" b="1" spc="12" dirty="0" err="1">
+                <a:solidFill>
+                  <a:srgbClr val="000000"/>
+                </a:solidFill>
+                <a:latin typeface="Fira Sans Light"/>
+              </a:rPr>
+              <a:t>chế</a:t>
+            </a:r>
+            <a:endParaRPr lang="en-US" sz="2800" b="1" spc="12" dirty="0">
+              <a:solidFill>
+                <a:srgbClr val="000000"/>
+              </a:solidFill>
+              <a:latin typeface="Fira Sans Light"/>
+            </a:endParaRPr>
+          </a:p>
+          <a:p>
+            <a:pPr marL="808038" indent="-457200">
               <a:lnSpc>
                 <a:spcPts val="3499"/>
               </a:lnSpc>
-              <a:buFont typeface="Arial" panose="020B0604020202020204" pitchFamily="34" charset="0"/>
-              <a:buChar char="•"/>
+              <a:buFont typeface="Fira Sans Light" panose="020B0403050000020004" pitchFamily="34" charset="0"/>
+              <a:buChar char="+"/>
             </a:pPr>
             <a:r>
-              <a:rPr lang="vi-VN" sz="2800" spc="12" dirty="0">
-                <a:solidFill>
-                  <a:srgbClr val="000000"/>
-                </a:solidFill>
-                <a:latin typeface="Fira Sans Light"/>
-              </a:rPr>
-              <a:t>Quản lý tài khoản</a:t>
-            </a:r>
+              <a:rPr lang="en-US" sz="2800" spc="12" dirty="0" err="1">
+                <a:solidFill>
+                  <a:srgbClr val="000000"/>
+                </a:solidFill>
+                <a:latin typeface="Fira Sans Light"/>
+              </a:rPr>
+              <a:t>Chuyển</a:t>
+            </a:r>
+            <a:r>
+              <a:rPr lang="en-US" sz="2800" spc="12" dirty="0">
+                <a:solidFill>
+                  <a:srgbClr val="000000"/>
+                </a:solidFill>
+                <a:latin typeface="Fira Sans Light"/>
+              </a:rPr>
+              <a:t> </a:t>
+            </a:r>
+            <a:r>
+              <a:rPr lang="en-US" sz="2800" spc="12" dirty="0" err="1">
+                <a:solidFill>
+                  <a:srgbClr val="000000"/>
+                </a:solidFill>
+                <a:latin typeface="Fira Sans Light"/>
+              </a:rPr>
+              <a:t>trạng</a:t>
+            </a:r>
+            <a:r>
+              <a:rPr lang="en-US" sz="2800" spc="12" dirty="0">
+                <a:solidFill>
+                  <a:srgbClr val="000000"/>
+                </a:solidFill>
+                <a:latin typeface="Fira Sans Light"/>
+              </a:rPr>
+              <a:t> </a:t>
+            </a:r>
+            <a:r>
+              <a:rPr lang="en-US" sz="2800" spc="12" dirty="0" err="1">
+                <a:solidFill>
+                  <a:srgbClr val="000000"/>
+                </a:solidFill>
+                <a:latin typeface="Fira Sans Light"/>
+              </a:rPr>
+              <a:t>thái</a:t>
+            </a:r>
+            <a:r>
+              <a:rPr lang="en-US" sz="2800" spc="12" dirty="0">
+                <a:solidFill>
+                  <a:srgbClr val="000000"/>
+                </a:solidFill>
+                <a:latin typeface="Fira Sans Light"/>
+              </a:rPr>
+              <a:t> </a:t>
+            </a:r>
+            <a:r>
+              <a:rPr lang="en-US" sz="2800" spc="12" dirty="0" err="1">
+                <a:solidFill>
+                  <a:srgbClr val="000000"/>
+                </a:solidFill>
+                <a:latin typeface="Fira Sans Light"/>
+              </a:rPr>
+              <a:t>các</a:t>
+            </a:r>
+            <a:r>
+              <a:rPr lang="en-US" sz="2800" spc="12" dirty="0">
+                <a:solidFill>
+                  <a:srgbClr val="000000"/>
+                </a:solidFill>
+                <a:latin typeface="Fira Sans Light"/>
+              </a:rPr>
+              <a:t> </a:t>
+            </a:r>
+            <a:r>
+              <a:rPr lang="en-US" sz="2800" spc="12" dirty="0" err="1">
+                <a:solidFill>
+                  <a:srgbClr val="000000"/>
+                </a:solidFill>
+                <a:latin typeface="Fira Sans Light"/>
+              </a:rPr>
+              <a:t>món</a:t>
+            </a:r>
+            <a:r>
+              <a:rPr lang="en-US" sz="2800" spc="12" dirty="0">
+                <a:solidFill>
+                  <a:srgbClr val="000000"/>
+                </a:solidFill>
+                <a:latin typeface="Fira Sans Light"/>
+              </a:rPr>
+              <a:t> </a:t>
+            </a:r>
+            <a:r>
+              <a:rPr lang="en-US" sz="2800" spc="12" dirty="0" err="1">
+                <a:solidFill>
+                  <a:srgbClr val="000000"/>
+                </a:solidFill>
+                <a:latin typeface="Fira Sans Light"/>
+              </a:rPr>
+              <a:t>đặt</a:t>
+            </a:r>
+            <a:r>
+              <a:rPr lang="en-US" sz="2800" spc="12" dirty="0">
+                <a:solidFill>
+                  <a:srgbClr val="000000"/>
+                </a:solidFill>
+                <a:latin typeface="Fira Sans Light"/>
+              </a:rPr>
+              <a:t> </a:t>
+            </a:r>
+            <a:r>
+              <a:rPr lang="en-US" sz="2800" spc="12" dirty="0" err="1">
+                <a:solidFill>
+                  <a:srgbClr val="000000"/>
+                </a:solidFill>
+                <a:latin typeface="Fira Sans Light"/>
+              </a:rPr>
+              <a:t>của</a:t>
+            </a:r>
+            <a:r>
+              <a:rPr lang="en-US" sz="2800" spc="12" dirty="0">
+                <a:solidFill>
+                  <a:srgbClr val="000000"/>
+                </a:solidFill>
+                <a:latin typeface="Fira Sans Light"/>
+              </a:rPr>
+              <a:t> </a:t>
+            </a:r>
+            <a:r>
+              <a:rPr lang="en-US" sz="2800" spc="12" dirty="0" err="1">
+                <a:solidFill>
+                  <a:srgbClr val="000000"/>
+                </a:solidFill>
+                <a:latin typeface="Fira Sans Light"/>
+              </a:rPr>
+              <a:t>khách</a:t>
+            </a:r>
+            <a:endParaRPr lang="vi-VN" sz="2800" spc="12" dirty="0">
+              <a:solidFill>
+                <a:srgbClr val="000000"/>
+              </a:solidFill>
+              <a:latin typeface="Fira Sans Light"/>
+            </a:endParaRPr>
           </a:p>
         </p:txBody>
       </p:sp>
@@ -7978,7 +8950,7 @@
         </p:nvSpPr>
         <p:spPr>
           <a:xfrm>
-            <a:off x="2286000" y="419100"/>
+            <a:off x="2286000" y="876300"/>
             <a:ext cx="3995120" cy="352019"/>
           </a:xfrm>
           <a:prstGeom prst="rect">
@@ -8021,9 +8993,9 @@
           <p:nvPr/>
         </p:nvSpPr>
         <p:spPr>
-          <a:xfrm rot="5400000" flipV="1">
-            <a:off x="4662693" y="5157992"/>
-            <a:ext cx="9800818" cy="76201"/>
+          <a:xfrm rot="5400000">
+            <a:off x="9843488" y="-2996211"/>
+            <a:ext cx="2" cy="15669824"/>
           </a:xfrm>
           <a:prstGeom prst="line">
             <a:avLst/>
@@ -8052,8 +9024,8 @@
         </p:nvSpPr>
         <p:spPr>
           <a:xfrm>
-            <a:off x="10287000" y="1028700"/>
-            <a:ext cx="5229225" cy="1329467"/>
+            <a:off x="2301239" y="6057900"/>
+            <a:ext cx="15377161" cy="3124830"/>
           </a:xfrm>
           <a:prstGeom prst="rect">
             <a:avLst/>
@@ -8073,13 +9045,271 @@
               <a:buChar char="•"/>
             </a:pPr>
             <a:r>
-              <a:rPr lang="vi-VN" sz="2800" spc="12" dirty="0">
-                <a:solidFill>
-                  <a:srgbClr val="000000"/>
-                </a:solidFill>
-                <a:latin typeface="Fira Sans Light"/>
-              </a:rPr>
-              <a:t>Đăng nhập</a:t>
+              <a:rPr lang="en-US" sz="2800" spc="12" dirty="0">
+                <a:solidFill>
+                  <a:srgbClr val="000000"/>
+                </a:solidFill>
+                <a:latin typeface="Fira Sans Light"/>
+              </a:rPr>
+              <a:t>Theo </a:t>
+            </a:r>
+            <a:r>
+              <a:rPr lang="en-US" sz="2800" spc="12" dirty="0" err="1">
+                <a:solidFill>
+                  <a:srgbClr val="000000"/>
+                </a:solidFill>
+                <a:latin typeface="Fira Sans Light"/>
+              </a:rPr>
+              <a:t>dõi</a:t>
+            </a:r>
+            <a:r>
+              <a:rPr lang="en-US" sz="2800" spc="12" dirty="0">
+                <a:solidFill>
+                  <a:srgbClr val="000000"/>
+                </a:solidFill>
+                <a:latin typeface="Fira Sans Light"/>
+              </a:rPr>
+              <a:t> </a:t>
+            </a:r>
+            <a:r>
+              <a:rPr lang="en-US" sz="2800" spc="12" dirty="0" err="1">
+                <a:solidFill>
+                  <a:srgbClr val="000000"/>
+                </a:solidFill>
+                <a:latin typeface="Fira Sans Light"/>
+              </a:rPr>
+              <a:t>đơn</a:t>
+            </a:r>
+            <a:r>
+              <a:rPr lang="en-US" sz="2800" spc="12" dirty="0">
+                <a:solidFill>
+                  <a:srgbClr val="000000"/>
+                </a:solidFill>
+                <a:latin typeface="Fira Sans Light"/>
+              </a:rPr>
+              <a:t> </a:t>
+            </a:r>
+            <a:r>
+              <a:rPr lang="en-US" sz="2800" spc="12" dirty="0" err="1">
+                <a:solidFill>
+                  <a:srgbClr val="000000"/>
+                </a:solidFill>
+                <a:latin typeface="Fira Sans Light"/>
+              </a:rPr>
+              <a:t>hàng</a:t>
+            </a:r>
+            <a:r>
+              <a:rPr lang="en-US" sz="2800" spc="12" dirty="0">
+                <a:solidFill>
+                  <a:srgbClr val="000000"/>
+                </a:solidFill>
+                <a:latin typeface="Fira Sans Light"/>
+              </a:rPr>
+              <a:t> – </a:t>
+            </a:r>
+            <a:r>
+              <a:rPr lang="en-US" sz="2800" spc="12" dirty="0" err="1">
+                <a:solidFill>
+                  <a:srgbClr val="000000"/>
+                </a:solidFill>
+                <a:latin typeface="Fira Sans Light"/>
+              </a:rPr>
+              <a:t>Khách</a:t>
+            </a:r>
+            <a:r>
+              <a:rPr lang="en-US" sz="2800" spc="12" dirty="0">
+                <a:solidFill>
+                  <a:srgbClr val="000000"/>
+                </a:solidFill>
+                <a:latin typeface="Fira Sans Light"/>
+              </a:rPr>
+              <a:t> </a:t>
+            </a:r>
+            <a:r>
+              <a:rPr lang="en-US" sz="2800" spc="12" dirty="0" err="1">
+                <a:solidFill>
+                  <a:srgbClr val="000000"/>
+                </a:solidFill>
+                <a:latin typeface="Fira Sans Light"/>
+              </a:rPr>
+              <a:t>vãng</a:t>
+            </a:r>
+            <a:r>
+              <a:rPr lang="en-US" sz="2800" spc="12" dirty="0">
+                <a:solidFill>
+                  <a:srgbClr val="000000"/>
+                </a:solidFill>
+                <a:latin typeface="Fira Sans Light"/>
+              </a:rPr>
+              <a:t> </a:t>
+            </a:r>
+            <a:r>
+              <a:rPr lang="en-US" sz="2800" spc="12" dirty="0" err="1">
+                <a:solidFill>
+                  <a:srgbClr val="000000"/>
+                </a:solidFill>
+                <a:latin typeface="Fira Sans Light"/>
+              </a:rPr>
+              <a:t>lai</a:t>
+            </a:r>
+            <a:r>
+              <a:rPr lang="en-US" sz="2800" spc="12" dirty="0">
+                <a:solidFill>
+                  <a:srgbClr val="000000"/>
+                </a:solidFill>
+                <a:latin typeface="Fira Sans Light"/>
+              </a:rPr>
+              <a:t> </a:t>
+            </a:r>
+            <a:r>
+              <a:rPr lang="en-US" sz="2800" spc="12" dirty="0">
+                <a:solidFill>
+                  <a:srgbClr val="000000"/>
+                </a:solidFill>
+                <a:latin typeface="Fira Sans Light"/>
+                <a:sym typeface="Wingdings" panose="05000000000000000000" pitchFamily="2" charset="2"/>
+              </a:rPr>
+              <a:t> </a:t>
+            </a:r>
+            <a:r>
+              <a:rPr lang="en-US" sz="2800" spc="12" dirty="0" err="1">
+                <a:solidFill>
+                  <a:srgbClr val="000000"/>
+                </a:solidFill>
+                <a:latin typeface="Fira Sans Light"/>
+                <a:sym typeface="Wingdings" panose="05000000000000000000" pitchFamily="2" charset="2"/>
+              </a:rPr>
+              <a:t>Lập</a:t>
+            </a:r>
+            <a:r>
+              <a:rPr lang="en-US" sz="2800" spc="12" dirty="0">
+                <a:solidFill>
+                  <a:srgbClr val="000000"/>
+                </a:solidFill>
+                <a:latin typeface="Fira Sans Light"/>
+                <a:sym typeface="Wingdings" panose="05000000000000000000" pitchFamily="2" charset="2"/>
+              </a:rPr>
+              <a:t> </a:t>
+            </a:r>
+            <a:r>
+              <a:rPr lang="en-US" sz="2800" spc="12" dirty="0" err="1">
+                <a:solidFill>
+                  <a:srgbClr val="000000"/>
+                </a:solidFill>
+                <a:latin typeface="Fira Sans Light"/>
+                <a:sym typeface="Wingdings" panose="05000000000000000000" pitchFamily="2" charset="2"/>
+              </a:rPr>
+              <a:t>hóa</a:t>
+            </a:r>
+            <a:r>
+              <a:rPr lang="en-US" sz="2800" spc="12" dirty="0">
+                <a:solidFill>
+                  <a:srgbClr val="000000"/>
+                </a:solidFill>
+                <a:latin typeface="Fira Sans Light"/>
+                <a:sym typeface="Wingdings" panose="05000000000000000000" pitchFamily="2" charset="2"/>
+              </a:rPr>
+              <a:t> </a:t>
+            </a:r>
+            <a:r>
+              <a:rPr lang="en-US" sz="2800" spc="12" dirty="0" err="1">
+                <a:solidFill>
+                  <a:srgbClr val="000000"/>
+                </a:solidFill>
+                <a:latin typeface="Fira Sans Light"/>
+                <a:sym typeface="Wingdings" panose="05000000000000000000" pitchFamily="2" charset="2"/>
+              </a:rPr>
+              <a:t>đơn</a:t>
+            </a:r>
+            <a:r>
+              <a:rPr lang="en-US" sz="2800" spc="12" dirty="0">
+                <a:solidFill>
+                  <a:srgbClr val="000000"/>
+                </a:solidFill>
+                <a:latin typeface="Fira Sans Light"/>
+                <a:sym typeface="Wingdings" panose="05000000000000000000" pitchFamily="2" charset="2"/>
+              </a:rPr>
+              <a:t> (</a:t>
+            </a:r>
+            <a:r>
+              <a:rPr lang="en-US" sz="2800" spc="12" dirty="0" err="1">
+                <a:solidFill>
+                  <a:srgbClr val="000000"/>
+                </a:solidFill>
+                <a:latin typeface="Fira Sans Light"/>
+                <a:sym typeface="Wingdings" panose="05000000000000000000" pitchFamily="2" charset="2"/>
+              </a:rPr>
+              <a:t>Tách</a:t>
+            </a:r>
+            <a:r>
+              <a:rPr lang="en-US" sz="2800" spc="12" dirty="0">
+                <a:solidFill>
+                  <a:srgbClr val="000000"/>
+                </a:solidFill>
+                <a:latin typeface="Fira Sans Light"/>
+                <a:sym typeface="Wingdings" panose="05000000000000000000" pitchFamily="2" charset="2"/>
+              </a:rPr>
+              <a:t>/</a:t>
+            </a:r>
+            <a:r>
+              <a:rPr lang="en-US" sz="2800" spc="12" dirty="0" err="1">
+                <a:solidFill>
+                  <a:srgbClr val="000000"/>
+                </a:solidFill>
+                <a:latin typeface="Fira Sans Light"/>
+                <a:sym typeface="Wingdings" panose="05000000000000000000" pitchFamily="2" charset="2"/>
+              </a:rPr>
+              <a:t>Gộp</a:t>
+            </a:r>
+            <a:r>
+              <a:rPr lang="en-US" sz="2800" spc="12" dirty="0">
+                <a:solidFill>
+                  <a:srgbClr val="000000"/>
+                </a:solidFill>
+                <a:latin typeface="Fira Sans Light"/>
+                <a:sym typeface="Wingdings" panose="05000000000000000000" pitchFamily="2" charset="2"/>
+              </a:rPr>
+              <a:t> </a:t>
+            </a:r>
+            <a:r>
+              <a:rPr lang="en-US" sz="2800" spc="12" dirty="0" err="1">
+                <a:solidFill>
+                  <a:srgbClr val="000000"/>
+                </a:solidFill>
+                <a:latin typeface="Fira Sans Light"/>
+                <a:sym typeface="Wingdings" panose="05000000000000000000" pitchFamily="2" charset="2"/>
+              </a:rPr>
+              <a:t>hóa</a:t>
+            </a:r>
+            <a:r>
+              <a:rPr lang="en-US" sz="2800" spc="12" dirty="0">
+                <a:solidFill>
+                  <a:srgbClr val="000000"/>
+                </a:solidFill>
+                <a:latin typeface="Fira Sans Light"/>
+                <a:sym typeface="Wingdings" panose="05000000000000000000" pitchFamily="2" charset="2"/>
+              </a:rPr>
+              <a:t> </a:t>
+            </a:r>
+            <a:r>
+              <a:rPr lang="en-US" sz="2800" spc="12" dirty="0" err="1">
+                <a:solidFill>
+                  <a:srgbClr val="000000"/>
+                </a:solidFill>
+                <a:latin typeface="Fira Sans Light"/>
+                <a:sym typeface="Wingdings" panose="05000000000000000000" pitchFamily="2" charset="2"/>
+              </a:rPr>
+              <a:t>đơn</a:t>
+            </a:r>
+            <a:r>
+              <a:rPr lang="en-US" sz="2800" spc="12" dirty="0">
+                <a:solidFill>
+                  <a:srgbClr val="000000"/>
+                </a:solidFill>
+                <a:latin typeface="Fira Sans Light"/>
+                <a:sym typeface="Wingdings" panose="05000000000000000000" pitchFamily="2" charset="2"/>
+              </a:rPr>
+              <a:t>)</a:t>
             </a:r>
           </a:p>
           <a:p>
@@ -8091,14 +9321,222 @@
               <a:buChar char="•"/>
             </a:pPr>
             <a:r>
-              <a:rPr lang="vi-VN" sz="2800" spc="12" dirty="0">
-                <a:solidFill>
-                  <a:srgbClr val="000000"/>
-                </a:solidFill>
-                <a:latin typeface="Fira Sans Light"/>
-              </a:rPr>
-              <a:t>Quản lý nhân viên</a:t>
-            </a:r>
+              <a:rPr lang="en-US" sz="2800" spc="12" dirty="0" err="1">
+                <a:solidFill>
+                  <a:srgbClr val="000000"/>
+                </a:solidFill>
+                <a:latin typeface="Fira Sans Light"/>
+                <a:sym typeface="Wingdings" panose="05000000000000000000" pitchFamily="2" charset="2"/>
+              </a:rPr>
+              <a:t>Đặt</a:t>
+            </a:r>
+            <a:r>
+              <a:rPr lang="en-US" sz="2800" spc="12" dirty="0">
+                <a:solidFill>
+                  <a:srgbClr val="000000"/>
+                </a:solidFill>
+                <a:latin typeface="Fira Sans Light"/>
+                <a:sym typeface="Wingdings" panose="05000000000000000000" pitchFamily="2" charset="2"/>
+              </a:rPr>
+              <a:t> </a:t>
+            </a:r>
+            <a:r>
+              <a:rPr lang="en-US" sz="2800" spc="12" dirty="0" err="1">
+                <a:solidFill>
+                  <a:srgbClr val="000000"/>
+                </a:solidFill>
+                <a:latin typeface="Fira Sans Light"/>
+                <a:sym typeface="Wingdings" panose="05000000000000000000" pitchFamily="2" charset="2"/>
+              </a:rPr>
+              <a:t>bàn</a:t>
+            </a:r>
+            <a:r>
+              <a:rPr lang="en-US" sz="2800" spc="12" dirty="0">
+                <a:solidFill>
+                  <a:srgbClr val="000000"/>
+                </a:solidFill>
+                <a:latin typeface="Fira Sans Light"/>
+                <a:sym typeface="Wingdings" panose="05000000000000000000" pitchFamily="2" charset="2"/>
+              </a:rPr>
+              <a:t> </a:t>
+            </a:r>
+            <a:r>
+              <a:rPr lang="en-US" sz="2800" spc="12" dirty="0" err="1">
+                <a:solidFill>
+                  <a:srgbClr val="000000"/>
+                </a:solidFill>
+                <a:latin typeface="Fira Sans Light"/>
+                <a:sym typeface="Wingdings" panose="05000000000000000000" pitchFamily="2" charset="2"/>
+              </a:rPr>
+              <a:t>trước</a:t>
+            </a:r>
+            <a:r>
+              <a:rPr lang="en-US" sz="2800" spc="12" dirty="0">
+                <a:solidFill>
+                  <a:srgbClr val="000000"/>
+                </a:solidFill>
+                <a:latin typeface="Fira Sans Light"/>
+                <a:sym typeface="Wingdings" panose="05000000000000000000" pitchFamily="2" charset="2"/>
+              </a:rPr>
+              <a:t>  </a:t>
+            </a:r>
+            <a:r>
+              <a:rPr lang="en-US" sz="2800" spc="12" dirty="0" err="1">
+                <a:solidFill>
+                  <a:srgbClr val="000000"/>
+                </a:solidFill>
+                <a:latin typeface="Fira Sans Light"/>
+                <a:sym typeface="Wingdings" panose="05000000000000000000" pitchFamily="2" charset="2"/>
+              </a:rPr>
+              <a:t>Cọc</a:t>
+            </a:r>
+            <a:r>
+              <a:rPr lang="en-US" sz="2800" spc="12" dirty="0">
+                <a:solidFill>
+                  <a:srgbClr val="000000"/>
+                </a:solidFill>
+                <a:latin typeface="Fira Sans Light"/>
+                <a:sym typeface="Wingdings" panose="05000000000000000000" pitchFamily="2" charset="2"/>
+              </a:rPr>
+              <a:t> </a:t>
+            </a:r>
+            <a:r>
+              <a:rPr lang="en-US" sz="2800" spc="12" dirty="0" err="1">
+                <a:solidFill>
+                  <a:srgbClr val="000000"/>
+                </a:solidFill>
+                <a:latin typeface="Fira Sans Light"/>
+                <a:sym typeface="Wingdings" panose="05000000000000000000" pitchFamily="2" charset="2"/>
+              </a:rPr>
+              <a:t>tiền</a:t>
+            </a:r>
+            <a:r>
+              <a:rPr lang="en-US" sz="2800" spc="12" dirty="0">
+                <a:solidFill>
+                  <a:srgbClr val="000000"/>
+                </a:solidFill>
+                <a:latin typeface="Fira Sans Light"/>
+                <a:sym typeface="Wingdings" panose="05000000000000000000" pitchFamily="2" charset="2"/>
+              </a:rPr>
+              <a:t>/</a:t>
+            </a:r>
+            <a:r>
+              <a:rPr lang="en-US" sz="2800" spc="12" dirty="0" err="1">
+                <a:solidFill>
+                  <a:srgbClr val="000000"/>
+                </a:solidFill>
+                <a:latin typeface="Fira Sans Light"/>
+                <a:sym typeface="Wingdings" panose="05000000000000000000" pitchFamily="2" charset="2"/>
+              </a:rPr>
+              <a:t>Hủy</a:t>
+            </a:r>
+            <a:r>
+              <a:rPr lang="en-US" sz="2800" spc="12" dirty="0">
+                <a:solidFill>
+                  <a:srgbClr val="000000"/>
+                </a:solidFill>
+                <a:latin typeface="Fira Sans Light"/>
+                <a:sym typeface="Wingdings" panose="05000000000000000000" pitchFamily="2" charset="2"/>
+              </a:rPr>
+              <a:t> </a:t>
+            </a:r>
+            <a:r>
+              <a:rPr lang="en-US" sz="2800" spc="12" dirty="0" err="1">
+                <a:solidFill>
+                  <a:srgbClr val="000000"/>
+                </a:solidFill>
+                <a:latin typeface="Fira Sans Light"/>
+                <a:sym typeface="Wingdings" panose="05000000000000000000" pitchFamily="2" charset="2"/>
+              </a:rPr>
+              <a:t>phiếu</a:t>
+            </a:r>
+            <a:r>
+              <a:rPr lang="en-US" sz="2800" spc="12" dirty="0">
+                <a:solidFill>
+                  <a:srgbClr val="000000"/>
+                </a:solidFill>
+                <a:latin typeface="Fira Sans Light"/>
+                <a:sym typeface="Wingdings" panose="05000000000000000000" pitchFamily="2" charset="2"/>
+              </a:rPr>
+              <a:t> </a:t>
+            </a:r>
+            <a:r>
+              <a:rPr lang="en-US" sz="2800" spc="12" dirty="0" err="1">
+                <a:solidFill>
+                  <a:srgbClr val="000000"/>
+                </a:solidFill>
+                <a:latin typeface="Fira Sans Light"/>
+                <a:sym typeface="Wingdings" panose="05000000000000000000" pitchFamily="2" charset="2"/>
+              </a:rPr>
+              <a:t>đặt</a:t>
+            </a:r>
+            <a:r>
+              <a:rPr lang="en-US" sz="2800" spc="12" dirty="0">
+                <a:solidFill>
+                  <a:srgbClr val="000000"/>
+                </a:solidFill>
+                <a:latin typeface="Fira Sans Light"/>
+                <a:sym typeface="Wingdings" panose="05000000000000000000" pitchFamily="2" charset="2"/>
+              </a:rPr>
+              <a:t> </a:t>
+            </a:r>
+            <a:r>
+              <a:rPr lang="en-US" sz="2800" spc="12" dirty="0" err="1">
+                <a:solidFill>
+                  <a:srgbClr val="000000"/>
+                </a:solidFill>
+                <a:latin typeface="Fira Sans Light"/>
+                <a:sym typeface="Wingdings" panose="05000000000000000000" pitchFamily="2" charset="2"/>
+              </a:rPr>
+              <a:t>trước</a:t>
+            </a:r>
+            <a:r>
+              <a:rPr lang="en-US" sz="2800" spc="12" dirty="0">
+                <a:solidFill>
+                  <a:srgbClr val="000000"/>
+                </a:solidFill>
+                <a:latin typeface="Fira Sans Light"/>
+                <a:sym typeface="Wingdings" panose="05000000000000000000" pitchFamily="2" charset="2"/>
+              </a:rPr>
+              <a:t>  In </a:t>
+            </a:r>
+            <a:r>
+              <a:rPr lang="en-US" sz="2800" spc="12" dirty="0" err="1">
+                <a:solidFill>
+                  <a:srgbClr val="000000"/>
+                </a:solidFill>
+                <a:latin typeface="Fira Sans Light"/>
+                <a:sym typeface="Wingdings" panose="05000000000000000000" pitchFamily="2" charset="2"/>
+              </a:rPr>
+              <a:t>phiếu</a:t>
+            </a:r>
+            <a:r>
+              <a:rPr lang="en-US" sz="2800" spc="12" dirty="0">
+                <a:solidFill>
+                  <a:srgbClr val="000000"/>
+                </a:solidFill>
+                <a:latin typeface="Fira Sans Light"/>
+                <a:sym typeface="Wingdings" panose="05000000000000000000" pitchFamily="2" charset="2"/>
+              </a:rPr>
+              <a:t> </a:t>
+            </a:r>
+            <a:r>
+              <a:rPr lang="en-US" sz="2800" spc="12" dirty="0" err="1">
+                <a:solidFill>
+                  <a:srgbClr val="000000"/>
+                </a:solidFill>
+                <a:latin typeface="Fira Sans Light"/>
+                <a:sym typeface="Wingdings" panose="05000000000000000000" pitchFamily="2" charset="2"/>
+              </a:rPr>
+              <a:t>cọc</a:t>
+            </a:r>
+            <a:endParaRPr lang="en-US" sz="2800" spc="12" dirty="0">
+              <a:solidFill>
+                <a:srgbClr val="000000"/>
+              </a:solidFill>
+              <a:latin typeface="Fira Sans Light"/>
+              <a:sym typeface="Wingdings" panose="05000000000000000000" pitchFamily="2" charset="2"/>
+            </a:endParaRPr>
           </a:p>
           <a:p>
             <a:pPr marL="342900" indent="-342900">
@@ -8109,14 +9547,779 @@
               <a:buChar char="•"/>
             </a:pPr>
             <a:r>
-              <a:rPr lang="vi-VN" sz="2800" spc="12" dirty="0">
-                <a:solidFill>
-                  <a:srgbClr val="000000"/>
-                </a:solidFill>
-                <a:latin typeface="Fira Sans Light"/>
-              </a:rPr>
-              <a:t>Quản lý tài khoản</a:t>
-            </a:r>
+              <a:rPr lang="en-US" sz="2800" spc="12" dirty="0">
+                <a:solidFill>
+                  <a:srgbClr val="000000"/>
+                </a:solidFill>
+                <a:latin typeface="Fira Sans Light"/>
+                <a:sym typeface="Wingdings" panose="05000000000000000000" pitchFamily="2" charset="2"/>
+              </a:rPr>
+              <a:t>Theo </a:t>
+            </a:r>
+            <a:r>
+              <a:rPr lang="en-US" sz="2800" spc="12" dirty="0" err="1">
+                <a:solidFill>
+                  <a:srgbClr val="000000"/>
+                </a:solidFill>
+                <a:latin typeface="Fira Sans Light"/>
+                <a:sym typeface="Wingdings" panose="05000000000000000000" pitchFamily="2" charset="2"/>
+              </a:rPr>
+              <a:t>dõi</a:t>
+            </a:r>
+            <a:r>
+              <a:rPr lang="en-US" sz="2800" spc="12" dirty="0">
+                <a:solidFill>
+                  <a:srgbClr val="000000"/>
+                </a:solidFill>
+                <a:latin typeface="Fira Sans Light"/>
+                <a:sym typeface="Wingdings" panose="05000000000000000000" pitchFamily="2" charset="2"/>
+              </a:rPr>
+              <a:t> </a:t>
+            </a:r>
+            <a:r>
+              <a:rPr lang="en-US" sz="2800" spc="12" dirty="0" err="1">
+                <a:solidFill>
+                  <a:srgbClr val="000000"/>
+                </a:solidFill>
+                <a:latin typeface="Fira Sans Light"/>
+                <a:sym typeface="Wingdings" panose="05000000000000000000" pitchFamily="2" charset="2"/>
+              </a:rPr>
+              <a:t>đơn</a:t>
+            </a:r>
+            <a:r>
+              <a:rPr lang="en-US" sz="2800" spc="12" dirty="0">
+                <a:solidFill>
+                  <a:srgbClr val="000000"/>
+                </a:solidFill>
+                <a:latin typeface="Fira Sans Light"/>
+                <a:sym typeface="Wingdings" panose="05000000000000000000" pitchFamily="2" charset="2"/>
+              </a:rPr>
+              <a:t> </a:t>
+            </a:r>
+            <a:r>
+              <a:rPr lang="en-US" sz="2800" spc="12" dirty="0" err="1">
+                <a:solidFill>
+                  <a:srgbClr val="000000"/>
+                </a:solidFill>
+                <a:latin typeface="Fira Sans Light"/>
+                <a:sym typeface="Wingdings" panose="05000000000000000000" pitchFamily="2" charset="2"/>
+              </a:rPr>
+              <a:t>hàng</a:t>
+            </a:r>
+            <a:r>
+              <a:rPr lang="en-US" sz="2800" spc="12" dirty="0">
+                <a:solidFill>
+                  <a:srgbClr val="000000"/>
+                </a:solidFill>
+                <a:latin typeface="Fira Sans Light"/>
+                <a:sym typeface="Wingdings" panose="05000000000000000000" pitchFamily="2" charset="2"/>
+              </a:rPr>
+              <a:t> – </a:t>
+            </a:r>
+            <a:r>
+              <a:rPr lang="en-US" sz="2800" spc="12" dirty="0" err="1">
+                <a:solidFill>
+                  <a:srgbClr val="000000"/>
+                </a:solidFill>
+                <a:latin typeface="Fira Sans Light"/>
+                <a:sym typeface="Wingdings" panose="05000000000000000000" pitchFamily="2" charset="2"/>
+              </a:rPr>
+              <a:t>Khách</a:t>
+            </a:r>
+            <a:r>
+              <a:rPr lang="en-US" sz="2800" spc="12" dirty="0">
+                <a:solidFill>
+                  <a:srgbClr val="000000"/>
+                </a:solidFill>
+                <a:latin typeface="Fira Sans Light"/>
+                <a:sym typeface="Wingdings" panose="05000000000000000000" pitchFamily="2" charset="2"/>
+              </a:rPr>
+              <a:t> </a:t>
+            </a:r>
+            <a:r>
+              <a:rPr lang="en-US" sz="2800" spc="12" dirty="0" err="1">
+                <a:solidFill>
+                  <a:srgbClr val="000000"/>
+                </a:solidFill>
+                <a:latin typeface="Fira Sans Light"/>
+                <a:sym typeface="Wingdings" panose="05000000000000000000" pitchFamily="2" charset="2"/>
+              </a:rPr>
+              <a:t>đặt</a:t>
+            </a:r>
+            <a:r>
+              <a:rPr lang="en-US" sz="2800" spc="12" dirty="0">
+                <a:solidFill>
+                  <a:srgbClr val="000000"/>
+                </a:solidFill>
+                <a:latin typeface="Fira Sans Light"/>
+                <a:sym typeface="Wingdings" panose="05000000000000000000" pitchFamily="2" charset="2"/>
+              </a:rPr>
+              <a:t> </a:t>
+            </a:r>
+            <a:r>
+              <a:rPr lang="en-US" sz="2800" spc="12" dirty="0" err="1">
+                <a:solidFill>
+                  <a:srgbClr val="000000"/>
+                </a:solidFill>
+                <a:latin typeface="Fira Sans Light"/>
+                <a:sym typeface="Wingdings" panose="05000000000000000000" pitchFamily="2" charset="2"/>
+              </a:rPr>
+              <a:t>trước</a:t>
+            </a:r>
+            <a:r>
+              <a:rPr lang="en-US" sz="2800" spc="12" dirty="0">
+                <a:solidFill>
+                  <a:srgbClr val="000000"/>
+                </a:solidFill>
+                <a:latin typeface="Fira Sans Light"/>
+                <a:sym typeface="Wingdings" panose="05000000000000000000" pitchFamily="2" charset="2"/>
+              </a:rPr>
+              <a:t>  </a:t>
+            </a:r>
+            <a:r>
+              <a:rPr lang="en-US" sz="2800" spc="12" dirty="0" err="1">
+                <a:solidFill>
+                  <a:srgbClr val="000000"/>
+                </a:solidFill>
+                <a:latin typeface="Fira Sans Light"/>
+                <a:sym typeface="Wingdings" panose="05000000000000000000" pitchFamily="2" charset="2"/>
+              </a:rPr>
+              <a:t>Lập</a:t>
+            </a:r>
+            <a:r>
+              <a:rPr lang="en-US" sz="2800" spc="12" dirty="0">
+                <a:solidFill>
+                  <a:srgbClr val="000000"/>
+                </a:solidFill>
+                <a:latin typeface="Fira Sans Light"/>
+                <a:sym typeface="Wingdings" panose="05000000000000000000" pitchFamily="2" charset="2"/>
+              </a:rPr>
+              <a:t> </a:t>
+            </a:r>
+            <a:r>
+              <a:rPr lang="en-US" sz="2800" spc="12" dirty="0" err="1">
+                <a:solidFill>
+                  <a:srgbClr val="000000"/>
+                </a:solidFill>
+                <a:latin typeface="Fira Sans Light"/>
+                <a:sym typeface="Wingdings" panose="05000000000000000000" pitchFamily="2" charset="2"/>
+              </a:rPr>
+              <a:t>hóa</a:t>
+            </a:r>
+            <a:r>
+              <a:rPr lang="en-US" sz="2800" spc="12" dirty="0">
+                <a:solidFill>
+                  <a:srgbClr val="000000"/>
+                </a:solidFill>
+                <a:latin typeface="Fira Sans Light"/>
+                <a:sym typeface="Wingdings" panose="05000000000000000000" pitchFamily="2" charset="2"/>
+              </a:rPr>
+              <a:t> </a:t>
+            </a:r>
+            <a:r>
+              <a:rPr lang="en-US" sz="2800" spc="12" dirty="0" err="1">
+                <a:solidFill>
+                  <a:srgbClr val="000000"/>
+                </a:solidFill>
+                <a:latin typeface="Fira Sans Light"/>
+                <a:sym typeface="Wingdings" panose="05000000000000000000" pitchFamily="2" charset="2"/>
+              </a:rPr>
+              <a:t>đơn</a:t>
+            </a:r>
+            <a:endParaRPr lang="en-US" sz="2800" spc="12" dirty="0">
+              <a:solidFill>
+                <a:srgbClr val="000000"/>
+              </a:solidFill>
+              <a:latin typeface="Fira Sans Light"/>
+              <a:sym typeface="Wingdings" panose="05000000000000000000" pitchFamily="2" charset="2"/>
+            </a:endParaRPr>
+          </a:p>
+          <a:p>
+            <a:pPr marL="342900" indent="-342900">
+              <a:lnSpc>
+                <a:spcPts val="3499"/>
+              </a:lnSpc>
+              <a:buFont typeface="Arial" panose="020B0604020202020204" pitchFamily="34" charset="0"/>
+              <a:buChar char="•"/>
+            </a:pPr>
+            <a:r>
+              <a:rPr lang="en-US" sz="2800" spc="12" dirty="0" err="1">
+                <a:solidFill>
+                  <a:srgbClr val="000000"/>
+                </a:solidFill>
+                <a:latin typeface="Fira Sans Light"/>
+                <a:sym typeface="Wingdings" panose="05000000000000000000" pitchFamily="2" charset="2"/>
+              </a:rPr>
+              <a:t>Thống</a:t>
+            </a:r>
+            <a:r>
+              <a:rPr lang="en-US" sz="2800" spc="12" dirty="0">
+                <a:solidFill>
+                  <a:srgbClr val="000000"/>
+                </a:solidFill>
+                <a:latin typeface="Fira Sans Light"/>
+                <a:sym typeface="Wingdings" panose="05000000000000000000" pitchFamily="2" charset="2"/>
+              </a:rPr>
+              <a:t> </a:t>
+            </a:r>
+            <a:r>
+              <a:rPr lang="en-US" sz="2800" spc="12" dirty="0" err="1">
+                <a:solidFill>
+                  <a:srgbClr val="000000"/>
+                </a:solidFill>
+                <a:latin typeface="Fira Sans Light"/>
+                <a:sym typeface="Wingdings" panose="05000000000000000000" pitchFamily="2" charset="2"/>
+              </a:rPr>
+              <a:t>kê</a:t>
+            </a:r>
+            <a:r>
+              <a:rPr lang="en-US" sz="2800" spc="12" dirty="0">
+                <a:solidFill>
+                  <a:srgbClr val="000000"/>
+                </a:solidFill>
+                <a:latin typeface="Fira Sans Light"/>
+                <a:sym typeface="Wingdings" panose="05000000000000000000" pitchFamily="2" charset="2"/>
+              </a:rPr>
+              <a:t>  </a:t>
+            </a:r>
+            <a:r>
+              <a:rPr lang="en-US" sz="2800" spc="12" dirty="0" err="1">
+                <a:solidFill>
+                  <a:srgbClr val="000000"/>
+                </a:solidFill>
+                <a:latin typeface="Fira Sans Light"/>
+                <a:sym typeface="Wingdings" panose="05000000000000000000" pitchFamily="2" charset="2"/>
+              </a:rPr>
+              <a:t>Thống</a:t>
+            </a:r>
+            <a:r>
+              <a:rPr lang="en-US" sz="2800" spc="12" dirty="0">
+                <a:solidFill>
+                  <a:srgbClr val="000000"/>
+                </a:solidFill>
+                <a:latin typeface="Fira Sans Light"/>
+                <a:sym typeface="Wingdings" panose="05000000000000000000" pitchFamily="2" charset="2"/>
+              </a:rPr>
+              <a:t> </a:t>
+            </a:r>
+            <a:r>
+              <a:rPr lang="en-US" sz="2800" spc="12" dirty="0" err="1">
+                <a:solidFill>
+                  <a:srgbClr val="000000"/>
+                </a:solidFill>
+                <a:latin typeface="Fira Sans Light"/>
+                <a:sym typeface="Wingdings" panose="05000000000000000000" pitchFamily="2" charset="2"/>
+              </a:rPr>
+              <a:t>kê</a:t>
+            </a:r>
+            <a:r>
+              <a:rPr lang="en-US" sz="2800" spc="12" dirty="0">
+                <a:solidFill>
+                  <a:srgbClr val="000000"/>
+                </a:solidFill>
+                <a:latin typeface="Fira Sans Light"/>
+                <a:sym typeface="Wingdings" panose="05000000000000000000" pitchFamily="2" charset="2"/>
+              </a:rPr>
+              <a:t> </a:t>
+            </a:r>
+            <a:r>
+              <a:rPr lang="en-US" sz="2800" spc="12" dirty="0" err="1">
+                <a:solidFill>
+                  <a:srgbClr val="000000"/>
+                </a:solidFill>
+                <a:latin typeface="Fira Sans Light"/>
+                <a:sym typeface="Wingdings" panose="05000000000000000000" pitchFamily="2" charset="2"/>
+              </a:rPr>
+              <a:t>doanh</a:t>
+            </a:r>
+            <a:r>
+              <a:rPr lang="en-US" sz="2800" spc="12" dirty="0">
+                <a:solidFill>
+                  <a:srgbClr val="000000"/>
+                </a:solidFill>
+                <a:latin typeface="Fira Sans Light"/>
+                <a:sym typeface="Wingdings" panose="05000000000000000000" pitchFamily="2" charset="2"/>
+              </a:rPr>
+              <a:t> </a:t>
+            </a:r>
+            <a:r>
+              <a:rPr lang="en-US" sz="2800" spc="12" dirty="0" err="1">
+                <a:solidFill>
+                  <a:srgbClr val="000000"/>
+                </a:solidFill>
+                <a:latin typeface="Fira Sans Light"/>
+                <a:sym typeface="Wingdings" panose="05000000000000000000" pitchFamily="2" charset="2"/>
+              </a:rPr>
+              <a:t>thu</a:t>
+            </a:r>
+            <a:r>
+              <a:rPr lang="en-US" sz="2800" spc="12" dirty="0">
+                <a:solidFill>
+                  <a:srgbClr val="000000"/>
+                </a:solidFill>
+                <a:latin typeface="Fira Sans Light"/>
+                <a:sym typeface="Wingdings" panose="05000000000000000000" pitchFamily="2" charset="2"/>
+              </a:rPr>
+              <a:t> </a:t>
+            </a:r>
+            <a:r>
+              <a:rPr lang="en-US" sz="2800" spc="12" dirty="0" err="1">
+                <a:solidFill>
+                  <a:srgbClr val="000000"/>
+                </a:solidFill>
+                <a:latin typeface="Fira Sans Light"/>
+                <a:sym typeface="Wingdings" panose="05000000000000000000" pitchFamily="2" charset="2"/>
+              </a:rPr>
+              <a:t>theo</a:t>
+            </a:r>
+            <a:r>
+              <a:rPr lang="en-US" sz="2800" spc="12" dirty="0">
+                <a:solidFill>
+                  <a:srgbClr val="000000"/>
+                </a:solidFill>
+                <a:latin typeface="Fira Sans Light"/>
+                <a:sym typeface="Wingdings" panose="05000000000000000000" pitchFamily="2" charset="2"/>
+              </a:rPr>
+              <a:t> </a:t>
+            </a:r>
+            <a:r>
+              <a:rPr lang="en-US" sz="2800" spc="12" dirty="0" err="1">
+                <a:solidFill>
+                  <a:srgbClr val="000000"/>
+                </a:solidFill>
+                <a:latin typeface="Fira Sans Light"/>
+                <a:sym typeface="Wingdings" panose="05000000000000000000" pitchFamily="2" charset="2"/>
+              </a:rPr>
+              <a:t>tháng</a:t>
+            </a:r>
+            <a:r>
+              <a:rPr lang="en-US" sz="2800" spc="12" dirty="0">
+                <a:solidFill>
+                  <a:srgbClr val="000000"/>
+                </a:solidFill>
+                <a:latin typeface="Fira Sans Light"/>
+                <a:sym typeface="Wingdings" panose="05000000000000000000" pitchFamily="2" charset="2"/>
+              </a:rPr>
+              <a:t>, </a:t>
+            </a:r>
+            <a:r>
+              <a:rPr lang="en-US" sz="2800" spc="12" dirty="0" err="1">
+                <a:solidFill>
+                  <a:srgbClr val="000000"/>
+                </a:solidFill>
+                <a:latin typeface="Fira Sans Light"/>
+                <a:sym typeface="Wingdings" panose="05000000000000000000" pitchFamily="2" charset="2"/>
+              </a:rPr>
+              <a:t>thống</a:t>
+            </a:r>
+            <a:r>
+              <a:rPr lang="en-US" sz="2800" spc="12" dirty="0">
+                <a:solidFill>
+                  <a:srgbClr val="000000"/>
+                </a:solidFill>
+                <a:latin typeface="Fira Sans Light"/>
+                <a:sym typeface="Wingdings" panose="05000000000000000000" pitchFamily="2" charset="2"/>
+              </a:rPr>
+              <a:t> </a:t>
+            </a:r>
+            <a:r>
+              <a:rPr lang="en-US" sz="2800" spc="12" dirty="0" err="1">
+                <a:solidFill>
+                  <a:srgbClr val="000000"/>
+                </a:solidFill>
+                <a:latin typeface="Fira Sans Light"/>
+                <a:sym typeface="Wingdings" panose="05000000000000000000" pitchFamily="2" charset="2"/>
+              </a:rPr>
+              <a:t>kê</a:t>
+            </a:r>
+            <a:r>
+              <a:rPr lang="en-US" sz="2800" spc="12" dirty="0">
+                <a:solidFill>
+                  <a:srgbClr val="000000"/>
+                </a:solidFill>
+                <a:latin typeface="Fira Sans Light"/>
+                <a:sym typeface="Wingdings" panose="05000000000000000000" pitchFamily="2" charset="2"/>
+              </a:rPr>
+              <a:t> </a:t>
+            </a:r>
+            <a:r>
+              <a:rPr lang="en-US" sz="2800" spc="12" dirty="0" err="1">
+                <a:solidFill>
+                  <a:srgbClr val="000000"/>
+                </a:solidFill>
+                <a:latin typeface="Fira Sans Light"/>
+                <a:sym typeface="Wingdings" panose="05000000000000000000" pitchFamily="2" charset="2"/>
+              </a:rPr>
+              <a:t>lợi</a:t>
+            </a:r>
+            <a:r>
+              <a:rPr lang="en-US" sz="2800" spc="12" dirty="0">
+                <a:solidFill>
+                  <a:srgbClr val="000000"/>
+                </a:solidFill>
+                <a:latin typeface="Fira Sans Light"/>
+                <a:sym typeface="Wingdings" panose="05000000000000000000" pitchFamily="2" charset="2"/>
+              </a:rPr>
+              <a:t> </a:t>
+            </a:r>
+            <a:r>
+              <a:rPr lang="en-US" sz="2800" spc="12" dirty="0" err="1">
+                <a:solidFill>
+                  <a:srgbClr val="000000"/>
+                </a:solidFill>
+                <a:latin typeface="Fira Sans Light"/>
+                <a:sym typeface="Wingdings" panose="05000000000000000000" pitchFamily="2" charset="2"/>
+              </a:rPr>
+              <a:t>nhuận</a:t>
+            </a:r>
+            <a:r>
+              <a:rPr lang="en-US" sz="2800" spc="12" dirty="0">
+                <a:solidFill>
+                  <a:srgbClr val="000000"/>
+                </a:solidFill>
+                <a:latin typeface="Fira Sans Light"/>
+                <a:sym typeface="Wingdings" panose="05000000000000000000" pitchFamily="2" charset="2"/>
+              </a:rPr>
+              <a:t> </a:t>
+            </a:r>
+            <a:r>
+              <a:rPr lang="en-US" sz="2800" spc="12" dirty="0" err="1">
+                <a:solidFill>
+                  <a:srgbClr val="000000"/>
+                </a:solidFill>
+                <a:latin typeface="Fira Sans Light"/>
+                <a:sym typeface="Wingdings" panose="05000000000000000000" pitchFamily="2" charset="2"/>
+              </a:rPr>
+              <a:t>theo</a:t>
+            </a:r>
+            <a:r>
+              <a:rPr lang="en-US" sz="2800" spc="12" dirty="0">
+                <a:solidFill>
+                  <a:srgbClr val="000000"/>
+                </a:solidFill>
+                <a:latin typeface="Fira Sans Light"/>
+                <a:sym typeface="Wingdings" panose="05000000000000000000" pitchFamily="2" charset="2"/>
+              </a:rPr>
+              <a:t> </a:t>
+            </a:r>
+            <a:r>
+              <a:rPr lang="en-US" sz="2800" spc="12" dirty="0" err="1">
+                <a:solidFill>
+                  <a:srgbClr val="000000"/>
+                </a:solidFill>
+                <a:latin typeface="Fira Sans Light"/>
+                <a:sym typeface="Wingdings" panose="05000000000000000000" pitchFamily="2" charset="2"/>
+              </a:rPr>
+              <a:t>tháng</a:t>
+            </a:r>
+            <a:r>
+              <a:rPr lang="en-US" sz="2800" spc="12" dirty="0">
+                <a:solidFill>
+                  <a:srgbClr val="000000"/>
+                </a:solidFill>
+                <a:latin typeface="Fira Sans Light"/>
+                <a:sym typeface="Wingdings" panose="05000000000000000000" pitchFamily="2" charset="2"/>
+              </a:rPr>
+              <a:t>, </a:t>
+            </a:r>
+            <a:r>
+              <a:rPr lang="en-US" sz="2800" spc="12" dirty="0" err="1">
+                <a:solidFill>
+                  <a:srgbClr val="000000"/>
+                </a:solidFill>
+                <a:latin typeface="Fira Sans Light"/>
+                <a:sym typeface="Wingdings" panose="05000000000000000000" pitchFamily="2" charset="2"/>
+              </a:rPr>
+              <a:t>thống</a:t>
+            </a:r>
+            <a:r>
+              <a:rPr lang="en-US" sz="2800" spc="12" dirty="0">
+                <a:solidFill>
+                  <a:srgbClr val="000000"/>
+                </a:solidFill>
+                <a:latin typeface="Fira Sans Light"/>
+                <a:sym typeface="Wingdings" panose="05000000000000000000" pitchFamily="2" charset="2"/>
+              </a:rPr>
+              <a:t> </a:t>
+            </a:r>
+            <a:r>
+              <a:rPr lang="en-US" sz="2800" spc="12" dirty="0" err="1">
+                <a:solidFill>
+                  <a:srgbClr val="000000"/>
+                </a:solidFill>
+                <a:latin typeface="Fira Sans Light"/>
+                <a:sym typeface="Wingdings" panose="05000000000000000000" pitchFamily="2" charset="2"/>
+              </a:rPr>
+              <a:t>kê</a:t>
+            </a:r>
+            <a:r>
+              <a:rPr lang="en-US" sz="2800" spc="12" dirty="0">
+                <a:solidFill>
+                  <a:srgbClr val="000000"/>
+                </a:solidFill>
+                <a:latin typeface="Fira Sans Light"/>
+                <a:sym typeface="Wingdings" panose="05000000000000000000" pitchFamily="2" charset="2"/>
+              </a:rPr>
+              <a:t> </a:t>
+            </a:r>
+            <a:r>
+              <a:rPr lang="en-US" sz="2800" spc="12" dirty="0" err="1">
+                <a:solidFill>
+                  <a:srgbClr val="000000"/>
+                </a:solidFill>
+                <a:latin typeface="Fira Sans Light"/>
+                <a:sym typeface="Wingdings" panose="05000000000000000000" pitchFamily="2" charset="2"/>
+              </a:rPr>
+              <a:t>tiền</a:t>
+            </a:r>
+            <a:r>
+              <a:rPr lang="en-US" sz="2800" spc="12" dirty="0">
+                <a:solidFill>
+                  <a:srgbClr val="000000"/>
+                </a:solidFill>
+                <a:latin typeface="Fira Sans Light"/>
+                <a:sym typeface="Wingdings" panose="05000000000000000000" pitchFamily="2" charset="2"/>
+              </a:rPr>
+              <a:t> </a:t>
+            </a:r>
+            <a:r>
+              <a:rPr lang="en-US" sz="2800" spc="12" dirty="0" err="1">
+                <a:solidFill>
+                  <a:srgbClr val="000000"/>
+                </a:solidFill>
+                <a:latin typeface="Fira Sans Light"/>
+                <a:sym typeface="Wingdings" panose="05000000000000000000" pitchFamily="2" charset="2"/>
+              </a:rPr>
+              <a:t>đi</a:t>
+            </a:r>
+            <a:r>
+              <a:rPr lang="en-US" sz="2800" spc="12" dirty="0">
+                <a:solidFill>
+                  <a:srgbClr val="000000"/>
+                </a:solidFill>
+                <a:latin typeface="Fira Sans Light"/>
+                <a:sym typeface="Wingdings" panose="05000000000000000000" pitchFamily="2" charset="2"/>
+              </a:rPr>
+              <a:t> 		     </a:t>
+            </a:r>
+            <a:r>
+              <a:rPr lang="en-US" sz="2800" spc="12" dirty="0" err="1">
+                <a:solidFill>
+                  <a:srgbClr val="000000"/>
+                </a:solidFill>
+                <a:latin typeface="Fira Sans Light"/>
+                <a:sym typeface="Wingdings" panose="05000000000000000000" pitchFamily="2" charset="2"/>
+              </a:rPr>
+              <a:t>chợ</a:t>
+            </a:r>
+            <a:r>
+              <a:rPr lang="en-US" sz="2800" spc="12" dirty="0">
+                <a:solidFill>
+                  <a:srgbClr val="000000"/>
+                </a:solidFill>
+                <a:latin typeface="Fira Sans Light"/>
+                <a:sym typeface="Wingdings" panose="05000000000000000000" pitchFamily="2" charset="2"/>
+              </a:rPr>
+              <a:t> </a:t>
+            </a:r>
+            <a:r>
+              <a:rPr lang="en-US" sz="2800" spc="12" dirty="0" err="1">
+                <a:solidFill>
+                  <a:srgbClr val="000000"/>
+                </a:solidFill>
+                <a:latin typeface="Fira Sans Light"/>
+                <a:sym typeface="Wingdings" panose="05000000000000000000" pitchFamily="2" charset="2"/>
+              </a:rPr>
+              <a:t>theo</a:t>
+            </a:r>
+            <a:r>
+              <a:rPr lang="en-US" sz="2800" spc="12" dirty="0">
+                <a:solidFill>
+                  <a:srgbClr val="000000"/>
+                </a:solidFill>
+                <a:latin typeface="Fira Sans Light"/>
+                <a:sym typeface="Wingdings" panose="05000000000000000000" pitchFamily="2" charset="2"/>
+              </a:rPr>
+              <a:t> </a:t>
+            </a:r>
+            <a:r>
+              <a:rPr lang="en-US" sz="2800" spc="12" dirty="0" err="1">
+                <a:solidFill>
+                  <a:srgbClr val="000000"/>
+                </a:solidFill>
+                <a:latin typeface="Fira Sans Light"/>
+                <a:sym typeface="Wingdings" panose="05000000000000000000" pitchFamily="2" charset="2"/>
+              </a:rPr>
+              <a:t>ngày</a:t>
+            </a:r>
+            <a:endParaRPr lang="en-US" sz="2800" spc="12" dirty="0">
+              <a:solidFill>
+                <a:srgbClr val="000000"/>
+              </a:solidFill>
+              <a:latin typeface="Fira Sans Light"/>
+              <a:sym typeface="Wingdings" panose="05000000000000000000" pitchFamily="2" charset="2"/>
+            </a:endParaRPr>
+          </a:p>
+          <a:p>
+            <a:pPr marL="342900" indent="-342900">
+              <a:lnSpc>
+                <a:spcPts val="3499"/>
+              </a:lnSpc>
+              <a:buFont typeface="Arial" panose="020B0604020202020204" pitchFamily="34" charset="0"/>
+              <a:buChar char="•"/>
+            </a:pPr>
+            <a:r>
+              <a:rPr lang="en-US" sz="2800" spc="12" dirty="0" err="1">
+                <a:solidFill>
+                  <a:srgbClr val="000000"/>
+                </a:solidFill>
+                <a:latin typeface="Fira Sans Light"/>
+                <a:sym typeface="Wingdings" panose="05000000000000000000" pitchFamily="2" charset="2"/>
+              </a:rPr>
+              <a:t>Lập</a:t>
+            </a:r>
+            <a:r>
+              <a:rPr lang="en-US" sz="2800" spc="12" dirty="0">
+                <a:solidFill>
+                  <a:srgbClr val="000000"/>
+                </a:solidFill>
+                <a:latin typeface="Fira Sans Light"/>
+                <a:sym typeface="Wingdings" panose="05000000000000000000" pitchFamily="2" charset="2"/>
+              </a:rPr>
+              <a:t> </a:t>
+            </a:r>
+            <a:r>
+              <a:rPr lang="en-US" sz="2800" spc="12" dirty="0" err="1">
+                <a:solidFill>
+                  <a:srgbClr val="000000"/>
+                </a:solidFill>
+                <a:latin typeface="Fira Sans Light"/>
+                <a:sym typeface="Wingdings" panose="05000000000000000000" pitchFamily="2" charset="2"/>
+              </a:rPr>
+              <a:t>phiếu</a:t>
+            </a:r>
+            <a:r>
+              <a:rPr lang="en-US" sz="2800" spc="12" dirty="0">
+                <a:solidFill>
+                  <a:srgbClr val="000000"/>
+                </a:solidFill>
+                <a:latin typeface="Fira Sans Light"/>
+                <a:sym typeface="Wingdings" panose="05000000000000000000" pitchFamily="2" charset="2"/>
+              </a:rPr>
+              <a:t> </a:t>
+            </a:r>
+            <a:r>
+              <a:rPr lang="en-US" sz="2800" spc="12" dirty="0" err="1">
+                <a:solidFill>
+                  <a:srgbClr val="000000"/>
+                </a:solidFill>
+                <a:latin typeface="Fira Sans Light"/>
+                <a:sym typeface="Wingdings" panose="05000000000000000000" pitchFamily="2" charset="2"/>
+              </a:rPr>
+              <a:t>mua</a:t>
+            </a:r>
+            <a:r>
+              <a:rPr lang="en-US" sz="2800" spc="12" dirty="0">
+                <a:solidFill>
+                  <a:srgbClr val="000000"/>
+                </a:solidFill>
+                <a:latin typeface="Fira Sans Light"/>
+                <a:sym typeface="Wingdings" panose="05000000000000000000" pitchFamily="2" charset="2"/>
+              </a:rPr>
+              <a:t> </a:t>
+            </a:r>
+            <a:r>
+              <a:rPr lang="en-US" sz="2800" spc="12" dirty="0" err="1">
+                <a:solidFill>
+                  <a:srgbClr val="000000"/>
+                </a:solidFill>
+                <a:latin typeface="Fira Sans Light"/>
+                <a:sym typeface="Wingdings" panose="05000000000000000000" pitchFamily="2" charset="2"/>
+              </a:rPr>
+              <a:t>và</a:t>
+            </a:r>
+            <a:r>
+              <a:rPr lang="en-US" sz="2800" spc="12" dirty="0">
+                <a:solidFill>
+                  <a:srgbClr val="000000"/>
+                </a:solidFill>
+                <a:latin typeface="Fira Sans Light"/>
+                <a:sym typeface="Wingdings" panose="05000000000000000000" pitchFamily="2" charset="2"/>
+              </a:rPr>
+              <a:t> </a:t>
+            </a:r>
+            <a:r>
+              <a:rPr lang="en-US" sz="2800" spc="12" dirty="0" err="1">
+                <a:solidFill>
+                  <a:srgbClr val="000000"/>
+                </a:solidFill>
+                <a:latin typeface="Fira Sans Light"/>
+                <a:sym typeface="Wingdings" panose="05000000000000000000" pitchFamily="2" charset="2"/>
+              </a:rPr>
+              <a:t>nhập</a:t>
+            </a:r>
+            <a:r>
+              <a:rPr lang="en-US" sz="2800" spc="12" dirty="0">
+                <a:solidFill>
+                  <a:srgbClr val="000000"/>
+                </a:solidFill>
+                <a:latin typeface="Fira Sans Light"/>
+                <a:sym typeface="Wingdings" panose="05000000000000000000" pitchFamily="2" charset="2"/>
+              </a:rPr>
+              <a:t> </a:t>
+            </a:r>
+            <a:r>
+              <a:rPr lang="en-US" sz="2800" spc="12" dirty="0" err="1">
+                <a:solidFill>
+                  <a:srgbClr val="000000"/>
+                </a:solidFill>
+                <a:latin typeface="Fira Sans Light"/>
+                <a:sym typeface="Wingdings" panose="05000000000000000000" pitchFamily="2" charset="2"/>
+              </a:rPr>
+              <a:t>nguyên</a:t>
+            </a:r>
+            <a:r>
+              <a:rPr lang="en-US" sz="2800" spc="12" dirty="0">
+                <a:solidFill>
+                  <a:srgbClr val="000000"/>
+                </a:solidFill>
+                <a:latin typeface="Fira Sans Light"/>
+                <a:sym typeface="Wingdings" panose="05000000000000000000" pitchFamily="2" charset="2"/>
+              </a:rPr>
+              <a:t> </a:t>
+            </a:r>
+            <a:r>
+              <a:rPr lang="en-US" sz="2800" spc="12" dirty="0" err="1">
+                <a:solidFill>
+                  <a:srgbClr val="000000"/>
+                </a:solidFill>
+                <a:latin typeface="Fira Sans Light"/>
+                <a:sym typeface="Wingdings" panose="05000000000000000000" pitchFamily="2" charset="2"/>
+              </a:rPr>
+              <a:t>liệu</a:t>
+            </a:r>
+            <a:endParaRPr lang="en-US" sz="2800" spc="12" dirty="0">
+              <a:solidFill>
+                <a:srgbClr val="000000"/>
+              </a:solidFill>
+              <a:latin typeface="Fira Sans Light"/>
+              <a:sym typeface="Wingdings" panose="05000000000000000000" pitchFamily="2" charset="2"/>
+            </a:endParaRPr>
+          </a:p>
+          <a:p>
+            <a:pPr marL="342900" indent="-342900">
+              <a:lnSpc>
+                <a:spcPts val="3499"/>
+              </a:lnSpc>
+              <a:buFont typeface="Arial" panose="020B0604020202020204" pitchFamily="34" charset="0"/>
+              <a:buChar char="•"/>
+            </a:pPr>
+            <a:endParaRPr lang="vi-VN" sz="2800" spc="12" dirty="0">
+              <a:solidFill>
+                <a:srgbClr val="000000"/>
+              </a:solidFill>
+              <a:latin typeface="Fira Sans Light"/>
+            </a:endParaRPr>
           </a:p>
         </p:txBody>
       </p:sp>
@@ -8134,7 +10337,7 @@
         </p:nvSpPr>
         <p:spPr>
           <a:xfrm>
-            <a:off x="10287000" y="419100"/>
+            <a:off x="2301240" y="5448300"/>
             <a:ext cx="3995120" cy="352019"/>
           </a:xfrm>
           <a:prstGeom prst="rect">
@@ -10095,7 +12298,7 @@
         </p:blipFill>
         <p:spPr bwMode="auto">
           <a:xfrm>
-            <a:off x="462550" y="1505823"/>
+            <a:off x="12588030" y="1482062"/>
             <a:ext cx="4922937" cy="1198880"/>
           </a:xfrm>
           <a:prstGeom prst="rect">
@@ -10137,7 +12340,7 @@
         </p:blipFill>
         <p:spPr>
           <a:xfrm>
-            <a:off x="7007225" y="1339453"/>
+            <a:off x="7007224" y="1339453"/>
             <a:ext cx="4273550" cy="1346200"/>
           </a:xfrm>
           <a:prstGeom prst="rect">
@@ -10170,7 +12373,7 @@
         </p:blipFill>
         <p:spPr bwMode="auto">
           <a:xfrm>
-            <a:off x="12902513" y="1253728"/>
+            <a:off x="1003617" y="1253728"/>
             <a:ext cx="4295775" cy="1517650"/>
           </a:xfrm>
           <a:prstGeom prst="rect">
@@ -10211,7 +12414,7 @@
         </p:blipFill>
         <p:spPr bwMode="auto">
           <a:xfrm>
-            <a:off x="457200" y="3225833"/>
+            <a:off x="1008062" y="3317449"/>
             <a:ext cx="4291330" cy="1422400"/>
           </a:xfrm>
           <a:prstGeom prst="rect">
@@ -10253,7 +12456,7 @@
         </p:blipFill>
         <p:spPr>
           <a:xfrm>
-            <a:off x="7053580" y="3290920"/>
+            <a:off x="7007224" y="3532976"/>
             <a:ext cx="4180840" cy="1292225"/>
           </a:xfrm>
           <a:prstGeom prst="rect">
@@ -10287,7 +12490,7 @@
         </p:blipFill>
         <p:spPr>
           <a:xfrm>
-            <a:off x="5288915" y="7092315"/>
+            <a:off x="14195107" y="7237483"/>
             <a:ext cx="1708785" cy="1708785"/>
           </a:xfrm>
           <a:prstGeom prst="rect">
@@ -10320,7 +12523,7 @@
         </p:blipFill>
         <p:spPr bwMode="auto">
           <a:xfrm>
-            <a:off x="8153400" y="7249477"/>
+            <a:off x="7292022" y="7394646"/>
             <a:ext cx="3703955" cy="1394460"/>
           </a:xfrm>
           <a:prstGeom prst="rect">
@@ -10361,7 +12564,7 @@
         </p:blipFill>
         <p:spPr bwMode="auto">
           <a:xfrm>
-            <a:off x="442912" y="6863715"/>
+            <a:off x="1219200" y="6884384"/>
             <a:ext cx="3864610" cy="1798955"/>
           </a:xfrm>
           <a:prstGeom prst="rect">
@@ -10406,7 +12609,7 @@
         </p:blipFill>
         <p:spPr bwMode="auto">
           <a:xfrm>
-            <a:off x="12268200" y="3305385"/>
+            <a:off x="12268198" y="3349664"/>
             <a:ext cx="5562600" cy="1658847"/>
           </a:xfrm>
           <a:prstGeom prst="rect">

--- a/ppt - báo cáo đồ án tốt nghiệp.pptx
+++ b/ppt - báo cáo đồ án tốt nghiệp.pptx
@@ -7,6 +7,9 @@
   <p:notesMasterIdLst>
     <p:notesMasterId r:id="rId21"/>
   </p:notesMasterIdLst>
+  <p:handoutMasterIdLst>
+    <p:handoutMasterId r:id="rId22"/>
+  </p:handoutMasterIdLst>
   <p:sldIdLst>
     <p:sldId id="256" r:id="rId2"/>
     <p:sldId id="257" r:id="rId3"/>
@@ -33,28 +36,28 @@
   <p:embeddedFontLst>
     <p:embeddedFont>
       <p:font typeface="Calibri" panose="020F0502020204030204" pitchFamily="34" charset="0"/>
-      <p:regular r:id="rId22"/>
-      <p:bold r:id="rId23"/>
-      <p:italic r:id="rId24"/>
-      <p:boldItalic r:id="rId25"/>
+      <p:regular r:id="rId23"/>
+      <p:bold r:id="rId24"/>
+      <p:italic r:id="rId25"/>
+      <p:boldItalic r:id="rId26"/>
     </p:embeddedFont>
     <p:embeddedFont>
       <p:font typeface="Fira Sans Bold" panose="020B0604020202020204" charset="0"/>
-      <p:regular r:id="rId26"/>
+      <p:regular r:id="rId27"/>
     </p:embeddedFont>
     <p:embeddedFont>
       <p:font typeface="Fira Sans Light" panose="020B0403050000020004" pitchFamily="34" charset="0"/>
-      <p:regular r:id="rId27"/>
-      <p:italic r:id="rId28"/>
+      <p:regular r:id="rId28"/>
+      <p:italic r:id="rId29"/>
     </p:embeddedFont>
     <p:embeddedFont>
       <p:font typeface="Fira Sans Medium" panose="020B0603050000020004" pitchFamily="34" charset="0"/>
-      <p:regular r:id="rId29"/>
-      <p:italic r:id="rId30"/>
+      <p:regular r:id="rId30"/>
+      <p:italic r:id="rId31"/>
     </p:embeddedFont>
     <p:embeddedFont>
       <p:font typeface="Fira Sans Medium Bold" panose="020B0604020202020204" charset="0"/>
-      <p:regular r:id="rId31"/>
+      <p:regular r:id="rId32"/>
     </p:embeddedFont>
   </p:embeddedFontLst>
   <p:defaultTextStyle>
@@ -171,6 +174,196 @@
 </p:presentation>
 </file>
 
+<file path=ppt/handoutMasters/handoutMaster1.xml><?xml version="1.0" encoding="utf-8"?>
+<p:handoutMaster xmlns:a="http://schemas.openxmlformats.org/drawingml/2006/main" xmlns:r="http://schemas.openxmlformats.org/officeDocument/2006/relationships" xmlns:p="http://schemas.openxmlformats.org/presentationml/2006/main">
+  <p:cSld>
+    <p:bg>
+      <p:bgRef idx="1001">
+        <a:schemeClr val="bg1"/>
+      </p:bgRef>
+    </p:bg>
+    <p:spTree>
+      <p:nvGrpSpPr>
+        <p:cNvPr id="1" name=""/>
+        <p:cNvGrpSpPr/>
+        <p:nvPr/>
+      </p:nvGrpSpPr>
+      <p:grpSpPr>
+        <a:xfrm>
+          <a:off x="0" y="0"/>
+          <a:ext cx="0" cy="0"/>
+          <a:chOff x="0" y="0"/>
+          <a:chExt cx="0" cy="0"/>
+        </a:xfrm>
+      </p:grpSpPr>
+      <p:sp>
+        <p:nvSpPr>
+          <p:cNvPr id="2" name="Header Placeholder 1">
+            <a:extLst>
+              <a:ext uri="{FF2B5EF4-FFF2-40B4-BE49-F238E27FC236}">
+                <a16:creationId xmlns:a16="http://schemas.microsoft.com/office/drawing/2014/main" id="{82738BFE-3038-44A8-8C6D-DC69A0E521E3}"/>
+              </a:ext>
+            </a:extLst>
+          </p:cNvPr>
+          <p:cNvSpPr>
+            <a:spLocks noGrp="1"/>
+          </p:cNvSpPr>
+          <p:nvPr>
+            <p:ph type="hdr" sz="quarter"/>
+          </p:nvPr>
+        </p:nvSpPr>
+        <p:spPr>
+          <a:xfrm>
+            <a:off x="0" y="0"/>
+            <a:ext cx="2971800" cy="458788"/>
+          </a:xfrm>
+          <a:prstGeom prst="rect">
+            <a:avLst/>
+          </a:prstGeom>
+        </p:spPr>
+        <p:txBody>
+          <a:bodyPr vert="horz" lIns="91440" tIns="45720" rIns="91440" bIns="45720" rtlCol="0"/>
+          <a:lstStyle>
+            <a:lvl1pPr algn="l">
+              <a:defRPr sz="1200"/>
+            </a:lvl1pPr>
+          </a:lstStyle>
+          <a:p>
+            <a:endParaRPr lang="en-US"/>
+          </a:p>
+        </p:txBody>
+      </p:sp>
+      <p:sp>
+        <p:nvSpPr>
+          <p:cNvPr id="3" name="Date Placeholder 2">
+            <a:extLst>
+              <a:ext uri="{FF2B5EF4-FFF2-40B4-BE49-F238E27FC236}">
+                <a16:creationId xmlns:a16="http://schemas.microsoft.com/office/drawing/2014/main" id="{10771807-F826-46D6-B3FE-19A3FD9DC8B7}"/>
+              </a:ext>
+            </a:extLst>
+          </p:cNvPr>
+          <p:cNvSpPr>
+            <a:spLocks noGrp="1"/>
+          </p:cNvSpPr>
+          <p:nvPr>
+            <p:ph type="dt" sz="quarter" idx="1"/>
+          </p:nvPr>
+        </p:nvSpPr>
+        <p:spPr>
+          <a:xfrm>
+            <a:off x="3884613" y="0"/>
+            <a:ext cx="2971800" cy="458788"/>
+          </a:xfrm>
+          <a:prstGeom prst="rect">
+            <a:avLst/>
+          </a:prstGeom>
+        </p:spPr>
+        <p:txBody>
+          <a:bodyPr vert="horz" lIns="91440" tIns="45720" rIns="91440" bIns="45720" rtlCol="0"/>
+          <a:lstStyle>
+            <a:lvl1pPr algn="r">
+              <a:defRPr sz="1200"/>
+            </a:lvl1pPr>
+          </a:lstStyle>
+          <a:p>
+            <a:fld id="{1D2736A2-A73F-42A7-B910-78815A8DD633}" type="datetimeFigureOut">
+              <a:rPr lang="en-US" smtClean="0"/>
+              <a:t>12/26/2022</a:t>
+            </a:fld>
+            <a:endParaRPr lang="en-US"/>
+          </a:p>
+        </p:txBody>
+      </p:sp>
+      <p:sp>
+        <p:nvSpPr>
+          <p:cNvPr id="4" name="Footer Placeholder 3">
+            <a:extLst>
+              <a:ext uri="{FF2B5EF4-FFF2-40B4-BE49-F238E27FC236}">
+                <a16:creationId xmlns:a16="http://schemas.microsoft.com/office/drawing/2014/main" id="{011C3AFB-5131-4080-B983-22CFCA701E7A}"/>
+              </a:ext>
+            </a:extLst>
+          </p:cNvPr>
+          <p:cNvSpPr>
+            <a:spLocks noGrp="1"/>
+          </p:cNvSpPr>
+          <p:nvPr>
+            <p:ph type="ftr" sz="quarter" idx="2"/>
+          </p:nvPr>
+        </p:nvSpPr>
+        <p:spPr>
+          <a:xfrm>
+            <a:off x="0" y="8685213"/>
+            <a:ext cx="2971800" cy="458787"/>
+          </a:xfrm>
+          <a:prstGeom prst="rect">
+            <a:avLst/>
+          </a:prstGeom>
+        </p:spPr>
+        <p:txBody>
+          <a:bodyPr vert="horz" lIns="91440" tIns="45720" rIns="91440" bIns="45720" rtlCol="0" anchor="b"/>
+          <a:lstStyle>
+            <a:lvl1pPr algn="l">
+              <a:defRPr sz="1200"/>
+            </a:lvl1pPr>
+          </a:lstStyle>
+          <a:p>
+            <a:endParaRPr lang="en-US"/>
+          </a:p>
+        </p:txBody>
+      </p:sp>
+      <p:sp>
+        <p:nvSpPr>
+          <p:cNvPr id="5" name="Slide Number Placeholder 4">
+            <a:extLst>
+              <a:ext uri="{FF2B5EF4-FFF2-40B4-BE49-F238E27FC236}">
+                <a16:creationId xmlns:a16="http://schemas.microsoft.com/office/drawing/2014/main" id="{49EE16CA-AEEB-4726-82DF-50EB6D2B20B3}"/>
+              </a:ext>
+            </a:extLst>
+          </p:cNvPr>
+          <p:cNvSpPr>
+            <a:spLocks noGrp="1"/>
+          </p:cNvSpPr>
+          <p:nvPr>
+            <p:ph type="sldNum" sz="quarter" idx="3"/>
+          </p:nvPr>
+        </p:nvSpPr>
+        <p:spPr>
+          <a:xfrm>
+            <a:off x="3884613" y="8685213"/>
+            <a:ext cx="2971800" cy="458787"/>
+          </a:xfrm>
+          <a:prstGeom prst="rect">
+            <a:avLst/>
+          </a:prstGeom>
+        </p:spPr>
+        <p:txBody>
+          <a:bodyPr vert="horz" lIns="91440" tIns="45720" rIns="91440" bIns="45720" rtlCol="0" anchor="b"/>
+          <a:lstStyle>
+            <a:lvl1pPr algn="r">
+              <a:defRPr sz="1200"/>
+            </a:lvl1pPr>
+          </a:lstStyle>
+          <a:p>
+            <a:fld id="{60EF7CD3-9D2A-41E4-976B-E562FD06DA6C}" type="slidenum">
+              <a:rPr lang="en-US" smtClean="0"/>
+              <a:t>‹#›</a:t>
+            </a:fld>
+            <a:endParaRPr lang="en-US"/>
+          </a:p>
+        </p:txBody>
+      </p:sp>
+    </p:spTree>
+    <p:extLst>
+      <p:ext uri="{BB962C8B-B14F-4D97-AF65-F5344CB8AC3E}">
+        <p14:creationId xmlns:p14="http://schemas.microsoft.com/office/powerpoint/2010/main" val="4133998860"/>
+      </p:ext>
+    </p:extLst>
+  </p:cSld>
+  <p:clrMap bg1="lt1" tx1="dk1" bg2="lt2" tx2="dk2" accent1="accent1" accent2="accent2" accent3="accent3" accent4="accent4" accent5="accent5" accent6="accent6" hlink="hlink" folHlink="folHlink"/>
+  <p:hf hdr="0" ftr="0" dt="0"/>
+</p:handoutMaster>
+</file>
+
 <file path=ppt/notesMasters/notesMaster1.xml><?xml version="1.0" encoding="utf-8"?>
 <p:notesMaster xmlns:a="http://schemas.openxmlformats.org/drawingml/2006/main" xmlns:r="http://schemas.openxmlformats.org/officeDocument/2006/relationships" xmlns:p="http://schemas.openxmlformats.org/presentationml/2006/main">
   <p:cSld>
@@ -253,7 +446,7 @@
           <a:p>
             <a:fld id="{9CBA6B13-9F25-4674-AC6C-940F23F58396}" type="datetimeFigureOut">
               <a:rPr lang="en-US" smtClean="0"/>
-              <a:t>12/24/2022</a:t>
+              <a:t>12/26/2022</a:t>
             </a:fld>
             <a:endParaRPr lang="en-US"/>
           </a:p>
@@ -425,6 +618,7 @@
     </p:extLst>
   </p:cSld>
   <p:clrMap bg1="lt1" tx1="dk1" bg2="lt2" tx2="dk2" accent1="accent1" accent2="accent2" accent3="accent3" accent4="accent4" accent5="accent5" accent6="accent6" hlink="hlink" folHlink="folHlink"/>
+  <p:hf hdr="0" ftr="0" dt="0"/>
   <p:notesStyle>
     <a:lvl1pPr marL="0" algn="l" defTabSz="914400" rtl="0" eaLnBrk="1" latinLnBrk="0" hangingPunct="1">
       <a:defRPr sz="1200" kern="1200">
@@ -952,7 +1146,7 @@
             <a:fld id="{1D8BD707-D9CF-40AE-B4C6-C98DA3205C09}" type="datetimeFigureOut">
               <a:rPr lang="en-US" smtClean="0"/>
               <a:pPr/>
-              <a:t>12/24/2022</a:t>
+              <a:t>12/26/2022</a:t>
             </a:fld>
             <a:endParaRPr lang="en-US"/>
           </a:p>
@@ -1117,7 +1311,7 @@
             <a:fld id="{1D8BD707-D9CF-40AE-B4C6-C98DA3205C09}" type="datetimeFigureOut">
               <a:rPr lang="en-US" smtClean="0"/>
               <a:pPr/>
-              <a:t>12/24/2022</a:t>
+              <a:t>12/26/2022</a:t>
             </a:fld>
             <a:endParaRPr lang="en-US"/>
           </a:p>
@@ -1292,7 +1486,7 @@
             <a:fld id="{1D8BD707-D9CF-40AE-B4C6-C98DA3205C09}" type="datetimeFigureOut">
               <a:rPr lang="en-US" smtClean="0"/>
               <a:pPr/>
-              <a:t>12/24/2022</a:t>
+              <a:t>12/26/2022</a:t>
             </a:fld>
             <a:endParaRPr lang="en-US"/>
           </a:p>
@@ -1457,7 +1651,7 @@
             <a:fld id="{1D8BD707-D9CF-40AE-B4C6-C98DA3205C09}" type="datetimeFigureOut">
               <a:rPr lang="en-US" smtClean="0"/>
               <a:pPr/>
-              <a:t>12/24/2022</a:t>
+              <a:t>12/26/2022</a:t>
             </a:fld>
             <a:endParaRPr lang="en-US"/>
           </a:p>
@@ -1699,7 +1893,7 @@
             <a:fld id="{1D8BD707-D9CF-40AE-B4C6-C98DA3205C09}" type="datetimeFigureOut">
               <a:rPr lang="en-US" smtClean="0"/>
               <a:pPr/>
-              <a:t>12/24/2022</a:t>
+              <a:t>12/26/2022</a:t>
             </a:fld>
             <a:endParaRPr lang="en-US"/>
           </a:p>
@@ -1981,7 +2175,7 @@
             <a:fld id="{1D8BD707-D9CF-40AE-B4C6-C98DA3205C09}" type="datetimeFigureOut">
               <a:rPr lang="en-US" smtClean="0"/>
               <a:pPr/>
-              <a:t>12/24/2022</a:t>
+              <a:t>12/26/2022</a:t>
             </a:fld>
             <a:endParaRPr lang="en-US"/>
           </a:p>
@@ -2397,7 +2591,7 @@
             <a:fld id="{1D8BD707-D9CF-40AE-B4C6-C98DA3205C09}" type="datetimeFigureOut">
               <a:rPr lang="en-US" smtClean="0"/>
               <a:pPr/>
-              <a:t>12/24/2022</a:t>
+              <a:t>12/26/2022</a:t>
             </a:fld>
             <a:endParaRPr lang="en-US"/>
           </a:p>
@@ -2511,7 +2705,7 @@
             <a:fld id="{1D8BD707-D9CF-40AE-B4C6-C98DA3205C09}" type="datetimeFigureOut">
               <a:rPr lang="en-US" smtClean="0"/>
               <a:pPr/>
-              <a:t>12/24/2022</a:t>
+              <a:t>12/26/2022</a:t>
             </a:fld>
             <a:endParaRPr lang="en-US"/>
           </a:p>
@@ -2603,7 +2797,7 @@
             <a:fld id="{1D8BD707-D9CF-40AE-B4C6-C98DA3205C09}" type="datetimeFigureOut">
               <a:rPr lang="en-US" smtClean="0"/>
               <a:pPr/>
-              <a:t>12/24/2022</a:t>
+              <a:t>12/26/2022</a:t>
             </a:fld>
             <a:endParaRPr lang="en-US"/>
           </a:p>
@@ -2875,7 +3069,7 @@
             <a:fld id="{1D8BD707-D9CF-40AE-B4C6-C98DA3205C09}" type="datetimeFigureOut">
               <a:rPr lang="en-US" smtClean="0"/>
               <a:pPr/>
-              <a:t>12/24/2022</a:t>
+              <a:t>12/26/2022</a:t>
             </a:fld>
             <a:endParaRPr lang="en-US"/>
           </a:p>
@@ -3124,7 +3318,7 @@
             <a:fld id="{1D8BD707-D9CF-40AE-B4C6-C98DA3205C09}" type="datetimeFigureOut">
               <a:rPr lang="en-US" smtClean="0"/>
               <a:pPr/>
-              <a:t>12/24/2022</a:t>
+              <a:t>12/26/2022</a:t>
             </a:fld>
             <a:endParaRPr lang="en-US"/>
           </a:p>
@@ -3332,7 +3526,7 @@
             <a:fld id="{1D8BD707-D9CF-40AE-B4C6-C98DA3205C09}" type="datetimeFigureOut">
               <a:rPr lang="en-US" smtClean="0"/>
               <a:pPr/>
-              <a:t>12/24/2022</a:t>
+              <a:t>12/26/2022</a:t>
             </a:fld>
             <a:endParaRPr lang="en-US"/>
           </a:p>
@@ -16728,4 +16922,299 @@
     </a:ext>
   </a:extLst>
 </a:theme>
+</file>
+
+<file path=ppt/theme/theme3.xml><?xml version="1.0" encoding="utf-8"?>
+<a:theme xmlns:a="http://schemas.openxmlformats.org/drawingml/2006/main" name="Office Theme">
+  <a:themeElements>
+    <a:clrScheme name="Office">
+      <a:dk1>
+        <a:sysClr val="windowText" lastClr="000000"/>
+      </a:dk1>
+      <a:lt1>
+        <a:sysClr val="window" lastClr="FFFFFF"/>
+      </a:lt1>
+      <a:dk2>
+        <a:srgbClr val="44546A"/>
+      </a:dk2>
+      <a:lt2>
+        <a:srgbClr val="E7E6E6"/>
+      </a:lt2>
+      <a:accent1>
+        <a:srgbClr val="4472C4"/>
+      </a:accent1>
+      <a:accent2>
+        <a:srgbClr val="ED7D31"/>
+      </a:accent2>
+      <a:accent3>
+        <a:srgbClr val="A5A5A5"/>
+      </a:accent3>
+      <a:accent4>
+        <a:srgbClr val="FFC000"/>
+      </a:accent4>
+      <a:accent5>
+        <a:srgbClr val="5B9BD5"/>
+      </a:accent5>
+      <a:accent6>
+        <a:srgbClr val="70AD47"/>
+      </a:accent6>
+      <a:hlink>
+        <a:srgbClr val="0563C1"/>
+      </a:hlink>
+      <a:folHlink>
+        <a:srgbClr val="954F72"/>
+      </a:folHlink>
+    </a:clrScheme>
+    <a:fontScheme name="Office">
+      <a:majorFont>
+        <a:latin typeface="Calibri Light" panose="020F0302020204030204"/>
+        <a:ea typeface=""/>
+        <a:cs typeface=""/>
+        <a:font script="Jpan" typeface="游ゴシック Light"/>
+        <a:font script="Hang" typeface="맑은 고딕"/>
+        <a:font script="Hans" typeface="等线 Light"/>
+        <a:font script="Hant" typeface="新細明體"/>
+        <a:font script="Arab" typeface="Times New Roman"/>
+        <a:font script="Hebr" typeface="Times New Roman"/>
+        <a:font script="Thai" typeface="Angsana New"/>
+        <a:font script="Ethi" typeface="Nyala"/>
+        <a:font script="Beng" typeface="Vrinda"/>
+        <a:font script="Gujr" typeface="Shruti"/>
+        <a:font script="Khmr" typeface="MoolBoran"/>
+        <a:font script="Knda" typeface="Tunga"/>
+        <a:font script="Guru" typeface="Raavi"/>
+        <a:font script="Cans" typeface="Euphemia"/>
+        <a:font script="Cher" typeface="Plantagenet Cherokee"/>
+        <a:font script="Yiii" typeface="Microsoft Yi Baiti"/>
+        <a:font script="Tibt" typeface="Microsoft Himalaya"/>
+        <a:font script="Thaa" typeface="MV Boli"/>
+        <a:font script="Deva" typeface="Mangal"/>
+        <a:font script="Telu" typeface="Gautami"/>
+        <a:font script="Taml" typeface="Latha"/>
+        <a:font script="Syrc" typeface="Estrangelo Edessa"/>
+        <a:font script="Orya" typeface="Kalinga"/>
+        <a:font script="Mlym" typeface="Kartika"/>
+        <a:font script="Laoo" typeface="DokChampa"/>
+        <a:font script="Sinh" typeface="Iskoola Pota"/>
+        <a:font script="Mong" typeface="Mongolian Baiti"/>
+        <a:font script="Viet" typeface="Times New Roman"/>
+        <a:font script="Uigh" typeface="Microsoft Uighur"/>
+        <a:font script="Geor" typeface="Sylfaen"/>
+        <a:font script="Armn" typeface="Arial"/>
+        <a:font script="Bugi" typeface="Leelawadee UI"/>
+        <a:font script="Bopo" typeface="Microsoft JhengHei"/>
+        <a:font script="Java" typeface="Javanese Text"/>
+        <a:font script="Lisu" typeface="Segoe UI"/>
+        <a:font script="Mymr" typeface="Myanmar Text"/>
+        <a:font script="Nkoo" typeface="Ebrima"/>
+        <a:font script="Olck" typeface="Nirmala UI"/>
+        <a:font script="Osma" typeface="Ebrima"/>
+        <a:font script="Phag" typeface="Phagspa"/>
+        <a:font script="Syrn" typeface="Estrangelo Edessa"/>
+        <a:font script="Syrj" typeface="Estrangelo Edessa"/>
+        <a:font script="Syre" typeface="Estrangelo Edessa"/>
+        <a:font script="Sora" typeface="Nirmala UI"/>
+        <a:font script="Tale" typeface="Microsoft Tai Le"/>
+        <a:font script="Talu" typeface="Microsoft New Tai Lue"/>
+        <a:font script="Tfng" typeface="Ebrima"/>
+      </a:majorFont>
+      <a:minorFont>
+        <a:latin typeface="Calibri" panose="020F0502020204030204"/>
+        <a:ea typeface=""/>
+        <a:cs typeface=""/>
+        <a:font script="Jpan" typeface="游ゴシック"/>
+        <a:font script="Hang" typeface="맑은 고딕"/>
+        <a:font script="Hans" typeface="等线"/>
+        <a:font script="Hant" typeface="新細明體"/>
+        <a:font script="Arab" typeface="Arial"/>
+        <a:font script="Hebr" typeface="Arial"/>
+        <a:font script="Thai" typeface="Cordia New"/>
+        <a:font script="Ethi" typeface="Nyala"/>
+        <a:font script="Beng" typeface="Vrinda"/>
+        <a:font script="Gujr" typeface="Shruti"/>
+        <a:font script="Khmr" typeface="DaunPenh"/>
+        <a:font script="Knda" typeface="Tunga"/>
+        <a:font script="Guru" typeface="Raavi"/>
+        <a:font script="Cans" typeface="Euphemia"/>
+        <a:font script="Cher" typeface="Plantagenet Cherokee"/>
+        <a:font script="Yiii" typeface="Microsoft Yi Baiti"/>
+        <a:font script="Tibt" typeface="Microsoft Himalaya"/>
+        <a:font script="Thaa" typeface="MV Boli"/>
+        <a:font script="Deva" typeface="Mangal"/>
+        <a:font script="Telu" typeface="Gautami"/>
+        <a:font script="Taml" typeface="Latha"/>
+        <a:font script="Syrc" typeface="Estrangelo Edessa"/>
+        <a:font script="Orya" typeface="Kalinga"/>
+        <a:font script="Mlym" typeface="Kartika"/>
+        <a:font script="Laoo" typeface="DokChampa"/>
+        <a:font script="Sinh" typeface="Iskoola Pota"/>
+        <a:font script="Mong" typeface="Mongolian Baiti"/>
+        <a:font script="Viet" typeface="Arial"/>
+        <a:font script="Uigh" typeface="Microsoft Uighur"/>
+        <a:font script="Geor" typeface="Sylfaen"/>
+        <a:font script="Armn" typeface="Arial"/>
+        <a:font script="Bugi" typeface="Leelawadee UI"/>
+        <a:font script="Bopo" typeface="Microsoft JhengHei"/>
+        <a:font script="Java" typeface="Javanese Text"/>
+        <a:font script="Lisu" typeface="Segoe UI"/>
+        <a:font script="Mymr" typeface="Myanmar Text"/>
+        <a:font script="Nkoo" typeface="Ebrima"/>
+        <a:font script="Olck" typeface="Nirmala UI"/>
+        <a:font script="Osma" typeface="Ebrima"/>
+        <a:font script="Phag" typeface="Phagspa"/>
+        <a:font script="Syrn" typeface="Estrangelo Edessa"/>
+        <a:font script="Syrj" typeface="Estrangelo Edessa"/>
+        <a:font script="Syre" typeface="Estrangelo Edessa"/>
+        <a:font script="Sora" typeface="Nirmala UI"/>
+        <a:font script="Tale" typeface="Microsoft Tai Le"/>
+        <a:font script="Talu" typeface="Microsoft New Tai Lue"/>
+        <a:font script="Tfng" typeface="Ebrima"/>
+      </a:minorFont>
+    </a:fontScheme>
+    <a:fmtScheme name="Office">
+      <a:fillStyleLst>
+        <a:solidFill>
+          <a:schemeClr val="phClr"/>
+        </a:solidFill>
+        <a:gradFill rotWithShape="1">
+          <a:gsLst>
+            <a:gs pos="0">
+              <a:schemeClr val="phClr">
+                <a:lumMod val="110000"/>
+                <a:satMod val="105000"/>
+                <a:tint val="67000"/>
+              </a:schemeClr>
+            </a:gs>
+            <a:gs pos="50000">
+              <a:schemeClr val="phClr">
+                <a:lumMod val="105000"/>
+                <a:satMod val="103000"/>
+                <a:tint val="73000"/>
+              </a:schemeClr>
+            </a:gs>
+            <a:gs pos="100000">
+              <a:schemeClr val="phClr">
+                <a:lumMod val="105000"/>
+                <a:satMod val="109000"/>
+                <a:tint val="81000"/>
+              </a:schemeClr>
+            </a:gs>
+          </a:gsLst>
+          <a:lin ang="5400000" scaled="0"/>
+        </a:gradFill>
+        <a:gradFill rotWithShape="1">
+          <a:gsLst>
+            <a:gs pos="0">
+              <a:schemeClr val="phClr">
+                <a:satMod val="103000"/>
+                <a:lumMod val="102000"/>
+                <a:tint val="94000"/>
+              </a:schemeClr>
+            </a:gs>
+            <a:gs pos="50000">
+              <a:schemeClr val="phClr">
+                <a:satMod val="110000"/>
+                <a:lumMod val="100000"/>
+                <a:shade val="100000"/>
+              </a:schemeClr>
+            </a:gs>
+            <a:gs pos="100000">
+              <a:schemeClr val="phClr">
+                <a:lumMod val="99000"/>
+                <a:satMod val="120000"/>
+                <a:shade val="78000"/>
+              </a:schemeClr>
+            </a:gs>
+          </a:gsLst>
+          <a:lin ang="5400000" scaled="0"/>
+        </a:gradFill>
+      </a:fillStyleLst>
+      <a:lnStyleLst>
+        <a:ln w="6350" cap="flat" cmpd="sng" algn="ctr">
+          <a:solidFill>
+            <a:schemeClr val="phClr"/>
+          </a:solidFill>
+          <a:prstDash val="solid"/>
+          <a:miter lim="800000"/>
+        </a:ln>
+        <a:ln w="12700" cap="flat" cmpd="sng" algn="ctr">
+          <a:solidFill>
+            <a:schemeClr val="phClr"/>
+          </a:solidFill>
+          <a:prstDash val="solid"/>
+          <a:miter lim="800000"/>
+        </a:ln>
+        <a:ln w="19050" cap="flat" cmpd="sng" algn="ctr">
+          <a:solidFill>
+            <a:schemeClr val="phClr"/>
+          </a:solidFill>
+          <a:prstDash val="solid"/>
+          <a:miter lim="800000"/>
+        </a:ln>
+      </a:lnStyleLst>
+      <a:effectStyleLst>
+        <a:effectStyle>
+          <a:effectLst/>
+        </a:effectStyle>
+        <a:effectStyle>
+          <a:effectLst/>
+        </a:effectStyle>
+        <a:effectStyle>
+          <a:effectLst>
+            <a:outerShdw blurRad="57150" dist="19050" dir="5400000" algn="ctr" rotWithShape="0">
+              <a:srgbClr val="000000">
+                <a:alpha val="63000"/>
+              </a:srgbClr>
+            </a:outerShdw>
+          </a:effectLst>
+        </a:effectStyle>
+      </a:effectStyleLst>
+      <a:bgFillStyleLst>
+        <a:solidFill>
+          <a:schemeClr val="phClr"/>
+        </a:solidFill>
+        <a:solidFill>
+          <a:schemeClr val="phClr">
+            <a:tint val="95000"/>
+            <a:satMod val="170000"/>
+          </a:schemeClr>
+        </a:solidFill>
+        <a:gradFill rotWithShape="1">
+          <a:gsLst>
+            <a:gs pos="0">
+              <a:schemeClr val="phClr">
+                <a:tint val="93000"/>
+                <a:satMod val="150000"/>
+                <a:shade val="98000"/>
+                <a:lumMod val="102000"/>
+              </a:schemeClr>
+            </a:gs>
+            <a:gs pos="50000">
+              <a:schemeClr val="phClr">
+                <a:tint val="98000"/>
+                <a:satMod val="130000"/>
+                <a:shade val="90000"/>
+                <a:lumMod val="103000"/>
+              </a:schemeClr>
+            </a:gs>
+            <a:gs pos="100000">
+              <a:schemeClr val="phClr">
+                <a:shade val="63000"/>
+                <a:satMod val="120000"/>
+              </a:schemeClr>
+            </a:gs>
+          </a:gsLst>
+          <a:lin ang="5400000" scaled="0"/>
+        </a:gradFill>
+      </a:bgFillStyleLst>
+    </a:fmtScheme>
+  </a:themeElements>
+  <a:objectDefaults/>
+  <a:extraClrSchemeLst/>
+  <a:extLst>
+    <a:ext uri="{05A4C25C-085E-4340-85A3-A5531E510DB2}">
+      <thm15:themeFamily xmlns:thm15="http://schemas.microsoft.com/office/thememl/2012/main" name="Office Theme" id="{62F939B6-93AF-4DB8-9C6B-D6C7DFDC589F}" vid="{4A3C46E8-61CC-4603-A589-7422A47A8E4A}"/>
+    </a:ext>
+  </a:extLst>
+</a:theme>
 </file>